--- a/jaws-ug-map.pptx
+++ b/jaws-ug-map.pptx
@@ -460,7 +460,7 @@
           <a:p>
             <a:fld id="{195D5D39-0FF9-BB4D-9F3F-B5B019FA0F62}" type="datetimeFigureOut">
               <a:rPr kumimoji="1" lang="ja-JP" altLang="en-US" smtClean="0"/>
-              <a:t>15.06.16</a:t>
+              <a:t>16/03/04</a:t>
             </a:fld>
             <a:endParaRPr kumimoji="1" lang="ja-JP" altLang="en-US"/>
           </a:p>
@@ -694,7 +694,7 @@
           <a:p>
             <a:fld id="{E9B2F60E-F6FF-AA42-A4FB-1F6800F4E265}" type="datetimeFigureOut">
               <a:rPr kumimoji="1" lang="ja-JP" altLang="en-US" smtClean="0"/>
-              <a:t>15.06.16</a:t>
+              <a:t>16/03/04</a:t>
             </a:fld>
             <a:endParaRPr kumimoji="1" lang="ja-JP" altLang="en-US"/>
           </a:p>
@@ -941,7 +941,7 @@
           <a:p>
             <a:fld id="{195D5D39-0FF9-BB4D-9F3F-B5B019FA0F62}" type="datetimeFigureOut">
               <a:rPr kumimoji="1" lang="ja-JP" altLang="en-US" smtClean="0"/>
-              <a:t>15.06.16</a:t>
+              <a:t>16/03/04</a:t>
             </a:fld>
             <a:endParaRPr kumimoji="1" lang="ja-JP" altLang="en-US"/>
           </a:p>
@@ -1068,7 +1068,7 @@
           <a:p>
             <a:fld id="{195D5D39-0FF9-BB4D-9F3F-B5B019FA0F62}" type="datetimeFigureOut">
               <a:rPr kumimoji="1" lang="ja-JP" altLang="en-US" smtClean="0"/>
-              <a:t>15.06.16</a:t>
+              <a:t>16/03/04</a:t>
             </a:fld>
             <a:endParaRPr kumimoji="1" lang="ja-JP" altLang="en-US"/>
           </a:p>
@@ -1733,7 +1733,7 @@
           <a:p>
             <a:fld id="{195D5D39-0FF9-BB4D-9F3F-B5B019FA0F62}" type="datetimeFigureOut">
               <a:rPr kumimoji="1" lang="ja-JP" altLang="en-US" smtClean="0"/>
-              <a:t>15.06.16</a:t>
+              <a:t>16/03/04</a:t>
             </a:fld>
             <a:endParaRPr kumimoji="1" lang="ja-JP" altLang="en-US"/>
           </a:p>
@@ -2106,27 +2106,28 @@
       </p:grpSpPr>
       <p:pic>
         <p:nvPicPr>
-          <p:cNvPr id="118" name="図 117" descr="jaws-ug-map.pdf"/>
+          <p:cNvPr id="3" name="図 2" descr="jaws-ug-map.png"/>
           <p:cNvPicPr>
             <a:picLocks noChangeAspect="1"/>
           </p:cNvPicPr>
           <p:nvPr/>
         </p:nvPicPr>
-        <p:blipFill rotWithShape="1">
-          <a:blip r:embed="rId2">
+        <p:blipFill>
+          <a:blip r:embed="rId2" cstate="print">
             <a:extLst>
               <a:ext uri="{28A0092B-C50C-407E-A947-70E740481C1C}">
                 <a14:useLocalDpi xmlns:a14="http://schemas.microsoft.com/office/drawing/2010/main" val="0"/>
               </a:ext>
             </a:extLst>
           </a:blip>
-          <a:srcRect l="6428" t="4917" r="5166" b="4108"/>
-          <a:stretch/>
+          <a:stretch>
+            <a:fillRect/>
+          </a:stretch>
         </p:blipFill>
         <p:spPr>
           <a:xfrm>
-            <a:off x="163058" y="0"/>
-            <a:ext cx="8874700" cy="6308839"/>
+            <a:off x="341086" y="55775"/>
+            <a:ext cx="8468477" cy="5822514"/>
           </a:xfrm>
           <a:prstGeom prst="rect">
             <a:avLst/>
@@ -2141,8 +2142,8 @@
         </p:nvSpPr>
         <p:spPr>
           <a:xfrm>
-            <a:off x="163058" y="5080410"/>
-            <a:ext cx="2803830" cy="1231106"/>
+            <a:off x="0" y="5921831"/>
+            <a:ext cx="9144000" cy="723275"/>
           </a:xfrm>
           <a:prstGeom prst="rect">
             <a:avLst/>
@@ -2162,14 +2163,14 @@
           </a:bodyPr>
           <a:lstStyle/>
           <a:p>
-            <a:pPr lvl="0">
+            <a:pPr lvl="0" algn="ctr">
               <a:buClr>
                 <a:srgbClr val="000000"/>
               </a:buClr>
               <a:defRPr sz="1800"/>
             </a:pPr>
             <a:r>
-              <a:rPr sz="1500" dirty="0">
+              <a:rPr sz="1400" dirty="0">
                 <a:uFill>
                   <a:solidFill/>
                 </a:uFill>
@@ -2182,14 +2183,14 @@
             </a:r>
           </a:p>
           <a:p>
-            <a:pPr lvl="0">
+            <a:pPr lvl="0" algn="ctr">
               <a:buClr>
                 <a:srgbClr val="000000"/>
               </a:buClr>
               <a:defRPr sz="1800"/>
             </a:pPr>
             <a:r>
-              <a:rPr sz="1500" dirty="0">
+              <a:rPr sz="1400" dirty="0">
                 <a:uFill>
                   <a:solidFill/>
                 </a:uFill>
@@ -2201,7 +2202,7 @@
               <a:t>初心者から上級者までAWS</a:t>
             </a:r>
             <a:r>
-              <a:rPr sz="1500" dirty="0" smtClean="0">
+              <a:rPr sz="1400" dirty="0" smtClean="0">
                 <a:uFill>
                   <a:solidFill/>
                 </a:uFill>
@@ -2210,10 +2211,10 @@
                 <a:cs typeface="+mn-cs"/>
                 <a:sym typeface="メイリオ"/>
               </a:rPr>
-              <a:t>に</a:t>
-            </a:r>
-            <a:r>
-              <a:rPr lang="en-US" sz="1500" dirty="0" smtClean="0">
+              <a:t>に興味</a:t>
+            </a:r>
+            <a:r>
+              <a:rPr sz="1400" dirty="0">
                 <a:uFill>
                   <a:solidFill/>
                 </a:uFill>
@@ -2222,10 +2223,10 @@
                 <a:cs typeface="+mn-cs"/>
                 <a:sym typeface="メイリオ"/>
               </a:rPr>
-              <a:t/>
-            </a:r>
-            <a:br>
-              <a:rPr lang="en-US" sz="1500" dirty="0" smtClean="0">
+              <a:t>を持つ方が</a:t>
+            </a:r>
+            <a:r>
+              <a:rPr sz="1400" dirty="0" smtClean="0">
                 <a:uFill>
                   <a:solidFill/>
                 </a:uFill>
@@ -2234,9 +2235,27 @@
                 <a:cs typeface="+mn-cs"/>
                 <a:sym typeface="メイリオ"/>
               </a:rPr>
-            </a:br>
-            <a:r>
-              <a:rPr sz="1500" dirty="0" smtClean="0">
+              <a:t>集まり</a:t>
+            </a:r>
+            <a:endParaRPr lang="en-US" sz="1400" dirty="0" smtClean="0">
+              <a:uFill>
+                <a:solidFill/>
+              </a:uFill>
+              <a:latin typeface="+mn-lt"/>
+              <a:ea typeface="+mn-ea"/>
+              <a:cs typeface="+mn-cs"/>
+              <a:sym typeface="メイリオ"/>
+            </a:endParaRPr>
+          </a:p>
+          <a:p>
+            <a:pPr lvl="0" algn="ctr">
+              <a:buClr>
+                <a:srgbClr val="000000"/>
+              </a:buClr>
+              <a:defRPr sz="1800"/>
+            </a:pPr>
+            <a:r>
+              <a:rPr sz="1400" dirty="0" smtClean="0">
                 <a:uFill>
                   <a:solidFill/>
                 </a:uFill>
@@ -2245,10 +2264,10 @@
                 <a:cs typeface="+mn-cs"/>
                 <a:sym typeface="メイリオ"/>
               </a:rPr>
-              <a:t>興味</a:t>
-            </a:r>
-            <a:r>
-              <a:rPr sz="1500" dirty="0">
+              <a:t>情報交換技術</a:t>
+            </a:r>
+            <a:r>
+              <a:rPr sz="1400" dirty="0">
                 <a:uFill>
                   <a:solidFill/>
                 </a:uFill>
@@ -2257,27 +2276,7 @@
                 <a:cs typeface="+mn-cs"/>
                 <a:sym typeface="メイリオ"/>
               </a:rPr>
-              <a:t>を持つ方が集まり情報交換</a:t>
-            </a:r>
-          </a:p>
-          <a:p>
-            <a:pPr lvl="0">
-              <a:buClr>
-                <a:srgbClr val="000000"/>
-              </a:buClr>
-              <a:defRPr sz="1800"/>
-            </a:pPr>
-            <a:r>
-              <a:rPr sz="1500" dirty="0">
-                <a:uFill>
-                  <a:solidFill/>
-                </a:uFill>
-                <a:latin typeface="+mn-lt"/>
-                <a:ea typeface="+mn-ea"/>
-                <a:cs typeface="+mn-cs"/>
-                <a:sym typeface="メイリオ"/>
-              </a:rPr>
-              <a:t>技術情報やAWS事例まで幅広く集められます。</a:t>
+              <a:t>情報やAWS事例まで幅広く集められます。</a:t>
             </a:r>
           </a:p>
         </p:txBody>

--- a/jaws-ug-map.pptx
+++ b/jaws-ug-map.pptx
@@ -460,7 +460,7 @@
           <a:p>
             <a:fld id="{195D5D39-0FF9-BB4D-9F3F-B5B019FA0F62}" type="datetimeFigureOut">
               <a:rPr kumimoji="1" lang="ja-JP" altLang="en-US" smtClean="0"/>
-              <a:t>16/03/04</a:t>
+              <a:t>16/03/05</a:t>
             </a:fld>
             <a:endParaRPr kumimoji="1" lang="ja-JP" altLang="en-US"/>
           </a:p>
@@ -694,7 +694,7 @@
           <a:p>
             <a:fld id="{E9B2F60E-F6FF-AA42-A4FB-1F6800F4E265}" type="datetimeFigureOut">
               <a:rPr kumimoji="1" lang="ja-JP" altLang="en-US" smtClean="0"/>
-              <a:t>16/03/04</a:t>
+              <a:t>16/03/05</a:t>
             </a:fld>
             <a:endParaRPr kumimoji="1" lang="ja-JP" altLang="en-US"/>
           </a:p>
@@ -941,7 +941,7 @@
           <a:p>
             <a:fld id="{195D5D39-0FF9-BB4D-9F3F-B5B019FA0F62}" type="datetimeFigureOut">
               <a:rPr kumimoji="1" lang="ja-JP" altLang="en-US" smtClean="0"/>
-              <a:t>16/03/04</a:t>
+              <a:t>16/03/05</a:t>
             </a:fld>
             <a:endParaRPr kumimoji="1" lang="ja-JP" altLang="en-US"/>
           </a:p>
@@ -1068,7 +1068,7 @@
           <a:p>
             <a:fld id="{195D5D39-0FF9-BB4D-9F3F-B5B019FA0F62}" type="datetimeFigureOut">
               <a:rPr kumimoji="1" lang="ja-JP" altLang="en-US" smtClean="0"/>
-              <a:t>16/03/04</a:t>
+              <a:t>16/03/05</a:t>
             </a:fld>
             <a:endParaRPr kumimoji="1" lang="ja-JP" altLang="en-US"/>
           </a:p>
@@ -1733,7 +1733,7 @@
           <a:p>
             <a:fld id="{195D5D39-0FF9-BB4D-9F3F-B5B019FA0F62}" type="datetimeFigureOut">
               <a:rPr kumimoji="1" lang="ja-JP" altLang="en-US" smtClean="0"/>
-              <a:t>16/03/04</a:t>
+              <a:t>16/03/05</a:t>
             </a:fld>
             <a:endParaRPr kumimoji="1" lang="ja-JP" altLang="en-US"/>
           </a:p>
@@ -2106,7 +2106,7 @@
       </p:grpSpPr>
       <p:pic>
         <p:nvPicPr>
-          <p:cNvPr id="3" name="図 2" descr="jaws-ug-map.png"/>
+          <p:cNvPr id="4" name="図 3" descr="jaws-ug-map.png"/>
           <p:cNvPicPr>
             <a:picLocks noChangeAspect="1"/>
           </p:cNvPicPr>
@@ -2126,8 +2126,8 @@
         </p:blipFill>
         <p:spPr>
           <a:xfrm>
-            <a:off x="341086" y="55775"/>
-            <a:ext cx="8468477" cy="5822514"/>
+            <a:off x="202037" y="0"/>
+            <a:ext cx="8739925" cy="6009149"/>
           </a:xfrm>
           <a:prstGeom prst="rect">
             <a:avLst/>

--- a/jaws-ug-map.pptx
+++ b/jaws-ug-map.pptx
@@ -460,7 +460,7 @@
           <a:p>
             <a:fld id="{195D5D39-0FF9-BB4D-9F3F-B5B019FA0F62}" type="datetimeFigureOut">
               <a:rPr kumimoji="1" lang="ja-JP" altLang="en-US" smtClean="0"/>
-              <a:t>16/03/05</a:t>
+              <a:t>16/05/31</a:t>
             </a:fld>
             <a:endParaRPr kumimoji="1" lang="ja-JP" altLang="en-US"/>
           </a:p>
@@ -694,7 +694,7 @@
           <a:p>
             <a:fld id="{E9B2F60E-F6FF-AA42-A4FB-1F6800F4E265}" type="datetimeFigureOut">
               <a:rPr kumimoji="1" lang="ja-JP" altLang="en-US" smtClean="0"/>
-              <a:t>16/03/05</a:t>
+              <a:t>16/05/31</a:t>
             </a:fld>
             <a:endParaRPr kumimoji="1" lang="ja-JP" altLang="en-US"/>
           </a:p>
@@ -941,7 +941,7 @@
           <a:p>
             <a:fld id="{195D5D39-0FF9-BB4D-9F3F-B5B019FA0F62}" type="datetimeFigureOut">
               <a:rPr kumimoji="1" lang="ja-JP" altLang="en-US" smtClean="0"/>
-              <a:t>16/03/05</a:t>
+              <a:t>16/05/31</a:t>
             </a:fld>
             <a:endParaRPr kumimoji="1" lang="ja-JP" altLang="en-US"/>
           </a:p>
@@ -1068,7 +1068,7 @@
           <a:p>
             <a:fld id="{195D5D39-0FF9-BB4D-9F3F-B5B019FA0F62}" type="datetimeFigureOut">
               <a:rPr kumimoji="1" lang="ja-JP" altLang="en-US" smtClean="0"/>
-              <a:t>16/03/05</a:t>
+              <a:t>16/05/31</a:t>
             </a:fld>
             <a:endParaRPr kumimoji="1" lang="ja-JP" altLang="en-US"/>
           </a:p>
@@ -1733,7 +1733,7 @@
           <a:p>
             <a:fld id="{195D5D39-0FF9-BB4D-9F3F-B5B019FA0F62}" type="datetimeFigureOut">
               <a:rPr kumimoji="1" lang="ja-JP" altLang="en-US" smtClean="0"/>
-              <a:t>16/03/05</a:t>
+              <a:t>16/05/31</a:t>
             </a:fld>
             <a:endParaRPr kumimoji="1" lang="ja-JP" altLang="en-US"/>
           </a:p>
@@ -2106,7 +2106,7 @@
       </p:grpSpPr>
       <p:pic>
         <p:nvPicPr>
-          <p:cNvPr id="4" name="図 3" descr="jaws-ug-map.png"/>
+          <p:cNvPr id="3" name="図 2" descr="jaws-ug-map.png"/>
           <p:cNvPicPr>
             <a:picLocks noChangeAspect="1"/>
           </p:cNvPicPr>
@@ -2126,8 +2126,8 @@
         </p:blipFill>
         <p:spPr>
           <a:xfrm>
-            <a:off x="202037" y="0"/>
-            <a:ext cx="8739925" cy="6009149"/>
+            <a:off x="220878" y="0"/>
+            <a:ext cx="8517604" cy="6089591"/>
           </a:xfrm>
           <a:prstGeom prst="rect">
             <a:avLst/>
@@ -2142,7 +2142,7 @@
         </p:nvSpPr>
         <p:spPr>
           <a:xfrm>
-            <a:off x="0" y="5921831"/>
+            <a:off x="0" y="6018473"/>
             <a:ext cx="9144000" cy="723275"/>
           </a:xfrm>
           <a:prstGeom prst="rect">

--- a/jaws-ug-map.pptx
+++ b/jaws-ug-map.pptx
@@ -1,6 +1,6 @@
 
 <file path=ppt/presentation.xml><?xml version="1.0" encoding="utf-8"?>
-<p:presentation xmlns:a="http://schemas.openxmlformats.org/drawingml/2006/main" xmlns:r="http://schemas.openxmlformats.org/officeDocument/2006/relationships" xmlns:p="http://schemas.openxmlformats.org/presentationml/2006/main">
+<p:presentation xmlns:a="http://schemas.openxmlformats.org/drawingml/2006/main" xmlns:r="http://schemas.openxmlformats.org/officeDocument/2006/relationships" xmlns:p="http://schemas.openxmlformats.org/presentationml/2006/main" saveSubsetFonts="1">
   <p:sldMasterIdLst>
     <p:sldMasterId id="2147483659" r:id="rId1"/>
   </p:sldMasterIdLst>
@@ -86,6 +86,22 @@
       </a:defRPr>
     </a:lvl9pPr>
   </p:defaultTextStyle>
+  <p:extLst>
+    <p:ext uri="{EFAFB233-063F-42B5-8137-9DF3F51BA10A}">
+      <p15:sldGuideLst xmlns:p15="http://schemas.microsoft.com/office/powerpoint/2012/main">
+        <p15:guide id="1" orient="horz" pos="2160">
+          <p15:clr>
+            <a:srgbClr val="A4A3A4"/>
+          </p15:clr>
+        </p15:guide>
+        <p15:guide id="2" pos="2880">
+          <p15:clr>
+            <a:srgbClr val="A4A3A4"/>
+          </p15:clr>
+        </p15:guide>
+      </p15:sldGuideLst>
+    </p:ext>
+  </p:extLst>
 </p:presentation>
 </file>
 
@@ -460,7 +476,7 @@
           <a:p>
             <a:fld id="{195D5D39-0FF9-BB4D-9F3F-B5B019FA0F62}" type="datetimeFigureOut">
               <a:rPr kumimoji="1" lang="ja-JP" altLang="en-US" smtClean="0"/>
-              <a:t>16/05/31</a:t>
+              <a:t>2017/11/23</a:t>
             </a:fld>
             <a:endParaRPr kumimoji="1" lang="ja-JP" altLang="en-US"/>
           </a:p>
@@ -694,7 +710,7 @@
           <a:p>
             <a:fld id="{E9B2F60E-F6FF-AA42-A4FB-1F6800F4E265}" type="datetimeFigureOut">
               <a:rPr kumimoji="1" lang="ja-JP" altLang="en-US" smtClean="0"/>
-              <a:t>16/05/31</a:t>
+              <a:t>2017/11/23</a:t>
             </a:fld>
             <a:endParaRPr kumimoji="1" lang="ja-JP" altLang="en-US"/>
           </a:p>
@@ -941,7 +957,7 @@
           <a:p>
             <a:fld id="{195D5D39-0FF9-BB4D-9F3F-B5B019FA0F62}" type="datetimeFigureOut">
               <a:rPr kumimoji="1" lang="ja-JP" altLang="en-US" smtClean="0"/>
-              <a:t>16/05/31</a:t>
+              <a:t>2017/11/23</a:t>
             </a:fld>
             <a:endParaRPr kumimoji="1" lang="ja-JP" altLang="en-US"/>
           </a:p>
@@ -1068,7 +1084,7 @@
           <a:p>
             <a:fld id="{195D5D39-0FF9-BB4D-9F3F-B5B019FA0F62}" type="datetimeFigureOut">
               <a:rPr kumimoji="1" lang="ja-JP" altLang="en-US" smtClean="0"/>
-              <a:t>16/05/31</a:t>
+              <a:t>2017/11/23</a:t>
             </a:fld>
             <a:endParaRPr kumimoji="1" lang="ja-JP" altLang="en-US"/>
           </a:p>
@@ -1545,7 +1561,7 @@
   <p:clrMapOvr>
     <a:masterClrMapping/>
   </p:clrMapOvr>
-  <p:transition xmlns:p14="http://schemas.microsoft.com/office/powerpoint/2010/main" spd="med"/>
+  <p:transition spd="med"/>
 </p:sldLayout>
 </file>
 
@@ -1733,7 +1749,7 @@
           <a:p>
             <a:fld id="{195D5D39-0FF9-BB4D-9F3F-B5B019FA0F62}" type="datetimeFigureOut">
               <a:rPr kumimoji="1" lang="ja-JP" altLang="en-US" smtClean="0"/>
-              <a:t>16/05/31</a:t>
+              <a:t>2017/11/23</a:t>
             </a:fld>
             <a:endParaRPr kumimoji="1" lang="ja-JP" altLang="en-US"/>
           </a:p>
@@ -2106,14 +2122,14 @@
       </p:grpSpPr>
       <p:pic>
         <p:nvPicPr>
-          <p:cNvPr id="3" name="図 2" descr="jaws-ug-map.png"/>
+          <p:cNvPr id="3" name="図 2"/>
           <p:cNvPicPr>
             <a:picLocks noChangeAspect="1"/>
           </p:cNvPicPr>
           <p:nvPr/>
         </p:nvPicPr>
         <p:blipFill>
-          <a:blip r:embed="rId2" cstate="print">
+          <a:blip r:embed="rId2">
             <a:extLst>
               <a:ext uri="{28A0092B-C50C-407E-A947-70E740481C1C}">
                 <a14:useLocalDpi xmlns:a14="http://schemas.microsoft.com/office/drawing/2010/main" val="0"/>
@@ -2126,8 +2142,8 @@
         </p:blipFill>
         <p:spPr>
           <a:xfrm>
-            <a:off x="220878" y="0"/>
-            <a:ext cx="8517604" cy="6089591"/>
+            <a:off x="220878" y="279077"/>
+            <a:ext cx="8517604" cy="6088996"/>
           </a:xfrm>
           <a:prstGeom prst="rect">
             <a:avLst/>
@@ -2286,11 +2302,11 @@
   <p:clrMapOvr>
     <a:masterClrMapping/>
   </p:clrMapOvr>
-  <p:transition xmlns:p14="http://schemas.microsoft.com/office/powerpoint/2010/main" spd="med"/>
+  <p:transition spd="med"/>
   <p:timing>
     <p:tnLst>
       <p:par>
-        <p:cTn xmlns:p14="http://schemas.microsoft.com/office/powerpoint/2010/main" id="1" dur="indefinite" restart="never" nodeType="tmRoot"/>
+        <p:cTn id="1" dur="indefinite" restart="never" nodeType="tmRoot"/>
       </p:par>
     </p:tnLst>
   </p:timing>

--- a/jaws-ug-map.pptx
+++ b/jaws-ug-map.pptx
@@ -333,10 +333,9 @@
           <a:lstStyle/>
           <a:p>
             <a:r>
-              <a:rPr kumimoji="1" lang="ja-JP" altLang="en-US" smtClean="0"/>
+              <a:rPr kumimoji="1" lang="ja-JP" altLang="en-US"/>
               <a:t>マスター タイトルの書式設定</a:t>
             </a:r>
-            <a:endParaRPr kumimoji="1" lang="ja-JP" altLang="en-US"/>
           </a:p>
         </p:txBody>
       </p:sp>
@@ -452,10 +451,9 @@
           </a:lstStyle>
           <a:p>
             <a:r>
-              <a:rPr kumimoji="1" lang="ja-JP" altLang="en-US" smtClean="0"/>
+              <a:rPr kumimoji="1" lang="ja-JP" altLang="en-US"/>
               <a:t>マスター サブタイトルの書式設定</a:t>
             </a:r>
-            <a:endParaRPr kumimoji="1" lang="ja-JP" altLang="en-US"/>
           </a:p>
         </p:txBody>
       </p:sp>
@@ -476,7 +474,7 @@
           <a:p>
             <a:fld id="{195D5D39-0FF9-BB4D-9F3F-B5B019FA0F62}" type="datetimeFigureOut">
               <a:rPr kumimoji="1" lang="ja-JP" altLang="en-US" smtClean="0"/>
-              <a:t>2017/11/23</a:t>
+              <a:t>2018/5/21</a:t>
             </a:fld>
             <a:endParaRPr kumimoji="1" lang="ja-JP" altLang="en-US"/>
           </a:p>
@@ -571,10 +569,9 @@
           <a:lstStyle/>
           <a:p>
             <a:r>
-              <a:rPr kumimoji="1" lang="ja-JP" altLang="en-US" smtClean="0"/>
+              <a:rPr kumimoji="1" lang="ja-JP" altLang="en-US"/>
               <a:t>マスター タイトルの書式設定</a:t>
             </a:r>
-            <a:endParaRPr kumimoji="1" lang="ja-JP" altLang="en-US"/>
           </a:p>
         </p:txBody>
       </p:sp>
@@ -626,70 +623,69 @@
           <a:p>
             <a:pPr lvl="0"/>
             <a:r>
-              <a:rPr kumimoji="1" lang="ja-JP" altLang="en-US" smtClean="0"/>
+              <a:rPr kumimoji="1" lang="ja-JP" altLang="en-US"/>
               <a:t>マスター テキストの書式設定</a:t>
             </a:r>
           </a:p>
           <a:p>
             <a:pPr lvl="1"/>
             <a:r>
-              <a:rPr kumimoji="1" lang="ja-JP" altLang="en-US" smtClean="0"/>
+              <a:rPr kumimoji="1" lang="ja-JP" altLang="en-US"/>
               <a:t>第 </a:t>
             </a:r>
             <a:r>
-              <a:rPr kumimoji="1" lang="en-US" altLang="ja-JP" smtClean="0"/>
+              <a:rPr kumimoji="1" lang="en-US" altLang="ja-JP"/>
               <a:t>2 </a:t>
             </a:r>
             <a:r>
-              <a:rPr kumimoji="1" lang="ja-JP" altLang="en-US" smtClean="0"/>
+              <a:rPr kumimoji="1" lang="ja-JP" altLang="en-US"/>
               <a:t>レベル</a:t>
             </a:r>
           </a:p>
           <a:p>
             <a:pPr lvl="2"/>
             <a:r>
-              <a:rPr kumimoji="1" lang="ja-JP" altLang="en-US" smtClean="0"/>
+              <a:rPr kumimoji="1" lang="ja-JP" altLang="en-US"/>
               <a:t>第 </a:t>
             </a:r>
             <a:r>
-              <a:rPr kumimoji="1" lang="en-US" altLang="ja-JP" smtClean="0"/>
+              <a:rPr kumimoji="1" lang="en-US" altLang="ja-JP"/>
               <a:t>3 </a:t>
             </a:r>
             <a:r>
-              <a:rPr kumimoji="1" lang="ja-JP" altLang="en-US" smtClean="0"/>
+              <a:rPr kumimoji="1" lang="ja-JP" altLang="en-US"/>
               <a:t>レベル</a:t>
             </a:r>
           </a:p>
           <a:p>
             <a:pPr lvl="3"/>
             <a:r>
-              <a:rPr kumimoji="1" lang="ja-JP" altLang="en-US" smtClean="0"/>
+              <a:rPr kumimoji="1" lang="ja-JP" altLang="en-US"/>
               <a:t>第 </a:t>
             </a:r>
             <a:r>
-              <a:rPr kumimoji="1" lang="en-US" altLang="ja-JP" smtClean="0"/>
+              <a:rPr kumimoji="1" lang="en-US" altLang="ja-JP"/>
               <a:t>4 </a:t>
             </a:r>
             <a:r>
-              <a:rPr kumimoji="1" lang="ja-JP" altLang="en-US" smtClean="0"/>
+              <a:rPr kumimoji="1" lang="ja-JP" altLang="en-US"/>
               <a:t>レベル</a:t>
             </a:r>
           </a:p>
           <a:p>
             <a:pPr lvl="4"/>
             <a:r>
-              <a:rPr kumimoji="1" lang="ja-JP" altLang="en-US" smtClean="0"/>
+              <a:rPr kumimoji="1" lang="ja-JP" altLang="en-US"/>
               <a:t>第 </a:t>
             </a:r>
             <a:r>
-              <a:rPr kumimoji="1" lang="en-US" altLang="ja-JP" smtClean="0"/>
+              <a:rPr kumimoji="1" lang="en-US" altLang="ja-JP"/>
               <a:t>5 </a:t>
             </a:r>
             <a:r>
-              <a:rPr kumimoji="1" lang="ja-JP" altLang="en-US" smtClean="0"/>
+              <a:rPr kumimoji="1" lang="ja-JP" altLang="en-US"/>
               <a:t>レベル</a:t>
             </a:r>
-            <a:endParaRPr kumimoji="1" lang="ja-JP" altLang="en-US"/>
           </a:p>
         </p:txBody>
       </p:sp>
@@ -710,7 +706,7 @@
           <a:p>
             <a:fld id="{E9B2F60E-F6FF-AA42-A4FB-1F6800F4E265}" type="datetimeFigureOut">
               <a:rPr kumimoji="1" lang="ja-JP" altLang="en-US" smtClean="0"/>
-              <a:t>2017/11/23</a:t>
+              <a:t>2018/5/21</a:t>
             </a:fld>
             <a:endParaRPr kumimoji="1" lang="ja-JP" altLang="en-US"/>
           </a:p>
@@ -814,10 +810,9 @@
           </a:lstStyle>
           <a:p>
             <a:r>
-              <a:rPr kumimoji="1" lang="ja-JP" altLang="en-US" smtClean="0"/>
+              <a:rPr kumimoji="1" lang="ja-JP" altLang="en-US"/>
               <a:t>マスター タイトルの書式設定</a:t>
             </a:r>
-            <a:endParaRPr kumimoji="1" lang="ja-JP" altLang="en-US"/>
           </a:p>
         </p:txBody>
       </p:sp>
@@ -934,7 +929,7 @@
           <a:p>
             <a:pPr lvl="0"/>
             <a:r>
-              <a:rPr kumimoji="1" lang="ja-JP" altLang="en-US" smtClean="0"/>
+              <a:rPr kumimoji="1" lang="ja-JP" altLang="en-US"/>
               <a:t>マスター テキストの書式設定</a:t>
             </a:r>
           </a:p>
@@ -957,7 +952,7 @@
           <a:p>
             <a:fld id="{195D5D39-0FF9-BB4D-9F3F-B5B019FA0F62}" type="datetimeFigureOut">
               <a:rPr kumimoji="1" lang="ja-JP" altLang="en-US" smtClean="0"/>
-              <a:t>2017/11/23</a:t>
+              <a:t>2018/5/21</a:t>
             </a:fld>
             <a:endParaRPr kumimoji="1" lang="ja-JP" altLang="en-US"/>
           </a:p>
@@ -1060,7 +1055,7 @@
           </a:lstStyle>
           <a:p>
             <a:r>
-              <a:rPr kumimoji="1" lang="ja-JP" altLang="en-US" smtClean="0"/>
+              <a:rPr kumimoji="1" lang="ja-JP" altLang="en-US"/>
               <a:t>マスター タイトルの書式設定</a:t>
             </a:r>
             <a:endParaRPr kumimoji="1" lang="ja-JP" altLang="en-US" dirty="0"/>
@@ -1084,7 +1079,7 @@
           <a:p>
             <a:fld id="{195D5D39-0FF9-BB4D-9F3F-B5B019FA0F62}" type="datetimeFigureOut">
               <a:rPr kumimoji="1" lang="ja-JP" altLang="en-US" smtClean="0"/>
-              <a:t>2017/11/23</a:t>
+              <a:t>2018/5/21</a:t>
             </a:fld>
             <a:endParaRPr kumimoji="1" lang="ja-JP" altLang="en-US"/>
           </a:p>
@@ -1190,10 +1185,9 @@
           </a:lstStyle>
           <a:p>
             <a:r>
-              <a:rPr kumimoji="1" lang="ja-JP" altLang="en-US" smtClean="0"/>
+              <a:rPr kumimoji="1" lang="ja-JP" altLang="en-US"/>
               <a:t>マスター タイトルの書式設定</a:t>
             </a:r>
-            <a:endParaRPr kumimoji="1" lang="ja-JP" altLang="en-US"/>
           </a:p>
         </p:txBody>
       </p:sp>
@@ -1613,10 +1607,9 @@
           <a:lstStyle/>
           <a:p>
             <a:r>
-              <a:rPr kumimoji="1" lang="ja-JP" altLang="en-US" smtClean="0"/>
+              <a:rPr kumimoji="1" lang="ja-JP" altLang="en-US"/>
               <a:t>マスター タイトルの書式設定</a:t>
             </a:r>
-            <a:endParaRPr kumimoji="1" lang="ja-JP" altLang="en-US"/>
           </a:p>
         </p:txBody>
       </p:sp>
@@ -1647,70 +1640,69 @@
           <a:p>
             <a:pPr lvl="0"/>
             <a:r>
-              <a:rPr kumimoji="1" lang="ja-JP" altLang="en-US" dirty="0" smtClean="0"/>
+              <a:rPr kumimoji="1" lang="ja-JP" altLang="en-US" dirty="0"/>
               <a:t>マスター テキストの書式設定</a:t>
             </a:r>
           </a:p>
           <a:p>
             <a:pPr lvl="1"/>
             <a:r>
-              <a:rPr kumimoji="1" lang="ja-JP" altLang="en-US" dirty="0" smtClean="0"/>
+              <a:rPr kumimoji="1" lang="ja-JP" altLang="en-US" dirty="0"/>
               <a:t>第 </a:t>
             </a:r>
             <a:r>
-              <a:rPr kumimoji="1" lang="en-US" altLang="ja-JP" dirty="0" smtClean="0"/>
+              <a:rPr kumimoji="1" lang="en-US" altLang="ja-JP" dirty="0"/>
               <a:t>2 </a:t>
             </a:r>
             <a:r>
-              <a:rPr kumimoji="1" lang="ja-JP" altLang="en-US" dirty="0" smtClean="0"/>
+              <a:rPr kumimoji="1" lang="ja-JP" altLang="en-US" dirty="0"/>
               <a:t>レベル</a:t>
             </a:r>
           </a:p>
           <a:p>
             <a:pPr lvl="2"/>
             <a:r>
-              <a:rPr kumimoji="1" lang="ja-JP" altLang="en-US" dirty="0" smtClean="0"/>
+              <a:rPr kumimoji="1" lang="ja-JP" altLang="en-US" dirty="0"/>
               <a:t>第 </a:t>
             </a:r>
             <a:r>
-              <a:rPr kumimoji="1" lang="en-US" altLang="ja-JP" dirty="0" smtClean="0"/>
+              <a:rPr kumimoji="1" lang="en-US" altLang="ja-JP" dirty="0"/>
               <a:t>3 </a:t>
             </a:r>
             <a:r>
-              <a:rPr kumimoji="1" lang="ja-JP" altLang="en-US" dirty="0" smtClean="0"/>
+              <a:rPr kumimoji="1" lang="ja-JP" altLang="en-US" dirty="0"/>
               <a:t>レベル</a:t>
             </a:r>
           </a:p>
           <a:p>
             <a:pPr lvl="3"/>
             <a:r>
-              <a:rPr kumimoji="1" lang="ja-JP" altLang="en-US" dirty="0" smtClean="0"/>
+              <a:rPr kumimoji="1" lang="ja-JP" altLang="en-US" dirty="0"/>
               <a:t>第 </a:t>
             </a:r>
             <a:r>
-              <a:rPr kumimoji="1" lang="en-US" altLang="ja-JP" dirty="0" smtClean="0"/>
+              <a:rPr kumimoji="1" lang="en-US" altLang="ja-JP" dirty="0"/>
               <a:t>4 </a:t>
             </a:r>
             <a:r>
-              <a:rPr kumimoji="1" lang="ja-JP" altLang="en-US" dirty="0" smtClean="0"/>
+              <a:rPr kumimoji="1" lang="ja-JP" altLang="en-US" dirty="0"/>
               <a:t>レベル</a:t>
             </a:r>
           </a:p>
           <a:p>
             <a:pPr lvl="4"/>
             <a:r>
-              <a:rPr kumimoji="1" lang="ja-JP" altLang="en-US" dirty="0" smtClean="0"/>
+              <a:rPr kumimoji="1" lang="ja-JP" altLang="en-US" dirty="0"/>
               <a:t>第 </a:t>
             </a:r>
             <a:r>
-              <a:rPr kumimoji="1" lang="en-US" altLang="ja-JP" dirty="0" smtClean="0"/>
+              <a:rPr kumimoji="1" lang="en-US" altLang="ja-JP" dirty="0"/>
               <a:t>5 </a:t>
             </a:r>
             <a:r>
-              <a:rPr kumimoji="1" lang="ja-JP" altLang="en-US" dirty="0" smtClean="0"/>
+              <a:rPr kumimoji="1" lang="ja-JP" altLang="en-US" dirty="0"/>
               <a:t>レベル</a:t>
             </a:r>
-            <a:endParaRPr kumimoji="1" lang="ja-JP" altLang="en-US" dirty="0"/>
           </a:p>
         </p:txBody>
       </p:sp>
@@ -1749,7 +1741,7 @@
           <a:p>
             <a:fld id="{195D5D39-0FF9-BB4D-9F3F-B5B019FA0F62}" type="datetimeFigureOut">
               <a:rPr kumimoji="1" lang="ja-JP" altLang="en-US" smtClean="0"/>
-              <a:t>2017/11/23</a:t>
+              <a:t>2018/5/21</a:t>
             </a:fld>
             <a:endParaRPr kumimoji="1" lang="ja-JP" altLang="en-US"/>
           </a:p>
@@ -2142,8 +2134,8 @@
         </p:blipFill>
         <p:spPr>
           <a:xfrm>
-            <a:off x="220878" y="279077"/>
-            <a:ext cx="8517604" cy="6088996"/>
+            <a:off x="220878" y="390847"/>
+            <a:ext cx="8517604" cy="5865455"/>
           </a:xfrm>
           <a:prstGeom prst="rect">
             <a:avLst/>
@@ -2169,7 +2161,7 @@
           </a:ln>
           <a:extLst>
             <a:ext uri="{C572A759-6A51-4108-AA02-DFA0A04FC94B}">
-              <ma14:wrappingTextBoxFlag xmlns:ma14="http://schemas.microsoft.com/office/mac/drawingml/2011/main" val="1"/>
+              <ma14:wrappingTextBoxFlag xmlns:ma14="http://schemas.microsoft.com/office/mac/drawingml/2011/main" xmlns="" val="1"/>
             </a:ext>
           </a:extLst>
         </p:spPr>
@@ -2215,20 +2207,25 @@
                 <a:cs typeface="+mn-cs"/>
                 <a:sym typeface="メイリオ"/>
               </a:rPr>
-              <a:t>初心者から上級者までAWS</a:t>
-            </a:r>
-            <a:r>
-              <a:rPr sz="1400" dirty="0" smtClean="0">
-                <a:uFill>
-                  <a:solidFill/>
-                </a:uFill>
-                <a:latin typeface="+mn-lt"/>
-                <a:ea typeface="+mn-ea"/>
-                <a:cs typeface="+mn-cs"/>
-                <a:sym typeface="メイリオ"/>
-              </a:rPr>
-              <a:t>に興味</a:t>
-            </a:r>
+              <a:t>初心者から上級者までAWSに興味を持つ方が集まり</a:t>
+            </a:r>
+            <a:endParaRPr lang="en-US" sz="1400" dirty="0">
+              <a:uFill>
+                <a:solidFill/>
+              </a:uFill>
+              <a:latin typeface="+mn-lt"/>
+              <a:ea typeface="+mn-ea"/>
+              <a:cs typeface="+mn-cs"/>
+              <a:sym typeface="メイリオ"/>
+            </a:endParaRPr>
+          </a:p>
+          <a:p>
+            <a:pPr lvl="0" algn="ctr">
+              <a:buClr>
+                <a:srgbClr val="000000"/>
+              </a:buClr>
+              <a:defRPr sz="1800"/>
+            </a:pPr>
             <a:r>
               <a:rPr sz="1400" dirty="0">
                 <a:uFill>
@@ -2239,60 +2236,7 @@
                 <a:cs typeface="+mn-cs"/>
                 <a:sym typeface="メイリオ"/>
               </a:rPr>
-              <a:t>を持つ方が</a:t>
-            </a:r>
-            <a:r>
-              <a:rPr sz="1400" dirty="0" smtClean="0">
-                <a:uFill>
-                  <a:solidFill/>
-                </a:uFill>
-                <a:latin typeface="+mn-lt"/>
-                <a:ea typeface="+mn-ea"/>
-                <a:cs typeface="+mn-cs"/>
-                <a:sym typeface="メイリオ"/>
-              </a:rPr>
-              <a:t>集まり</a:t>
-            </a:r>
-            <a:endParaRPr lang="en-US" sz="1400" dirty="0" smtClean="0">
-              <a:uFill>
-                <a:solidFill/>
-              </a:uFill>
-              <a:latin typeface="+mn-lt"/>
-              <a:ea typeface="+mn-ea"/>
-              <a:cs typeface="+mn-cs"/>
-              <a:sym typeface="メイリオ"/>
-            </a:endParaRPr>
-          </a:p>
-          <a:p>
-            <a:pPr lvl="0" algn="ctr">
-              <a:buClr>
-                <a:srgbClr val="000000"/>
-              </a:buClr>
-              <a:defRPr sz="1800"/>
-            </a:pPr>
-            <a:r>
-              <a:rPr sz="1400" dirty="0" smtClean="0">
-                <a:uFill>
-                  <a:solidFill/>
-                </a:uFill>
-                <a:latin typeface="+mn-lt"/>
-                <a:ea typeface="+mn-ea"/>
-                <a:cs typeface="+mn-cs"/>
-                <a:sym typeface="メイリオ"/>
-              </a:rPr>
-              <a:t>情報交換技術</a:t>
-            </a:r>
-            <a:r>
-              <a:rPr sz="1400" dirty="0">
-                <a:uFill>
-                  <a:solidFill/>
-                </a:uFill>
-                <a:latin typeface="+mn-lt"/>
-                <a:ea typeface="+mn-ea"/>
-                <a:cs typeface="+mn-cs"/>
-                <a:sym typeface="メイリオ"/>
-              </a:rPr>
-              <a:t>情報やAWS事例まで幅広く集められます。</a:t>
+              <a:t>情報交換技術情報やAWS事例まで幅広く集められます。</a:t>
             </a:r>
           </a:p>
         </p:txBody>
@@ -2303,13 +2247,6 @@
     <a:masterClrMapping/>
   </p:clrMapOvr>
   <p:transition spd="med"/>
-  <p:timing>
-    <p:tnLst>
-      <p:par>
-        <p:cTn id="1" dur="indefinite" restart="never" nodeType="tmRoot"/>
-      </p:par>
-    </p:tnLst>
-  </p:timing>
 </p:sld>
 </file>
 

--- a/jaws-ug-map.pptx
+++ b/jaws-ug-map.pptx
@@ -1,16 +1,16 @@
 
 <file path=ppt/presentation.xml><?xml version="1.0" encoding="utf-8"?>
-<p:presentation xmlns:a="http://schemas.openxmlformats.org/drawingml/2006/main" xmlns:r="http://schemas.openxmlformats.org/officeDocument/2006/relationships" xmlns:p="http://schemas.openxmlformats.org/presentationml/2006/main" xmlns:m="http://schemas.openxmlformats.org/officeDocument/2006/math" xmlns:a14="http://schemas.microsoft.com/office/drawing/2010/main">
+<p:presentation xmlns:a="http://schemas.openxmlformats.org/drawingml/2006/main" xmlns:r="http://schemas.openxmlformats.org/officeDocument/2006/relationships" xmlns:p="http://schemas.openxmlformats.org/presentationml/2006/main">
   <p:sldMasterIdLst>
-    <p:sldMasterId id="2147483648" r:id="rId5"/>
+    <p:sldMasterId id="2147483648" r:id="rId1"/>
   </p:sldMasterIdLst>
   <p:notesMasterIdLst>
-    <p:notesMasterId r:id="rId7"/>
+    <p:notesMasterId r:id="rId3"/>
   </p:notesMasterIdLst>
   <p:sldIdLst>
-    <p:sldId id="256" r:id="rId8"/>
+    <p:sldId id="256" r:id="rId2"/>
   </p:sldIdLst>
-  <p:sldSz cx="9144000" cy="6858000"/>
+  <p:sldSz cx="9144000" cy="6858000" type="screen4x3"/>
   <p:notesSz cx="6858000" cy="9144000"/>
   <p:defaultTextStyle>
     <a:defPPr marL="0" marR="0" indent="0" algn="l" defTabSz="914400" rtl="0" fontAlgn="auto" latinLnBrk="1" hangingPunct="0">
@@ -28,7 +28,7 @@
       <a:buFontTx/>
       <a:buNone/>
       <a:tabLst/>
-      <a:defRPr b="0" baseline="0" cap="none" i="0" spc="0" strike="noStrike" sz="1800" u="none" kumimoji="0" normalizeH="0">
+      <a:defRPr kumimoji="0" sz="1800" b="0" i="0" u="none" strike="noStrike" cap="none" spc="0" normalizeH="0" baseline="0">
         <a:ln>
           <a:noFill/>
         </a:ln>
@@ -54,7 +54,7 @@
       <a:buFontTx/>
       <a:buNone/>
       <a:tabLst/>
-      <a:defRPr b="0" baseline="0" cap="none" i="0" spc="0" strike="noStrike" sz="1200" u="none" kumimoji="0" normalizeH="0">
+      <a:defRPr kumimoji="0" sz="1200" b="0" i="0" u="none" strike="noStrike" cap="none" spc="0" normalizeH="0" baseline="0">
         <a:ln>
           <a:noFill/>
         </a:ln>
@@ -84,7 +84,7 @@
       <a:buFontTx/>
       <a:buNone/>
       <a:tabLst/>
-      <a:defRPr b="0" baseline="0" cap="none" i="0" spc="0" strike="noStrike" sz="1200" u="none" kumimoji="0" normalizeH="0">
+      <a:defRPr kumimoji="0" sz="1200" b="0" i="0" u="none" strike="noStrike" cap="none" spc="0" normalizeH="0" baseline="0">
         <a:ln>
           <a:noFill/>
         </a:ln>
@@ -114,7 +114,7 @@
       <a:buFontTx/>
       <a:buNone/>
       <a:tabLst/>
-      <a:defRPr b="0" baseline="0" cap="none" i="0" spc="0" strike="noStrike" sz="1200" u="none" kumimoji="0" normalizeH="0">
+      <a:defRPr kumimoji="0" sz="1200" b="0" i="0" u="none" strike="noStrike" cap="none" spc="0" normalizeH="0" baseline="0">
         <a:ln>
           <a:noFill/>
         </a:ln>
@@ -144,7 +144,7 @@
       <a:buFontTx/>
       <a:buNone/>
       <a:tabLst/>
-      <a:defRPr b="0" baseline="0" cap="none" i="0" spc="0" strike="noStrike" sz="1200" u="none" kumimoji="0" normalizeH="0">
+      <a:defRPr kumimoji="0" sz="1200" b="0" i="0" u="none" strike="noStrike" cap="none" spc="0" normalizeH="0" baseline="0">
         <a:ln>
           <a:noFill/>
         </a:ln>
@@ -174,7 +174,7 @@
       <a:buFontTx/>
       <a:buNone/>
       <a:tabLst/>
-      <a:defRPr b="0" baseline="0" cap="none" i="0" spc="0" strike="noStrike" sz="1200" u="none" kumimoji="0" normalizeH="0">
+      <a:defRPr kumimoji="0" sz="1200" b="0" i="0" u="none" strike="noStrike" cap="none" spc="0" normalizeH="0" baseline="0">
         <a:ln>
           <a:noFill/>
         </a:ln>
@@ -204,7 +204,7 @@
       <a:buFontTx/>
       <a:buNone/>
       <a:tabLst/>
-      <a:defRPr b="0" baseline="0" cap="none" i="0" spc="0" strike="noStrike" sz="1200" u="none" kumimoji="0" normalizeH="0">
+      <a:defRPr kumimoji="0" sz="1200" b="0" i="0" u="none" strike="noStrike" cap="none" spc="0" normalizeH="0" baseline="0">
         <a:ln>
           <a:noFill/>
         </a:ln>
@@ -234,7 +234,7 @@
       <a:buFontTx/>
       <a:buNone/>
       <a:tabLst/>
-      <a:defRPr b="0" baseline="0" cap="none" i="0" spc="0" strike="noStrike" sz="1200" u="none" kumimoji="0" normalizeH="0">
+      <a:defRPr kumimoji="0" sz="1200" b="0" i="0" u="none" strike="noStrike" cap="none" spc="0" normalizeH="0" baseline="0">
         <a:ln>
           <a:noFill/>
         </a:ln>
@@ -264,7 +264,7 @@
       <a:buFontTx/>
       <a:buNone/>
       <a:tabLst/>
-      <a:defRPr b="0" baseline="0" cap="none" i="0" spc="0" strike="noStrike" sz="1200" u="none" kumimoji="0" normalizeH="0">
+      <a:defRPr kumimoji="0" sz="1200" b="0" i="0" u="none" strike="noStrike" cap="none" spc="0" normalizeH="0" baseline="0">
         <a:ln>
           <a:noFill/>
         </a:ln>
@@ -294,7 +294,7 @@
       <a:buFontTx/>
       <a:buNone/>
       <a:tabLst/>
-      <a:defRPr b="0" baseline="0" cap="none" i="0" spc="0" strike="noStrike" sz="1200" u="none" kumimoji="0" normalizeH="0">
+      <a:defRPr kumimoji="0" sz="1200" b="0" i="0" u="none" strike="noStrike" cap="none" spc="0" normalizeH="0" baseline="0">
         <a:ln>
           <a:noFill/>
         </a:ln>
@@ -313,13 +313,14 @@
 </p:presentation>
 </file>
 
-<file path=ppt/commentAuthors.xml><?xml version="1.0" encoding="utf-8"?>
-<p:cmAuthorLst xmlns:a="http://schemas.openxmlformats.org/drawingml/2006/main" xmlns:r="http://schemas.openxmlformats.org/officeDocument/2006/relationships" xmlns:p="http://schemas.openxmlformats.org/presentationml/2006/main" xmlns:m="http://schemas.openxmlformats.org/officeDocument/2006/math" xmlns:a14="http://schemas.microsoft.com/office/drawing/2010/main"/>
-</file>
-
 <file path=ppt/notesMasters/notesMaster1.xml><?xml version="1.0" encoding="utf-8"?>
-<p:notesMaster xmlns:a="http://schemas.openxmlformats.org/drawingml/2006/main" xmlns:r="http://schemas.openxmlformats.org/officeDocument/2006/relationships" xmlns:p="http://schemas.openxmlformats.org/presentationml/2006/main" xmlns:m="http://schemas.openxmlformats.org/officeDocument/2006/math" xmlns:a14="http://schemas.microsoft.com/office/drawing/2010/main">
+<p:notesMaster xmlns:a="http://schemas.openxmlformats.org/drawingml/2006/main" xmlns:r="http://schemas.openxmlformats.org/officeDocument/2006/relationships" xmlns:p="http://schemas.openxmlformats.org/presentationml/2006/main">
   <p:cSld>
+    <p:bg>
+      <p:bgRef idx="1001">
+        <a:schemeClr val="bg1"/>
+      </p:bgRef>
+    </p:bg>
     <p:spTree>
       <p:nvGrpSpPr>
         <p:cNvPr id="1" name=""/>
@@ -337,7 +338,9 @@
       <p:sp>
         <p:nvSpPr>
           <p:cNvPr id="62" name="Shape 62"/>
-          <p:cNvSpPr/>
+          <p:cNvSpPr>
+            <a:spLocks noGrp="1" noRot="1" noChangeAspect="1"/>
+          </p:cNvSpPr>
           <p:nvPr>
             <p:ph type="sldImg"/>
           </p:nvPr>
@@ -355,14 +358,16 @@
           <a:bodyPr/>
           <a:lstStyle/>
           <a:p>
-            <a:pPr/>
+            <a:endParaRPr/>
           </a:p>
         </p:txBody>
       </p:sp>
       <p:sp>
         <p:nvSpPr>
           <p:cNvPr id="63" name="Shape 63"/>
-          <p:cNvSpPr/>
+          <p:cNvSpPr>
+            <a:spLocks noGrp="1"/>
+          </p:cNvSpPr>
           <p:nvPr>
             <p:ph type="body" sz="quarter" idx="1"/>
           </p:nvPr>
@@ -380,7 +385,7 @@
           <a:bodyPr/>
           <a:lstStyle/>
           <a:p>
-            <a:pPr/>
+            <a:endParaRPr/>
           </a:p>
         </p:txBody>
       </p:sp>
@@ -510,7 +515,7 @@
 </file>
 
 <file path=ppt/slideLayouts/slideLayout1.xml><?xml version="1.0" encoding="utf-8"?>
-<p:sldLayout xmlns:a="http://schemas.openxmlformats.org/drawingml/2006/main" xmlns:r="http://schemas.openxmlformats.org/officeDocument/2006/relationships" xmlns:p="http://schemas.openxmlformats.org/presentationml/2006/main" xmlns:m="http://schemas.openxmlformats.org/officeDocument/2006/math" xmlns:a14="http://schemas.microsoft.com/office/drawing/2010/main" type="title" showMasterSp="1" showMasterPhAnim="1">
+<p:sldLayout xmlns:a="http://schemas.openxmlformats.org/drawingml/2006/main" xmlns:r="http://schemas.openxmlformats.org/officeDocument/2006/relationships" xmlns:p="http://schemas.openxmlformats.org/presentationml/2006/main" type="title">
   <p:cSld name="タイトル スライド">
     <p:spTree>
       <p:nvGrpSpPr>
@@ -529,7 +534,9 @@
       <p:sp>
         <p:nvSpPr>
           <p:cNvPr id="11" name="タイトルテキスト"/>
-          <p:cNvSpPr txBox="1"/>
+          <p:cNvSpPr txBox="1">
+            <a:spLocks noGrp="1"/>
+          </p:cNvSpPr>
           <p:nvPr>
             <p:ph type="title"/>
           </p:nvPr>
@@ -547,7 +554,6 @@
           <a:bodyPr/>
           <a:lstStyle/>
           <a:p>
-            <a:pPr/>
             <a:r>
               <a:t>タイトルテキスト</a:t>
             </a:r>
@@ -557,7 +563,9 @@
       <p:sp>
         <p:nvSpPr>
           <p:cNvPr id="12" name="本文レベル1…"/>
-          <p:cNvSpPr txBox="1"/>
+          <p:cNvSpPr txBox="1">
+            <a:spLocks noGrp="1"/>
+          </p:cNvSpPr>
           <p:nvPr>
             <p:ph type="body" sz="quarter" idx="1"/>
           </p:nvPr>
@@ -646,7 +654,6 @@
             </a:lvl5pPr>
           </a:lstStyle>
           <a:p>
-            <a:pPr/>
             <a:r>
               <a:t>本文レベル1</a:t>
             </a:r>
@@ -680,7 +687,9 @@
       <p:sp>
         <p:nvSpPr>
           <p:cNvPr id="13" name="スライド番号"/>
-          <p:cNvSpPr txBox="1"/>
+          <p:cNvSpPr txBox="1">
+            <a:spLocks noGrp="1"/>
+          </p:cNvSpPr>
           <p:nvPr>
             <p:ph type="sldNum" sz="quarter" idx="2"/>
           </p:nvPr>
@@ -694,8 +703,10 @@
           <a:bodyPr/>
           <a:lstStyle/>
           <a:p>
-            <a:pPr/>
-            <a:fld id="{86CB4B4D-7CA3-9044-876B-883B54F8677D}" type="slidenum"/>
+            <a:fld id="{86CB4B4D-7CA3-9044-876B-883B54F8677D}" type="slidenum">
+              <a:t>‹#›</a:t>
+            </a:fld>
+            <a:endParaRPr/>
           </a:p>
         </p:txBody>
       </p:sp>
@@ -704,12 +715,12 @@
   <p:clrMapOvr>
     <a:masterClrMapping/>
   </p:clrMapOvr>
-  <p:transition xmlns:p14="http://schemas.microsoft.com/office/powerpoint/2010/main" spd="med" advClick="1"/>
+  <p:transition spd="med"/>
 </p:sldLayout>
 </file>
 
 <file path=ppt/slideLayouts/slideLayout2.xml><?xml version="1.0" encoding="utf-8"?>
-<p:sldLayout xmlns:a="http://schemas.openxmlformats.org/drawingml/2006/main" xmlns:r="http://schemas.openxmlformats.org/officeDocument/2006/relationships" xmlns:p="http://schemas.openxmlformats.org/presentationml/2006/main" xmlns:m="http://schemas.openxmlformats.org/officeDocument/2006/math" xmlns:a14="http://schemas.microsoft.com/office/drawing/2010/main" type="tx" showMasterSp="1" showMasterPhAnim="1">
+<p:sldLayout xmlns:a="http://schemas.openxmlformats.org/drawingml/2006/main" xmlns:r="http://schemas.openxmlformats.org/officeDocument/2006/relationships" xmlns:p="http://schemas.openxmlformats.org/presentationml/2006/main" type="tx">
   <p:cSld name="タイトルとコンテンツ">
     <p:spTree>
       <p:nvGrpSpPr>
@@ -728,7 +739,9 @@
       <p:sp>
         <p:nvSpPr>
           <p:cNvPr id="20" name="タイトルテキスト"/>
-          <p:cNvSpPr txBox="1"/>
+          <p:cNvSpPr txBox="1">
+            <a:spLocks noGrp="1"/>
+          </p:cNvSpPr>
           <p:nvPr>
             <p:ph type="title"/>
           </p:nvPr>
@@ -742,7 +755,6 @@
           <a:bodyPr/>
           <a:lstStyle/>
           <a:p>
-            <a:pPr/>
             <a:r>
               <a:t>タイトルテキスト</a:t>
             </a:r>
@@ -752,7 +764,9 @@
       <p:sp>
         <p:nvSpPr>
           <p:cNvPr id="21" name="本文レベル1…"/>
-          <p:cNvSpPr txBox="1"/>
+          <p:cNvSpPr txBox="1">
+            <a:spLocks noGrp="1"/>
+          </p:cNvSpPr>
           <p:nvPr>
             <p:ph type="body" idx="1"/>
           </p:nvPr>
@@ -766,7 +780,6 @@
           <a:bodyPr/>
           <a:lstStyle/>
           <a:p>
-            <a:pPr/>
             <a:r>
               <a:t>本文レベル1</a:t>
             </a:r>
@@ -800,7 +813,9 @@
       <p:sp>
         <p:nvSpPr>
           <p:cNvPr id="22" name="スライド番号"/>
-          <p:cNvSpPr txBox="1"/>
+          <p:cNvSpPr txBox="1">
+            <a:spLocks noGrp="1"/>
+          </p:cNvSpPr>
           <p:nvPr>
             <p:ph type="sldNum" sz="quarter" idx="2"/>
           </p:nvPr>
@@ -814,8 +829,10 @@
           <a:bodyPr/>
           <a:lstStyle/>
           <a:p>
-            <a:pPr/>
-            <a:fld id="{86CB4B4D-7CA3-9044-876B-883B54F8677D}" type="slidenum"/>
+            <a:fld id="{86CB4B4D-7CA3-9044-876B-883B54F8677D}" type="slidenum">
+              <a:t>‹#›</a:t>
+            </a:fld>
+            <a:endParaRPr/>
           </a:p>
         </p:txBody>
       </p:sp>
@@ -824,12 +841,12 @@
   <p:clrMapOvr>
     <a:masterClrMapping/>
   </p:clrMapOvr>
-  <p:transition xmlns:p14="http://schemas.microsoft.com/office/powerpoint/2010/main" spd="med" advClick="1"/>
+  <p:transition spd="med"/>
 </p:sldLayout>
 </file>
 
 <file path=ppt/slideLayouts/slideLayout3.xml><?xml version="1.0" encoding="utf-8"?>
-<p:sldLayout xmlns:a="http://schemas.openxmlformats.org/drawingml/2006/main" xmlns:r="http://schemas.openxmlformats.org/officeDocument/2006/relationships" xmlns:p="http://schemas.openxmlformats.org/presentationml/2006/main" xmlns:m="http://schemas.openxmlformats.org/officeDocument/2006/math" xmlns:a14="http://schemas.microsoft.com/office/drawing/2010/main" type="tx" showMasterSp="1" showMasterPhAnim="1">
+<p:sldLayout xmlns:a="http://schemas.openxmlformats.org/drawingml/2006/main" xmlns:r="http://schemas.openxmlformats.org/officeDocument/2006/relationships" xmlns:p="http://schemas.openxmlformats.org/presentationml/2006/main" type="tx">
   <p:cSld name="セクション見出し">
     <p:spTree>
       <p:nvGrpSpPr>
@@ -848,7 +865,9 @@
       <p:sp>
         <p:nvSpPr>
           <p:cNvPr id="29" name="タイトルテキスト"/>
-          <p:cNvSpPr txBox="1"/>
+          <p:cNvSpPr txBox="1">
+            <a:spLocks noGrp="1"/>
+          </p:cNvSpPr>
           <p:nvPr>
             <p:ph type="title"/>
           </p:nvPr>
@@ -866,11 +885,10 @@
           <a:bodyPr anchor="t"/>
           <a:lstStyle>
             <a:lvl1pPr algn="l">
-              <a:defRPr cap="all" sz="4000"/>
+              <a:defRPr sz="4000" cap="all"/>
             </a:lvl1pPr>
           </a:lstStyle>
           <a:p>
-            <a:pPr/>
             <a:r>
               <a:t>タイトルテキスト</a:t>
             </a:r>
@@ -880,7 +898,9 @@
       <p:sp>
         <p:nvSpPr>
           <p:cNvPr id="30" name="本文レベル1…"/>
-          <p:cNvSpPr txBox="1"/>
+          <p:cNvSpPr txBox="1">
+            <a:spLocks noGrp="1"/>
+          </p:cNvSpPr>
           <p:nvPr>
             <p:ph type="body" sz="quarter" idx="1"/>
           </p:nvPr>
@@ -984,7 +1004,6 @@
             </a:lvl5pPr>
           </a:lstStyle>
           <a:p>
-            <a:pPr/>
             <a:r>
               <a:t>本文レベル1</a:t>
             </a:r>
@@ -1018,7 +1037,9 @@
       <p:sp>
         <p:nvSpPr>
           <p:cNvPr id="31" name="スライド番号"/>
-          <p:cNvSpPr txBox="1"/>
+          <p:cNvSpPr txBox="1">
+            <a:spLocks noGrp="1"/>
+          </p:cNvSpPr>
           <p:nvPr>
             <p:ph type="sldNum" sz="quarter" idx="2"/>
           </p:nvPr>
@@ -1032,8 +1053,10 @@
           <a:bodyPr/>
           <a:lstStyle/>
           <a:p>
-            <a:pPr/>
-            <a:fld id="{86CB4B4D-7CA3-9044-876B-883B54F8677D}" type="slidenum"/>
+            <a:fld id="{86CB4B4D-7CA3-9044-876B-883B54F8677D}" type="slidenum">
+              <a:t>‹#›</a:t>
+            </a:fld>
+            <a:endParaRPr/>
           </a:p>
         </p:txBody>
       </p:sp>
@@ -1042,12 +1065,12 @@
   <p:clrMapOvr>
     <a:masterClrMapping/>
   </p:clrMapOvr>
-  <p:transition xmlns:p14="http://schemas.microsoft.com/office/powerpoint/2010/main" spd="med" advClick="1"/>
+  <p:transition spd="med"/>
 </p:sldLayout>
 </file>
 
 <file path=ppt/slideLayouts/slideLayout4.xml><?xml version="1.0" encoding="utf-8"?>
-<p:sldLayout xmlns:a="http://schemas.openxmlformats.org/drawingml/2006/main" xmlns:r="http://schemas.openxmlformats.org/officeDocument/2006/relationships" xmlns:p="http://schemas.openxmlformats.org/presentationml/2006/main" xmlns:m="http://schemas.openxmlformats.org/officeDocument/2006/math" xmlns:a14="http://schemas.microsoft.com/office/drawing/2010/main" type="tx" showMasterSp="1" showMasterPhAnim="1">
+<p:sldLayout xmlns:a="http://schemas.openxmlformats.org/drawingml/2006/main" xmlns:r="http://schemas.openxmlformats.org/officeDocument/2006/relationships" xmlns:p="http://schemas.openxmlformats.org/presentationml/2006/main" type="tx">
   <p:cSld name="白地">
     <p:spTree>
       <p:nvGrpSpPr>
@@ -1066,7 +1089,9 @@
       <p:sp>
         <p:nvSpPr>
           <p:cNvPr id="38" name="タイトルテキスト"/>
-          <p:cNvSpPr txBox="1"/>
+          <p:cNvSpPr txBox="1">
+            <a:spLocks noGrp="1"/>
+          </p:cNvSpPr>
           <p:nvPr>
             <p:ph type="title"/>
           </p:nvPr>
@@ -1080,7 +1105,6 @@
           <a:bodyPr/>
           <a:lstStyle/>
           <a:p>
-            <a:pPr/>
             <a:r>
               <a:t>タイトルテキスト</a:t>
             </a:r>
@@ -1090,7 +1114,9 @@
       <p:sp>
         <p:nvSpPr>
           <p:cNvPr id="39" name="スライド番号"/>
-          <p:cNvSpPr txBox="1"/>
+          <p:cNvSpPr txBox="1">
+            <a:spLocks noGrp="1"/>
+          </p:cNvSpPr>
           <p:nvPr>
             <p:ph type="sldNum" sz="quarter" idx="2"/>
           </p:nvPr>
@@ -1104,8 +1130,10 @@
           <a:bodyPr/>
           <a:lstStyle/>
           <a:p>
-            <a:pPr/>
-            <a:fld id="{86CB4B4D-7CA3-9044-876B-883B54F8677D}" type="slidenum"/>
+            <a:fld id="{86CB4B4D-7CA3-9044-876B-883B54F8677D}" type="slidenum">
+              <a:t>‹#›</a:t>
+            </a:fld>
+            <a:endParaRPr/>
           </a:p>
         </p:txBody>
       </p:sp>
@@ -1114,12 +1142,12 @@
   <p:clrMapOvr>
     <a:masterClrMapping/>
   </p:clrMapOvr>
-  <p:transition xmlns:p14="http://schemas.microsoft.com/office/powerpoint/2010/main" spd="med" advClick="1"/>
+  <p:transition spd="med"/>
 </p:sldLayout>
 </file>
 
 <file path=ppt/slideLayouts/slideLayout5.xml><?xml version="1.0" encoding="utf-8"?>
-<p:sldLayout xmlns:a="http://schemas.openxmlformats.org/drawingml/2006/main" xmlns:r="http://schemas.openxmlformats.org/officeDocument/2006/relationships" xmlns:p="http://schemas.openxmlformats.org/presentationml/2006/main" xmlns:m="http://schemas.openxmlformats.org/officeDocument/2006/math" xmlns:a14="http://schemas.microsoft.com/office/drawing/2010/main" type="tx" showMasterSp="1" showMasterPhAnim="1">
+<p:sldLayout xmlns:a="http://schemas.openxmlformats.org/drawingml/2006/main" xmlns:r="http://schemas.openxmlformats.org/officeDocument/2006/relationships" xmlns:p="http://schemas.openxmlformats.org/presentationml/2006/main" type="tx">
   <p:cSld name="まっさら">
     <p:spTree>
       <p:nvGrpSpPr>
@@ -1138,7 +1166,9 @@
       <p:sp>
         <p:nvSpPr>
           <p:cNvPr id="46" name="タイトルテキスト"/>
-          <p:cNvSpPr txBox="1"/>
+          <p:cNvSpPr txBox="1">
+            <a:spLocks noGrp="1"/>
+          </p:cNvSpPr>
           <p:nvPr>
             <p:ph type="title"/>
           </p:nvPr>
@@ -1160,7 +1190,6 @@
             </a:lvl1pPr>
           </a:lstStyle>
           <a:p>
-            <a:pPr/>
             <a:r>
               <a:t>タイトルテキスト</a:t>
             </a:r>
@@ -1170,7 +1199,9 @@
       <p:sp>
         <p:nvSpPr>
           <p:cNvPr id="47" name="スライド番号"/>
-          <p:cNvSpPr txBox="1"/>
+          <p:cNvSpPr txBox="1">
+            <a:spLocks noGrp="1"/>
+          </p:cNvSpPr>
           <p:nvPr>
             <p:ph type="sldNum" sz="quarter" idx="2"/>
           </p:nvPr>
@@ -1188,8 +1219,10 @@
           <a:bodyPr/>
           <a:lstStyle/>
           <a:p>
-            <a:pPr/>
-            <a:fld id="{86CB4B4D-7CA3-9044-876B-883B54F8677D}" type="slidenum"/>
+            <a:fld id="{86CB4B4D-7CA3-9044-876B-883B54F8677D}" type="slidenum">
+              <a:t>‹#›</a:t>
+            </a:fld>
+            <a:endParaRPr/>
           </a:p>
         </p:txBody>
       </p:sp>
@@ -1198,12 +1231,12 @@
   <p:clrMapOvr>
     <a:masterClrMapping/>
   </p:clrMapOvr>
-  <p:transition xmlns:p14="http://schemas.microsoft.com/office/powerpoint/2010/main" spd="med" advClick="1"/>
+  <p:transition spd="med"/>
 </p:sldLayout>
 </file>
 
 <file path=ppt/slideLayouts/slideLayout6.xml><?xml version="1.0" encoding="utf-8"?>
-<p:sldLayout xmlns:a="http://schemas.openxmlformats.org/drawingml/2006/main" xmlns:r="http://schemas.openxmlformats.org/officeDocument/2006/relationships" xmlns:p="http://schemas.openxmlformats.org/presentationml/2006/main" xmlns:m="http://schemas.openxmlformats.org/officeDocument/2006/math" xmlns:a14="http://schemas.microsoft.com/office/drawing/2010/main" type="tx" showMasterSp="1" showMasterPhAnim="1">
+<p:sldLayout xmlns:a="http://schemas.openxmlformats.org/drawingml/2006/main" xmlns:r="http://schemas.openxmlformats.org/officeDocument/2006/relationships" xmlns:p="http://schemas.openxmlformats.org/presentationml/2006/main" type="tx">
   <p:cSld name="Default - Title Slide">
     <p:spTree>
       <p:nvGrpSpPr>
@@ -1222,7 +1255,9 @@
       <p:sp>
         <p:nvSpPr>
           <p:cNvPr id="54" name="タイトルテキスト"/>
-          <p:cNvSpPr txBox="1"/>
+          <p:cNvSpPr txBox="1">
+            <a:spLocks noGrp="1"/>
+          </p:cNvSpPr>
           <p:nvPr>
             <p:ph type="title"/>
           </p:nvPr>
@@ -1253,7 +1288,6 @@
             </a:lvl1pPr>
           </a:lstStyle>
           <a:p>
-            <a:pPr/>
             <a:r>
               <a:t>タイトルテキスト</a:t>
             </a:r>
@@ -1263,7 +1297,9 @@
       <p:sp>
         <p:nvSpPr>
           <p:cNvPr id="55" name="本文レベル1…"/>
-          <p:cNvSpPr txBox="1"/>
+          <p:cNvSpPr txBox="1">
+            <a:spLocks noGrp="1"/>
+          </p:cNvSpPr>
           <p:nvPr>
             <p:ph type="body" sz="quarter" idx="1"/>
           </p:nvPr>
@@ -1287,7 +1323,7 @@
               <a:buSzTx/>
               <a:buFontTx/>
               <a:buNone/>
-              <a:defRPr b="1" sz="2200">
+              <a:defRPr sz="2200" b="1">
                 <a:solidFill>
                   <a:srgbClr val="777677"/>
                 </a:solidFill>
@@ -1309,7 +1345,7 @@
               <a:buSzTx/>
               <a:buFontTx/>
               <a:buNone/>
-              <a:defRPr b="1" sz="2200">
+              <a:defRPr sz="2200" b="1">
                 <a:solidFill>
                   <a:srgbClr val="777677"/>
                 </a:solidFill>
@@ -1331,7 +1367,7 @@
               <a:buSzTx/>
               <a:buFontTx/>
               <a:buNone/>
-              <a:defRPr b="1" sz="2200">
+              <a:defRPr sz="2200" b="1">
                 <a:solidFill>
                   <a:srgbClr val="777677"/>
                 </a:solidFill>
@@ -1353,7 +1389,7 @@
               <a:buSzTx/>
               <a:buFontTx/>
               <a:buNone/>
-              <a:defRPr b="1" sz="2200">
+              <a:defRPr sz="2200" b="1">
                 <a:solidFill>
                   <a:srgbClr val="777677"/>
                 </a:solidFill>
@@ -1375,7 +1411,7 @@
               <a:buSzTx/>
               <a:buFontTx/>
               <a:buNone/>
-              <a:defRPr b="1" sz="2200">
+              <a:defRPr sz="2200" b="1">
                 <a:solidFill>
                   <a:srgbClr val="777677"/>
                 </a:solidFill>
@@ -1392,7 +1428,6 @@
             </a:lvl5pPr>
           </a:lstStyle>
           <a:p>
-            <a:pPr/>
             <a:r>
               <a:t>本文レベル1</a:t>
             </a:r>
@@ -1426,7 +1461,9 @@
       <p:sp>
         <p:nvSpPr>
           <p:cNvPr id="56" name="スライド番号"/>
-          <p:cNvSpPr txBox="1"/>
+          <p:cNvSpPr txBox="1">
+            <a:spLocks noGrp="1"/>
+          </p:cNvSpPr>
           <p:nvPr>
             <p:ph type="sldNum" sz="quarter" idx="2"/>
           </p:nvPr>
@@ -1444,8 +1481,10 @@
           <a:bodyPr/>
           <a:lstStyle/>
           <a:p>
-            <a:pPr/>
-            <a:fld id="{86CB4B4D-7CA3-9044-876B-883B54F8677D}" type="slidenum"/>
+            <a:fld id="{86CB4B4D-7CA3-9044-876B-883B54F8677D}" type="slidenum">
+              <a:t>‹#›</a:t>
+            </a:fld>
+            <a:endParaRPr/>
           </a:p>
         </p:txBody>
       </p:sp>
@@ -1454,18 +1493,19 @@
   <p:clrMapOvr>
     <a:masterClrMapping/>
   </p:clrMapOvr>
-  <p:transition xmlns:p14="http://schemas.microsoft.com/office/powerpoint/2010/main" spd="med" advClick="1"/>
+  <p:transition spd="med"/>
 </p:sldLayout>
 </file>
 
 <file path=ppt/slideMasters/slideMaster1.xml><?xml version="1.0" encoding="utf-8"?>
-<p:sldMaster xmlns:a="http://schemas.openxmlformats.org/drawingml/2006/main" xmlns:r="http://schemas.openxmlformats.org/officeDocument/2006/relationships" xmlns:p="http://schemas.openxmlformats.org/presentationml/2006/main" xmlns:m="http://schemas.openxmlformats.org/officeDocument/2006/math" xmlns:a14="http://schemas.microsoft.com/office/drawing/2010/main">
+<p:sldMaster xmlns:a="http://schemas.openxmlformats.org/drawingml/2006/main" xmlns:r="http://schemas.openxmlformats.org/officeDocument/2006/relationships" xmlns:p="http://schemas.openxmlformats.org/presentationml/2006/main">
   <p:cSld>
     <p:bg>
       <p:bgPr>
         <a:solidFill>
           <a:srgbClr val="FFFFFF"/>
         </a:solidFill>
+        <a:effectLst/>
       </p:bgPr>
     </p:bg>
     <p:spTree>
@@ -1485,7 +1525,9 @@
       <p:sp>
         <p:nvSpPr>
           <p:cNvPr id="2" name="タイトルテキスト"/>
-          <p:cNvSpPr txBox="1"/>
+          <p:cNvSpPr txBox="1">
+            <a:spLocks noGrp="1"/>
+          </p:cNvSpPr>
           <p:nvPr>
             <p:ph type="title"/>
           </p:nvPr>
@@ -1503,17 +1545,16 @@
           </a:ln>
           <a:extLst>
             <a:ext uri="{C572A759-6A51-4108-AA02-DFA0A04FC94B}">
-              <ma14:wrappingTextBoxFlag xmlns:ma14="http://schemas.microsoft.com/office/mac/drawingml/2011/main" val="1"/>
+              <ma14:wrappingTextBoxFlag xmlns:ma14="http://schemas.microsoft.com/office/mac/drawingml/2011/main" xmlns:a14="http://schemas.microsoft.com/office/drawing/2010/main" xmlns:m="http://schemas.openxmlformats.org/officeDocument/2006/math" xmlns="" val="1"/>
             </a:ext>
           </a:extLst>
         </p:spPr>
         <p:txBody>
           <a:bodyPr lIns="45718" tIns="45718" rIns="45718" bIns="45718" anchor="ctr">
-            <a:normAutofit fontScale="100000" lnSpcReduction="0"/>
+            <a:normAutofit/>
           </a:bodyPr>
           <a:lstStyle/>
           <a:p>
-            <a:pPr/>
             <a:r>
               <a:t>タイトルテキスト</a:t>
             </a:r>
@@ -1523,7 +1564,9 @@
       <p:sp>
         <p:nvSpPr>
           <p:cNvPr id="3" name="本文レベル1…"/>
-          <p:cNvSpPr txBox="1"/>
+          <p:cNvSpPr txBox="1">
+            <a:spLocks noGrp="1"/>
+          </p:cNvSpPr>
           <p:nvPr>
             <p:ph type="body" idx="1"/>
           </p:nvPr>
@@ -1541,17 +1584,16 @@
           </a:ln>
           <a:extLst>
             <a:ext uri="{C572A759-6A51-4108-AA02-DFA0A04FC94B}">
-              <ma14:wrappingTextBoxFlag xmlns:ma14="http://schemas.microsoft.com/office/mac/drawingml/2011/main" val="1"/>
+              <ma14:wrappingTextBoxFlag xmlns:ma14="http://schemas.microsoft.com/office/mac/drawingml/2011/main" xmlns:a14="http://schemas.microsoft.com/office/drawing/2010/main" xmlns:m="http://schemas.openxmlformats.org/officeDocument/2006/math" xmlns="" val="1"/>
             </a:ext>
           </a:extLst>
         </p:spPr>
         <p:txBody>
           <a:bodyPr lIns="45718" tIns="45718" rIns="45718" bIns="45718">
-            <a:normAutofit fontScale="100000" lnSpcReduction="0"/>
+            <a:normAutofit/>
           </a:bodyPr>
           <a:lstStyle/>
           <a:p>
-            <a:pPr/>
             <a:r>
               <a:t>本文レベル1</a:t>
             </a:r>
@@ -1585,7 +1627,9 @@
       <p:sp>
         <p:nvSpPr>
           <p:cNvPr id="4" name="スライド番号"/>
-          <p:cNvSpPr txBox="1"/>
+          <p:cNvSpPr txBox="1">
+            <a:spLocks noGrp="1"/>
+          </p:cNvSpPr>
           <p:nvPr>
             <p:ph type="sldNum" sz="quarter" idx="2"/>
           </p:nvPr>
@@ -1616,8 +1660,10 @@
             </a:lvl1pPr>
           </a:lstStyle>
           <a:p>
-            <a:pPr/>
-            <a:fld id="{86CB4B4D-7CA3-9044-876B-883B54F8677D}" type="slidenum"/>
+            <a:fld id="{86CB4B4D-7CA3-9044-876B-883B54F8677D}" type="slidenum">
+              <a:t>‹#›</a:t>
+            </a:fld>
+            <a:endParaRPr/>
           </a:p>
         </p:txBody>
       </p:sp>
@@ -1625,14 +1671,14 @@
   </p:cSld>
   <p:clrMap bg1="lt1" tx1="dk1" bg2="lt2" tx2="dk2" accent1="accent1" accent2="accent2" accent3="accent3" accent4="accent4" accent5="accent5" accent6="accent6" hlink="hlink" folHlink="folHlink"/>
   <p:sldLayoutIdLst>
-    <p:sldLayoutId id="2147483649" r:id="rId2"/>
-    <p:sldLayoutId id="2147483650" r:id="rId3"/>
-    <p:sldLayoutId id="2147483651" r:id="rId4"/>
-    <p:sldLayoutId id="2147483652" r:id="rId5"/>
-    <p:sldLayoutId id="2147483653" r:id="rId6"/>
-    <p:sldLayoutId id="2147483654" r:id="rId7"/>
+    <p:sldLayoutId id="2147483649" r:id="rId1"/>
+    <p:sldLayoutId id="2147483650" r:id="rId2"/>
+    <p:sldLayoutId id="2147483651" r:id="rId3"/>
+    <p:sldLayoutId id="2147483652" r:id="rId4"/>
+    <p:sldLayoutId id="2147483653" r:id="rId5"/>
+    <p:sldLayoutId id="2147483654" r:id="rId6"/>
   </p:sldLayoutIdLst>
-  <p:transition xmlns:p14="http://schemas.microsoft.com/office/powerpoint/2010/main" spd="med" advClick="1"/>
+  <p:transition spd="med"/>
   <p:txStyles>
     <p:titleStyle>
       <a:lvl1pPr marL="0" marR="0" indent="0" algn="ctr" defTabSz="457200" rtl="0" latinLnBrk="0">
@@ -1650,7 +1696,7 @@
         <a:buFontTx/>
         <a:buNone/>
         <a:tabLst/>
-        <a:defRPr b="1" baseline="0" cap="none" i="0" spc="0" strike="noStrike" sz="4800" u="none">
+        <a:defRPr sz="4800" b="1" i="0" u="none" strike="noStrike" cap="none" spc="0" baseline="0">
           <a:ln>
             <a:noFill/>
           </a:ln>
@@ -1679,7 +1725,7 @@
         <a:buFontTx/>
         <a:buNone/>
         <a:tabLst/>
-        <a:defRPr b="1" baseline="0" cap="none" i="0" spc="0" strike="noStrike" sz="4800" u="none">
+        <a:defRPr sz="4800" b="1" i="0" u="none" strike="noStrike" cap="none" spc="0" baseline="0">
           <a:ln>
             <a:noFill/>
           </a:ln>
@@ -1708,7 +1754,7 @@
         <a:buFontTx/>
         <a:buNone/>
         <a:tabLst/>
-        <a:defRPr b="1" baseline="0" cap="none" i="0" spc="0" strike="noStrike" sz="4800" u="none">
+        <a:defRPr sz="4800" b="1" i="0" u="none" strike="noStrike" cap="none" spc="0" baseline="0">
           <a:ln>
             <a:noFill/>
           </a:ln>
@@ -1737,7 +1783,7 @@
         <a:buFontTx/>
         <a:buNone/>
         <a:tabLst/>
-        <a:defRPr b="1" baseline="0" cap="none" i="0" spc="0" strike="noStrike" sz="4800" u="none">
+        <a:defRPr sz="4800" b="1" i="0" u="none" strike="noStrike" cap="none" spc="0" baseline="0">
           <a:ln>
             <a:noFill/>
           </a:ln>
@@ -1766,7 +1812,7 @@
         <a:buFontTx/>
         <a:buNone/>
         <a:tabLst/>
-        <a:defRPr b="1" baseline="0" cap="none" i="0" spc="0" strike="noStrike" sz="4800" u="none">
+        <a:defRPr sz="4800" b="1" i="0" u="none" strike="noStrike" cap="none" spc="0" baseline="0">
           <a:ln>
             <a:noFill/>
           </a:ln>
@@ -1795,7 +1841,7 @@
         <a:buFontTx/>
         <a:buNone/>
         <a:tabLst/>
-        <a:defRPr b="1" baseline="0" cap="none" i="0" spc="0" strike="noStrike" sz="4800" u="none">
+        <a:defRPr sz="4800" b="1" i="0" u="none" strike="noStrike" cap="none" spc="0" baseline="0">
           <a:ln>
             <a:noFill/>
           </a:ln>
@@ -1824,7 +1870,7 @@
         <a:buFontTx/>
         <a:buNone/>
         <a:tabLst/>
-        <a:defRPr b="1" baseline="0" cap="none" i="0" spc="0" strike="noStrike" sz="4800" u="none">
+        <a:defRPr sz="4800" b="1" i="0" u="none" strike="noStrike" cap="none" spc="0" baseline="0">
           <a:ln>
             <a:noFill/>
           </a:ln>
@@ -1853,7 +1899,7 @@
         <a:buFontTx/>
         <a:buNone/>
         <a:tabLst/>
-        <a:defRPr b="1" baseline="0" cap="none" i="0" spc="0" strike="noStrike" sz="4800" u="none">
+        <a:defRPr sz="4800" b="1" i="0" u="none" strike="noStrike" cap="none" spc="0" baseline="0">
           <a:ln>
             <a:noFill/>
           </a:ln>
@@ -1882,7 +1928,7 @@
         <a:buFontTx/>
         <a:buNone/>
         <a:tabLst/>
-        <a:defRPr b="1" baseline="0" cap="none" i="0" spc="0" strike="noStrike" sz="4800" u="none">
+        <a:defRPr sz="4800" b="1" i="0" u="none" strike="noStrike" cap="none" spc="0" baseline="0">
           <a:ln>
             <a:noFill/>
           </a:ln>
@@ -1913,7 +1959,7 @@
         <a:buFont typeface="Arial"/>
         <a:buChar char="•"/>
         <a:tabLst/>
-        <a:defRPr b="0" baseline="0" cap="none" i="0" spc="0" strike="noStrike" sz="3600" u="none">
+        <a:defRPr sz="3600" b="0" i="0" u="none" strike="noStrike" cap="none" spc="0" baseline="0">
           <a:ln>
             <a:noFill/>
           </a:ln>
@@ -1942,7 +1988,7 @@
         <a:buFont typeface="Arial"/>
         <a:buChar char="–"/>
         <a:tabLst/>
-        <a:defRPr b="0" baseline="0" cap="none" i="0" spc="0" strike="noStrike" sz="3600" u="none">
+        <a:defRPr sz="3600" b="0" i="0" u="none" strike="noStrike" cap="none" spc="0" baseline="0">
           <a:ln>
             <a:noFill/>
           </a:ln>
@@ -1971,7 +2017,7 @@
         <a:buFont typeface="Arial"/>
         <a:buChar char="•"/>
         <a:tabLst/>
-        <a:defRPr b="0" baseline="0" cap="none" i="0" spc="0" strike="noStrike" sz="3600" u="none">
+        <a:defRPr sz="3600" b="0" i="0" u="none" strike="noStrike" cap="none" spc="0" baseline="0">
           <a:ln>
             <a:noFill/>
           </a:ln>
@@ -2000,7 +2046,7 @@
         <a:buFont typeface="Arial"/>
         <a:buChar char="–"/>
         <a:tabLst/>
-        <a:defRPr b="0" baseline="0" cap="none" i="0" spc="0" strike="noStrike" sz="3600" u="none">
+        <a:defRPr sz="3600" b="0" i="0" u="none" strike="noStrike" cap="none" spc="0" baseline="0">
           <a:ln>
             <a:noFill/>
           </a:ln>
@@ -2029,7 +2075,7 @@
         <a:buFont typeface="Arial"/>
         <a:buChar char="»"/>
         <a:tabLst/>
-        <a:defRPr b="0" baseline="0" cap="none" i="0" spc="0" strike="noStrike" sz="3600" u="none">
+        <a:defRPr sz="3600" b="0" i="0" u="none" strike="noStrike" cap="none" spc="0" baseline="0">
           <a:ln>
             <a:noFill/>
           </a:ln>
@@ -2058,7 +2104,7 @@
         <a:buFont typeface="Arial"/>
         <a:buChar char="•"/>
         <a:tabLst/>
-        <a:defRPr b="0" baseline="0" cap="none" i="0" spc="0" strike="noStrike" sz="3600" u="none">
+        <a:defRPr sz="3600" b="0" i="0" u="none" strike="noStrike" cap="none" spc="0" baseline="0">
           <a:ln>
             <a:noFill/>
           </a:ln>
@@ -2087,7 +2133,7 @@
         <a:buFont typeface="Arial"/>
         <a:buChar char="•"/>
         <a:tabLst/>
-        <a:defRPr b="0" baseline="0" cap="none" i="0" spc="0" strike="noStrike" sz="3600" u="none">
+        <a:defRPr sz="3600" b="0" i="0" u="none" strike="noStrike" cap="none" spc="0" baseline="0">
           <a:ln>
             <a:noFill/>
           </a:ln>
@@ -2116,7 +2162,7 @@
         <a:buFont typeface="Arial"/>
         <a:buChar char="•"/>
         <a:tabLst/>
-        <a:defRPr b="0" baseline="0" cap="none" i="0" spc="0" strike="noStrike" sz="3600" u="none">
+        <a:defRPr sz="3600" b="0" i="0" u="none" strike="noStrike" cap="none" spc="0" baseline="0">
           <a:ln>
             <a:noFill/>
           </a:ln>
@@ -2145,7 +2191,7 @@
         <a:buFont typeface="Arial"/>
         <a:buChar char="•"/>
         <a:tabLst/>
-        <a:defRPr b="0" baseline="0" cap="none" i="0" spc="0" strike="noStrike" sz="3600" u="none">
+        <a:defRPr sz="3600" b="0" i="0" u="none" strike="noStrike" cap="none" spc="0" baseline="0">
           <a:ln>
             <a:noFill/>
           </a:ln>
@@ -2176,7 +2222,7 @@
         <a:buFontTx/>
         <a:buNone/>
         <a:tabLst/>
-        <a:defRPr b="0" baseline="0" cap="none" i="0" spc="0" strike="noStrike" sz="1200" u="none">
+        <a:defRPr sz="1200" b="0" i="0" u="none" strike="noStrike" cap="none" spc="0" baseline="0">
           <a:ln>
             <a:noFill/>
           </a:ln>
@@ -2205,7 +2251,7 @@
         <a:buFontTx/>
         <a:buNone/>
         <a:tabLst/>
-        <a:defRPr b="0" baseline="0" cap="none" i="0" spc="0" strike="noStrike" sz="1200" u="none">
+        <a:defRPr sz="1200" b="0" i="0" u="none" strike="noStrike" cap="none" spc="0" baseline="0">
           <a:ln>
             <a:noFill/>
           </a:ln>
@@ -2234,7 +2280,7 @@
         <a:buFontTx/>
         <a:buNone/>
         <a:tabLst/>
-        <a:defRPr b="0" baseline="0" cap="none" i="0" spc="0" strike="noStrike" sz="1200" u="none">
+        <a:defRPr sz="1200" b="0" i="0" u="none" strike="noStrike" cap="none" spc="0" baseline="0">
           <a:ln>
             <a:noFill/>
           </a:ln>
@@ -2263,7 +2309,7 @@
         <a:buFontTx/>
         <a:buNone/>
         <a:tabLst/>
-        <a:defRPr b="0" baseline="0" cap="none" i="0" spc="0" strike="noStrike" sz="1200" u="none">
+        <a:defRPr sz="1200" b="0" i="0" u="none" strike="noStrike" cap="none" spc="0" baseline="0">
           <a:ln>
             <a:noFill/>
           </a:ln>
@@ -2292,7 +2338,7 @@
         <a:buFontTx/>
         <a:buNone/>
         <a:tabLst/>
-        <a:defRPr b="0" baseline="0" cap="none" i="0" spc="0" strike="noStrike" sz="1200" u="none">
+        <a:defRPr sz="1200" b="0" i="0" u="none" strike="noStrike" cap="none" spc="0" baseline="0">
           <a:ln>
             <a:noFill/>
           </a:ln>
@@ -2321,7 +2367,7 @@
         <a:buFontTx/>
         <a:buNone/>
         <a:tabLst/>
-        <a:defRPr b="0" baseline="0" cap="none" i="0" spc="0" strike="noStrike" sz="1200" u="none">
+        <a:defRPr sz="1200" b="0" i="0" u="none" strike="noStrike" cap="none" spc="0" baseline="0">
           <a:ln>
             <a:noFill/>
           </a:ln>
@@ -2350,7 +2396,7 @@
         <a:buFontTx/>
         <a:buNone/>
         <a:tabLst/>
-        <a:defRPr b="0" baseline="0" cap="none" i="0" spc="0" strike="noStrike" sz="1200" u="none">
+        <a:defRPr sz="1200" b="0" i="0" u="none" strike="noStrike" cap="none" spc="0" baseline="0">
           <a:ln>
             <a:noFill/>
           </a:ln>
@@ -2379,7 +2425,7 @@
         <a:buFontTx/>
         <a:buNone/>
         <a:tabLst/>
-        <a:defRPr b="0" baseline="0" cap="none" i="0" spc="0" strike="noStrike" sz="1200" u="none">
+        <a:defRPr sz="1200" b="0" i="0" u="none" strike="noStrike" cap="none" spc="0" baseline="0">
           <a:ln>
             <a:noFill/>
           </a:ln>
@@ -2408,7 +2454,7 @@
         <a:buFontTx/>
         <a:buNone/>
         <a:tabLst/>
-        <a:defRPr b="0" baseline="0" cap="none" i="0" spc="0" strike="noStrike" sz="1200" u="none">
+        <a:defRPr sz="1200" b="0" i="0" u="none" strike="noStrike" cap="none" spc="0" baseline="0">
           <a:ln>
             <a:noFill/>
           </a:ln>
@@ -2428,7 +2474,7 @@
 </file>
 
 <file path=ppt/slides/slide1.xml><?xml version="1.0" encoding="utf-8"?>
-<p:sld xmlns:a="http://schemas.openxmlformats.org/drawingml/2006/main" xmlns:r="http://schemas.openxmlformats.org/officeDocument/2006/relationships" xmlns:p="http://schemas.openxmlformats.org/presentationml/2006/main" xmlns:m="http://schemas.openxmlformats.org/officeDocument/2006/math" xmlns:a14="http://schemas.microsoft.com/office/drawing/2010/main" showMasterSp="1" showMasterPhAnim="1">
+<p:sld xmlns:a="http://schemas.openxmlformats.org/drawingml/2006/main" xmlns:r="http://schemas.openxmlformats.org/officeDocument/2006/relationships" xmlns:p="http://schemas.openxmlformats.org/presentationml/2006/main">
   <p:cSld>
     <p:spTree>
       <p:nvGrpSpPr>
@@ -2446,7 +2492,7 @@
       </p:grpSpPr>
       <p:pic>
         <p:nvPicPr>
-          <p:cNvPr id="65" name="jaws-ug-map.png" descr="jaws-ug-map.png"/>
+          <p:cNvPr id="65" name="jaws-ug-map.png"/>
           <p:cNvPicPr>
             <a:picLocks noChangeAspect="1"/>
           </p:cNvPicPr>
@@ -2454,17 +2500,19 @@
         </p:nvPicPr>
         <p:blipFill>
           <a:blip r:embed="rId2">
-            <a:extLst/>
+            <a:extLst>
+              <a:ext uri="{28A0092B-C50C-407E-A947-70E740481C1C}">
+                <a14:useLocalDpi xmlns:a14="http://schemas.microsoft.com/office/drawing/2010/main" val="0"/>
+              </a:ext>
+            </a:extLst>
           </a:blip>
-          <a:srcRect l="0" t="1822" r="0" b="1824"/>
-          <a:stretch>
-            <a:fillRect/>
-          </a:stretch>
+          <a:srcRect/>
+          <a:stretch/>
         </p:blipFill>
         <p:spPr>
           <a:xfrm>
-            <a:off x="220876" y="390812"/>
-            <a:ext cx="8517607" cy="5865457"/>
+            <a:off x="220877" y="390812"/>
+            <a:ext cx="8517605" cy="5865457"/>
           </a:xfrm>
           <a:prstGeom prst="rect">
             <a:avLst/>
@@ -2493,7 +2541,7 @@
           </a:ln>
           <a:extLst>
             <a:ext uri="{C572A759-6A51-4108-AA02-DFA0A04FC94B}">
-              <ma14:wrappingTextBoxFlag xmlns:ma14="http://schemas.microsoft.com/office/mac/drawingml/2011/main" val="1"/>
+              <ma14:wrappingTextBoxFlag xmlns:ma14="http://schemas.microsoft.com/office/mac/drawingml/2011/main" xmlns:a14="http://schemas.microsoft.com/office/drawing/2010/main" xmlns:m="http://schemas.openxmlformats.org/officeDocument/2006/math" xmlns="" val="1"/>
             </a:ext>
           </a:extLst>
         </p:spPr>
@@ -2564,12 +2612,12 @@
   <p:clrMapOvr>
     <a:masterClrMapping/>
   </p:clrMapOvr>
-  <p:transition xmlns:p14="http://schemas.microsoft.com/office/powerpoint/2010/main" spd="med" advClick="1"/>
+  <p:transition spd="med"/>
 </p:sld>
 </file>
 
 <file path=ppt/theme/theme1.xml><?xml version="1.0" encoding="utf-8"?>
-<a:theme xmlns:a="http://schemas.openxmlformats.org/drawingml/2006/main" xmlns:r="http://schemas.openxmlformats.org/officeDocument/2006/relationships" name="シンプルプレゼンα">
+<a:theme xmlns:a="http://schemas.openxmlformats.org/drawingml/2006/main" name="シンプルプレゼンα">
   <a:themeElements>
     <a:clrScheme name="シンプルプレゼンα">
       <a:dk1>
@@ -2695,7 +2743,7 @@
       <a:effectStyleLst>
         <a:effectStyle>
           <a:effectLst>
-            <a:outerShdw sx="100000" sy="100000" kx="0" ky="0" algn="b" rotWithShape="0" blurRad="38100" dist="23000" dir="5400000">
+            <a:outerShdw blurRad="38100" dist="23000" dir="5400000" rotWithShape="0">
               <a:srgbClr val="000000">
                 <a:alpha val="35000"/>
               </a:srgbClr>
@@ -2704,7 +2752,7 @@
         </a:effectStyle>
         <a:effectStyle>
           <a:effectLst>
-            <a:outerShdw sx="100000" sy="100000" kx="0" ky="0" algn="b" rotWithShape="0" blurRad="38100" dist="23000" dir="5400000">
+            <a:outerShdw blurRad="38100" dist="23000" dir="5400000" rotWithShape="0">
               <a:srgbClr val="000000">
                 <a:alpha val="35000"/>
               </a:srgbClr>
@@ -2713,7 +2761,7 @@
         </a:effectStyle>
         <a:effectStyle>
           <a:effectLst>
-            <a:outerShdw sx="100000" sy="100000" kx="0" ky="0" algn="b" rotWithShape="0" blurRad="38100" dist="23000" dir="5400000">
+            <a:outerShdw blurRad="38100" dist="23000" dir="5400000" rotWithShape="0">
               <a:srgbClr val="000000">
                 <a:alpha val="35000"/>
               </a:srgbClr>
@@ -2787,7 +2835,7 @@
           <a:round/>
         </a:ln>
         <a:effectLst>
-          <a:outerShdw sx="100000" sy="100000" kx="0" ky="0" algn="b" rotWithShape="0" blurRad="38100" dist="23000" dir="5400000">
+          <a:outerShdw blurRad="38100" dist="23000" dir="5400000" rotWithShape="0">
             <a:srgbClr val="000000">
               <a:alpha val="35000"/>
             </a:srgbClr>
@@ -2795,7 +2843,7 @@
         </a:effectLst>
         <a:sp3d/>
       </a:spPr>
-      <a:bodyPr rot="0" spcFirstLastPara="1" vertOverflow="overflow" horzOverflow="overflow" vert="horz" wrap="square" lIns="45718" tIns="45718" rIns="45718" bIns="45718" numCol="1" spcCol="38100" rtlCol="0" anchor="ctr" upright="0">
+      <a:bodyPr rot="0" spcFirstLastPara="1" vertOverflow="overflow" horzOverflow="overflow" vert="horz" wrap="square" lIns="45718" tIns="45718" rIns="45718" bIns="45718" numCol="1" spcCol="38100" rtlCol="0" anchor="ctr">
         <a:spAutoFit/>
       </a:bodyPr>
       <a:lstStyle>
@@ -2814,7 +2862,7 @@
           <a:buFontTx/>
           <a:buNone/>
           <a:tabLst/>
-          <a:defRPr b="0" baseline="0" cap="none" i="0" spc="0" strike="noStrike" sz="1200" u="none" kumimoji="0" normalizeH="0">
+          <a:defRPr kumimoji="0" sz="1200" b="0" i="0" u="none" strike="noStrike" cap="none" spc="0" normalizeH="0" baseline="0">
             <a:ln>
               <a:noFill/>
             </a:ln>
@@ -2844,7 +2892,7 @@
           <a:buFontTx/>
           <a:buNone/>
           <a:tabLst/>
-          <a:defRPr b="0" baseline="0" cap="none" i="0" spc="0" strike="noStrike" sz="1800" u="none" kumimoji="0" normalizeH="0">
+          <a:defRPr kumimoji="0" sz="1800" b="0" i="0" u="none" strike="noStrike" cap="none" spc="0" normalizeH="0" baseline="0">
             <a:ln>
               <a:noFill/>
             </a:ln>
@@ -2870,7 +2918,7 @@
           <a:buFontTx/>
           <a:buNone/>
           <a:tabLst/>
-          <a:defRPr b="0" baseline="0" cap="none" i="0" spc="0" strike="noStrike" sz="1800" u="none" kumimoji="0" normalizeH="0">
+          <a:defRPr kumimoji="0" sz="1800" b="0" i="0" u="none" strike="noStrike" cap="none" spc="0" normalizeH="0" baseline="0">
             <a:ln>
               <a:noFill/>
             </a:ln>
@@ -2896,7 +2944,7 @@
           <a:buFontTx/>
           <a:buNone/>
           <a:tabLst/>
-          <a:defRPr b="0" baseline="0" cap="none" i="0" spc="0" strike="noStrike" sz="1800" u="none" kumimoji="0" normalizeH="0">
+          <a:defRPr kumimoji="0" sz="1800" b="0" i="0" u="none" strike="noStrike" cap="none" spc="0" normalizeH="0" baseline="0">
             <a:ln>
               <a:noFill/>
             </a:ln>
@@ -2922,7 +2970,7 @@
           <a:buFontTx/>
           <a:buNone/>
           <a:tabLst/>
-          <a:defRPr b="0" baseline="0" cap="none" i="0" spc="0" strike="noStrike" sz="1800" u="none" kumimoji="0" normalizeH="0">
+          <a:defRPr kumimoji="0" sz="1800" b="0" i="0" u="none" strike="noStrike" cap="none" spc="0" normalizeH="0" baseline="0">
             <a:ln>
               <a:noFill/>
             </a:ln>
@@ -2948,7 +2996,7 @@
           <a:buFontTx/>
           <a:buNone/>
           <a:tabLst/>
-          <a:defRPr b="0" baseline="0" cap="none" i="0" spc="0" strike="noStrike" sz="1800" u="none" kumimoji="0" normalizeH="0">
+          <a:defRPr kumimoji="0" sz="1800" b="0" i="0" u="none" strike="noStrike" cap="none" spc="0" normalizeH="0" baseline="0">
             <a:ln>
               <a:noFill/>
             </a:ln>
@@ -2974,7 +3022,7 @@
           <a:buFontTx/>
           <a:buNone/>
           <a:tabLst/>
-          <a:defRPr b="0" baseline="0" cap="none" i="0" spc="0" strike="noStrike" sz="1800" u="none" kumimoji="0" normalizeH="0">
+          <a:defRPr kumimoji="0" sz="1800" b="0" i="0" u="none" strike="noStrike" cap="none" spc="0" normalizeH="0" baseline="0">
             <a:ln>
               <a:noFill/>
             </a:ln>
@@ -3000,7 +3048,7 @@
           <a:buFontTx/>
           <a:buNone/>
           <a:tabLst/>
-          <a:defRPr b="0" baseline="0" cap="none" i="0" spc="0" strike="noStrike" sz="1800" u="none" kumimoji="0" normalizeH="0">
+          <a:defRPr kumimoji="0" sz="1800" b="0" i="0" u="none" strike="noStrike" cap="none" spc="0" normalizeH="0" baseline="0">
             <a:ln>
               <a:noFill/>
             </a:ln>
@@ -3026,7 +3074,7 @@
           <a:buFontTx/>
           <a:buNone/>
           <a:tabLst/>
-          <a:defRPr b="0" baseline="0" cap="none" i="0" spc="0" strike="noStrike" sz="1800" u="none" kumimoji="0" normalizeH="0">
+          <a:defRPr kumimoji="0" sz="1800" b="0" i="0" u="none" strike="noStrike" cap="none" spc="0" normalizeH="0" baseline="0">
             <a:ln>
               <a:noFill/>
             </a:ln>
@@ -3052,7 +3100,7 @@
           <a:buFontTx/>
           <a:buNone/>
           <a:tabLst/>
-          <a:defRPr b="0" baseline="0" cap="none" i="0" spc="0" strike="noStrike" sz="1800" u="none" kumimoji="0" normalizeH="0">
+          <a:defRPr kumimoji="0" sz="1800" b="0" i="0" u="none" strike="noStrike" cap="none" spc="0" normalizeH="0" baseline="0">
             <a:ln>
               <a:noFill/>
             </a:ln>
@@ -3065,9 +3113,15 @@
         </a:lvl9pPr>
       </a:lstStyle>
       <a:style>
-        <a:lnRef idx="0"/>
-        <a:fillRef idx="0"/>
-        <a:effectRef idx="0"/>
+        <a:lnRef idx="0">
+          <a:scrgbClr r="0" g="0" b="0"/>
+        </a:lnRef>
+        <a:fillRef idx="0">
+          <a:scrgbClr r="0" g="0" b="0"/>
+        </a:fillRef>
+        <a:effectRef idx="0">
+          <a:scrgbClr r="0" g="0" b="0"/>
+        </a:effectRef>
         <a:fontRef idx="none"/>
       </a:style>
     </a:spDef>
@@ -3082,7 +3136,7 @@
           <a:round/>
         </a:ln>
         <a:effectLst>
-          <a:outerShdw sx="100000" sy="100000" kx="0" ky="0" algn="b" rotWithShape="0" blurRad="38100" dist="23000" dir="5400000">
+          <a:outerShdw blurRad="38100" dist="23000" dir="5400000" rotWithShape="0">
             <a:srgbClr val="000000">
               <a:alpha val="35000"/>
             </a:srgbClr>
@@ -3090,7 +3144,7 @@
         </a:effectLst>
         <a:sp3d/>
       </a:spPr>
-      <a:bodyPr rot="0" spcFirstLastPara="1" vertOverflow="overflow" horzOverflow="overflow" vert="horz" wrap="square" lIns="91439" tIns="45719" rIns="91439" bIns="45719" numCol="1" spcCol="38100" rtlCol="0" anchor="t" upright="0">
+      <a:bodyPr rot="0" spcFirstLastPara="1" vertOverflow="overflow" horzOverflow="overflow" vert="horz" wrap="square" lIns="91439" tIns="45719" rIns="91439" bIns="45719" numCol="1" spcCol="38100" rtlCol="0" anchor="t">
         <a:noAutofit/>
       </a:bodyPr>
       <a:lstStyle>
@@ -3109,7 +3163,7 @@
           <a:buFontTx/>
           <a:buNone/>
           <a:tabLst/>
-          <a:defRPr b="0" baseline="0" cap="none" i="0" spc="0" strike="noStrike" sz="1800" u="none" kumimoji="0" normalizeH="0">
+          <a:defRPr kumimoji="0" sz="1800" b="0" i="0" u="none" strike="noStrike" cap="none" spc="0" normalizeH="0" baseline="0">
             <a:ln>
               <a:noFill/>
             </a:ln>
@@ -3135,7 +3189,7 @@
           <a:buFontTx/>
           <a:buNone/>
           <a:tabLst/>
-          <a:defRPr b="0" baseline="0" cap="none" i="0" spc="0" strike="noStrike" sz="1800" u="none" kumimoji="0" normalizeH="0">
+          <a:defRPr kumimoji="0" sz="1800" b="0" i="0" u="none" strike="noStrike" cap="none" spc="0" normalizeH="0" baseline="0">
             <a:ln>
               <a:noFill/>
             </a:ln>
@@ -3161,7 +3215,7 @@
           <a:buFontTx/>
           <a:buNone/>
           <a:tabLst/>
-          <a:defRPr b="0" baseline="0" cap="none" i="0" spc="0" strike="noStrike" sz="1800" u="none" kumimoji="0" normalizeH="0">
+          <a:defRPr kumimoji="0" sz="1800" b="0" i="0" u="none" strike="noStrike" cap="none" spc="0" normalizeH="0" baseline="0">
             <a:ln>
               <a:noFill/>
             </a:ln>
@@ -3187,7 +3241,7 @@
           <a:buFontTx/>
           <a:buNone/>
           <a:tabLst/>
-          <a:defRPr b="0" baseline="0" cap="none" i="0" spc="0" strike="noStrike" sz="1800" u="none" kumimoji="0" normalizeH="0">
+          <a:defRPr kumimoji="0" sz="1800" b="0" i="0" u="none" strike="noStrike" cap="none" spc="0" normalizeH="0" baseline="0">
             <a:ln>
               <a:noFill/>
             </a:ln>
@@ -3213,7 +3267,7 @@
           <a:buFontTx/>
           <a:buNone/>
           <a:tabLst/>
-          <a:defRPr b="0" baseline="0" cap="none" i="0" spc="0" strike="noStrike" sz="1800" u="none" kumimoji="0" normalizeH="0">
+          <a:defRPr kumimoji="0" sz="1800" b="0" i="0" u="none" strike="noStrike" cap="none" spc="0" normalizeH="0" baseline="0">
             <a:ln>
               <a:noFill/>
             </a:ln>
@@ -3239,7 +3293,7 @@
           <a:buFontTx/>
           <a:buNone/>
           <a:tabLst/>
-          <a:defRPr b="0" baseline="0" cap="none" i="0" spc="0" strike="noStrike" sz="1800" u="none" kumimoji="0" normalizeH="0">
+          <a:defRPr kumimoji="0" sz="1800" b="0" i="0" u="none" strike="noStrike" cap="none" spc="0" normalizeH="0" baseline="0">
             <a:ln>
               <a:noFill/>
             </a:ln>
@@ -3265,7 +3319,7 @@
           <a:buFontTx/>
           <a:buNone/>
           <a:tabLst/>
-          <a:defRPr b="0" baseline="0" cap="none" i="0" spc="0" strike="noStrike" sz="1800" u="none" kumimoji="0" normalizeH="0">
+          <a:defRPr kumimoji="0" sz="1800" b="0" i="0" u="none" strike="noStrike" cap="none" spc="0" normalizeH="0" baseline="0">
             <a:ln>
               <a:noFill/>
             </a:ln>
@@ -3291,7 +3345,7 @@
           <a:buFontTx/>
           <a:buNone/>
           <a:tabLst/>
-          <a:defRPr b="0" baseline="0" cap="none" i="0" spc="0" strike="noStrike" sz="1800" u="none" kumimoji="0" normalizeH="0">
+          <a:defRPr kumimoji="0" sz="1800" b="0" i="0" u="none" strike="noStrike" cap="none" spc="0" normalizeH="0" baseline="0">
             <a:ln>
               <a:noFill/>
             </a:ln>
@@ -3317,7 +3371,7 @@
           <a:buFontTx/>
           <a:buNone/>
           <a:tabLst/>
-          <a:defRPr b="0" baseline="0" cap="none" i="0" spc="0" strike="noStrike" sz="1800" u="none" kumimoji="0" normalizeH="0">
+          <a:defRPr kumimoji="0" sz="1800" b="0" i="0" u="none" strike="noStrike" cap="none" spc="0" normalizeH="0" baseline="0">
             <a:ln>
               <a:noFill/>
             </a:ln>
@@ -3343,7 +3397,7 @@
           <a:buFontTx/>
           <a:buNone/>
           <a:tabLst/>
-          <a:defRPr b="0" baseline="0" cap="none" i="0" spc="0" strike="noStrike" sz="1800" u="none" kumimoji="0" normalizeH="0">
+          <a:defRPr kumimoji="0" sz="1800" b="0" i="0" u="none" strike="noStrike" cap="none" spc="0" normalizeH="0" baseline="0">
             <a:ln>
               <a:noFill/>
             </a:ln>
@@ -3356,9 +3410,15 @@
         </a:lvl9pPr>
       </a:lstStyle>
       <a:style>
-        <a:lnRef idx="0"/>
-        <a:fillRef idx="0"/>
-        <a:effectRef idx="0"/>
+        <a:lnRef idx="0">
+          <a:scrgbClr r="0" g="0" b="0"/>
+        </a:lnRef>
+        <a:fillRef idx="0">
+          <a:scrgbClr r="0" g="0" b="0"/>
+        </a:fillRef>
+        <a:effectRef idx="0">
+          <a:scrgbClr r="0" g="0" b="0"/>
+        </a:effectRef>
         <a:fontRef idx="none"/>
       </a:style>
     </a:lnDef>
@@ -3372,7 +3432,7 @@
         <a:effectLst/>
         <a:sp3d/>
       </a:spPr>
-      <a:bodyPr rot="0" spcFirstLastPara="1" vertOverflow="overflow" horzOverflow="overflow" vert="horz" wrap="square" lIns="45718" tIns="45718" rIns="45718" bIns="45718" numCol="1" spcCol="38100" rtlCol="0" anchor="t" upright="0">
+      <a:bodyPr rot="0" spcFirstLastPara="1" vertOverflow="overflow" horzOverflow="overflow" vert="horz" wrap="square" lIns="45718" tIns="45718" rIns="45718" bIns="45718" numCol="1" spcCol="38100" rtlCol="0" anchor="t">
         <a:spAutoFit/>
       </a:bodyPr>
       <a:lstStyle>
@@ -3391,7 +3451,7 @@
           <a:buFontTx/>
           <a:buNone/>
           <a:tabLst/>
-          <a:defRPr b="0" baseline="0" cap="none" i="0" spc="0" strike="noStrike" sz="1200" u="none" kumimoji="0" normalizeH="0">
+          <a:defRPr kumimoji="0" sz="1200" b="0" i="0" u="none" strike="noStrike" cap="none" spc="0" normalizeH="0" baseline="0">
             <a:ln>
               <a:noFill/>
             </a:ln>
@@ -3421,7 +3481,7 @@
           <a:buFontTx/>
           <a:buNone/>
           <a:tabLst/>
-          <a:defRPr b="0" baseline="0" cap="none" i="0" spc="0" strike="noStrike" sz="1800" u="none" kumimoji="0" normalizeH="0">
+          <a:defRPr kumimoji="0" sz="1800" b="0" i="0" u="none" strike="noStrike" cap="none" spc="0" normalizeH="0" baseline="0">
             <a:ln>
               <a:noFill/>
             </a:ln>
@@ -3447,7 +3507,7 @@
           <a:buFontTx/>
           <a:buNone/>
           <a:tabLst/>
-          <a:defRPr b="0" baseline="0" cap="none" i="0" spc="0" strike="noStrike" sz="1800" u="none" kumimoji="0" normalizeH="0">
+          <a:defRPr kumimoji="0" sz="1800" b="0" i="0" u="none" strike="noStrike" cap="none" spc="0" normalizeH="0" baseline="0">
             <a:ln>
               <a:noFill/>
             </a:ln>
@@ -3473,7 +3533,7 @@
           <a:buFontTx/>
           <a:buNone/>
           <a:tabLst/>
-          <a:defRPr b="0" baseline="0" cap="none" i="0" spc="0" strike="noStrike" sz="1800" u="none" kumimoji="0" normalizeH="0">
+          <a:defRPr kumimoji="0" sz="1800" b="0" i="0" u="none" strike="noStrike" cap="none" spc="0" normalizeH="0" baseline="0">
             <a:ln>
               <a:noFill/>
             </a:ln>
@@ -3499,7 +3559,7 @@
           <a:buFontTx/>
           <a:buNone/>
           <a:tabLst/>
-          <a:defRPr b="0" baseline="0" cap="none" i="0" spc="0" strike="noStrike" sz="1800" u="none" kumimoji="0" normalizeH="0">
+          <a:defRPr kumimoji="0" sz="1800" b="0" i="0" u="none" strike="noStrike" cap="none" spc="0" normalizeH="0" baseline="0">
             <a:ln>
               <a:noFill/>
             </a:ln>
@@ -3525,7 +3585,7 @@
           <a:buFontTx/>
           <a:buNone/>
           <a:tabLst/>
-          <a:defRPr b="0" baseline="0" cap="none" i="0" spc="0" strike="noStrike" sz="1800" u="none" kumimoji="0" normalizeH="0">
+          <a:defRPr kumimoji="0" sz="1800" b="0" i="0" u="none" strike="noStrike" cap="none" spc="0" normalizeH="0" baseline="0">
             <a:ln>
               <a:noFill/>
             </a:ln>
@@ -3551,7 +3611,7 @@
           <a:buFontTx/>
           <a:buNone/>
           <a:tabLst/>
-          <a:defRPr b="0" baseline="0" cap="none" i="0" spc="0" strike="noStrike" sz="1800" u="none" kumimoji="0" normalizeH="0">
+          <a:defRPr kumimoji="0" sz="1800" b="0" i="0" u="none" strike="noStrike" cap="none" spc="0" normalizeH="0" baseline="0">
             <a:ln>
               <a:noFill/>
             </a:ln>
@@ -3577,7 +3637,7 @@
           <a:buFontTx/>
           <a:buNone/>
           <a:tabLst/>
-          <a:defRPr b="0" baseline="0" cap="none" i="0" spc="0" strike="noStrike" sz="1800" u="none" kumimoji="0" normalizeH="0">
+          <a:defRPr kumimoji="0" sz="1800" b="0" i="0" u="none" strike="noStrike" cap="none" spc="0" normalizeH="0" baseline="0">
             <a:ln>
               <a:noFill/>
             </a:ln>
@@ -3603,7 +3663,7 @@
           <a:buFontTx/>
           <a:buNone/>
           <a:tabLst/>
-          <a:defRPr b="0" baseline="0" cap="none" i="0" spc="0" strike="noStrike" sz="1800" u="none" kumimoji="0" normalizeH="0">
+          <a:defRPr kumimoji="0" sz="1800" b="0" i="0" u="none" strike="noStrike" cap="none" spc="0" normalizeH="0" baseline="0">
             <a:ln>
               <a:noFill/>
             </a:ln>
@@ -3629,7 +3689,7 @@
           <a:buFontTx/>
           <a:buNone/>
           <a:tabLst/>
-          <a:defRPr b="0" baseline="0" cap="none" i="0" spc="0" strike="noStrike" sz="1800" u="none" kumimoji="0" normalizeH="0">
+          <a:defRPr kumimoji="0" sz="1800" b="0" i="0" u="none" strike="noStrike" cap="none" spc="0" normalizeH="0" baseline="0">
             <a:ln>
               <a:noFill/>
             </a:ln>
@@ -3642,18 +3702,25 @@
         </a:lvl9pPr>
       </a:lstStyle>
       <a:style>
-        <a:lnRef idx="0"/>
-        <a:fillRef idx="0"/>
-        <a:effectRef idx="0"/>
+        <a:lnRef idx="0">
+          <a:scrgbClr r="0" g="0" b="0"/>
+        </a:lnRef>
+        <a:fillRef idx="0">
+          <a:scrgbClr r="0" g="0" b="0"/>
+        </a:fillRef>
+        <a:effectRef idx="0">
+          <a:scrgbClr r="0" g="0" b="0"/>
+        </a:effectRef>
         <a:fontRef idx="none"/>
       </a:style>
     </a:txDef>
   </a:objectDefaults>
+  <a:extraClrSchemeLst/>
 </a:theme>
 </file>
 
 <file path=ppt/theme/theme2.xml><?xml version="1.0" encoding="utf-8"?>
-<a:theme xmlns:a="http://schemas.openxmlformats.org/drawingml/2006/main" xmlns:r="http://schemas.openxmlformats.org/officeDocument/2006/relationships" name="シンプルプレゼンα">
+<a:theme xmlns:a="http://schemas.openxmlformats.org/drawingml/2006/main" name="シンプルプレゼンα">
   <a:themeElements>
     <a:clrScheme name="シンプルプレゼンα">
       <a:dk1>
@@ -3779,7 +3846,7 @@
       <a:effectStyleLst>
         <a:effectStyle>
           <a:effectLst>
-            <a:outerShdw sx="100000" sy="100000" kx="0" ky="0" algn="b" rotWithShape="0" blurRad="38100" dist="23000" dir="5400000">
+            <a:outerShdw blurRad="38100" dist="23000" dir="5400000" rotWithShape="0">
               <a:srgbClr val="000000">
                 <a:alpha val="35000"/>
               </a:srgbClr>
@@ -3788,7 +3855,7 @@
         </a:effectStyle>
         <a:effectStyle>
           <a:effectLst>
-            <a:outerShdw sx="100000" sy="100000" kx="0" ky="0" algn="b" rotWithShape="0" blurRad="38100" dist="23000" dir="5400000">
+            <a:outerShdw blurRad="38100" dist="23000" dir="5400000" rotWithShape="0">
               <a:srgbClr val="000000">
                 <a:alpha val="35000"/>
               </a:srgbClr>
@@ -3797,7 +3864,7 @@
         </a:effectStyle>
         <a:effectStyle>
           <a:effectLst>
-            <a:outerShdw sx="100000" sy="100000" kx="0" ky="0" algn="b" rotWithShape="0" blurRad="38100" dist="23000" dir="5400000">
+            <a:outerShdw blurRad="38100" dist="23000" dir="5400000" rotWithShape="0">
               <a:srgbClr val="000000">
                 <a:alpha val="35000"/>
               </a:srgbClr>
@@ -3871,7 +3938,7 @@
           <a:round/>
         </a:ln>
         <a:effectLst>
-          <a:outerShdw sx="100000" sy="100000" kx="0" ky="0" algn="b" rotWithShape="0" blurRad="38100" dist="23000" dir="5400000">
+          <a:outerShdw blurRad="38100" dist="23000" dir="5400000" rotWithShape="0">
             <a:srgbClr val="000000">
               <a:alpha val="35000"/>
             </a:srgbClr>
@@ -3879,7 +3946,7 @@
         </a:effectLst>
         <a:sp3d/>
       </a:spPr>
-      <a:bodyPr rot="0" spcFirstLastPara="1" vertOverflow="overflow" horzOverflow="overflow" vert="horz" wrap="square" lIns="45718" tIns="45718" rIns="45718" bIns="45718" numCol="1" spcCol="38100" rtlCol="0" anchor="ctr" upright="0">
+      <a:bodyPr rot="0" spcFirstLastPara="1" vertOverflow="overflow" horzOverflow="overflow" vert="horz" wrap="square" lIns="45718" tIns="45718" rIns="45718" bIns="45718" numCol="1" spcCol="38100" rtlCol="0" anchor="ctr">
         <a:spAutoFit/>
       </a:bodyPr>
       <a:lstStyle>
@@ -3898,7 +3965,7 @@
           <a:buFontTx/>
           <a:buNone/>
           <a:tabLst/>
-          <a:defRPr b="0" baseline="0" cap="none" i="0" spc="0" strike="noStrike" sz="1200" u="none" kumimoji="0" normalizeH="0">
+          <a:defRPr kumimoji="0" sz="1200" b="0" i="0" u="none" strike="noStrike" cap="none" spc="0" normalizeH="0" baseline="0">
             <a:ln>
               <a:noFill/>
             </a:ln>
@@ -3928,7 +3995,7 @@
           <a:buFontTx/>
           <a:buNone/>
           <a:tabLst/>
-          <a:defRPr b="0" baseline="0" cap="none" i="0" spc="0" strike="noStrike" sz="1800" u="none" kumimoji="0" normalizeH="0">
+          <a:defRPr kumimoji="0" sz="1800" b="0" i="0" u="none" strike="noStrike" cap="none" spc="0" normalizeH="0" baseline="0">
             <a:ln>
               <a:noFill/>
             </a:ln>
@@ -3954,7 +4021,7 @@
           <a:buFontTx/>
           <a:buNone/>
           <a:tabLst/>
-          <a:defRPr b="0" baseline="0" cap="none" i="0" spc="0" strike="noStrike" sz="1800" u="none" kumimoji="0" normalizeH="0">
+          <a:defRPr kumimoji="0" sz="1800" b="0" i="0" u="none" strike="noStrike" cap="none" spc="0" normalizeH="0" baseline="0">
             <a:ln>
               <a:noFill/>
             </a:ln>
@@ -3980,7 +4047,7 @@
           <a:buFontTx/>
           <a:buNone/>
           <a:tabLst/>
-          <a:defRPr b="0" baseline="0" cap="none" i="0" spc="0" strike="noStrike" sz="1800" u="none" kumimoji="0" normalizeH="0">
+          <a:defRPr kumimoji="0" sz="1800" b="0" i="0" u="none" strike="noStrike" cap="none" spc="0" normalizeH="0" baseline="0">
             <a:ln>
               <a:noFill/>
             </a:ln>
@@ -4006,7 +4073,7 @@
           <a:buFontTx/>
           <a:buNone/>
           <a:tabLst/>
-          <a:defRPr b="0" baseline="0" cap="none" i="0" spc="0" strike="noStrike" sz="1800" u="none" kumimoji="0" normalizeH="0">
+          <a:defRPr kumimoji="0" sz="1800" b="0" i="0" u="none" strike="noStrike" cap="none" spc="0" normalizeH="0" baseline="0">
             <a:ln>
               <a:noFill/>
             </a:ln>
@@ -4032,7 +4099,7 @@
           <a:buFontTx/>
           <a:buNone/>
           <a:tabLst/>
-          <a:defRPr b="0" baseline="0" cap="none" i="0" spc="0" strike="noStrike" sz="1800" u="none" kumimoji="0" normalizeH="0">
+          <a:defRPr kumimoji="0" sz="1800" b="0" i="0" u="none" strike="noStrike" cap="none" spc="0" normalizeH="0" baseline="0">
             <a:ln>
               <a:noFill/>
             </a:ln>
@@ -4058,7 +4125,7 @@
           <a:buFontTx/>
           <a:buNone/>
           <a:tabLst/>
-          <a:defRPr b="0" baseline="0" cap="none" i="0" spc="0" strike="noStrike" sz="1800" u="none" kumimoji="0" normalizeH="0">
+          <a:defRPr kumimoji="0" sz="1800" b="0" i="0" u="none" strike="noStrike" cap="none" spc="0" normalizeH="0" baseline="0">
             <a:ln>
               <a:noFill/>
             </a:ln>
@@ -4084,7 +4151,7 @@
           <a:buFontTx/>
           <a:buNone/>
           <a:tabLst/>
-          <a:defRPr b="0" baseline="0" cap="none" i="0" spc="0" strike="noStrike" sz="1800" u="none" kumimoji="0" normalizeH="0">
+          <a:defRPr kumimoji="0" sz="1800" b="0" i="0" u="none" strike="noStrike" cap="none" spc="0" normalizeH="0" baseline="0">
             <a:ln>
               <a:noFill/>
             </a:ln>
@@ -4110,7 +4177,7 @@
           <a:buFontTx/>
           <a:buNone/>
           <a:tabLst/>
-          <a:defRPr b="0" baseline="0" cap="none" i="0" spc="0" strike="noStrike" sz="1800" u="none" kumimoji="0" normalizeH="0">
+          <a:defRPr kumimoji="0" sz="1800" b="0" i="0" u="none" strike="noStrike" cap="none" spc="0" normalizeH="0" baseline="0">
             <a:ln>
               <a:noFill/>
             </a:ln>
@@ -4136,7 +4203,7 @@
           <a:buFontTx/>
           <a:buNone/>
           <a:tabLst/>
-          <a:defRPr b="0" baseline="0" cap="none" i="0" spc="0" strike="noStrike" sz="1800" u="none" kumimoji="0" normalizeH="0">
+          <a:defRPr kumimoji="0" sz="1800" b="0" i="0" u="none" strike="noStrike" cap="none" spc="0" normalizeH="0" baseline="0">
             <a:ln>
               <a:noFill/>
             </a:ln>
@@ -4149,9 +4216,15 @@
         </a:lvl9pPr>
       </a:lstStyle>
       <a:style>
-        <a:lnRef idx="0"/>
-        <a:fillRef idx="0"/>
-        <a:effectRef idx="0"/>
+        <a:lnRef idx="0">
+          <a:scrgbClr r="0" g="0" b="0"/>
+        </a:lnRef>
+        <a:fillRef idx="0">
+          <a:scrgbClr r="0" g="0" b="0"/>
+        </a:fillRef>
+        <a:effectRef idx="0">
+          <a:scrgbClr r="0" g="0" b="0"/>
+        </a:effectRef>
         <a:fontRef idx="none"/>
       </a:style>
     </a:spDef>
@@ -4166,7 +4239,7 @@
           <a:round/>
         </a:ln>
         <a:effectLst>
-          <a:outerShdw sx="100000" sy="100000" kx="0" ky="0" algn="b" rotWithShape="0" blurRad="38100" dist="23000" dir="5400000">
+          <a:outerShdw blurRad="38100" dist="23000" dir="5400000" rotWithShape="0">
             <a:srgbClr val="000000">
               <a:alpha val="35000"/>
             </a:srgbClr>
@@ -4174,7 +4247,7 @@
         </a:effectLst>
         <a:sp3d/>
       </a:spPr>
-      <a:bodyPr rot="0" spcFirstLastPara="1" vertOverflow="overflow" horzOverflow="overflow" vert="horz" wrap="square" lIns="91439" tIns="45719" rIns="91439" bIns="45719" numCol="1" spcCol="38100" rtlCol="0" anchor="t" upright="0">
+      <a:bodyPr rot="0" spcFirstLastPara="1" vertOverflow="overflow" horzOverflow="overflow" vert="horz" wrap="square" lIns="91439" tIns="45719" rIns="91439" bIns="45719" numCol="1" spcCol="38100" rtlCol="0" anchor="t">
         <a:noAutofit/>
       </a:bodyPr>
       <a:lstStyle>
@@ -4193,7 +4266,7 @@
           <a:buFontTx/>
           <a:buNone/>
           <a:tabLst/>
-          <a:defRPr b="0" baseline="0" cap="none" i="0" spc="0" strike="noStrike" sz="1800" u="none" kumimoji="0" normalizeH="0">
+          <a:defRPr kumimoji="0" sz="1800" b="0" i="0" u="none" strike="noStrike" cap="none" spc="0" normalizeH="0" baseline="0">
             <a:ln>
               <a:noFill/>
             </a:ln>
@@ -4219,7 +4292,7 @@
           <a:buFontTx/>
           <a:buNone/>
           <a:tabLst/>
-          <a:defRPr b="0" baseline="0" cap="none" i="0" spc="0" strike="noStrike" sz="1800" u="none" kumimoji="0" normalizeH="0">
+          <a:defRPr kumimoji="0" sz="1800" b="0" i="0" u="none" strike="noStrike" cap="none" spc="0" normalizeH="0" baseline="0">
             <a:ln>
               <a:noFill/>
             </a:ln>
@@ -4245,7 +4318,7 @@
           <a:buFontTx/>
           <a:buNone/>
           <a:tabLst/>
-          <a:defRPr b="0" baseline="0" cap="none" i="0" spc="0" strike="noStrike" sz="1800" u="none" kumimoji="0" normalizeH="0">
+          <a:defRPr kumimoji="0" sz="1800" b="0" i="0" u="none" strike="noStrike" cap="none" spc="0" normalizeH="0" baseline="0">
             <a:ln>
               <a:noFill/>
             </a:ln>
@@ -4271,7 +4344,7 @@
           <a:buFontTx/>
           <a:buNone/>
           <a:tabLst/>
-          <a:defRPr b="0" baseline="0" cap="none" i="0" spc="0" strike="noStrike" sz="1800" u="none" kumimoji="0" normalizeH="0">
+          <a:defRPr kumimoji="0" sz="1800" b="0" i="0" u="none" strike="noStrike" cap="none" spc="0" normalizeH="0" baseline="0">
             <a:ln>
               <a:noFill/>
             </a:ln>
@@ -4297,7 +4370,7 @@
           <a:buFontTx/>
           <a:buNone/>
           <a:tabLst/>
-          <a:defRPr b="0" baseline="0" cap="none" i="0" spc="0" strike="noStrike" sz="1800" u="none" kumimoji="0" normalizeH="0">
+          <a:defRPr kumimoji="0" sz="1800" b="0" i="0" u="none" strike="noStrike" cap="none" spc="0" normalizeH="0" baseline="0">
             <a:ln>
               <a:noFill/>
             </a:ln>
@@ -4323,7 +4396,7 @@
           <a:buFontTx/>
           <a:buNone/>
           <a:tabLst/>
-          <a:defRPr b="0" baseline="0" cap="none" i="0" spc="0" strike="noStrike" sz="1800" u="none" kumimoji="0" normalizeH="0">
+          <a:defRPr kumimoji="0" sz="1800" b="0" i="0" u="none" strike="noStrike" cap="none" spc="0" normalizeH="0" baseline="0">
             <a:ln>
               <a:noFill/>
             </a:ln>
@@ -4349,7 +4422,7 @@
           <a:buFontTx/>
           <a:buNone/>
           <a:tabLst/>
-          <a:defRPr b="0" baseline="0" cap="none" i="0" spc="0" strike="noStrike" sz="1800" u="none" kumimoji="0" normalizeH="0">
+          <a:defRPr kumimoji="0" sz="1800" b="0" i="0" u="none" strike="noStrike" cap="none" spc="0" normalizeH="0" baseline="0">
             <a:ln>
               <a:noFill/>
             </a:ln>
@@ -4375,7 +4448,7 @@
           <a:buFontTx/>
           <a:buNone/>
           <a:tabLst/>
-          <a:defRPr b="0" baseline="0" cap="none" i="0" spc="0" strike="noStrike" sz="1800" u="none" kumimoji="0" normalizeH="0">
+          <a:defRPr kumimoji="0" sz="1800" b="0" i="0" u="none" strike="noStrike" cap="none" spc="0" normalizeH="0" baseline="0">
             <a:ln>
               <a:noFill/>
             </a:ln>
@@ -4401,7 +4474,7 @@
           <a:buFontTx/>
           <a:buNone/>
           <a:tabLst/>
-          <a:defRPr b="0" baseline="0" cap="none" i="0" spc="0" strike="noStrike" sz="1800" u="none" kumimoji="0" normalizeH="0">
+          <a:defRPr kumimoji="0" sz="1800" b="0" i="0" u="none" strike="noStrike" cap="none" spc="0" normalizeH="0" baseline="0">
             <a:ln>
               <a:noFill/>
             </a:ln>
@@ -4427,7 +4500,7 @@
           <a:buFontTx/>
           <a:buNone/>
           <a:tabLst/>
-          <a:defRPr b="0" baseline="0" cap="none" i="0" spc="0" strike="noStrike" sz="1800" u="none" kumimoji="0" normalizeH="0">
+          <a:defRPr kumimoji="0" sz="1800" b="0" i="0" u="none" strike="noStrike" cap="none" spc="0" normalizeH="0" baseline="0">
             <a:ln>
               <a:noFill/>
             </a:ln>
@@ -4440,9 +4513,15 @@
         </a:lvl9pPr>
       </a:lstStyle>
       <a:style>
-        <a:lnRef idx="0"/>
-        <a:fillRef idx="0"/>
-        <a:effectRef idx="0"/>
+        <a:lnRef idx="0">
+          <a:scrgbClr r="0" g="0" b="0"/>
+        </a:lnRef>
+        <a:fillRef idx="0">
+          <a:scrgbClr r="0" g="0" b="0"/>
+        </a:fillRef>
+        <a:effectRef idx="0">
+          <a:scrgbClr r="0" g="0" b="0"/>
+        </a:effectRef>
         <a:fontRef idx="none"/>
       </a:style>
     </a:lnDef>
@@ -4456,7 +4535,7 @@
         <a:effectLst/>
         <a:sp3d/>
       </a:spPr>
-      <a:bodyPr rot="0" spcFirstLastPara="1" vertOverflow="overflow" horzOverflow="overflow" vert="horz" wrap="square" lIns="45718" tIns="45718" rIns="45718" bIns="45718" numCol="1" spcCol="38100" rtlCol="0" anchor="t" upright="0">
+      <a:bodyPr rot="0" spcFirstLastPara="1" vertOverflow="overflow" horzOverflow="overflow" vert="horz" wrap="square" lIns="45718" tIns="45718" rIns="45718" bIns="45718" numCol="1" spcCol="38100" rtlCol="0" anchor="t">
         <a:spAutoFit/>
       </a:bodyPr>
       <a:lstStyle>
@@ -4475,7 +4554,7 @@
           <a:buFontTx/>
           <a:buNone/>
           <a:tabLst/>
-          <a:defRPr b="0" baseline="0" cap="none" i="0" spc="0" strike="noStrike" sz="1200" u="none" kumimoji="0" normalizeH="0">
+          <a:defRPr kumimoji="0" sz="1200" b="0" i="0" u="none" strike="noStrike" cap="none" spc="0" normalizeH="0" baseline="0">
             <a:ln>
               <a:noFill/>
             </a:ln>
@@ -4505,7 +4584,7 @@
           <a:buFontTx/>
           <a:buNone/>
           <a:tabLst/>
-          <a:defRPr b="0" baseline="0" cap="none" i="0" spc="0" strike="noStrike" sz="1800" u="none" kumimoji="0" normalizeH="0">
+          <a:defRPr kumimoji="0" sz="1800" b="0" i="0" u="none" strike="noStrike" cap="none" spc="0" normalizeH="0" baseline="0">
             <a:ln>
               <a:noFill/>
             </a:ln>
@@ -4531,7 +4610,7 @@
           <a:buFontTx/>
           <a:buNone/>
           <a:tabLst/>
-          <a:defRPr b="0" baseline="0" cap="none" i="0" spc="0" strike="noStrike" sz="1800" u="none" kumimoji="0" normalizeH="0">
+          <a:defRPr kumimoji="0" sz="1800" b="0" i="0" u="none" strike="noStrike" cap="none" spc="0" normalizeH="0" baseline="0">
             <a:ln>
               <a:noFill/>
             </a:ln>
@@ -4557,7 +4636,7 @@
           <a:buFontTx/>
           <a:buNone/>
           <a:tabLst/>
-          <a:defRPr b="0" baseline="0" cap="none" i="0" spc="0" strike="noStrike" sz="1800" u="none" kumimoji="0" normalizeH="0">
+          <a:defRPr kumimoji="0" sz="1800" b="0" i="0" u="none" strike="noStrike" cap="none" spc="0" normalizeH="0" baseline="0">
             <a:ln>
               <a:noFill/>
             </a:ln>
@@ -4583,7 +4662,7 @@
           <a:buFontTx/>
           <a:buNone/>
           <a:tabLst/>
-          <a:defRPr b="0" baseline="0" cap="none" i="0" spc="0" strike="noStrike" sz="1800" u="none" kumimoji="0" normalizeH="0">
+          <a:defRPr kumimoji="0" sz="1800" b="0" i="0" u="none" strike="noStrike" cap="none" spc="0" normalizeH="0" baseline="0">
             <a:ln>
               <a:noFill/>
             </a:ln>
@@ -4609,7 +4688,7 @@
           <a:buFontTx/>
           <a:buNone/>
           <a:tabLst/>
-          <a:defRPr b="0" baseline="0" cap="none" i="0" spc="0" strike="noStrike" sz="1800" u="none" kumimoji="0" normalizeH="0">
+          <a:defRPr kumimoji="0" sz="1800" b="0" i="0" u="none" strike="noStrike" cap="none" spc="0" normalizeH="0" baseline="0">
             <a:ln>
               <a:noFill/>
             </a:ln>
@@ -4635,7 +4714,7 @@
           <a:buFontTx/>
           <a:buNone/>
           <a:tabLst/>
-          <a:defRPr b="0" baseline="0" cap="none" i="0" spc="0" strike="noStrike" sz="1800" u="none" kumimoji="0" normalizeH="0">
+          <a:defRPr kumimoji="0" sz="1800" b="0" i="0" u="none" strike="noStrike" cap="none" spc="0" normalizeH="0" baseline="0">
             <a:ln>
               <a:noFill/>
             </a:ln>
@@ -4661,7 +4740,7 @@
           <a:buFontTx/>
           <a:buNone/>
           <a:tabLst/>
-          <a:defRPr b="0" baseline="0" cap="none" i="0" spc="0" strike="noStrike" sz="1800" u="none" kumimoji="0" normalizeH="0">
+          <a:defRPr kumimoji="0" sz="1800" b="0" i="0" u="none" strike="noStrike" cap="none" spc="0" normalizeH="0" baseline="0">
             <a:ln>
               <a:noFill/>
             </a:ln>
@@ -4687,7 +4766,7 @@
           <a:buFontTx/>
           <a:buNone/>
           <a:tabLst/>
-          <a:defRPr b="0" baseline="0" cap="none" i="0" spc="0" strike="noStrike" sz="1800" u="none" kumimoji="0" normalizeH="0">
+          <a:defRPr kumimoji="0" sz="1800" b="0" i="0" u="none" strike="noStrike" cap="none" spc="0" normalizeH="0" baseline="0">
             <a:ln>
               <a:noFill/>
             </a:ln>
@@ -4713,7 +4792,7 @@
           <a:buFontTx/>
           <a:buNone/>
           <a:tabLst/>
-          <a:defRPr b="0" baseline="0" cap="none" i="0" spc="0" strike="noStrike" sz="1800" u="none" kumimoji="0" normalizeH="0">
+          <a:defRPr kumimoji="0" sz="1800" b="0" i="0" u="none" strike="noStrike" cap="none" spc="0" normalizeH="0" baseline="0">
             <a:ln>
               <a:noFill/>
             </a:ln>
@@ -4726,12 +4805,19 @@
         </a:lvl9pPr>
       </a:lstStyle>
       <a:style>
-        <a:lnRef idx="0"/>
-        <a:fillRef idx="0"/>
-        <a:effectRef idx="0"/>
+        <a:lnRef idx="0">
+          <a:scrgbClr r="0" g="0" b="0"/>
+        </a:lnRef>
+        <a:fillRef idx="0">
+          <a:scrgbClr r="0" g="0" b="0"/>
+        </a:fillRef>
+        <a:effectRef idx="0">
+          <a:scrgbClr r="0" g="0" b="0"/>
+        </a:effectRef>
         <a:fontRef idx="none"/>
       </a:style>
     </a:txDef>
   </a:objectDefaults>
+  <a:extraClrSchemeLst/>
 </a:theme>
 </file>
--- a/jaws-ug-map.pptx
+++ b/jaws-ug-map.pptx
@@ -263,7 +263,7 @@
           <a:p>
             <a:fld id="{5BB77CFB-1EF2-0545-960B-65D7746E405D}" type="datetimeFigureOut">
               <a:rPr kumimoji="1" lang="ja-JP" altLang="en-US" smtClean="0"/>
-              <a:t>2022/8/31</a:t>
+              <a:t>2023/7/22</a:t>
             </a:fld>
             <a:endParaRPr kumimoji="1" lang="ja-JP" altLang="en-US"/>
           </a:p>
@@ -493,7 +493,7 @@
           <a:p>
             <a:fld id="{5BB77CFB-1EF2-0545-960B-65D7746E405D}" type="datetimeFigureOut">
               <a:rPr kumimoji="1" lang="ja-JP" altLang="en-US" smtClean="0"/>
-              <a:t>2022/8/31</a:t>
+              <a:t>2023/7/22</a:t>
             </a:fld>
             <a:endParaRPr kumimoji="1" lang="ja-JP" altLang="en-US"/>
           </a:p>
@@ -733,7 +733,7 @@
           <a:p>
             <a:fld id="{5BB77CFB-1EF2-0545-960B-65D7746E405D}" type="datetimeFigureOut">
               <a:rPr kumimoji="1" lang="ja-JP" altLang="en-US" smtClean="0"/>
-              <a:t>2022/8/31</a:t>
+              <a:t>2023/7/22</a:t>
             </a:fld>
             <a:endParaRPr kumimoji="1" lang="ja-JP" altLang="en-US"/>
           </a:p>
@@ -953,7 +953,7 @@
           <a:p>
             <a:fld id="{5BB77CFB-1EF2-0545-960B-65D7746E405D}" type="datetimeFigureOut">
               <a:rPr kumimoji="1" lang="ja-JP" altLang="en-US" smtClean="0"/>
-              <a:t>2022/8/31</a:t>
+              <a:t>2023/7/22</a:t>
             </a:fld>
             <a:endParaRPr kumimoji="1" lang="ja-JP" altLang="en-US"/>
           </a:p>
@@ -1183,7 +1183,7 @@
           <a:p>
             <a:fld id="{5BB77CFB-1EF2-0545-960B-65D7746E405D}" type="datetimeFigureOut">
               <a:rPr kumimoji="1" lang="ja-JP" altLang="en-US" smtClean="0"/>
-              <a:t>2022/8/31</a:t>
+              <a:t>2023/7/22</a:t>
             </a:fld>
             <a:endParaRPr kumimoji="1" lang="ja-JP" altLang="en-US"/>
           </a:p>
@@ -1458,7 +1458,7 @@
           <a:p>
             <a:fld id="{5BB77CFB-1EF2-0545-960B-65D7746E405D}" type="datetimeFigureOut">
               <a:rPr kumimoji="1" lang="ja-JP" altLang="en-US" smtClean="0"/>
-              <a:t>2022/8/31</a:t>
+              <a:t>2023/7/22</a:t>
             </a:fld>
             <a:endParaRPr kumimoji="1" lang="ja-JP" altLang="en-US"/>
           </a:p>
@@ -1787,7 +1787,7 @@
           <a:p>
             <a:fld id="{5BB77CFB-1EF2-0545-960B-65D7746E405D}" type="datetimeFigureOut">
               <a:rPr kumimoji="1" lang="ja-JP" altLang="en-US" smtClean="0"/>
-              <a:t>2022/8/31</a:t>
+              <a:t>2023/7/22</a:t>
             </a:fld>
             <a:endParaRPr kumimoji="1" lang="ja-JP" altLang="en-US"/>
           </a:p>
@@ -2263,7 +2263,7 @@
           <a:p>
             <a:fld id="{5BB77CFB-1EF2-0545-960B-65D7746E405D}" type="datetimeFigureOut">
               <a:rPr kumimoji="1" lang="ja-JP" altLang="en-US" smtClean="0"/>
-              <a:t>2022/8/31</a:t>
+              <a:t>2023/7/22</a:t>
             </a:fld>
             <a:endParaRPr kumimoji="1" lang="ja-JP" altLang="en-US"/>
           </a:p>
@@ -2404,7 +2404,7 @@
           <a:p>
             <a:fld id="{5BB77CFB-1EF2-0545-960B-65D7746E405D}" type="datetimeFigureOut">
               <a:rPr kumimoji="1" lang="ja-JP" altLang="en-US" smtClean="0"/>
-              <a:t>2022/8/31</a:t>
+              <a:t>2023/7/22</a:t>
             </a:fld>
             <a:endParaRPr kumimoji="1" lang="ja-JP" altLang="en-US"/>
           </a:p>
@@ -2517,7 +2517,7 @@
           <a:p>
             <a:fld id="{5BB77CFB-1EF2-0545-960B-65D7746E405D}" type="datetimeFigureOut">
               <a:rPr kumimoji="1" lang="ja-JP" altLang="en-US" smtClean="0"/>
-              <a:t>2022/8/31</a:t>
+              <a:t>2023/7/22</a:t>
             </a:fld>
             <a:endParaRPr kumimoji="1" lang="ja-JP" altLang="en-US"/>
           </a:p>
@@ -2860,7 +2860,7 @@
           <a:p>
             <a:fld id="{5BB77CFB-1EF2-0545-960B-65D7746E405D}" type="datetimeFigureOut">
               <a:rPr kumimoji="1" lang="ja-JP" altLang="en-US" smtClean="0"/>
-              <a:t>2022/8/31</a:t>
+              <a:t>2023/7/22</a:t>
             </a:fld>
             <a:endParaRPr kumimoji="1" lang="ja-JP" altLang="en-US"/>
           </a:p>
@@ -3090,7 +3090,7 @@
           <a:p>
             <a:fld id="{5BB77CFB-1EF2-0545-960B-65D7746E405D}" type="datetimeFigureOut">
               <a:rPr kumimoji="1" lang="ja-JP" altLang="en-US" smtClean="0"/>
-              <a:t>2022/8/31</a:t>
+              <a:t>2023/7/22</a:t>
             </a:fld>
             <a:endParaRPr kumimoji="1" lang="ja-JP" altLang="en-US"/>
           </a:p>
@@ -3378,7 +3378,7 @@
           <a:p>
             <a:fld id="{5BB77CFB-1EF2-0545-960B-65D7746E405D}" type="datetimeFigureOut">
               <a:rPr kumimoji="1" lang="ja-JP" altLang="en-US" smtClean="0"/>
-              <a:t>2022/8/31</a:t>
+              <a:t>2023/7/22</a:t>
             </a:fld>
             <a:endParaRPr kumimoji="1" lang="ja-JP" altLang="en-US"/>
           </a:p>
@@ -3608,7 +3608,7 @@
           <a:p>
             <a:fld id="{5BB77CFB-1EF2-0545-960B-65D7746E405D}" type="datetimeFigureOut">
               <a:rPr kumimoji="1" lang="ja-JP" altLang="en-US" smtClean="0"/>
-              <a:t>2022/8/31</a:t>
+              <a:t>2023/7/22</a:t>
             </a:fld>
             <a:endParaRPr kumimoji="1" lang="ja-JP" altLang="en-US"/>
           </a:p>
@@ -3848,7 +3848,7 @@
           <a:p>
             <a:fld id="{5BB77CFB-1EF2-0545-960B-65D7746E405D}" type="datetimeFigureOut">
               <a:rPr kumimoji="1" lang="ja-JP" altLang="en-US" smtClean="0"/>
-              <a:t>2022/8/31</a:t>
+              <a:t>2023/7/22</a:t>
             </a:fld>
             <a:endParaRPr kumimoji="1" lang="ja-JP" altLang="en-US"/>
           </a:p>
@@ -4123,7 +4123,7 @@
           <a:p>
             <a:fld id="{5BB77CFB-1EF2-0545-960B-65D7746E405D}" type="datetimeFigureOut">
               <a:rPr kumimoji="1" lang="ja-JP" altLang="en-US" smtClean="0"/>
-              <a:t>2022/8/31</a:t>
+              <a:t>2023/7/22</a:t>
             </a:fld>
             <a:endParaRPr kumimoji="1" lang="ja-JP" altLang="en-US"/>
           </a:p>
@@ -4452,7 +4452,7 @@
           <a:p>
             <a:fld id="{5BB77CFB-1EF2-0545-960B-65D7746E405D}" type="datetimeFigureOut">
               <a:rPr kumimoji="1" lang="ja-JP" altLang="en-US" smtClean="0"/>
-              <a:t>2022/8/31</a:t>
+              <a:t>2023/7/22</a:t>
             </a:fld>
             <a:endParaRPr kumimoji="1" lang="ja-JP" altLang="en-US"/>
           </a:p>
@@ -4928,7 +4928,7 @@
           <a:p>
             <a:fld id="{5BB77CFB-1EF2-0545-960B-65D7746E405D}" type="datetimeFigureOut">
               <a:rPr kumimoji="1" lang="ja-JP" altLang="en-US" smtClean="0"/>
-              <a:t>2022/8/31</a:t>
+              <a:t>2023/7/22</a:t>
             </a:fld>
             <a:endParaRPr kumimoji="1" lang="ja-JP" altLang="en-US"/>
           </a:p>
@@ -5069,7 +5069,7 @@
           <a:p>
             <a:fld id="{5BB77CFB-1EF2-0545-960B-65D7746E405D}" type="datetimeFigureOut">
               <a:rPr kumimoji="1" lang="ja-JP" altLang="en-US" smtClean="0"/>
-              <a:t>2022/8/31</a:t>
+              <a:t>2023/7/22</a:t>
             </a:fld>
             <a:endParaRPr kumimoji="1" lang="ja-JP" altLang="en-US"/>
           </a:p>
@@ -5182,7 +5182,7 @@
           <a:p>
             <a:fld id="{5BB77CFB-1EF2-0545-960B-65D7746E405D}" type="datetimeFigureOut">
               <a:rPr kumimoji="1" lang="ja-JP" altLang="en-US" smtClean="0"/>
-              <a:t>2022/8/31</a:t>
+              <a:t>2023/7/22</a:t>
             </a:fld>
             <a:endParaRPr kumimoji="1" lang="ja-JP" altLang="en-US"/>
           </a:p>
@@ -5525,7 +5525,7 @@
           <a:p>
             <a:fld id="{5BB77CFB-1EF2-0545-960B-65D7746E405D}" type="datetimeFigureOut">
               <a:rPr kumimoji="1" lang="ja-JP" altLang="en-US" smtClean="0"/>
-              <a:t>2022/8/31</a:t>
+              <a:t>2023/7/22</a:t>
             </a:fld>
             <a:endParaRPr kumimoji="1" lang="ja-JP" altLang="en-US"/>
           </a:p>
@@ -5813,7 +5813,7 @@
           <a:p>
             <a:fld id="{5BB77CFB-1EF2-0545-960B-65D7746E405D}" type="datetimeFigureOut">
               <a:rPr kumimoji="1" lang="ja-JP" altLang="en-US" smtClean="0"/>
-              <a:t>2022/8/31</a:t>
+              <a:t>2023/7/22</a:t>
             </a:fld>
             <a:endParaRPr kumimoji="1" lang="ja-JP" altLang="en-US"/>
           </a:p>
@@ -6086,7 +6086,7 @@
           <a:p>
             <a:fld id="{5BB77CFB-1EF2-0545-960B-65D7746E405D}" type="datetimeFigureOut">
               <a:rPr kumimoji="1" lang="ja-JP" altLang="en-US" smtClean="0"/>
-              <a:t>2022/8/31</a:t>
+              <a:t>2023/7/22</a:t>
             </a:fld>
             <a:endParaRPr kumimoji="1" lang="ja-JP" altLang="en-US"/>
           </a:p>
@@ -6686,7 +6686,7 @@
           <a:p>
             <a:fld id="{5BB77CFB-1EF2-0545-960B-65D7746E405D}" type="datetimeFigureOut">
               <a:rPr kumimoji="1" lang="ja-JP" altLang="en-US" smtClean="0"/>
-              <a:t>2022/8/31</a:t>
+              <a:t>2023/7/22</a:t>
             </a:fld>
             <a:endParaRPr kumimoji="1" lang="ja-JP" altLang="en-US"/>
           </a:p>
@@ -8447,60 +8447,6 @@
           </p:sp>
           <p:sp>
             <p:nvSpPr>
-              <p:cNvPr id="35" name="テキスト ボックス 34">
-                <a:extLst>
-                  <a:ext uri="{FF2B5EF4-FFF2-40B4-BE49-F238E27FC236}">
-                    <a16:creationId xmlns:a16="http://schemas.microsoft.com/office/drawing/2014/main" id="{F7DBD9A4-386D-405B-6EBE-D7329DF05B5D}"/>
-                  </a:ext>
-                </a:extLst>
-              </p:cNvPr>
-              <p:cNvSpPr txBox="1"/>
-              <p:nvPr/>
-            </p:nvSpPr>
-            <p:spPr>
-              <a:xfrm>
-                <a:off x="3489674" y="5671372"/>
-                <a:ext cx="684803" cy="292388"/>
-              </a:xfrm>
-              <a:prstGeom prst="rect">
-                <a:avLst/>
-              </a:prstGeom>
-              <a:noFill/>
-            </p:spPr>
-            <p:txBody>
-              <a:bodyPr wrap="none" rtlCol="0">
-                <a:spAutoFit/>
-              </a:bodyPr>
-              <a:lstStyle/>
-              <a:p>
-                <a:r>
-                  <a:rPr lang="ja-JP" altLang="en-US" sz="1300">
-                    <a:solidFill>
-                      <a:schemeClr val="bg2">
-                        <a:lumMod val="10000"/>
-                      </a:schemeClr>
-                    </a:solidFill>
-                    <a:latin typeface="Meiryo UI" panose="020B0604030504040204" pitchFamily="34" charset="-128"/>
-                    <a:ea typeface="Meiryo UI" panose="020B0604030504040204" pitchFamily="34" charset="-128"/>
-                    <a:cs typeface="Arial" panose="020B0604020202020204" pitchFamily="34" charset="0"/>
-                  </a:rPr>
-                  <a:t>鹿児島</a:t>
-                </a:r>
-                <a:endParaRPr kumimoji="1" lang="ja-JP" altLang="en-US" sz="1300">
-                  <a:solidFill>
-                    <a:schemeClr val="bg2">
-                      <a:lumMod val="10000"/>
-                    </a:schemeClr>
-                  </a:solidFill>
-                  <a:latin typeface="Meiryo UI" panose="020B0604030504040204" pitchFamily="34" charset="-128"/>
-                  <a:ea typeface="Meiryo UI" panose="020B0604030504040204" pitchFamily="34" charset="-128"/>
-                  <a:cs typeface="Arial" panose="020B0604020202020204" pitchFamily="34" charset="0"/>
-                </a:endParaRPr>
-              </a:p>
-            </p:txBody>
-          </p:sp>
-          <p:sp>
-            <p:nvSpPr>
               <p:cNvPr id="36" name="テキスト ボックス 35">
                 <a:extLst>
                   <a:ext uri="{FF2B5EF4-FFF2-40B4-BE49-F238E27FC236}">
@@ -11730,106 +11676,6 @@
           </p:sp>
           <p:cxnSp>
             <p:nvCxnSpPr>
-              <p:cNvPr id="137" name="直線コネクタ 136">
-                <a:extLst>
-                  <a:ext uri="{FF2B5EF4-FFF2-40B4-BE49-F238E27FC236}">
-                    <a16:creationId xmlns:a16="http://schemas.microsoft.com/office/drawing/2014/main" id="{6C832C1B-2E78-E8DF-DC61-C8976EE4FD54}"/>
-                  </a:ext>
-                </a:extLst>
-              </p:cNvPr>
-              <p:cNvCxnSpPr>
-                <a:cxnSpLocks/>
-              </p:cNvCxnSpPr>
-              <p:nvPr/>
-            </p:nvCxnSpPr>
-            <p:spPr>
-              <a:xfrm flipV="1">
-                <a:off x="4171842" y="5501994"/>
-                <a:ext cx="326973" cy="220089"/>
-              </a:xfrm>
-              <a:prstGeom prst="line">
-                <a:avLst/>
-              </a:prstGeom>
-              <a:ln w="12700">
-                <a:solidFill>
-                  <a:schemeClr val="bg2">
-                    <a:lumMod val="10000"/>
-                  </a:schemeClr>
-                </a:solidFill>
-              </a:ln>
-            </p:spPr>
-            <p:style>
-              <a:lnRef idx="1">
-                <a:schemeClr val="accent1"/>
-              </a:lnRef>
-              <a:fillRef idx="0">
-                <a:schemeClr val="accent1"/>
-              </a:fillRef>
-              <a:effectRef idx="0">
-                <a:schemeClr val="accent1"/>
-              </a:effectRef>
-              <a:fontRef idx="minor">
-                <a:schemeClr val="tx1"/>
-              </a:fontRef>
-            </p:style>
-          </p:cxnSp>
-          <p:sp>
-            <p:nvSpPr>
-              <p:cNvPr id="118" name="テキスト ボックス 117">
-                <a:extLst>
-                  <a:ext uri="{FF2B5EF4-FFF2-40B4-BE49-F238E27FC236}">
-                    <a16:creationId xmlns:a16="http://schemas.microsoft.com/office/drawing/2014/main" id="{A27AF81A-AE51-31FB-AFA9-FE813B507371}"/>
-                  </a:ext>
-                </a:extLst>
-              </p:cNvPr>
-              <p:cNvSpPr txBox="1"/>
-              <p:nvPr/>
-            </p:nvSpPr>
-            <p:spPr>
-              <a:xfrm>
-                <a:off x="4329806" y="5341106"/>
-                <a:ext cx="351378" cy="292388"/>
-              </a:xfrm>
-              <a:prstGeom prst="rect">
-                <a:avLst/>
-              </a:prstGeom>
-              <a:noFill/>
-              <a:effectLst>
-                <a:outerShdw blurRad="50800" dist="38100" dir="2700000" algn="tl" rotWithShape="0">
-                  <a:prstClr val="black">
-                    <a:alpha val="40000"/>
-                  </a:prstClr>
-                </a:outerShdw>
-              </a:effectLst>
-            </p:spPr>
-            <p:txBody>
-              <a:bodyPr wrap="none" rtlCol="0">
-                <a:spAutoFit/>
-              </a:bodyPr>
-              <a:lstStyle/>
-              <a:p>
-                <a:r>
-                  <a:rPr lang="en" altLang="ja-JP" sz="1300" dirty="0">
-                    <a:solidFill>
-                      <a:srgbClr val="F8B62B"/>
-                    </a:solidFill>
-                    <a:latin typeface="Arial" panose="020B0604020202020204" pitchFamily="34" charset="0"/>
-                    <a:cs typeface="Arial" panose="020B0604020202020204" pitchFamily="34" charset="0"/>
-                  </a:rPr>
-                  <a:t>★</a:t>
-                </a:r>
-                <a:endParaRPr kumimoji="1" lang="ja-JP" altLang="en-US" sz="1300">
-                  <a:solidFill>
-                    <a:srgbClr val="F8B62B"/>
-                  </a:solidFill>
-                  <a:latin typeface="Arial" panose="020B0604020202020204" pitchFamily="34" charset="0"/>
-                  <a:cs typeface="Arial" panose="020B0604020202020204" pitchFamily="34" charset="0"/>
-                </a:endParaRPr>
-              </a:p>
-            </p:txBody>
-          </p:sp>
-          <p:cxnSp>
-            <p:nvCxnSpPr>
               <p:cNvPr id="139" name="直線コネクタ 138">
                 <a:extLst>
                   <a:ext uri="{FF2B5EF4-FFF2-40B4-BE49-F238E27FC236}">
@@ -13356,7 +13202,7 @@
                 <a:latin typeface="Arial" panose="020B0604020202020204" pitchFamily="34" charset="0"/>
                 <a:cs typeface="Arial" panose="020B0604020202020204" pitchFamily="34" charset="0"/>
               </a:rPr>
-              <a:t>Aug 2022</a:t>
+              <a:t>Jul 2023</a:t>
             </a:r>
             <a:endParaRPr lang="ja-JP" altLang="en-US" sz="2400" b="1">
               <a:solidFill>
@@ -13385,7 +13231,7 @@
         <p:spPr>
           <a:xfrm>
             <a:off x="8896237" y="1586753"/>
-            <a:ext cx="2802306" cy="5093702"/>
+            <a:ext cx="2802306" cy="5293757"/>
           </a:xfrm>
           <a:prstGeom prst="rect">
             <a:avLst/>
@@ -13502,7 +13348,7 @@
               <a:buChar char="★"/>
             </a:pPr>
             <a:r>
-              <a:rPr lang="ja-JP" altLang="en-US" sz="1300">
+              <a:rPr lang="en" altLang="ja-JP" sz="1300">
                 <a:solidFill>
                   <a:schemeClr val="bg2">
                     <a:lumMod val="10000"/>
@@ -13512,8 +13358,18 @@
                 <a:ea typeface="Meiryo UI" panose="020B0604030504040204" pitchFamily="34" charset="-128"/>
                 <a:cs typeface="Arial" panose="020B0604020202020204" pitchFamily="34" charset="0"/>
               </a:rPr>
-              <a:t>関西女子会</a:t>
-            </a:r>
+              <a:t>JAWS-UG DE&amp;I</a:t>
+            </a:r>
+            <a:endParaRPr lang="ja-JP" altLang="en-US" sz="1300">
+              <a:solidFill>
+                <a:schemeClr val="bg2">
+                  <a:lumMod val="10000"/>
+                </a:schemeClr>
+              </a:solidFill>
+              <a:latin typeface="Meiryo UI" panose="020B0604030504040204" pitchFamily="34" charset="-128"/>
+              <a:ea typeface="Meiryo UI" panose="020B0604030504040204" pitchFamily="34" charset="-128"/>
+              <a:cs typeface="Arial" panose="020B0604020202020204" pitchFamily="34" charset="0"/>
+            </a:endParaRPr>
           </a:p>
           <a:p>
             <a:pPr marL="285750" indent="-285750">
@@ -14093,8 +13949,38 @@
               </a:rPr>
               <a:t>専門支部</a:t>
             </a:r>
+            <a:endParaRPr lang="en-US" altLang="ja-JP" sz="1300">
+              <a:solidFill>
+                <a:schemeClr val="bg2">
+                  <a:lumMod val="10000"/>
+                </a:schemeClr>
+              </a:solidFill>
+              <a:latin typeface="Meiryo UI" panose="020B0604030504040204" pitchFamily="34" charset="-128"/>
+              <a:ea typeface="Meiryo UI" panose="020B0604030504040204" pitchFamily="34" charset="-128"/>
+              <a:cs typeface="Arial" panose="020B0604020202020204" pitchFamily="34" charset="0"/>
+            </a:endParaRPr>
           </a:p>
           <a:p>
+            <a:pPr marL="285750" indent="-285750">
+              <a:buClr>
+                <a:srgbClr val="F8B62B"/>
+              </a:buClr>
+              <a:buFont typeface="ヒラギノ明朝 ProN W3" panose="02020300000000000000" pitchFamily="18" charset="-128"/>
+              <a:buChar char="★"/>
+            </a:pPr>
+            <a:r>
+              <a:rPr lang="en-US" altLang="ja-JP" sz="1300">
+                <a:solidFill>
+                  <a:schemeClr val="bg2">
+                    <a:lumMod val="10000"/>
+                  </a:schemeClr>
+                </a:solidFill>
+                <a:latin typeface="Meiryo UI" panose="020B0604030504040204" pitchFamily="34" charset="-128"/>
+                <a:ea typeface="Meiryo UI" panose="020B0604030504040204" pitchFamily="34" charset="-128"/>
+                <a:cs typeface="Arial" panose="020B0604020202020204" pitchFamily="34" charset="0"/>
+              </a:rPr>
+              <a:t>Storage</a:t>
+            </a:r>
             <a:endParaRPr kumimoji="1" lang="ja-JP" altLang="en-US" sz="1300">
               <a:solidFill>
                 <a:schemeClr val="bg2">
@@ -14147,7 +14033,7 @@
                 <a:ea typeface="Meiryo UI" panose="020B0604030504040204" pitchFamily="34" charset="-128"/>
                 <a:cs typeface="Arial" panose="020B0604020202020204" pitchFamily="34" charset="0"/>
               </a:rPr>
-              <a:t>2022</a:t>
+              <a:t>2023</a:t>
             </a:r>
             <a:r>
               <a:rPr lang="ja-JP" altLang="en-US" sz="1400">
@@ -14173,7 +14059,7 @@
                 <a:ea typeface="Meiryo UI" panose="020B0604030504040204" pitchFamily="34" charset="-128"/>
                 <a:cs typeface="Arial" panose="020B0604020202020204" pitchFamily="34" charset="0"/>
               </a:rPr>
-              <a:t>8</a:t>
+              <a:t>7</a:t>
             </a:r>
             <a:r>
               <a:rPr lang="ja-JP" altLang="en-US" sz="1400">
@@ -15421,56 +15307,6 @@
           </p:sp>
           <p:sp>
             <p:nvSpPr>
-              <p:cNvPr id="135" name="テキスト ボックス 134">
-                <a:extLst>
-                  <a:ext uri="{FF2B5EF4-FFF2-40B4-BE49-F238E27FC236}">
-                    <a16:creationId xmlns:a16="http://schemas.microsoft.com/office/drawing/2014/main" id="{FA13D5EE-E1EF-4F34-F67B-BF591E264D9D}"/>
-                  </a:ext>
-                </a:extLst>
-              </p:cNvPr>
-              <p:cNvSpPr txBox="1"/>
-              <p:nvPr/>
-            </p:nvSpPr>
-            <p:spPr>
-              <a:xfrm>
-                <a:off x="3489674" y="5671372"/>
-                <a:ext cx="684803" cy="292388"/>
-              </a:xfrm>
-              <a:prstGeom prst="rect">
-                <a:avLst/>
-              </a:prstGeom>
-              <a:noFill/>
-            </p:spPr>
-            <p:txBody>
-              <a:bodyPr wrap="none" rtlCol="0">
-                <a:spAutoFit/>
-              </a:bodyPr>
-              <a:lstStyle/>
-              <a:p>
-                <a:r>
-                  <a:rPr lang="ja-JP" altLang="en-US" sz="1300">
-                    <a:solidFill>
-                      <a:schemeClr val="bg1"/>
-                    </a:solidFill>
-                    <a:latin typeface="Meiryo UI" panose="020B0604030504040204" pitchFamily="34" charset="-128"/>
-                    <a:ea typeface="Meiryo UI" panose="020B0604030504040204" pitchFamily="34" charset="-128"/>
-                    <a:cs typeface="Arial" panose="020B0604020202020204" pitchFamily="34" charset="0"/>
-                  </a:rPr>
-                  <a:t>鹿児島</a:t>
-                </a:r>
-                <a:endParaRPr kumimoji="1" lang="ja-JP" altLang="en-US" sz="1300">
-                  <a:solidFill>
-                    <a:schemeClr val="bg1"/>
-                  </a:solidFill>
-                  <a:latin typeface="Meiryo UI" panose="020B0604030504040204" pitchFamily="34" charset="-128"/>
-                  <a:ea typeface="Meiryo UI" panose="020B0604030504040204" pitchFamily="34" charset="-128"/>
-                  <a:cs typeface="Arial" panose="020B0604020202020204" pitchFamily="34" charset="0"/>
-                </a:endParaRPr>
-              </a:p>
-            </p:txBody>
-          </p:sp>
-          <p:sp>
-            <p:nvSpPr>
               <p:cNvPr id="136" name="テキスト ボックス 135">
                 <a:extLst>
                   <a:ext uri="{FF2B5EF4-FFF2-40B4-BE49-F238E27FC236}">
@@ -18638,106 +18474,6 @@
           </p:sp>
           <p:cxnSp>
             <p:nvCxnSpPr>
-              <p:cNvPr id="214" name="直線コネクタ 213">
-                <a:extLst>
-                  <a:ext uri="{FF2B5EF4-FFF2-40B4-BE49-F238E27FC236}">
-                    <a16:creationId xmlns:a16="http://schemas.microsoft.com/office/drawing/2014/main" id="{CBB55EED-FCA8-92E2-14F1-D1768039B33C}"/>
-                  </a:ext>
-                </a:extLst>
-              </p:cNvPr>
-              <p:cNvCxnSpPr>
-                <a:cxnSpLocks/>
-              </p:cNvCxnSpPr>
-              <p:nvPr/>
-            </p:nvCxnSpPr>
-            <p:spPr>
-              <a:xfrm flipV="1">
-                <a:off x="4171842" y="5501994"/>
-                <a:ext cx="326973" cy="220089"/>
-              </a:xfrm>
-              <a:prstGeom prst="line">
-                <a:avLst/>
-              </a:prstGeom>
-              <a:ln w="12700">
-                <a:solidFill>
-                  <a:schemeClr val="bg2">
-                    <a:lumMod val="10000"/>
-                  </a:schemeClr>
-                </a:solidFill>
-              </a:ln>
-            </p:spPr>
-            <p:style>
-              <a:lnRef idx="1">
-                <a:schemeClr val="accent1"/>
-              </a:lnRef>
-              <a:fillRef idx="0">
-                <a:schemeClr val="accent1"/>
-              </a:fillRef>
-              <a:effectRef idx="0">
-                <a:schemeClr val="accent1"/>
-              </a:effectRef>
-              <a:fontRef idx="minor">
-                <a:schemeClr val="tx1"/>
-              </a:fontRef>
-            </p:style>
-          </p:cxnSp>
-          <p:sp>
-            <p:nvSpPr>
-              <p:cNvPr id="215" name="テキスト ボックス 214">
-                <a:extLst>
-                  <a:ext uri="{FF2B5EF4-FFF2-40B4-BE49-F238E27FC236}">
-                    <a16:creationId xmlns:a16="http://schemas.microsoft.com/office/drawing/2014/main" id="{8B12DBC4-615D-7AB9-98B6-826BBFB05FAD}"/>
-                  </a:ext>
-                </a:extLst>
-              </p:cNvPr>
-              <p:cNvSpPr txBox="1"/>
-              <p:nvPr/>
-            </p:nvSpPr>
-            <p:spPr>
-              <a:xfrm>
-                <a:off x="4329806" y="5341106"/>
-                <a:ext cx="351378" cy="292388"/>
-              </a:xfrm>
-              <a:prstGeom prst="rect">
-                <a:avLst/>
-              </a:prstGeom>
-              <a:noFill/>
-              <a:effectLst>
-                <a:outerShdw blurRad="50800" dist="38100" dir="2700000" algn="tl" rotWithShape="0">
-                  <a:prstClr val="black">
-                    <a:alpha val="40000"/>
-                  </a:prstClr>
-                </a:outerShdw>
-              </a:effectLst>
-            </p:spPr>
-            <p:txBody>
-              <a:bodyPr wrap="none" rtlCol="0">
-                <a:spAutoFit/>
-              </a:bodyPr>
-              <a:lstStyle/>
-              <a:p>
-                <a:r>
-                  <a:rPr lang="en" altLang="ja-JP" sz="1300" dirty="0">
-                    <a:solidFill>
-                      <a:srgbClr val="F8B62B"/>
-                    </a:solidFill>
-                    <a:latin typeface="Arial" panose="020B0604020202020204" pitchFamily="34" charset="0"/>
-                    <a:cs typeface="Arial" panose="020B0604020202020204" pitchFamily="34" charset="0"/>
-                  </a:rPr>
-                  <a:t>★</a:t>
-                </a:r>
-                <a:endParaRPr kumimoji="1" lang="ja-JP" altLang="en-US" sz="1300">
-                  <a:solidFill>
-                    <a:srgbClr val="F8B62B"/>
-                  </a:solidFill>
-                  <a:latin typeface="Arial" panose="020B0604020202020204" pitchFamily="34" charset="0"/>
-                  <a:cs typeface="Arial" panose="020B0604020202020204" pitchFamily="34" charset="0"/>
-                </a:endParaRPr>
-              </a:p>
-            </p:txBody>
-          </p:sp>
-          <p:cxnSp>
-            <p:nvCxnSpPr>
               <p:cNvPr id="216" name="直線コネクタ 215">
                 <a:extLst>
                   <a:ext uri="{FF2B5EF4-FFF2-40B4-BE49-F238E27FC236}">
@@ -19918,7 +19654,7 @@
         <p:spPr>
           <a:xfrm>
             <a:off x="8896237" y="1586753"/>
-            <a:ext cx="2802306" cy="5093702"/>
+            <a:ext cx="2802306" cy="5293757"/>
           </a:xfrm>
           <a:prstGeom prst="rect">
             <a:avLst/>
@@ -20023,7 +19759,7 @@
               <a:buChar char="★"/>
             </a:pPr>
             <a:r>
-              <a:rPr lang="ja-JP" altLang="en-US" sz="1300">
+              <a:rPr lang="en" altLang="ja-JP" sz="1300">
                 <a:solidFill>
                   <a:schemeClr val="bg1"/>
                 </a:solidFill>
@@ -20031,7 +19767,7 @@
                 <a:ea typeface="Meiryo UI" panose="020B0604030504040204" pitchFamily="34" charset="-128"/>
                 <a:cs typeface="Arial" panose="020B0604020202020204" pitchFamily="34" charset="0"/>
               </a:rPr>
-              <a:t>関西女子会</a:t>
+              <a:t>JAWS-UG DE&amp;I</a:t>
             </a:r>
           </a:p>
           <a:p>
@@ -20552,6 +20288,42 @@
               </a:rPr>
               <a:t>専門支部</a:t>
             </a:r>
+            <a:endParaRPr lang="en-US" altLang="ja-JP" sz="1300">
+              <a:solidFill>
+                <a:schemeClr val="bg1"/>
+              </a:solidFill>
+              <a:latin typeface="Meiryo UI" panose="020B0604030504040204" pitchFamily="34" charset="-128"/>
+              <a:ea typeface="Meiryo UI" panose="020B0604030504040204" pitchFamily="34" charset="-128"/>
+              <a:cs typeface="Arial" panose="020B0604020202020204" pitchFamily="34" charset="0"/>
+            </a:endParaRPr>
+          </a:p>
+          <a:p>
+            <a:pPr marL="285750" indent="-285750">
+              <a:buClr>
+                <a:srgbClr val="F8B62B"/>
+              </a:buClr>
+              <a:buFont typeface="ヒラギノ明朝 ProN W3" panose="02020300000000000000" pitchFamily="18" charset="-128"/>
+              <a:buChar char="★"/>
+            </a:pPr>
+            <a:r>
+              <a:rPr lang="en" altLang="ja-JP" sz="1300">
+                <a:solidFill>
+                  <a:schemeClr val="bg1"/>
+                </a:solidFill>
+                <a:latin typeface="Meiryo UI" panose="020B0604030504040204" pitchFamily="34" charset="-128"/>
+                <a:ea typeface="Meiryo UI" panose="020B0604030504040204" pitchFamily="34" charset="-128"/>
+                <a:cs typeface="Arial" panose="020B0604020202020204" pitchFamily="34" charset="0"/>
+              </a:rPr>
+              <a:t>Storage</a:t>
+            </a:r>
+            <a:endParaRPr lang="ja-JP" altLang="en-US" sz="1300">
+              <a:solidFill>
+                <a:schemeClr val="bg1"/>
+              </a:solidFill>
+              <a:latin typeface="Meiryo UI" panose="020B0604030504040204" pitchFamily="34" charset="-128"/>
+              <a:ea typeface="Meiryo UI" panose="020B0604030504040204" pitchFamily="34" charset="-128"/>
+              <a:cs typeface="Arial" panose="020B0604020202020204" pitchFamily="34" charset="0"/>
+            </a:endParaRPr>
           </a:p>
           <a:p>
             <a:endParaRPr kumimoji="1" lang="ja-JP" altLang="en-US" sz="1300">
@@ -20899,7 +20671,7 @@
                 <a:ea typeface="Meiryo UI" panose="020B0604030504040204" pitchFamily="34" charset="-128"/>
                 <a:cs typeface="Arial" panose="020B0604020202020204" pitchFamily="34" charset="0"/>
               </a:rPr>
-              <a:t>2022</a:t>
+              <a:t>2023</a:t>
             </a:r>
             <a:r>
               <a:rPr lang="ja-JP" altLang="en-US" sz="1400">
@@ -20921,7 +20693,7 @@
                 <a:ea typeface="Meiryo UI" panose="020B0604030504040204" pitchFamily="34" charset="-128"/>
                 <a:cs typeface="Arial" panose="020B0604020202020204" pitchFamily="34" charset="0"/>
               </a:rPr>
-              <a:t>8</a:t>
+              <a:t>7</a:t>
             </a:r>
             <a:r>
               <a:rPr lang="ja-JP" altLang="en-US" sz="1400">
@@ -20934,6 +20706,54 @@
               </a:rPr>
               <a:t>月現在</a:t>
             </a:r>
+          </a:p>
+        </p:txBody>
+      </p:sp>
+      <p:sp>
+        <p:nvSpPr>
+          <p:cNvPr id="5" name="テキスト ボックス 4">
+            <a:extLst>
+              <a:ext uri="{FF2B5EF4-FFF2-40B4-BE49-F238E27FC236}">
+                <a16:creationId xmlns:a16="http://schemas.microsoft.com/office/drawing/2014/main" id="{C3E484AC-E5FD-826C-C4CC-412401479159}"/>
+              </a:ext>
+            </a:extLst>
+          </p:cNvPr>
+          <p:cNvSpPr txBox="1"/>
+          <p:nvPr/>
+        </p:nvSpPr>
+        <p:spPr>
+          <a:xfrm>
+            <a:off x="864584" y="6182265"/>
+            <a:ext cx="4125196" cy="461665"/>
+          </a:xfrm>
+          <a:prstGeom prst="rect">
+            <a:avLst/>
+          </a:prstGeom>
+          <a:noFill/>
+        </p:spPr>
+        <p:txBody>
+          <a:bodyPr wrap="square">
+            <a:spAutoFit/>
+          </a:bodyPr>
+          <a:lstStyle/>
+          <a:p>
+            <a:r>
+              <a:rPr lang="en-US" altLang="ja-JP" sz="2400" b="1" dirty="0">
+                <a:solidFill>
+                  <a:schemeClr val="bg1"/>
+                </a:solidFill>
+                <a:latin typeface="Arial" panose="020B0604020202020204" pitchFamily="34" charset="0"/>
+                <a:cs typeface="Arial" panose="020B0604020202020204" pitchFamily="34" charset="0"/>
+              </a:rPr>
+              <a:t>Jul 2023</a:t>
+            </a:r>
+            <a:endParaRPr lang="ja-JP" altLang="en-US" sz="2400" b="1">
+              <a:solidFill>
+                <a:schemeClr val="bg1"/>
+              </a:solidFill>
+              <a:latin typeface="Arial" panose="020B0604020202020204" pitchFamily="34" charset="0"/>
+              <a:cs typeface="Arial" panose="020B0604020202020204" pitchFamily="34" charset="0"/>
+            </a:endParaRPr>
           </a:p>
         </p:txBody>
       </p:sp>
@@ -22171,58 +21991,6 @@
                   <a:cs typeface="Arial" panose="020B0604020202020204" pitchFamily="34" charset="0"/>
                 </a:rPr>
                 <a:t>Kumamoto</a:t>
-              </a:r>
-              <a:endParaRPr kumimoji="1" lang="ja-JP" altLang="en-US" sz="1300">
-                <a:solidFill>
-                  <a:schemeClr val="bg2">
-                    <a:lumMod val="10000"/>
-                  </a:schemeClr>
-                </a:solidFill>
-                <a:latin typeface="Arial" panose="020B0604020202020204" pitchFamily="34" charset="0"/>
-                <a:cs typeface="Arial" panose="020B0604020202020204" pitchFamily="34" charset="0"/>
-              </a:endParaRPr>
-            </a:p>
-          </p:txBody>
-        </p:sp>
-        <p:sp>
-          <p:nvSpPr>
-            <p:cNvPr id="35" name="テキスト ボックス 34">
-              <a:extLst>
-                <a:ext uri="{FF2B5EF4-FFF2-40B4-BE49-F238E27FC236}">
-                  <a16:creationId xmlns:a16="http://schemas.microsoft.com/office/drawing/2014/main" id="{F7DBD9A4-386D-405B-6EBE-D7329DF05B5D}"/>
-                </a:ext>
-              </a:extLst>
-            </p:cNvPr>
-            <p:cNvSpPr txBox="1"/>
-            <p:nvPr/>
-          </p:nvSpPr>
-          <p:spPr>
-            <a:xfrm>
-              <a:off x="3489674" y="5671372"/>
-              <a:ext cx="1019831" cy="292388"/>
-            </a:xfrm>
-            <a:prstGeom prst="rect">
-              <a:avLst/>
-            </a:prstGeom>
-            <a:noFill/>
-          </p:spPr>
-          <p:txBody>
-            <a:bodyPr wrap="none" rtlCol="0">
-              <a:spAutoFit/>
-            </a:bodyPr>
-            <a:lstStyle/>
-            <a:p>
-              <a:r>
-                <a:rPr lang="en" altLang="ja-JP" sz="1300" dirty="0">
-                  <a:solidFill>
-                    <a:schemeClr val="bg2">
-                      <a:lumMod val="10000"/>
-                    </a:schemeClr>
-                  </a:solidFill>
-                  <a:latin typeface="Arial" panose="020B0604020202020204" pitchFamily="34" charset="0"/>
-                  <a:cs typeface="Arial" panose="020B0604020202020204" pitchFamily="34" charset="0"/>
-                </a:rPr>
-                <a:t>Kagoshima</a:t>
               </a:r>
               <a:endParaRPr kumimoji="1" lang="ja-JP" altLang="en-US" sz="1300">
                 <a:solidFill>
@@ -25461,106 +25229,6 @@
         </p:sp>
         <p:cxnSp>
           <p:nvCxnSpPr>
-            <p:cNvPr id="137" name="直線コネクタ 136">
-              <a:extLst>
-                <a:ext uri="{FF2B5EF4-FFF2-40B4-BE49-F238E27FC236}">
-                  <a16:creationId xmlns:a16="http://schemas.microsoft.com/office/drawing/2014/main" id="{6C832C1B-2E78-E8DF-DC61-C8976EE4FD54}"/>
-                </a:ext>
-              </a:extLst>
-            </p:cNvPr>
-            <p:cNvCxnSpPr>
-              <a:cxnSpLocks/>
-            </p:cNvCxnSpPr>
-            <p:nvPr/>
-          </p:nvCxnSpPr>
-          <p:spPr>
-            <a:xfrm flipV="1">
-              <a:off x="4171842" y="5501994"/>
-              <a:ext cx="326973" cy="220089"/>
-            </a:xfrm>
-            <a:prstGeom prst="line">
-              <a:avLst/>
-            </a:prstGeom>
-            <a:ln w="12700">
-              <a:solidFill>
-                <a:schemeClr val="bg2">
-                  <a:lumMod val="10000"/>
-                </a:schemeClr>
-              </a:solidFill>
-            </a:ln>
-          </p:spPr>
-          <p:style>
-            <a:lnRef idx="1">
-              <a:schemeClr val="accent1"/>
-            </a:lnRef>
-            <a:fillRef idx="0">
-              <a:schemeClr val="accent1"/>
-            </a:fillRef>
-            <a:effectRef idx="0">
-              <a:schemeClr val="accent1"/>
-            </a:effectRef>
-            <a:fontRef idx="minor">
-              <a:schemeClr val="tx1"/>
-            </a:fontRef>
-          </p:style>
-        </p:cxnSp>
-        <p:sp>
-          <p:nvSpPr>
-            <p:cNvPr id="118" name="テキスト ボックス 117">
-              <a:extLst>
-                <a:ext uri="{FF2B5EF4-FFF2-40B4-BE49-F238E27FC236}">
-                  <a16:creationId xmlns:a16="http://schemas.microsoft.com/office/drawing/2014/main" id="{A27AF81A-AE51-31FB-AFA9-FE813B507371}"/>
-                </a:ext>
-              </a:extLst>
-            </p:cNvPr>
-            <p:cNvSpPr txBox="1"/>
-            <p:nvPr/>
-          </p:nvSpPr>
-          <p:spPr>
-            <a:xfrm>
-              <a:off x="4329806" y="5341106"/>
-              <a:ext cx="351378" cy="292388"/>
-            </a:xfrm>
-            <a:prstGeom prst="rect">
-              <a:avLst/>
-            </a:prstGeom>
-            <a:noFill/>
-            <a:effectLst>
-              <a:outerShdw blurRad="50800" dist="38100" dir="2700000" algn="tl" rotWithShape="0">
-                <a:prstClr val="black">
-                  <a:alpha val="40000"/>
-                </a:prstClr>
-              </a:outerShdw>
-            </a:effectLst>
-          </p:spPr>
-          <p:txBody>
-            <a:bodyPr wrap="none" rtlCol="0">
-              <a:spAutoFit/>
-            </a:bodyPr>
-            <a:lstStyle/>
-            <a:p>
-              <a:r>
-                <a:rPr lang="en" altLang="ja-JP" sz="1300" dirty="0">
-                  <a:solidFill>
-                    <a:srgbClr val="F8B62B"/>
-                  </a:solidFill>
-                  <a:latin typeface="Arial" panose="020B0604020202020204" pitchFamily="34" charset="0"/>
-                  <a:cs typeface="Arial" panose="020B0604020202020204" pitchFamily="34" charset="0"/>
-                </a:rPr>
-                <a:t>★</a:t>
-              </a:r>
-              <a:endParaRPr kumimoji="1" lang="ja-JP" altLang="en-US" sz="1300">
-                <a:solidFill>
-                  <a:srgbClr val="F8B62B"/>
-                </a:solidFill>
-                <a:latin typeface="Arial" panose="020B0604020202020204" pitchFamily="34" charset="0"/>
-                <a:cs typeface="Arial" panose="020B0604020202020204" pitchFamily="34" charset="0"/>
-              </a:endParaRPr>
-            </a:p>
-          </p:txBody>
-        </p:sp>
-        <p:cxnSp>
-          <p:nvCxnSpPr>
             <p:cNvPr id="139" name="直線コネクタ 138">
               <a:extLst>
                 <a:ext uri="{FF2B5EF4-FFF2-40B4-BE49-F238E27FC236}">
@@ -27051,7 +26719,7 @@
                 <a:latin typeface="Arial" panose="020B0604020202020204" pitchFamily="34" charset="0"/>
                 <a:cs typeface="Arial" panose="020B0604020202020204" pitchFamily="34" charset="0"/>
               </a:rPr>
-              <a:t>Aug 2022</a:t>
+              <a:t>Jul 2023</a:t>
             </a:r>
             <a:endParaRPr lang="ja-JP" altLang="en-US" sz="2400" b="1">
               <a:solidFill>
@@ -27080,7 +26748,7 @@
         <p:spPr>
           <a:xfrm>
             <a:off x="8896237" y="1586753"/>
-            <a:ext cx="2431178" cy="5093702"/>
+            <a:ext cx="2431178" cy="5293757"/>
           </a:xfrm>
           <a:prstGeom prst="rect">
             <a:avLst/>
@@ -27152,7 +26820,7 @@
                 <a:latin typeface="Arial" panose="020B0604020202020204" pitchFamily="34" charset="0"/>
                 <a:cs typeface="Arial" panose="020B0604020202020204" pitchFamily="34" charset="0"/>
               </a:rPr>
-              <a:t>Kansai Girls</a:t>
+              <a:t>DE&amp;I</a:t>
             </a:r>
           </a:p>
           <a:p>
@@ -27604,15 +27272,27 @@
               </a:rPr>
               <a:t>GameTech</a:t>
             </a:r>
-            <a:endParaRPr lang="en" altLang="ja-JP" sz="1300" dirty="0">
-              <a:solidFill>
-                <a:schemeClr val="bg2">
-                  <a:lumMod val="10000"/>
-                </a:schemeClr>
-              </a:solidFill>
-              <a:latin typeface="Arial" panose="020B0604020202020204" pitchFamily="34" charset="0"/>
-              <a:cs typeface="Arial" panose="020B0604020202020204" pitchFamily="34" charset="0"/>
-            </a:endParaRPr>
+          </a:p>
+          <a:p>
+            <a:pPr marL="285750" indent="-285750">
+              <a:buClr>
+                <a:srgbClr val="F8B62B"/>
+              </a:buClr>
+              <a:buFont typeface="ヒラギノ明朝 ProN W3" panose="02020300000000000000" pitchFamily="18" charset="-128"/>
+              <a:buChar char="★"/>
+            </a:pPr>
+            <a:r>
+              <a:rPr lang="en" altLang="ja-JP" sz="1300" dirty="0">
+                <a:solidFill>
+                  <a:schemeClr val="bg2">
+                    <a:lumMod val="10000"/>
+                  </a:schemeClr>
+                </a:solidFill>
+                <a:latin typeface="Arial" panose="020B0604020202020204" pitchFamily="34" charset="0"/>
+                <a:cs typeface="Arial" panose="020B0604020202020204" pitchFamily="34" charset="0"/>
+              </a:rPr>
+              <a:t>Storage</a:t>
+            </a:r>
           </a:p>
           <a:p>
             <a:endParaRPr kumimoji="1" lang="ja-JP" altLang="en-US" sz="1300">
@@ -28912,54 +28592,6 @@
                   <a:cs typeface="Arial" panose="020B0604020202020204" pitchFamily="34" charset="0"/>
                 </a:rPr>
                 <a:t>Kumamoto</a:t>
-              </a:r>
-              <a:endParaRPr kumimoji="1" lang="ja-JP" altLang="en-US" sz="1300">
-                <a:solidFill>
-                  <a:schemeClr val="bg1"/>
-                </a:solidFill>
-                <a:latin typeface="Arial" panose="020B0604020202020204" pitchFamily="34" charset="0"/>
-                <a:cs typeface="Arial" panose="020B0604020202020204" pitchFamily="34" charset="0"/>
-              </a:endParaRPr>
-            </a:p>
-          </p:txBody>
-        </p:sp>
-        <p:sp>
-          <p:nvSpPr>
-            <p:cNvPr id="35" name="テキスト ボックス 34">
-              <a:extLst>
-                <a:ext uri="{FF2B5EF4-FFF2-40B4-BE49-F238E27FC236}">
-                  <a16:creationId xmlns:a16="http://schemas.microsoft.com/office/drawing/2014/main" id="{F7DBD9A4-386D-405B-6EBE-D7329DF05B5D}"/>
-                </a:ext>
-              </a:extLst>
-            </p:cNvPr>
-            <p:cNvSpPr txBox="1"/>
-            <p:nvPr/>
-          </p:nvSpPr>
-          <p:spPr>
-            <a:xfrm>
-              <a:off x="3489674" y="5671372"/>
-              <a:ext cx="1019831" cy="292388"/>
-            </a:xfrm>
-            <a:prstGeom prst="rect">
-              <a:avLst/>
-            </a:prstGeom>
-            <a:noFill/>
-          </p:spPr>
-          <p:txBody>
-            <a:bodyPr wrap="none" rtlCol="0">
-              <a:spAutoFit/>
-            </a:bodyPr>
-            <a:lstStyle/>
-            <a:p>
-              <a:r>
-                <a:rPr lang="en" altLang="ja-JP" sz="1300" dirty="0">
-                  <a:solidFill>
-                    <a:schemeClr val="bg1"/>
-                  </a:solidFill>
-                  <a:latin typeface="Arial" panose="020B0604020202020204" pitchFamily="34" charset="0"/>
-                  <a:cs typeface="Arial" panose="020B0604020202020204" pitchFamily="34" charset="0"/>
-                </a:rPr>
-                <a:t>Kagoshima</a:t>
               </a:r>
               <a:endParaRPr kumimoji="1" lang="ja-JP" altLang="en-US" sz="1300">
                 <a:solidFill>
@@ -32084,104 +31716,6 @@
         </p:sp>
         <p:cxnSp>
           <p:nvCxnSpPr>
-            <p:cNvPr id="137" name="直線コネクタ 136">
-              <a:extLst>
-                <a:ext uri="{FF2B5EF4-FFF2-40B4-BE49-F238E27FC236}">
-                  <a16:creationId xmlns:a16="http://schemas.microsoft.com/office/drawing/2014/main" id="{6C832C1B-2E78-E8DF-DC61-C8976EE4FD54}"/>
-                </a:ext>
-              </a:extLst>
-            </p:cNvPr>
-            <p:cNvCxnSpPr>
-              <a:cxnSpLocks/>
-            </p:cNvCxnSpPr>
-            <p:nvPr/>
-          </p:nvCxnSpPr>
-          <p:spPr>
-            <a:xfrm flipV="1">
-              <a:off x="4171842" y="5501994"/>
-              <a:ext cx="326973" cy="220089"/>
-            </a:xfrm>
-            <a:prstGeom prst="line">
-              <a:avLst/>
-            </a:prstGeom>
-            <a:ln w="12700">
-              <a:solidFill>
-                <a:schemeClr val="bg1"/>
-              </a:solidFill>
-            </a:ln>
-          </p:spPr>
-          <p:style>
-            <a:lnRef idx="1">
-              <a:schemeClr val="accent1"/>
-            </a:lnRef>
-            <a:fillRef idx="0">
-              <a:schemeClr val="accent1"/>
-            </a:fillRef>
-            <a:effectRef idx="0">
-              <a:schemeClr val="accent1"/>
-            </a:effectRef>
-            <a:fontRef idx="minor">
-              <a:schemeClr val="tx1"/>
-            </a:fontRef>
-          </p:style>
-        </p:cxnSp>
-        <p:sp>
-          <p:nvSpPr>
-            <p:cNvPr id="118" name="テキスト ボックス 117">
-              <a:extLst>
-                <a:ext uri="{FF2B5EF4-FFF2-40B4-BE49-F238E27FC236}">
-                  <a16:creationId xmlns:a16="http://schemas.microsoft.com/office/drawing/2014/main" id="{A27AF81A-AE51-31FB-AFA9-FE813B507371}"/>
-                </a:ext>
-              </a:extLst>
-            </p:cNvPr>
-            <p:cNvSpPr txBox="1"/>
-            <p:nvPr/>
-          </p:nvSpPr>
-          <p:spPr>
-            <a:xfrm>
-              <a:off x="4329806" y="5341106"/>
-              <a:ext cx="351378" cy="292388"/>
-            </a:xfrm>
-            <a:prstGeom prst="rect">
-              <a:avLst/>
-            </a:prstGeom>
-            <a:noFill/>
-            <a:effectLst>
-              <a:outerShdw blurRad="50800" dist="38100" dir="2700000" algn="tl" rotWithShape="0">
-                <a:prstClr val="black">
-                  <a:alpha val="40000"/>
-                </a:prstClr>
-              </a:outerShdw>
-            </a:effectLst>
-          </p:spPr>
-          <p:txBody>
-            <a:bodyPr wrap="none" rtlCol="0">
-              <a:spAutoFit/>
-            </a:bodyPr>
-            <a:lstStyle/>
-            <a:p>
-              <a:r>
-                <a:rPr lang="en" altLang="ja-JP" sz="1300" dirty="0">
-                  <a:solidFill>
-                    <a:srgbClr val="F8B62B"/>
-                  </a:solidFill>
-                  <a:latin typeface="Arial" panose="020B0604020202020204" pitchFamily="34" charset="0"/>
-                  <a:cs typeface="Arial" panose="020B0604020202020204" pitchFamily="34" charset="0"/>
-                </a:rPr>
-                <a:t>★</a:t>
-              </a:r>
-              <a:endParaRPr kumimoji="1" lang="ja-JP" altLang="en-US" sz="1300">
-                <a:solidFill>
-                  <a:srgbClr val="F8B62B"/>
-                </a:solidFill>
-                <a:latin typeface="Arial" panose="020B0604020202020204" pitchFamily="34" charset="0"/>
-                <a:cs typeface="Arial" panose="020B0604020202020204" pitchFamily="34" charset="0"/>
-              </a:endParaRPr>
-            </a:p>
-          </p:txBody>
-        </p:sp>
-        <p:cxnSp>
-          <p:nvCxnSpPr>
             <p:cNvPr id="139" name="直線コネクタ 138">
               <a:extLst>
                 <a:ext uri="{FF2B5EF4-FFF2-40B4-BE49-F238E27FC236}">
@@ -33486,7 +33020,7 @@
                 <a:latin typeface="Arial" panose="020B0604020202020204" pitchFamily="34" charset="0"/>
                 <a:cs typeface="Arial" panose="020B0604020202020204" pitchFamily="34" charset="0"/>
               </a:rPr>
-              <a:t>Aug 2022</a:t>
+              <a:t>Jul 2023</a:t>
             </a:r>
             <a:endParaRPr lang="ja-JP" altLang="en-US" sz="2400" b="1">
               <a:solidFill>
@@ -33513,7 +33047,7 @@
         <p:spPr>
           <a:xfrm>
             <a:off x="8896237" y="1586753"/>
-            <a:ext cx="2431178" cy="5093702"/>
+            <a:ext cx="2431178" cy="5293757"/>
           </a:xfrm>
           <a:prstGeom prst="rect">
             <a:avLst/>
@@ -33579,7 +33113,7 @@
                 <a:latin typeface="Arial" panose="020B0604020202020204" pitchFamily="34" charset="0"/>
                 <a:cs typeface="Arial" panose="020B0604020202020204" pitchFamily="34" charset="0"/>
               </a:rPr>
-              <a:t>Kansai Girls</a:t>
+              <a:t>DE&amp;I</a:t>
             </a:r>
           </a:p>
           <a:p>
@@ -33987,15 +33521,25 @@
               </a:rPr>
               <a:t>GameTech</a:t>
             </a:r>
-            <a:endParaRPr lang="en" altLang="ja-JP" sz="1300" dirty="0">
-              <a:solidFill>
-                <a:schemeClr val="bg1"/>
-              </a:solidFill>
-              <a:latin typeface="Arial" panose="020B0604020202020204" pitchFamily="34" charset="0"/>
-              <a:cs typeface="Arial" panose="020B0604020202020204" pitchFamily="34" charset="0"/>
-            </a:endParaRPr>
           </a:p>
           <a:p>
+            <a:pPr marL="285750" indent="-285750">
+              <a:buClr>
+                <a:srgbClr val="F8B62B"/>
+              </a:buClr>
+              <a:buFont typeface="ヒラギノ明朝 ProN W3" panose="02020300000000000000" pitchFamily="18" charset="-128"/>
+              <a:buChar char="★"/>
+            </a:pPr>
+            <a:r>
+              <a:rPr lang="en" altLang="ja-JP" sz="1300" dirty="0">
+                <a:solidFill>
+                  <a:schemeClr val="bg1"/>
+                </a:solidFill>
+                <a:latin typeface="Arial" panose="020B0604020202020204" pitchFamily="34" charset="0"/>
+                <a:cs typeface="Arial" panose="020B0604020202020204" pitchFamily="34" charset="0"/>
+              </a:rPr>
+              <a:t>Storage</a:t>
+            </a:r>
             <a:endParaRPr kumimoji="1" lang="ja-JP" altLang="en-US" sz="1300">
               <a:solidFill>
                 <a:schemeClr val="bg1"/>

--- a/jaws-ug-map.pptx
+++ b/jaws-ug-map.pptx
@@ -263,7 +263,7 @@
           <a:p>
             <a:fld id="{5BB77CFB-1EF2-0545-960B-65D7746E405D}" type="datetimeFigureOut">
               <a:rPr kumimoji="1" lang="ja-JP" altLang="en-US" smtClean="0"/>
-              <a:t>2023/7/22</a:t>
+              <a:t>2023/8/24</a:t>
             </a:fld>
             <a:endParaRPr kumimoji="1" lang="ja-JP" altLang="en-US"/>
           </a:p>
@@ -493,7 +493,7 @@
           <a:p>
             <a:fld id="{5BB77CFB-1EF2-0545-960B-65D7746E405D}" type="datetimeFigureOut">
               <a:rPr kumimoji="1" lang="ja-JP" altLang="en-US" smtClean="0"/>
-              <a:t>2023/7/22</a:t>
+              <a:t>2023/8/24</a:t>
             </a:fld>
             <a:endParaRPr kumimoji="1" lang="ja-JP" altLang="en-US"/>
           </a:p>
@@ -733,7 +733,7 @@
           <a:p>
             <a:fld id="{5BB77CFB-1EF2-0545-960B-65D7746E405D}" type="datetimeFigureOut">
               <a:rPr kumimoji="1" lang="ja-JP" altLang="en-US" smtClean="0"/>
-              <a:t>2023/7/22</a:t>
+              <a:t>2023/8/24</a:t>
             </a:fld>
             <a:endParaRPr kumimoji="1" lang="ja-JP" altLang="en-US"/>
           </a:p>
@@ -953,7 +953,7 @@
           <a:p>
             <a:fld id="{5BB77CFB-1EF2-0545-960B-65D7746E405D}" type="datetimeFigureOut">
               <a:rPr kumimoji="1" lang="ja-JP" altLang="en-US" smtClean="0"/>
-              <a:t>2023/7/22</a:t>
+              <a:t>2023/8/24</a:t>
             </a:fld>
             <a:endParaRPr kumimoji="1" lang="ja-JP" altLang="en-US"/>
           </a:p>
@@ -1183,7 +1183,7 @@
           <a:p>
             <a:fld id="{5BB77CFB-1EF2-0545-960B-65D7746E405D}" type="datetimeFigureOut">
               <a:rPr kumimoji="1" lang="ja-JP" altLang="en-US" smtClean="0"/>
-              <a:t>2023/7/22</a:t>
+              <a:t>2023/8/24</a:t>
             </a:fld>
             <a:endParaRPr kumimoji="1" lang="ja-JP" altLang="en-US"/>
           </a:p>
@@ -1458,7 +1458,7 @@
           <a:p>
             <a:fld id="{5BB77CFB-1EF2-0545-960B-65D7746E405D}" type="datetimeFigureOut">
               <a:rPr kumimoji="1" lang="ja-JP" altLang="en-US" smtClean="0"/>
-              <a:t>2023/7/22</a:t>
+              <a:t>2023/8/24</a:t>
             </a:fld>
             <a:endParaRPr kumimoji="1" lang="ja-JP" altLang="en-US"/>
           </a:p>
@@ -1787,7 +1787,7 @@
           <a:p>
             <a:fld id="{5BB77CFB-1EF2-0545-960B-65D7746E405D}" type="datetimeFigureOut">
               <a:rPr kumimoji="1" lang="ja-JP" altLang="en-US" smtClean="0"/>
-              <a:t>2023/7/22</a:t>
+              <a:t>2023/8/24</a:t>
             </a:fld>
             <a:endParaRPr kumimoji="1" lang="ja-JP" altLang="en-US"/>
           </a:p>
@@ -2263,7 +2263,7 @@
           <a:p>
             <a:fld id="{5BB77CFB-1EF2-0545-960B-65D7746E405D}" type="datetimeFigureOut">
               <a:rPr kumimoji="1" lang="ja-JP" altLang="en-US" smtClean="0"/>
-              <a:t>2023/7/22</a:t>
+              <a:t>2023/8/24</a:t>
             </a:fld>
             <a:endParaRPr kumimoji="1" lang="ja-JP" altLang="en-US"/>
           </a:p>
@@ -2404,7 +2404,7 @@
           <a:p>
             <a:fld id="{5BB77CFB-1EF2-0545-960B-65D7746E405D}" type="datetimeFigureOut">
               <a:rPr kumimoji="1" lang="ja-JP" altLang="en-US" smtClean="0"/>
-              <a:t>2023/7/22</a:t>
+              <a:t>2023/8/24</a:t>
             </a:fld>
             <a:endParaRPr kumimoji="1" lang="ja-JP" altLang="en-US"/>
           </a:p>
@@ -2517,7 +2517,7 @@
           <a:p>
             <a:fld id="{5BB77CFB-1EF2-0545-960B-65D7746E405D}" type="datetimeFigureOut">
               <a:rPr kumimoji="1" lang="ja-JP" altLang="en-US" smtClean="0"/>
-              <a:t>2023/7/22</a:t>
+              <a:t>2023/8/24</a:t>
             </a:fld>
             <a:endParaRPr kumimoji="1" lang="ja-JP" altLang="en-US"/>
           </a:p>
@@ -2860,7 +2860,7 @@
           <a:p>
             <a:fld id="{5BB77CFB-1EF2-0545-960B-65D7746E405D}" type="datetimeFigureOut">
               <a:rPr kumimoji="1" lang="ja-JP" altLang="en-US" smtClean="0"/>
-              <a:t>2023/7/22</a:t>
+              <a:t>2023/8/24</a:t>
             </a:fld>
             <a:endParaRPr kumimoji="1" lang="ja-JP" altLang="en-US"/>
           </a:p>
@@ -3090,7 +3090,7 @@
           <a:p>
             <a:fld id="{5BB77CFB-1EF2-0545-960B-65D7746E405D}" type="datetimeFigureOut">
               <a:rPr kumimoji="1" lang="ja-JP" altLang="en-US" smtClean="0"/>
-              <a:t>2023/7/22</a:t>
+              <a:t>2023/8/24</a:t>
             </a:fld>
             <a:endParaRPr kumimoji="1" lang="ja-JP" altLang="en-US"/>
           </a:p>
@@ -3378,7 +3378,7 @@
           <a:p>
             <a:fld id="{5BB77CFB-1EF2-0545-960B-65D7746E405D}" type="datetimeFigureOut">
               <a:rPr kumimoji="1" lang="ja-JP" altLang="en-US" smtClean="0"/>
-              <a:t>2023/7/22</a:t>
+              <a:t>2023/8/24</a:t>
             </a:fld>
             <a:endParaRPr kumimoji="1" lang="ja-JP" altLang="en-US"/>
           </a:p>
@@ -3608,7 +3608,7 @@
           <a:p>
             <a:fld id="{5BB77CFB-1EF2-0545-960B-65D7746E405D}" type="datetimeFigureOut">
               <a:rPr kumimoji="1" lang="ja-JP" altLang="en-US" smtClean="0"/>
-              <a:t>2023/7/22</a:t>
+              <a:t>2023/8/24</a:t>
             </a:fld>
             <a:endParaRPr kumimoji="1" lang="ja-JP" altLang="en-US"/>
           </a:p>
@@ -3848,7 +3848,7 @@
           <a:p>
             <a:fld id="{5BB77CFB-1EF2-0545-960B-65D7746E405D}" type="datetimeFigureOut">
               <a:rPr kumimoji="1" lang="ja-JP" altLang="en-US" smtClean="0"/>
-              <a:t>2023/7/22</a:t>
+              <a:t>2023/8/24</a:t>
             </a:fld>
             <a:endParaRPr kumimoji="1" lang="ja-JP" altLang="en-US"/>
           </a:p>
@@ -4123,7 +4123,7 @@
           <a:p>
             <a:fld id="{5BB77CFB-1EF2-0545-960B-65D7746E405D}" type="datetimeFigureOut">
               <a:rPr kumimoji="1" lang="ja-JP" altLang="en-US" smtClean="0"/>
-              <a:t>2023/7/22</a:t>
+              <a:t>2023/8/24</a:t>
             </a:fld>
             <a:endParaRPr kumimoji="1" lang="ja-JP" altLang="en-US"/>
           </a:p>
@@ -4452,7 +4452,7 @@
           <a:p>
             <a:fld id="{5BB77CFB-1EF2-0545-960B-65D7746E405D}" type="datetimeFigureOut">
               <a:rPr kumimoji="1" lang="ja-JP" altLang="en-US" smtClean="0"/>
-              <a:t>2023/7/22</a:t>
+              <a:t>2023/8/24</a:t>
             </a:fld>
             <a:endParaRPr kumimoji="1" lang="ja-JP" altLang="en-US"/>
           </a:p>
@@ -4928,7 +4928,7 @@
           <a:p>
             <a:fld id="{5BB77CFB-1EF2-0545-960B-65D7746E405D}" type="datetimeFigureOut">
               <a:rPr kumimoji="1" lang="ja-JP" altLang="en-US" smtClean="0"/>
-              <a:t>2023/7/22</a:t>
+              <a:t>2023/8/24</a:t>
             </a:fld>
             <a:endParaRPr kumimoji="1" lang="ja-JP" altLang="en-US"/>
           </a:p>
@@ -5069,7 +5069,7 @@
           <a:p>
             <a:fld id="{5BB77CFB-1EF2-0545-960B-65D7746E405D}" type="datetimeFigureOut">
               <a:rPr kumimoji="1" lang="ja-JP" altLang="en-US" smtClean="0"/>
-              <a:t>2023/7/22</a:t>
+              <a:t>2023/8/24</a:t>
             </a:fld>
             <a:endParaRPr kumimoji="1" lang="ja-JP" altLang="en-US"/>
           </a:p>
@@ -5182,7 +5182,7 @@
           <a:p>
             <a:fld id="{5BB77CFB-1EF2-0545-960B-65D7746E405D}" type="datetimeFigureOut">
               <a:rPr kumimoji="1" lang="ja-JP" altLang="en-US" smtClean="0"/>
-              <a:t>2023/7/22</a:t>
+              <a:t>2023/8/24</a:t>
             </a:fld>
             <a:endParaRPr kumimoji="1" lang="ja-JP" altLang="en-US"/>
           </a:p>
@@ -5525,7 +5525,7 @@
           <a:p>
             <a:fld id="{5BB77CFB-1EF2-0545-960B-65D7746E405D}" type="datetimeFigureOut">
               <a:rPr kumimoji="1" lang="ja-JP" altLang="en-US" smtClean="0"/>
-              <a:t>2023/7/22</a:t>
+              <a:t>2023/8/24</a:t>
             </a:fld>
             <a:endParaRPr kumimoji="1" lang="ja-JP" altLang="en-US"/>
           </a:p>
@@ -5813,7 +5813,7 @@
           <a:p>
             <a:fld id="{5BB77CFB-1EF2-0545-960B-65D7746E405D}" type="datetimeFigureOut">
               <a:rPr kumimoji="1" lang="ja-JP" altLang="en-US" smtClean="0"/>
-              <a:t>2023/7/22</a:t>
+              <a:t>2023/8/24</a:t>
             </a:fld>
             <a:endParaRPr kumimoji="1" lang="ja-JP" altLang="en-US"/>
           </a:p>
@@ -6086,7 +6086,7 @@
           <a:p>
             <a:fld id="{5BB77CFB-1EF2-0545-960B-65D7746E405D}" type="datetimeFigureOut">
               <a:rPr kumimoji="1" lang="ja-JP" altLang="en-US" smtClean="0"/>
-              <a:t>2023/7/22</a:t>
+              <a:t>2023/8/24</a:t>
             </a:fld>
             <a:endParaRPr kumimoji="1" lang="ja-JP" altLang="en-US"/>
           </a:p>
@@ -6686,7 +6686,7 @@
           <a:p>
             <a:fld id="{5BB77CFB-1EF2-0545-960B-65D7746E405D}" type="datetimeFigureOut">
               <a:rPr kumimoji="1" lang="ja-JP" altLang="en-US" smtClean="0"/>
-              <a:t>2023/7/22</a:t>
+              <a:t>2023/8/24</a:t>
             </a:fld>
             <a:endParaRPr kumimoji="1" lang="ja-JP" altLang="en-US"/>
           </a:p>
@@ -7890,7 +7890,7 @@
             </p:nvSpPr>
             <p:spPr>
               <a:xfrm>
-                <a:off x="7157477" y="4726082"/>
+                <a:off x="7288312" y="4726082"/>
                 <a:ext cx="518091" cy="292388"/>
               </a:xfrm>
               <a:prstGeom prst="rect">
@@ -7916,104 +7916,6 @@
                     <a:cs typeface="Arial" panose="020B0604020202020204" pitchFamily="34" charset="0"/>
                   </a:rPr>
                   <a:t>横浜</a:t>
-                </a:r>
-                <a:endParaRPr kumimoji="1" lang="ja-JP" altLang="en-US" sz="1300">
-                  <a:solidFill>
-                    <a:schemeClr val="bg2">
-                      <a:lumMod val="10000"/>
-                    </a:schemeClr>
-                  </a:solidFill>
-                  <a:latin typeface="Meiryo UI" panose="020B0604030504040204" pitchFamily="34" charset="-128"/>
-                  <a:ea typeface="Meiryo UI" panose="020B0604030504040204" pitchFamily="34" charset="-128"/>
-                  <a:cs typeface="Arial" panose="020B0604020202020204" pitchFamily="34" charset="0"/>
-                </a:endParaRPr>
-              </a:p>
-            </p:txBody>
-          </p:sp>
-          <p:sp>
-            <p:nvSpPr>
-              <p:cNvPr id="18" name="テキスト ボックス 17">
-                <a:extLst>
-                  <a:ext uri="{FF2B5EF4-FFF2-40B4-BE49-F238E27FC236}">
-                    <a16:creationId xmlns:a16="http://schemas.microsoft.com/office/drawing/2014/main" id="{BE5DEAB5-F181-C231-7D32-B86F468AA964}"/>
-                  </a:ext>
-                </a:extLst>
-              </p:cNvPr>
-              <p:cNvSpPr txBox="1"/>
-              <p:nvPr/>
-            </p:nvSpPr>
-            <p:spPr>
-              <a:xfrm>
-                <a:off x="7151556" y="5018470"/>
-                <a:ext cx="518091" cy="292388"/>
-              </a:xfrm>
-              <a:prstGeom prst="rect">
-                <a:avLst/>
-              </a:prstGeom>
-              <a:noFill/>
-            </p:spPr>
-            <p:txBody>
-              <a:bodyPr wrap="none" rtlCol="0">
-                <a:spAutoFit/>
-              </a:bodyPr>
-              <a:lstStyle/>
-              <a:p>
-                <a:r>
-                  <a:rPr kumimoji="1" lang="ja-JP" altLang="en-US" sz="1300">
-                    <a:solidFill>
-                      <a:schemeClr val="bg2">
-                        <a:lumMod val="10000"/>
-                      </a:schemeClr>
-                    </a:solidFill>
-                    <a:latin typeface="Meiryo UI" panose="020B0604030504040204" pitchFamily="34" charset="-128"/>
-                    <a:ea typeface="Meiryo UI" panose="020B0604030504040204" pitchFamily="34" charset="-128"/>
-                    <a:cs typeface="Arial" panose="020B0604020202020204" pitchFamily="34" charset="0"/>
-                  </a:rPr>
-                  <a:t>磐田</a:t>
-                </a:r>
-              </a:p>
-            </p:txBody>
-          </p:sp>
-          <p:sp>
-            <p:nvSpPr>
-              <p:cNvPr id="19" name="テキスト ボックス 18">
-                <a:extLst>
-                  <a:ext uri="{FF2B5EF4-FFF2-40B4-BE49-F238E27FC236}">
-                    <a16:creationId xmlns:a16="http://schemas.microsoft.com/office/drawing/2014/main" id="{698CDEBE-7A6E-8DB0-A887-51C78E39E283}"/>
-                  </a:ext>
-                </a:extLst>
-              </p:cNvPr>
-              <p:cNvSpPr txBox="1"/>
-              <p:nvPr/>
-            </p:nvSpPr>
-            <p:spPr>
-              <a:xfrm>
-                <a:off x="7004484" y="5277557"/>
-                <a:ext cx="518091" cy="292388"/>
-              </a:xfrm>
-              <a:prstGeom prst="rect">
-                <a:avLst/>
-              </a:prstGeom>
-              <a:noFill/>
-            </p:spPr>
-            <p:txBody>
-              <a:bodyPr wrap="none" rtlCol="0">
-                <a:spAutoFit/>
-              </a:bodyPr>
-              <a:lstStyle/>
-              <a:p>
-                <a:r>
-                  <a:rPr lang="ja-JP" altLang="en-US" sz="1300">
-                    <a:solidFill>
-                      <a:schemeClr val="bg2">
-                        <a:lumMod val="10000"/>
-                      </a:schemeClr>
-                    </a:solidFill>
-                    <a:latin typeface="Meiryo UI" panose="020B0604030504040204" pitchFamily="34" charset="-128"/>
-                    <a:ea typeface="Meiryo UI" panose="020B0604030504040204" pitchFamily="34" charset="-128"/>
-                    <a:cs typeface="Arial" panose="020B0604020202020204" pitchFamily="34" charset="0"/>
-                  </a:rPr>
-                  <a:t>浜松</a:t>
                 </a:r>
                 <a:endParaRPr kumimoji="1" lang="ja-JP" altLang="en-US" sz="1300">
                   <a:solidFill>
@@ -10009,7 +9911,7 @@
             <p:spPr>
               <a:xfrm>
                 <a:off x="7242149" y="4251744"/>
-                <a:ext cx="22167" cy="525094"/>
+                <a:ext cx="127145" cy="519829"/>
               </a:xfrm>
               <a:prstGeom prst="line">
                 <a:avLst/>
@@ -10282,96 +10184,6 @@
               </a:p>
             </p:txBody>
           </p:sp>
-          <p:cxnSp>
-            <p:nvCxnSpPr>
-              <p:cNvPr id="89" name="直線コネクタ 88">
-                <a:extLst>
-                  <a:ext uri="{FF2B5EF4-FFF2-40B4-BE49-F238E27FC236}">
-                    <a16:creationId xmlns:a16="http://schemas.microsoft.com/office/drawing/2014/main" id="{D8BA2699-CF2B-F060-9A25-7E1366DF358F}"/>
-                  </a:ext>
-                </a:extLst>
-              </p:cNvPr>
-              <p:cNvCxnSpPr>
-                <a:cxnSpLocks/>
-              </p:cNvCxnSpPr>
-              <p:nvPr/>
-            </p:nvCxnSpPr>
-            <p:spPr>
-              <a:xfrm>
-                <a:off x="6736105" y="4466161"/>
-                <a:ext cx="452403" cy="698503"/>
-              </a:xfrm>
-              <a:prstGeom prst="line">
-                <a:avLst/>
-              </a:prstGeom>
-              <a:ln w="12700">
-                <a:solidFill>
-                  <a:schemeClr val="bg2">
-                    <a:lumMod val="10000"/>
-                  </a:schemeClr>
-                </a:solidFill>
-              </a:ln>
-            </p:spPr>
-            <p:style>
-              <a:lnRef idx="1">
-                <a:schemeClr val="accent1"/>
-              </a:lnRef>
-              <a:fillRef idx="0">
-                <a:schemeClr val="accent1"/>
-              </a:fillRef>
-              <a:effectRef idx="0">
-                <a:schemeClr val="accent1"/>
-              </a:effectRef>
-              <a:fontRef idx="minor">
-                <a:schemeClr val="tx1"/>
-              </a:fontRef>
-            </p:style>
-          </p:cxnSp>
-          <p:cxnSp>
-            <p:nvCxnSpPr>
-              <p:cNvPr id="91" name="直線コネクタ 90">
-                <a:extLst>
-                  <a:ext uri="{FF2B5EF4-FFF2-40B4-BE49-F238E27FC236}">
-                    <a16:creationId xmlns:a16="http://schemas.microsoft.com/office/drawing/2014/main" id="{A94BE3FB-3F77-78AC-A75B-24FCC5D2014D}"/>
-                  </a:ext>
-                </a:extLst>
-              </p:cNvPr>
-              <p:cNvCxnSpPr>
-                <a:cxnSpLocks/>
-              </p:cNvCxnSpPr>
-              <p:nvPr/>
-            </p:nvCxnSpPr>
-            <p:spPr>
-              <a:xfrm>
-                <a:off x="6601913" y="4531053"/>
-                <a:ext cx="481803" cy="795096"/>
-              </a:xfrm>
-              <a:prstGeom prst="line">
-                <a:avLst/>
-              </a:prstGeom>
-              <a:ln w="12700">
-                <a:solidFill>
-                  <a:schemeClr val="bg2">
-                    <a:lumMod val="10000"/>
-                  </a:schemeClr>
-                </a:solidFill>
-              </a:ln>
-            </p:spPr>
-            <p:style>
-              <a:lnRef idx="1">
-                <a:schemeClr val="accent1"/>
-              </a:lnRef>
-              <a:fillRef idx="0">
-                <a:schemeClr val="accent1"/>
-              </a:fillRef>
-              <a:effectRef idx="0">
-                <a:schemeClr val="accent1"/>
-              </a:effectRef>
-              <a:fontRef idx="minor">
-                <a:schemeClr val="tx1"/>
-              </a:fontRef>
-            </p:style>
-          </p:cxnSp>
           <p:cxnSp>
             <p:nvCxnSpPr>
               <p:cNvPr id="97" name="直線コネクタ 96">
@@ -12531,116 +12343,6 @@
               </a:p>
             </p:txBody>
           </p:sp>
-          <p:sp>
-            <p:nvSpPr>
-              <p:cNvPr id="81" name="テキスト ボックス 80">
-                <a:extLst>
-                  <a:ext uri="{FF2B5EF4-FFF2-40B4-BE49-F238E27FC236}">
-                    <a16:creationId xmlns:a16="http://schemas.microsoft.com/office/drawing/2014/main" id="{B8BBC662-9CE3-4B1B-504A-90F9BC4D09F3}"/>
-                  </a:ext>
-                </a:extLst>
-              </p:cNvPr>
-              <p:cNvSpPr txBox="1"/>
-              <p:nvPr/>
-            </p:nvSpPr>
-            <p:spPr>
-              <a:xfrm>
-                <a:off x="6421379" y="4356685"/>
-                <a:ext cx="351378" cy="292388"/>
-              </a:xfrm>
-              <a:prstGeom prst="rect">
-                <a:avLst/>
-              </a:prstGeom>
-              <a:noFill/>
-              <a:effectLst>
-                <a:outerShdw blurRad="50800" dist="38100" dir="2700000" algn="tl" rotWithShape="0">
-                  <a:prstClr val="black">
-                    <a:alpha val="40000"/>
-                  </a:prstClr>
-                </a:outerShdw>
-              </a:effectLst>
-            </p:spPr>
-            <p:txBody>
-              <a:bodyPr wrap="none" rtlCol="0">
-                <a:spAutoFit/>
-              </a:bodyPr>
-              <a:lstStyle/>
-              <a:p>
-                <a:r>
-                  <a:rPr lang="en" altLang="ja-JP" sz="1300" dirty="0">
-                    <a:solidFill>
-                      <a:srgbClr val="F8B62B"/>
-                    </a:solidFill>
-                    <a:latin typeface="Arial" panose="020B0604020202020204" pitchFamily="34" charset="0"/>
-                    <a:cs typeface="Arial" panose="020B0604020202020204" pitchFamily="34" charset="0"/>
-                  </a:rPr>
-                  <a:t>★</a:t>
-                </a:r>
-                <a:endParaRPr kumimoji="1" lang="ja-JP" altLang="en-US" sz="1300">
-                  <a:solidFill>
-                    <a:srgbClr val="F8B62B"/>
-                  </a:solidFill>
-                  <a:latin typeface="Arial" panose="020B0604020202020204" pitchFamily="34" charset="0"/>
-                  <a:cs typeface="Arial" panose="020B0604020202020204" pitchFamily="34" charset="0"/>
-                </a:endParaRPr>
-              </a:p>
-            </p:txBody>
-          </p:sp>
-          <p:sp>
-            <p:nvSpPr>
-              <p:cNvPr id="80" name="テキスト ボックス 79">
-                <a:extLst>
-                  <a:ext uri="{FF2B5EF4-FFF2-40B4-BE49-F238E27FC236}">
-                    <a16:creationId xmlns:a16="http://schemas.microsoft.com/office/drawing/2014/main" id="{F17ACD31-9D74-A320-2AE2-9BA583A04628}"/>
-                  </a:ext>
-                </a:extLst>
-              </p:cNvPr>
-              <p:cNvSpPr txBox="1"/>
-              <p:nvPr/>
-            </p:nvSpPr>
-            <p:spPr>
-              <a:xfrm>
-                <a:off x="6555319" y="4295997"/>
-                <a:ext cx="351378" cy="292388"/>
-              </a:xfrm>
-              <a:prstGeom prst="rect">
-                <a:avLst/>
-              </a:prstGeom>
-              <a:noFill/>
-              <a:effectLst>
-                <a:outerShdw blurRad="50800" dist="38100" dir="2700000" algn="tl" rotWithShape="0">
-                  <a:prstClr val="black">
-                    <a:alpha val="40000"/>
-                  </a:prstClr>
-                </a:outerShdw>
-              </a:effectLst>
-            </p:spPr>
-            <p:txBody>
-              <a:bodyPr wrap="none" rtlCol="0">
-                <a:spAutoFit/>
-              </a:bodyPr>
-              <a:lstStyle/>
-              <a:p>
-                <a:r>
-                  <a:rPr lang="en" altLang="ja-JP" sz="1300" dirty="0">
-                    <a:solidFill>
-                      <a:srgbClr val="F8B62B"/>
-                    </a:solidFill>
-                    <a:latin typeface="Arial" panose="020B0604020202020204" pitchFamily="34" charset="0"/>
-                    <a:cs typeface="Arial" panose="020B0604020202020204" pitchFamily="34" charset="0"/>
-                  </a:rPr>
-                  <a:t>★</a:t>
-                </a:r>
-                <a:endParaRPr kumimoji="1" lang="ja-JP" altLang="en-US" sz="1300">
-                  <a:solidFill>
-                    <a:srgbClr val="F8B62B"/>
-                  </a:solidFill>
-                  <a:latin typeface="Arial" panose="020B0604020202020204" pitchFamily="34" charset="0"/>
-                  <a:cs typeface="Arial" panose="020B0604020202020204" pitchFamily="34" charset="0"/>
-                </a:endParaRPr>
-              </a:p>
-            </p:txBody>
-          </p:sp>
           <p:cxnSp>
             <p:nvCxnSpPr>
               <p:cNvPr id="165" name="直線コネクタ 164">
@@ -12801,6 +12503,171 @@
             <p:spPr>
               <a:xfrm>
                 <a:off x="4605576" y="4885113"/>
+                <a:ext cx="351378" cy="292388"/>
+              </a:xfrm>
+              <a:prstGeom prst="rect">
+                <a:avLst/>
+              </a:prstGeom>
+              <a:noFill/>
+              <a:effectLst>
+                <a:outerShdw blurRad="50800" dist="38100" dir="2700000" algn="tl" rotWithShape="0">
+                  <a:prstClr val="black">
+                    <a:alpha val="40000"/>
+                  </a:prstClr>
+                </a:outerShdw>
+              </a:effectLst>
+            </p:spPr>
+            <p:txBody>
+              <a:bodyPr wrap="none" rtlCol="0">
+                <a:spAutoFit/>
+              </a:bodyPr>
+              <a:lstStyle/>
+              <a:p>
+                <a:r>
+                  <a:rPr lang="en" altLang="ja-JP" sz="1300" dirty="0">
+                    <a:solidFill>
+                      <a:srgbClr val="F8B62B"/>
+                    </a:solidFill>
+                    <a:latin typeface="Arial" panose="020B0604020202020204" pitchFamily="34" charset="0"/>
+                    <a:cs typeface="Arial" panose="020B0604020202020204" pitchFamily="34" charset="0"/>
+                  </a:rPr>
+                  <a:t>★</a:t>
+                </a:r>
+                <a:endParaRPr kumimoji="1" lang="ja-JP" altLang="en-US" sz="1300">
+                  <a:solidFill>
+                    <a:srgbClr val="F8B62B"/>
+                  </a:solidFill>
+                  <a:latin typeface="Arial" panose="020B0604020202020204" pitchFamily="34" charset="0"/>
+                  <a:cs typeface="Arial" panose="020B0604020202020204" pitchFamily="34" charset="0"/>
+                </a:endParaRPr>
+              </a:p>
+            </p:txBody>
+          </p:sp>
+          <p:sp>
+            <p:nvSpPr>
+              <p:cNvPr id="25" name="テキスト ボックス 24">
+                <a:extLst>
+                  <a:ext uri="{FF2B5EF4-FFF2-40B4-BE49-F238E27FC236}">
+                    <a16:creationId xmlns:a16="http://schemas.microsoft.com/office/drawing/2014/main" id="{15D51C16-F92B-19E1-FD5F-F90D1699A8EF}"/>
+                  </a:ext>
+                </a:extLst>
+              </p:cNvPr>
+              <p:cNvSpPr txBox="1"/>
+              <p:nvPr/>
+            </p:nvSpPr>
+            <p:spPr>
+              <a:xfrm>
+                <a:off x="6822115" y="4136032"/>
+                <a:ext cx="351378" cy="292388"/>
+              </a:xfrm>
+              <a:prstGeom prst="rect">
+                <a:avLst/>
+              </a:prstGeom>
+              <a:noFill/>
+              <a:effectLst>
+                <a:outerShdw blurRad="50800" dist="38100" dir="2700000" algn="tl" rotWithShape="0">
+                  <a:prstClr val="black">
+                    <a:alpha val="40000"/>
+                  </a:prstClr>
+                </a:outerShdw>
+              </a:effectLst>
+            </p:spPr>
+            <p:txBody>
+              <a:bodyPr wrap="none" rtlCol="0">
+                <a:spAutoFit/>
+              </a:bodyPr>
+              <a:lstStyle/>
+              <a:p>
+                <a:r>
+                  <a:rPr lang="en" altLang="ja-JP" sz="1300" dirty="0">
+                    <a:solidFill>
+                      <a:srgbClr val="F8B62B"/>
+                    </a:solidFill>
+                    <a:latin typeface="Arial" panose="020B0604020202020204" pitchFamily="34" charset="0"/>
+                    <a:cs typeface="Arial" panose="020B0604020202020204" pitchFamily="34" charset="0"/>
+                  </a:rPr>
+                  <a:t>★</a:t>
+                </a:r>
+                <a:endParaRPr kumimoji="1" lang="ja-JP" altLang="en-US" sz="1300">
+                  <a:solidFill>
+                    <a:srgbClr val="F8B62B"/>
+                  </a:solidFill>
+                  <a:latin typeface="Arial" panose="020B0604020202020204" pitchFamily="34" charset="0"/>
+                  <a:cs typeface="Arial" panose="020B0604020202020204" pitchFamily="34" charset="0"/>
+                </a:endParaRPr>
+              </a:p>
+            </p:txBody>
+          </p:sp>
+          <p:sp>
+            <p:nvSpPr>
+              <p:cNvPr id="81" name="テキスト ボックス 80">
+                <a:extLst>
+                  <a:ext uri="{FF2B5EF4-FFF2-40B4-BE49-F238E27FC236}">
+                    <a16:creationId xmlns:a16="http://schemas.microsoft.com/office/drawing/2014/main" id="{B8BBC662-9CE3-4B1B-504A-90F9BC4D09F3}"/>
+                  </a:ext>
+                </a:extLst>
+              </p:cNvPr>
+              <p:cNvSpPr txBox="1"/>
+              <p:nvPr/>
+            </p:nvSpPr>
+            <p:spPr>
+              <a:xfrm>
+                <a:off x="6421379" y="4356685"/>
+                <a:ext cx="351378" cy="292388"/>
+              </a:xfrm>
+              <a:prstGeom prst="rect">
+                <a:avLst/>
+              </a:prstGeom>
+              <a:noFill/>
+              <a:effectLst>
+                <a:outerShdw blurRad="50800" dist="38100" dir="2700000" algn="tl" rotWithShape="0">
+                  <a:prstClr val="black">
+                    <a:alpha val="40000"/>
+                  </a:prstClr>
+                </a:outerShdw>
+              </a:effectLst>
+            </p:spPr>
+            <p:txBody>
+              <a:bodyPr wrap="none" rtlCol="0">
+                <a:spAutoFit/>
+              </a:bodyPr>
+              <a:lstStyle/>
+              <a:p>
+                <a:r>
+                  <a:rPr lang="en" altLang="ja-JP" sz="1300" dirty="0">
+                    <a:solidFill>
+                      <a:srgbClr val="F8B62B"/>
+                    </a:solidFill>
+                    <a:latin typeface="Arial" panose="020B0604020202020204" pitchFamily="34" charset="0"/>
+                    <a:cs typeface="Arial" panose="020B0604020202020204" pitchFamily="34" charset="0"/>
+                  </a:rPr>
+                  <a:t>★</a:t>
+                </a:r>
+                <a:endParaRPr kumimoji="1" lang="ja-JP" altLang="en-US" sz="1300">
+                  <a:solidFill>
+                    <a:srgbClr val="F8B62B"/>
+                  </a:solidFill>
+                  <a:latin typeface="Arial" panose="020B0604020202020204" pitchFamily="34" charset="0"/>
+                  <a:cs typeface="Arial" panose="020B0604020202020204" pitchFamily="34" charset="0"/>
+                </a:endParaRPr>
+              </a:p>
+            </p:txBody>
+          </p:sp>
+          <p:sp>
+            <p:nvSpPr>
+              <p:cNvPr id="80" name="テキスト ボックス 79">
+                <a:extLst>
+                  <a:ext uri="{FF2B5EF4-FFF2-40B4-BE49-F238E27FC236}">
+                    <a16:creationId xmlns:a16="http://schemas.microsoft.com/office/drawing/2014/main" id="{F17ACD31-9D74-A320-2AE2-9BA583A04628}"/>
+                  </a:ext>
+                </a:extLst>
+              </p:cNvPr>
+              <p:cNvSpPr txBox="1"/>
+              <p:nvPr/>
+            </p:nvSpPr>
+            <p:spPr>
+              <a:xfrm>
+                <a:off x="6555319" y="4295997"/>
                 <a:ext cx="351378" cy="292388"/>
               </a:xfrm>
               <a:prstGeom prst="rect">
@@ -13202,7 +13069,7 @@
                 <a:latin typeface="Arial" panose="020B0604020202020204" pitchFamily="34" charset="0"/>
                 <a:cs typeface="Arial" panose="020B0604020202020204" pitchFamily="34" charset="0"/>
               </a:rPr>
-              <a:t>Jul 2023</a:t>
+              <a:t>Aug 2023</a:t>
             </a:r>
             <a:endParaRPr lang="ja-JP" altLang="en-US" sz="2400" b="1">
               <a:solidFill>
@@ -14059,7 +13926,7 @@
                 <a:ea typeface="Meiryo UI" panose="020B0604030504040204" pitchFamily="34" charset="-128"/>
                 <a:cs typeface="Arial" panose="020B0604020202020204" pitchFamily="34" charset="0"/>
               </a:rPr>
-              <a:t>7</a:t>
+              <a:t>8</a:t>
             </a:r>
             <a:r>
               <a:rPr lang="ja-JP" altLang="en-US" sz="1400">
@@ -14077,6 +13944,303 @@
           </a:p>
         </p:txBody>
       </p:sp>
+      <p:sp>
+        <p:nvSpPr>
+          <p:cNvPr id="85" name="テキスト ボックス 84">
+            <a:extLst>
+              <a:ext uri="{FF2B5EF4-FFF2-40B4-BE49-F238E27FC236}">
+                <a16:creationId xmlns:a16="http://schemas.microsoft.com/office/drawing/2014/main" id="{7D8949B1-D527-6D5F-7011-E691AD286115}"/>
+              </a:ext>
+            </a:extLst>
+          </p:cNvPr>
+          <p:cNvSpPr txBox="1"/>
+          <p:nvPr/>
+        </p:nvSpPr>
+        <p:spPr>
+          <a:xfrm>
+            <a:off x="7205102" y="5151989"/>
+            <a:ext cx="518091" cy="292388"/>
+          </a:xfrm>
+          <a:prstGeom prst="rect">
+            <a:avLst/>
+          </a:prstGeom>
+          <a:noFill/>
+        </p:spPr>
+        <p:txBody>
+          <a:bodyPr wrap="none" rtlCol="0">
+            <a:spAutoFit/>
+          </a:bodyPr>
+          <a:lstStyle/>
+          <a:p>
+            <a:r>
+              <a:rPr lang="ja-JP" altLang="en-US" sz="1300" dirty="0">
+                <a:solidFill>
+                  <a:schemeClr val="bg2">
+                    <a:lumMod val="10000"/>
+                  </a:schemeClr>
+                </a:solidFill>
+                <a:latin typeface="Meiryo UI" panose="020B0604030504040204" pitchFamily="34" charset="-128"/>
+                <a:ea typeface="Meiryo UI" panose="020B0604030504040204" pitchFamily="34" charset="-128"/>
+                <a:cs typeface="Arial" panose="020B0604020202020204" pitchFamily="34" charset="0"/>
+              </a:rPr>
+              <a:t>岩田</a:t>
+            </a:r>
+            <a:endParaRPr lang="ja-JP" altLang="en-US" sz="1300">
+              <a:solidFill>
+                <a:schemeClr val="bg2">
+                  <a:lumMod val="10000"/>
+                </a:schemeClr>
+              </a:solidFill>
+              <a:latin typeface="Meiryo UI" panose="020B0604030504040204" pitchFamily="34" charset="-128"/>
+              <a:ea typeface="Meiryo UI" panose="020B0604030504040204" pitchFamily="34" charset="-128"/>
+              <a:cs typeface="Arial" panose="020B0604020202020204" pitchFamily="34" charset="0"/>
+            </a:endParaRPr>
+          </a:p>
+        </p:txBody>
+      </p:sp>
+      <p:sp>
+        <p:nvSpPr>
+          <p:cNvPr id="87" name="テキスト ボックス 86">
+            <a:extLst>
+              <a:ext uri="{FF2B5EF4-FFF2-40B4-BE49-F238E27FC236}">
+                <a16:creationId xmlns:a16="http://schemas.microsoft.com/office/drawing/2014/main" id="{4D66E083-62C1-B1FE-EDC0-749C61F72359}"/>
+              </a:ext>
+            </a:extLst>
+          </p:cNvPr>
+          <p:cNvSpPr txBox="1"/>
+          <p:nvPr/>
+        </p:nvSpPr>
+        <p:spPr>
+          <a:xfrm>
+            <a:off x="7060674" y="5372652"/>
+            <a:ext cx="518091" cy="292388"/>
+          </a:xfrm>
+          <a:prstGeom prst="rect">
+            <a:avLst/>
+          </a:prstGeom>
+          <a:noFill/>
+        </p:spPr>
+        <p:txBody>
+          <a:bodyPr wrap="none" rtlCol="0">
+            <a:spAutoFit/>
+          </a:bodyPr>
+          <a:lstStyle/>
+          <a:p>
+            <a:r>
+              <a:rPr lang="ja-JP" altLang="en-US" sz="1300" dirty="0">
+                <a:solidFill>
+                  <a:schemeClr val="bg2">
+                    <a:lumMod val="10000"/>
+                  </a:schemeClr>
+                </a:solidFill>
+                <a:latin typeface="Meiryo UI" panose="020B0604030504040204" pitchFamily="34" charset="-128"/>
+                <a:ea typeface="Meiryo UI" panose="020B0604030504040204" pitchFamily="34" charset="-128"/>
+                <a:cs typeface="Arial" panose="020B0604020202020204" pitchFamily="34" charset="0"/>
+              </a:rPr>
+              <a:t>浜松</a:t>
+            </a:r>
+            <a:endParaRPr lang="ja-JP" altLang="en-US" sz="1300">
+              <a:solidFill>
+                <a:schemeClr val="bg2">
+                  <a:lumMod val="10000"/>
+                </a:schemeClr>
+              </a:solidFill>
+              <a:latin typeface="Meiryo UI" panose="020B0604030504040204" pitchFamily="34" charset="-128"/>
+              <a:ea typeface="Meiryo UI" panose="020B0604030504040204" pitchFamily="34" charset="-128"/>
+              <a:cs typeface="Arial" panose="020B0604020202020204" pitchFamily="34" charset="0"/>
+            </a:endParaRPr>
+          </a:p>
+        </p:txBody>
+      </p:sp>
+      <p:cxnSp>
+        <p:nvCxnSpPr>
+          <p:cNvPr id="88" name="直線コネクタ 87">
+            <a:extLst>
+              <a:ext uri="{FF2B5EF4-FFF2-40B4-BE49-F238E27FC236}">
+                <a16:creationId xmlns:a16="http://schemas.microsoft.com/office/drawing/2014/main" id="{6569B83D-73B3-3B1A-57C8-44073896395A}"/>
+              </a:ext>
+            </a:extLst>
+          </p:cNvPr>
+          <p:cNvCxnSpPr>
+            <a:cxnSpLocks/>
+          </p:cNvCxnSpPr>
+          <p:nvPr/>
+        </p:nvCxnSpPr>
+        <p:spPr>
+          <a:xfrm>
+            <a:off x="6733235" y="4467117"/>
+            <a:ext cx="524801" cy="818609"/>
+          </a:xfrm>
+          <a:prstGeom prst="line">
+            <a:avLst/>
+          </a:prstGeom>
+          <a:ln w="12700">
+            <a:solidFill>
+              <a:schemeClr val="bg2">
+                <a:lumMod val="10000"/>
+              </a:schemeClr>
+            </a:solidFill>
+          </a:ln>
+        </p:spPr>
+        <p:style>
+          <a:lnRef idx="1">
+            <a:schemeClr val="accent1"/>
+          </a:lnRef>
+          <a:fillRef idx="0">
+            <a:schemeClr val="accent1"/>
+          </a:fillRef>
+          <a:effectRef idx="0">
+            <a:schemeClr val="accent1"/>
+          </a:effectRef>
+          <a:fontRef idx="minor">
+            <a:schemeClr val="tx1"/>
+          </a:fontRef>
+        </p:style>
+      </p:cxnSp>
+      <p:cxnSp>
+        <p:nvCxnSpPr>
+          <p:cNvPr id="90" name="直線コネクタ 89">
+            <a:extLst>
+              <a:ext uri="{FF2B5EF4-FFF2-40B4-BE49-F238E27FC236}">
+                <a16:creationId xmlns:a16="http://schemas.microsoft.com/office/drawing/2014/main" id="{883C20F2-8A0F-CB45-FEE5-358B9BD636B0}"/>
+              </a:ext>
+            </a:extLst>
+          </p:cNvPr>
+          <p:cNvCxnSpPr>
+            <a:cxnSpLocks/>
+          </p:cNvCxnSpPr>
+          <p:nvPr/>
+        </p:nvCxnSpPr>
+        <p:spPr>
+          <a:xfrm>
+            <a:off x="6599043" y="4532009"/>
+            <a:ext cx="557712" cy="898197"/>
+          </a:xfrm>
+          <a:prstGeom prst="line">
+            <a:avLst/>
+          </a:prstGeom>
+          <a:ln w="12700">
+            <a:solidFill>
+              <a:schemeClr val="bg2">
+                <a:lumMod val="10000"/>
+              </a:schemeClr>
+            </a:solidFill>
+          </a:ln>
+        </p:spPr>
+        <p:style>
+          <a:lnRef idx="1">
+            <a:schemeClr val="accent1"/>
+          </a:lnRef>
+          <a:fillRef idx="0">
+            <a:schemeClr val="accent1"/>
+          </a:fillRef>
+          <a:effectRef idx="0">
+            <a:schemeClr val="accent1"/>
+          </a:effectRef>
+          <a:fontRef idx="minor">
+            <a:schemeClr val="tx1"/>
+          </a:fontRef>
+        </p:style>
+      </p:cxnSp>
+      <p:sp>
+        <p:nvSpPr>
+          <p:cNvPr id="94" name="テキスト ボックス 93">
+            <a:extLst>
+              <a:ext uri="{FF2B5EF4-FFF2-40B4-BE49-F238E27FC236}">
+                <a16:creationId xmlns:a16="http://schemas.microsoft.com/office/drawing/2014/main" id="{27D8396B-12BB-A4F1-3086-878B6D77254F}"/>
+              </a:ext>
+            </a:extLst>
+          </p:cNvPr>
+          <p:cNvSpPr txBox="1"/>
+          <p:nvPr/>
+        </p:nvSpPr>
+        <p:spPr>
+          <a:xfrm>
+            <a:off x="7219287" y="4947666"/>
+            <a:ext cx="518091" cy="292388"/>
+          </a:xfrm>
+          <a:prstGeom prst="rect">
+            <a:avLst/>
+          </a:prstGeom>
+          <a:noFill/>
+        </p:spPr>
+        <p:txBody>
+          <a:bodyPr wrap="none" rtlCol="0">
+            <a:spAutoFit/>
+          </a:bodyPr>
+          <a:lstStyle/>
+          <a:p>
+            <a:r>
+              <a:rPr lang="ja-JP" altLang="en-US" sz="1300" dirty="0">
+                <a:solidFill>
+                  <a:schemeClr val="bg2">
+                    <a:lumMod val="10000"/>
+                  </a:schemeClr>
+                </a:solidFill>
+                <a:latin typeface="Meiryo UI" panose="020B0604030504040204" pitchFamily="34" charset="-128"/>
+                <a:ea typeface="Meiryo UI" panose="020B0604030504040204" pitchFamily="34" charset="-128"/>
+                <a:cs typeface="Arial" panose="020B0604020202020204" pitchFamily="34" charset="0"/>
+              </a:rPr>
+              <a:t>静岡</a:t>
+            </a:r>
+            <a:endParaRPr lang="ja-JP" altLang="en-US" sz="1300">
+              <a:solidFill>
+                <a:schemeClr val="bg2">
+                  <a:lumMod val="10000"/>
+                </a:schemeClr>
+              </a:solidFill>
+              <a:latin typeface="Meiryo UI" panose="020B0604030504040204" pitchFamily="34" charset="-128"/>
+              <a:ea typeface="Meiryo UI" panose="020B0604030504040204" pitchFamily="34" charset="-128"/>
+              <a:cs typeface="Arial" panose="020B0604020202020204" pitchFamily="34" charset="0"/>
+            </a:endParaRPr>
+          </a:p>
+        </p:txBody>
+      </p:sp>
+      <p:cxnSp>
+        <p:nvCxnSpPr>
+          <p:cNvPr id="98" name="直線コネクタ 97">
+            <a:extLst>
+              <a:ext uri="{FF2B5EF4-FFF2-40B4-BE49-F238E27FC236}">
+                <a16:creationId xmlns:a16="http://schemas.microsoft.com/office/drawing/2014/main" id="{D2649F71-9BB9-EEE2-D71D-07E68034A17A}"/>
+              </a:ext>
+            </a:extLst>
+          </p:cNvPr>
+          <p:cNvCxnSpPr>
+            <a:cxnSpLocks/>
+          </p:cNvCxnSpPr>
+          <p:nvPr/>
+        </p:nvCxnSpPr>
+        <p:spPr>
+          <a:xfrm>
+            <a:off x="6997804" y="4341348"/>
+            <a:ext cx="287416" cy="627891"/>
+          </a:xfrm>
+          <a:prstGeom prst="line">
+            <a:avLst/>
+          </a:prstGeom>
+          <a:ln w="12700">
+            <a:solidFill>
+              <a:schemeClr val="bg2">
+                <a:lumMod val="10000"/>
+              </a:schemeClr>
+            </a:solidFill>
+          </a:ln>
+        </p:spPr>
+        <p:style>
+          <a:lnRef idx="1">
+            <a:schemeClr val="accent1"/>
+          </a:lnRef>
+          <a:fillRef idx="0">
+            <a:schemeClr val="accent1"/>
+          </a:fillRef>
+          <a:effectRef idx="0">
+            <a:schemeClr val="accent1"/>
+          </a:effectRef>
+          <a:fontRef idx="minor">
+            <a:schemeClr val="tx1"/>
+          </a:fontRef>
+        </p:style>
+      </p:cxnSp>
     </p:spTree>
     <p:extLst>
       <p:ext uri="{BB962C8B-B14F-4D97-AF65-F5344CB8AC3E}">
@@ -14154,6 +14318,9 @@
             <a:prstGeom prst="rect">
               <a:avLst/>
             </a:prstGeom>
+            <a:ln>
+              <a:noFill/>
+            </a:ln>
           </p:spPr>
         </p:pic>
         <p:grpSp>
@@ -14768,148 +14935,6 @@
                     <a:cs typeface="Arial" panose="020B0604020202020204" pitchFamily="34" charset="0"/>
                   </a:rPr>
                   <a:t>六本木一丁目</a:t>
-                </a:r>
-                <a:endParaRPr kumimoji="1" lang="ja-JP" altLang="en-US" sz="1300">
-                  <a:solidFill>
-                    <a:schemeClr val="bg1"/>
-                  </a:solidFill>
-                  <a:latin typeface="Meiryo UI" panose="020B0604030504040204" pitchFamily="34" charset="-128"/>
-                  <a:ea typeface="Meiryo UI" panose="020B0604030504040204" pitchFamily="34" charset="-128"/>
-                  <a:cs typeface="Arial" panose="020B0604020202020204" pitchFamily="34" charset="0"/>
-                </a:endParaRPr>
-              </a:p>
-            </p:txBody>
-          </p:sp>
-          <p:sp>
-            <p:nvSpPr>
-              <p:cNvPr id="106" name="テキスト ボックス 105">
-                <a:extLst>
-                  <a:ext uri="{FF2B5EF4-FFF2-40B4-BE49-F238E27FC236}">
-                    <a16:creationId xmlns:a16="http://schemas.microsoft.com/office/drawing/2014/main" id="{5DC3FB97-FAAA-3722-0E91-67D6B4C0B161}"/>
-                  </a:ext>
-                </a:extLst>
-              </p:cNvPr>
-              <p:cNvSpPr txBox="1"/>
-              <p:nvPr/>
-            </p:nvSpPr>
-            <p:spPr>
-              <a:xfrm>
-                <a:off x="7157477" y="4726082"/>
-                <a:ext cx="518091" cy="292388"/>
-              </a:xfrm>
-              <a:prstGeom prst="rect">
-                <a:avLst/>
-              </a:prstGeom>
-              <a:noFill/>
-            </p:spPr>
-            <p:txBody>
-              <a:bodyPr wrap="none" rtlCol="0">
-                <a:spAutoFit/>
-              </a:bodyPr>
-              <a:lstStyle/>
-              <a:p>
-                <a:r>
-                  <a:rPr lang="ja-JP" altLang="en-US" sz="1300">
-                    <a:solidFill>
-                      <a:schemeClr val="bg1"/>
-                    </a:solidFill>
-                    <a:latin typeface="Meiryo UI" panose="020B0604030504040204" pitchFamily="34" charset="-128"/>
-                    <a:ea typeface="Meiryo UI" panose="020B0604030504040204" pitchFamily="34" charset="-128"/>
-                    <a:cs typeface="Arial" panose="020B0604020202020204" pitchFamily="34" charset="0"/>
-                  </a:rPr>
-                  <a:t>横浜</a:t>
-                </a:r>
-                <a:endParaRPr kumimoji="1" lang="ja-JP" altLang="en-US" sz="1300">
-                  <a:solidFill>
-                    <a:schemeClr val="bg1"/>
-                  </a:solidFill>
-                  <a:latin typeface="Meiryo UI" panose="020B0604030504040204" pitchFamily="34" charset="-128"/>
-                  <a:ea typeface="Meiryo UI" panose="020B0604030504040204" pitchFamily="34" charset="-128"/>
-                  <a:cs typeface="Arial" panose="020B0604020202020204" pitchFamily="34" charset="0"/>
-                </a:endParaRPr>
-              </a:p>
-            </p:txBody>
-          </p:sp>
-          <p:sp>
-            <p:nvSpPr>
-              <p:cNvPr id="108" name="テキスト ボックス 107">
-                <a:extLst>
-                  <a:ext uri="{FF2B5EF4-FFF2-40B4-BE49-F238E27FC236}">
-                    <a16:creationId xmlns:a16="http://schemas.microsoft.com/office/drawing/2014/main" id="{F15705B1-B4F5-E2E2-489E-855B6EFB8254}"/>
-                  </a:ext>
-                </a:extLst>
-              </p:cNvPr>
-              <p:cNvSpPr txBox="1"/>
-              <p:nvPr/>
-            </p:nvSpPr>
-            <p:spPr>
-              <a:xfrm>
-                <a:off x="7151556" y="5018470"/>
-                <a:ext cx="518091" cy="292388"/>
-              </a:xfrm>
-              <a:prstGeom prst="rect">
-                <a:avLst/>
-              </a:prstGeom>
-              <a:noFill/>
-            </p:spPr>
-            <p:txBody>
-              <a:bodyPr wrap="none" rtlCol="0">
-                <a:spAutoFit/>
-              </a:bodyPr>
-              <a:lstStyle/>
-              <a:p>
-                <a:r>
-                  <a:rPr kumimoji="1" lang="ja-JP" altLang="en-US" sz="1300">
-                    <a:solidFill>
-                      <a:schemeClr val="bg1"/>
-                    </a:solidFill>
-                    <a:latin typeface="Meiryo UI" panose="020B0604030504040204" pitchFamily="34" charset="-128"/>
-                    <a:ea typeface="Meiryo UI" panose="020B0604030504040204" pitchFamily="34" charset="-128"/>
-                    <a:cs typeface="Arial" panose="020B0604020202020204" pitchFamily="34" charset="0"/>
-                  </a:rPr>
-                  <a:t>磐田</a:t>
-                </a:r>
-              </a:p>
-            </p:txBody>
-          </p:sp>
-          <p:sp>
-            <p:nvSpPr>
-              <p:cNvPr id="110" name="テキスト ボックス 109">
-                <a:extLst>
-                  <a:ext uri="{FF2B5EF4-FFF2-40B4-BE49-F238E27FC236}">
-                    <a16:creationId xmlns:a16="http://schemas.microsoft.com/office/drawing/2014/main" id="{7FCF91A8-713E-4AB1-7A16-00057D1AC749}"/>
-                  </a:ext>
-                </a:extLst>
-              </p:cNvPr>
-              <p:cNvSpPr txBox="1"/>
-              <p:nvPr/>
-            </p:nvSpPr>
-            <p:spPr>
-              <a:xfrm>
-                <a:off x="7004484" y="5277557"/>
-                <a:ext cx="518091" cy="292388"/>
-              </a:xfrm>
-              <a:prstGeom prst="rect">
-                <a:avLst/>
-              </a:prstGeom>
-              <a:noFill/>
-            </p:spPr>
-            <p:txBody>
-              <a:bodyPr wrap="none" rtlCol="0">
-                <a:spAutoFit/>
-              </a:bodyPr>
-              <a:lstStyle/>
-              <a:p>
-                <a:r>
-                  <a:rPr lang="ja-JP" altLang="en-US" sz="1300">
-                    <a:solidFill>
-                      <a:schemeClr val="bg1"/>
-                    </a:solidFill>
-                    <a:latin typeface="Meiryo UI" panose="020B0604030504040204" pitchFamily="34" charset="-128"/>
-                    <a:ea typeface="Meiryo UI" panose="020B0604030504040204" pitchFamily="34" charset="-128"/>
-                    <a:cs typeface="Arial" panose="020B0604020202020204" pitchFamily="34" charset="0"/>
-                  </a:rPr>
-                  <a:t>浜松</a:t>
                 </a:r>
                 <a:endParaRPr kumimoji="1" lang="ja-JP" altLang="en-US" sz="1300">
                   <a:solidFill>
@@ -16057,56 +16082,6 @@
           </p:sp>
           <p:sp>
             <p:nvSpPr>
-              <p:cNvPr id="166" name="テキスト ボックス 165">
-                <a:extLst>
-                  <a:ext uri="{FF2B5EF4-FFF2-40B4-BE49-F238E27FC236}">
-                    <a16:creationId xmlns:a16="http://schemas.microsoft.com/office/drawing/2014/main" id="{69F9176B-48C0-C6F6-365A-18B502CB8169}"/>
-                  </a:ext>
-                </a:extLst>
-              </p:cNvPr>
-              <p:cNvSpPr txBox="1"/>
-              <p:nvPr/>
-            </p:nvSpPr>
-            <p:spPr>
-              <a:xfrm>
-                <a:off x="6802886" y="2694176"/>
-                <a:ext cx="518091" cy="292388"/>
-              </a:xfrm>
-              <a:prstGeom prst="rect">
-                <a:avLst/>
-              </a:prstGeom>
-              <a:noFill/>
-            </p:spPr>
-            <p:txBody>
-              <a:bodyPr wrap="none" rtlCol="0">
-                <a:spAutoFit/>
-              </a:bodyPr>
-              <a:lstStyle/>
-              <a:p>
-                <a:r>
-                  <a:rPr lang="ja-JP" altLang="en-US" sz="1300">
-                    <a:solidFill>
-                      <a:schemeClr val="bg1"/>
-                    </a:solidFill>
-                    <a:latin typeface="Meiryo UI" panose="020B0604030504040204" pitchFamily="34" charset="-128"/>
-                    <a:ea typeface="Meiryo UI" panose="020B0604030504040204" pitchFamily="34" charset="-128"/>
-                    <a:cs typeface="Arial" panose="020B0604020202020204" pitchFamily="34" charset="0"/>
-                  </a:rPr>
-                  <a:t>山形</a:t>
-                </a:r>
-                <a:endParaRPr kumimoji="1" lang="ja-JP" altLang="en-US" sz="1300">
-                  <a:solidFill>
-                    <a:schemeClr val="bg1"/>
-                  </a:solidFill>
-                  <a:latin typeface="Meiryo UI" panose="020B0604030504040204" pitchFamily="34" charset="-128"/>
-                  <a:ea typeface="Meiryo UI" panose="020B0604030504040204" pitchFamily="34" charset="-128"/>
-                  <a:cs typeface="Arial" panose="020B0604020202020204" pitchFamily="34" charset="0"/>
-                </a:endParaRPr>
-              </a:p>
-            </p:txBody>
-          </p:sp>
-          <p:sp>
-            <p:nvSpPr>
               <p:cNvPr id="167" name="テキスト ボックス 166">
                 <a:extLst>
                   <a:ext uri="{FF2B5EF4-FFF2-40B4-BE49-F238E27FC236}">
@@ -16237,9 +16212,7 @@
               </a:prstGeom>
               <a:ln w="12700">
                 <a:solidFill>
-                  <a:schemeClr val="bg2">
-                    <a:lumMod val="10000"/>
-                  </a:schemeClr>
+                  <a:schemeClr val="bg1"/>
                 </a:solidFill>
               </a:ln>
             </p:spPr>
@@ -16503,9 +16476,7 @@
               </a:prstGeom>
               <a:ln w="12700">
                 <a:solidFill>
-                  <a:schemeClr val="bg2">
-                    <a:lumMod val="10000"/>
-                  </a:schemeClr>
+                  <a:schemeClr val="bg1"/>
                 </a:solidFill>
               </a:ln>
             </p:spPr>
@@ -16549,9 +16520,7 @@
               </a:prstGeom>
               <a:ln w="12700">
                 <a:solidFill>
-                  <a:schemeClr val="bg2">
-                    <a:lumMod val="10000"/>
-                  </a:schemeClr>
+                  <a:schemeClr val="bg1"/>
                 </a:solidFill>
               </a:ln>
             </p:spPr>
@@ -16792,51 +16761,6 @@
           </p:sp>
           <p:cxnSp>
             <p:nvCxnSpPr>
-              <p:cNvPr id="180" name="直線コネクタ 179">
-                <a:extLst>
-                  <a:ext uri="{FF2B5EF4-FFF2-40B4-BE49-F238E27FC236}">
-                    <a16:creationId xmlns:a16="http://schemas.microsoft.com/office/drawing/2014/main" id="{EE4AEB2D-5253-F5DC-C716-C209ED7FF0A9}"/>
-                  </a:ext>
-                </a:extLst>
-              </p:cNvPr>
-              <p:cNvCxnSpPr>
-                <a:cxnSpLocks/>
-              </p:cNvCxnSpPr>
-              <p:nvPr/>
-            </p:nvCxnSpPr>
-            <p:spPr>
-              <a:xfrm>
-                <a:off x="7242149" y="4251744"/>
-                <a:ext cx="22167" cy="525094"/>
-              </a:xfrm>
-              <a:prstGeom prst="line">
-                <a:avLst/>
-              </a:prstGeom>
-              <a:ln w="12700">
-                <a:solidFill>
-                  <a:schemeClr val="bg2">
-                    <a:lumMod val="10000"/>
-                  </a:schemeClr>
-                </a:solidFill>
-              </a:ln>
-            </p:spPr>
-            <p:style>
-              <a:lnRef idx="1">
-                <a:schemeClr val="accent1"/>
-              </a:lnRef>
-              <a:fillRef idx="0">
-                <a:schemeClr val="accent1"/>
-              </a:fillRef>
-              <a:effectRef idx="0">
-                <a:schemeClr val="accent1"/>
-              </a:effectRef>
-              <a:fontRef idx="minor">
-                <a:schemeClr val="tx1"/>
-              </a:fontRef>
-            </p:style>
-          </p:cxnSp>
-          <p:cxnSp>
-            <p:nvCxnSpPr>
               <p:cNvPr id="181" name="直線コネクタ 180">
                 <a:extLst>
                   <a:ext uri="{FF2B5EF4-FFF2-40B4-BE49-F238E27FC236}">
@@ -16859,9 +16783,7 @@
               </a:prstGeom>
               <a:ln w="12700">
                 <a:solidFill>
-                  <a:schemeClr val="bg2">
-                    <a:lumMod val="10000"/>
-                  </a:schemeClr>
+                  <a:schemeClr val="bg1"/>
                 </a:solidFill>
               </a:ln>
             </p:spPr>
@@ -16904,9 +16826,7 @@
               </a:prstGeom>
               <a:ln w="12700">
                 <a:solidFill>
-                  <a:schemeClr val="bg2">
-                    <a:lumMod val="10000"/>
-                  </a:schemeClr>
+                  <a:schemeClr val="bg1"/>
                 </a:solidFill>
               </a:ln>
             </p:spPr>
@@ -16949,9 +16869,7 @@
               </a:prstGeom>
               <a:ln w="12700">
                 <a:solidFill>
-                  <a:schemeClr val="bg2">
-                    <a:lumMod val="10000"/>
-                  </a:schemeClr>
+                  <a:schemeClr val="bg1"/>
                 </a:solidFill>
               </a:ln>
             </p:spPr>
@@ -17082,96 +17000,6 @@
           </p:sp>
           <p:cxnSp>
             <p:nvCxnSpPr>
-              <p:cNvPr id="186" name="直線コネクタ 185">
-                <a:extLst>
-                  <a:ext uri="{FF2B5EF4-FFF2-40B4-BE49-F238E27FC236}">
-                    <a16:creationId xmlns:a16="http://schemas.microsoft.com/office/drawing/2014/main" id="{E102DB06-486B-8639-DED7-9F4C49902C0A}"/>
-                  </a:ext>
-                </a:extLst>
-              </p:cNvPr>
-              <p:cNvCxnSpPr>
-                <a:cxnSpLocks/>
-              </p:cNvCxnSpPr>
-              <p:nvPr/>
-            </p:nvCxnSpPr>
-            <p:spPr>
-              <a:xfrm>
-                <a:off x="6736105" y="4466161"/>
-                <a:ext cx="452403" cy="698503"/>
-              </a:xfrm>
-              <a:prstGeom prst="line">
-                <a:avLst/>
-              </a:prstGeom>
-              <a:ln w="12700">
-                <a:solidFill>
-                  <a:schemeClr val="bg2">
-                    <a:lumMod val="10000"/>
-                  </a:schemeClr>
-                </a:solidFill>
-              </a:ln>
-            </p:spPr>
-            <p:style>
-              <a:lnRef idx="1">
-                <a:schemeClr val="accent1"/>
-              </a:lnRef>
-              <a:fillRef idx="0">
-                <a:schemeClr val="accent1"/>
-              </a:fillRef>
-              <a:effectRef idx="0">
-                <a:schemeClr val="accent1"/>
-              </a:effectRef>
-              <a:fontRef idx="minor">
-                <a:schemeClr val="tx1"/>
-              </a:fontRef>
-            </p:style>
-          </p:cxnSp>
-          <p:cxnSp>
-            <p:nvCxnSpPr>
-              <p:cNvPr id="187" name="直線コネクタ 186">
-                <a:extLst>
-                  <a:ext uri="{FF2B5EF4-FFF2-40B4-BE49-F238E27FC236}">
-                    <a16:creationId xmlns:a16="http://schemas.microsoft.com/office/drawing/2014/main" id="{7DA8B3C5-584D-9F41-404F-29E7523E6FE9}"/>
-                  </a:ext>
-                </a:extLst>
-              </p:cNvPr>
-              <p:cNvCxnSpPr>
-                <a:cxnSpLocks/>
-              </p:cNvCxnSpPr>
-              <p:nvPr/>
-            </p:nvCxnSpPr>
-            <p:spPr>
-              <a:xfrm>
-                <a:off x="6601913" y="4531053"/>
-                <a:ext cx="481803" cy="795096"/>
-              </a:xfrm>
-              <a:prstGeom prst="line">
-                <a:avLst/>
-              </a:prstGeom>
-              <a:ln w="12700">
-                <a:solidFill>
-                  <a:schemeClr val="bg2">
-                    <a:lumMod val="10000"/>
-                  </a:schemeClr>
-                </a:solidFill>
-              </a:ln>
-            </p:spPr>
-            <p:style>
-              <a:lnRef idx="1">
-                <a:schemeClr val="accent1"/>
-              </a:lnRef>
-              <a:fillRef idx="0">
-                <a:schemeClr val="accent1"/>
-              </a:fillRef>
-              <a:effectRef idx="0">
-                <a:schemeClr val="accent1"/>
-              </a:effectRef>
-              <a:fontRef idx="minor">
-                <a:schemeClr val="tx1"/>
-              </a:fontRef>
-            </p:style>
-          </p:cxnSp>
-          <p:cxnSp>
-            <p:nvCxnSpPr>
               <p:cNvPr id="188" name="直線コネクタ 187">
                 <a:extLst>
                   <a:ext uri="{FF2B5EF4-FFF2-40B4-BE49-F238E27FC236}">
@@ -17194,9 +17022,7 @@
               </a:prstGeom>
               <a:ln w="12700">
                 <a:solidFill>
-                  <a:schemeClr val="bg2">
-                    <a:lumMod val="10000"/>
-                  </a:schemeClr>
+                  <a:schemeClr val="bg1"/>
                 </a:solidFill>
               </a:ln>
             </p:spPr>
@@ -17239,9 +17065,7 @@
               </a:prstGeom>
               <a:ln w="12700">
                 <a:solidFill>
-                  <a:schemeClr val="bg2">
-                    <a:lumMod val="10000"/>
-                  </a:schemeClr>
+                  <a:schemeClr val="bg1"/>
                 </a:solidFill>
               </a:ln>
             </p:spPr>
@@ -17394,9 +17218,7 @@
               </a:prstGeom>
               <a:ln w="12700">
                 <a:solidFill>
-                  <a:schemeClr val="bg2">
-                    <a:lumMod val="10000"/>
-                  </a:schemeClr>
+                  <a:schemeClr val="bg1"/>
                 </a:solidFill>
               </a:ln>
             </p:spPr>
@@ -17439,9 +17261,7 @@
               </a:prstGeom>
               <a:ln w="12700">
                 <a:solidFill>
-                  <a:schemeClr val="bg2">
-                    <a:lumMod val="10000"/>
-                  </a:schemeClr>
+                  <a:schemeClr val="bg1"/>
                 </a:solidFill>
               </a:ln>
             </p:spPr>
@@ -17484,9 +17304,7 @@
               </a:prstGeom>
               <a:ln w="12700">
                 <a:solidFill>
-                  <a:schemeClr val="bg2">
-                    <a:lumMod val="10000"/>
-                  </a:schemeClr>
+                  <a:schemeClr val="bg1"/>
                 </a:solidFill>
               </a:ln>
             </p:spPr>
@@ -17530,9 +17348,7 @@
               </a:prstGeom>
               <a:ln w="12700">
                 <a:solidFill>
-                  <a:schemeClr val="bg2">
-                    <a:lumMod val="10000"/>
-                  </a:schemeClr>
+                  <a:schemeClr val="bg1"/>
                 </a:solidFill>
               </a:ln>
             </p:spPr>
@@ -17795,9 +17611,7 @@
               </a:prstGeom>
               <a:ln w="12700">
                 <a:solidFill>
-                  <a:schemeClr val="bg2">
-                    <a:lumMod val="10000"/>
-                  </a:schemeClr>
+                  <a:schemeClr val="bg1"/>
                 </a:solidFill>
               </a:ln>
             </p:spPr>
@@ -17895,9 +17709,7 @@
               </a:prstGeom>
               <a:ln w="12700">
                 <a:solidFill>
-                  <a:schemeClr val="bg2">
-                    <a:lumMod val="10000"/>
-                  </a:schemeClr>
+                  <a:schemeClr val="bg1"/>
                 </a:solidFill>
               </a:ln>
             </p:spPr>
@@ -17995,9 +17807,7 @@
               </a:prstGeom>
               <a:ln w="12700">
                 <a:solidFill>
-                  <a:schemeClr val="bg2">
-                    <a:lumMod val="10000"/>
-                  </a:schemeClr>
+                  <a:schemeClr val="bg1"/>
                 </a:solidFill>
               </a:ln>
             </p:spPr>
@@ -18095,9 +17905,7 @@
               </a:prstGeom>
               <a:ln w="12700">
                 <a:solidFill>
-                  <a:schemeClr val="bg2">
-                    <a:lumMod val="10000"/>
-                  </a:schemeClr>
+                  <a:schemeClr val="bg1"/>
                 </a:solidFill>
               </a:ln>
             </p:spPr>
@@ -18140,9 +17948,7 @@
               </a:prstGeom>
               <a:ln w="12700">
                 <a:solidFill>
-                  <a:schemeClr val="bg2">
-                    <a:lumMod val="10000"/>
-                  </a:schemeClr>
+                  <a:schemeClr val="bg1"/>
                 </a:solidFill>
               </a:ln>
             </p:spPr>
@@ -18296,9 +18102,7 @@
               </a:prstGeom>
               <a:ln w="12700">
                 <a:solidFill>
-                  <a:schemeClr val="bg2">
-                    <a:lumMod val="10000"/>
-                  </a:schemeClr>
+                  <a:schemeClr val="bg1"/>
                 </a:solidFill>
               </a:ln>
             </p:spPr>
@@ -18396,9 +18200,7 @@
               </a:prstGeom>
               <a:ln w="12700">
                 <a:solidFill>
-                  <a:schemeClr val="bg2">
-                    <a:lumMod val="10000"/>
-                  </a:schemeClr>
+                  <a:schemeClr val="bg1"/>
                 </a:solidFill>
               </a:ln>
             </p:spPr>
@@ -18496,9 +18298,7 @@
               </a:prstGeom>
               <a:ln w="12700">
                 <a:solidFill>
-                  <a:schemeClr val="bg2">
-                    <a:lumMod val="10000"/>
-                  </a:schemeClr>
+                  <a:schemeClr val="bg1"/>
                 </a:solidFill>
               </a:ln>
             </p:spPr>
@@ -18596,9 +18396,7 @@
               </a:prstGeom>
               <a:ln w="12700">
                 <a:solidFill>
-                  <a:schemeClr val="bg2">
-                    <a:lumMod val="10000"/>
-                  </a:schemeClr>
+                  <a:schemeClr val="bg1"/>
                 </a:solidFill>
               </a:ln>
             </p:spPr>
@@ -18641,9 +18439,7 @@
               </a:prstGeom>
               <a:ln w="12700">
                 <a:solidFill>
-                  <a:schemeClr val="bg2">
-                    <a:lumMod val="10000"/>
-                  </a:schemeClr>
+                  <a:schemeClr val="bg1"/>
                 </a:solidFill>
               </a:ln>
             </p:spPr>
@@ -18741,9 +18537,7 @@
               </a:prstGeom>
               <a:ln w="12700">
                 <a:solidFill>
-                  <a:schemeClr val="bg2">
-                    <a:lumMod val="10000"/>
-                  </a:schemeClr>
+                  <a:schemeClr val="bg1"/>
                 </a:solidFill>
               </a:ln>
             </p:spPr>
@@ -18762,61 +18556,6 @@
               </a:fontRef>
             </p:style>
           </p:cxnSp>
-          <p:sp>
-            <p:nvSpPr>
-              <p:cNvPr id="222" name="テキスト ボックス 221">
-                <a:extLst>
-                  <a:ext uri="{FF2B5EF4-FFF2-40B4-BE49-F238E27FC236}">
-                    <a16:creationId xmlns:a16="http://schemas.microsoft.com/office/drawing/2014/main" id="{A10F9556-A9A3-7942-544D-A7526EAC7E7F}"/>
-                  </a:ext>
-                </a:extLst>
-              </p:cNvPr>
-              <p:cNvSpPr txBox="1"/>
-              <p:nvPr/>
-            </p:nvSpPr>
-            <p:spPr>
-              <a:xfrm>
-                <a:off x="7260906" y="2950383"/>
-                <a:ext cx="351378" cy="292388"/>
-              </a:xfrm>
-              <a:prstGeom prst="rect">
-                <a:avLst/>
-              </a:prstGeom>
-              <a:noFill/>
-              <a:effectLst>
-                <a:outerShdw blurRad="50800" dist="38100" dir="2700000" algn="tl" rotWithShape="0">
-                  <a:prstClr val="black">
-                    <a:alpha val="40000"/>
-                  </a:prstClr>
-                </a:outerShdw>
-              </a:effectLst>
-            </p:spPr>
-            <p:txBody>
-              <a:bodyPr wrap="none" rtlCol="0">
-                <a:spAutoFit/>
-              </a:bodyPr>
-              <a:lstStyle/>
-              <a:p>
-                <a:r>
-                  <a:rPr lang="en" altLang="ja-JP" sz="1300" dirty="0">
-                    <a:solidFill>
-                      <a:srgbClr val="F8B62B"/>
-                    </a:solidFill>
-                    <a:latin typeface="Arial" panose="020B0604020202020204" pitchFamily="34" charset="0"/>
-                    <a:cs typeface="Arial" panose="020B0604020202020204" pitchFamily="34" charset="0"/>
-                  </a:rPr>
-                  <a:t>★</a:t>
-                </a:r>
-                <a:endParaRPr kumimoji="1" lang="ja-JP" altLang="en-US" sz="1300">
-                  <a:solidFill>
-                    <a:srgbClr val="F8B62B"/>
-                  </a:solidFill>
-                  <a:latin typeface="Arial" panose="020B0604020202020204" pitchFamily="34" charset="0"/>
-                  <a:cs typeface="Arial" panose="020B0604020202020204" pitchFamily="34" charset="0"/>
-                </a:endParaRPr>
-              </a:p>
-            </p:txBody>
-          </p:sp>
           <p:sp>
             <p:nvSpPr>
               <p:cNvPr id="223" name="テキスト ボックス 222">
@@ -18896,9 +18635,7 @@
               </a:prstGeom>
               <a:ln w="12700">
                 <a:solidFill>
-                  <a:schemeClr val="bg2">
-                    <a:lumMod val="10000"/>
-                  </a:schemeClr>
+                  <a:schemeClr val="bg1"/>
                 </a:solidFill>
               </a:ln>
             </p:spPr>
@@ -19051,9 +18788,7 @@
               </a:prstGeom>
               <a:ln w="12700">
                 <a:solidFill>
-                  <a:schemeClr val="bg2">
-                    <a:lumMod val="10000"/>
-                  </a:schemeClr>
+                  <a:schemeClr val="bg1"/>
                 </a:solidFill>
               </a:ln>
             </p:spPr>
@@ -19151,9 +18886,7 @@
               </a:prstGeom>
               <a:ln w="12700">
                 <a:solidFill>
-                  <a:schemeClr val="bg2">
-                    <a:lumMod val="10000"/>
-                  </a:schemeClr>
+                  <a:schemeClr val="bg1"/>
                 </a:solidFill>
               </a:ln>
             </p:spPr>
@@ -19251,9 +18984,7 @@
               </a:prstGeom>
               <a:ln w="12700">
                 <a:solidFill>
-                  <a:schemeClr val="bg2">
-                    <a:lumMod val="10000"/>
-                  </a:schemeClr>
+                  <a:schemeClr val="bg1"/>
                 </a:solidFill>
               </a:ln>
             </p:spPr>
@@ -19461,9 +19192,7 @@
               </a:prstGeom>
               <a:ln w="12700">
                 <a:solidFill>
-                  <a:schemeClr val="bg2">
-                    <a:lumMod val="10000"/>
-                  </a:schemeClr>
+                  <a:schemeClr val="bg1"/>
                 </a:solidFill>
               </a:ln>
             </p:spPr>
@@ -19561,9 +19290,7 @@
               </a:prstGeom>
               <a:ln w="12700">
                 <a:solidFill>
-                  <a:schemeClr val="bg2">
-                    <a:lumMod val="10000"/>
-                  </a:schemeClr>
+                  <a:schemeClr val="bg1"/>
                 </a:solidFill>
               </a:ln>
             </p:spPr>
@@ -19597,6 +19324,111 @@
             <p:spPr>
               <a:xfrm>
                 <a:off x="4605576" y="4885113"/>
+                <a:ext cx="351378" cy="292388"/>
+              </a:xfrm>
+              <a:prstGeom prst="rect">
+                <a:avLst/>
+              </a:prstGeom>
+              <a:noFill/>
+              <a:effectLst>
+                <a:outerShdw blurRad="50800" dist="38100" dir="2700000" algn="tl" rotWithShape="0">
+                  <a:prstClr val="black">
+                    <a:alpha val="40000"/>
+                  </a:prstClr>
+                </a:outerShdw>
+              </a:effectLst>
+            </p:spPr>
+            <p:txBody>
+              <a:bodyPr wrap="none" rtlCol="0">
+                <a:spAutoFit/>
+              </a:bodyPr>
+              <a:lstStyle/>
+              <a:p>
+                <a:r>
+                  <a:rPr lang="en" altLang="ja-JP" sz="1300" dirty="0">
+                    <a:solidFill>
+                      <a:srgbClr val="F8B62B"/>
+                    </a:solidFill>
+                    <a:latin typeface="Arial" panose="020B0604020202020204" pitchFamily="34" charset="0"/>
+                    <a:cs typeface="Arial" panose="020B0604020202020204" pitchFamily="34" charset="0"/>
+                  </a:rPr>
+                  <a:t>★</a:t>
+                </a:r>
+                <a:endParaRPr kumimoji="1" lang="ja-JP" altLang="en-US" sz="1300">
+                  <a:solidFill>
+                    <a:srgbClr val="F8B62B"/>
+                  </a:solidFill>
+                  <a:latin typeface="Arial" panose="020B0604020202020204" pitchFamily="34" charset="0"/>
+                  <a:cs typeface="Arial" panose="020B0604020202020204" pitchFamily="34" charset="0"/>
+                </a:endParaRPr>
+              </a:p>
+            </p:txBody>
+          </p:sp>
+          <p:sp>
+            <p:nvSpPr>
+              <p:cNvPr id="166" name="テキスト ボックス 165">
+                <a:extLst>
+                  <a:ext uri="{FF2B5EF4-FFF2-40B4-BE49-F238E27FC236}">
+                    <a16:creationId xmlns:a16="http://schemas.microsoft.com/office/drawing/2014/main" id="{69F9176B-48C0-C6F6-365A-18B502CB8169}"/>
+                  </a:ext>
+                </a:extLst>
+              </p:cNvPr>
+              <p:cNvSpPr txBox="1"/>
+              <p:nvPr/>
+            </p:nvSpPr>
+            <p:spPr>
+              <a:xfrm>
+                <a:off x="6802886" y="2691001"/>
+                <a:ext cx="518091" cy="292388"/>
+              </a:xfrm>
+              <a:prstGeom prst="rect">
+                <a:avLst/>
+              </a:prstGeom>
+              <a:noFill/>
+            </p:spPr>
+            <p:txBody>
+              <a:bodyPr wrap="none" rtlCol="0">
+                <a:spAutoFit/>
+              </a:bodyPr>
+              <a:lstStyle/>
+              <a:p>
+                <a:r>
+                  <a:rPr lang="ja-JP" altLang="en-US" sz="1300">
+                    <a:solidFill>
+                      <a:schemeClr val="bg1"/>
+                    </a:solidFill>
+                    <a:latin typeface="Meiryo UI" panose="020B0604030504040204" pitchFamily="34" charset="-128"/>
+                    <a:ea typeface="Meiryo UI" panose="020B0604030504040204" pitchFamily="34" charset="-128"/>
+                    <a:cs typeface="Arial" panose="020B0604020202020204" pitchFamily="34" charset="0"/>
+                  </a:rPr>
+                  <a:t>山形</a:t>
+                </a:r>
+                <a:endParaRPr kumimoji="1" lang="ja-JP" altLang="en-US" sz="1300">
+                  <a:solidFill>
+                    <a:schemeClr val="bg1"/>
+                  </a:solidFill>
+                  <a:latin typeface="Meiryo UI" panose="020B0604030504040204" pitchFamily="34" charset="-128"/>
+                  <a:ea typeface="Meiryo UI" panose="020B0604030504040204" pitchFamily="34" charset="-128"/>
+                  <a:cs typeface="Arial" panose="020B0604020202020204" pitchFamily="34" charset="0"/>
+                </a:endParaRPr>
+              </a:p>
+            </p:txBody>
+          </p:sp>
+          <p:sp>
+            <p:nvSpPr>
+              <p:cNvPr id="222" name="テキスト ボックス 221">
+                <a:extLst>
+                  <a:ext uri="{FF2B5EF4-FFF2-40B4-BE49-F238E27FC236}">
+                    <a16:creationId xmlns:a16="http://schemas.microsoft.com/office/drawing/2014/main" id="{A10F9556-A9A3-7942-544D-A7526EAC7E7F}"/>
+                  </a:ext>
+                </a:extLst>
+              </p:cNvPr>
+              <p:cNvSpPr txBox="1"/>
+              <p:nvPr/>
+            </p:nvSpPr>
+            <p:spPr>
+              <a:xfrm>
+                <a:off x="7260906" y="2947208"/>
                 <a:ext cx="351378" cy="292388"/>
               </a:xfrm>
               <a:prstGeom prst="rect">
@@ -20693,7 +20525,7 @@
                 <a:ea typeface="Meiryo UI" panose="020B0604030504040204" pitchFamily="34" charset="-128"/>
                 <a:cs typeface="Arial" panose="020B0604020202020204" pitchFamily="34" charset="0"/>
               </a:rPr>
-              <a:t>7</a:t>
+              <a:t>8</a:t>
             </a:r>
             <a:r>
               <a:rPr lang="ja-JP" altLang="en-US" sz="1400">
@@ -20745,7 +20577,7 @@
                 <a:latin typeface="Arial" panose="020B0604020202020204" pitchFamily="34" charset="0"/>
                 <a:cs typeface="Arial" panose="020B0604020202020204" pitchFamily="34" charset="0"/>
               </a:rPr>
-              <a:t>Jul 2023</a:t>
+              <a:t>Aug 2023</a:t>
             </a:r>
             <a:endParaRPr lang="ja-JP" altLang="en-US" sz="2400" b="1">
               <a:solidFill>
@@ -20757,6 +20589,424 @@
           </a:p>
         </p:txBody>
       </p:sp>
+      <p:sp>
+        <p:nvSpPr>
+          <p:cNvPr id="3" name="テキスト ボックス 2">
+            <a:extLst>
+              <a:ext uri="{FF2B5EF4-FFF2-40B4-BE49-F238E27FC236}">
+                <a16:creationId xmlns:a16="http://schemas.microsoft.com/office/drawing/2014/main" id="{B9E243A2-BD2E-4423-B7E2-D77BBF1CBCE5}"/>
+              </a:ext>
+            </a:extLst>
+          </p:cNvPr>
+          <p:cNvSpPr txBox="1"/>
+          <p:nvPr/>
+        </p:nvSpPr>
+        <p:spPr>
+          <a:xfrm>
+            <a:off x="6822115" y="4136032"/>
+            <a:ext cx="351378" cy="292388"/>
+          </a:xfrm>
+          <a:prstGeom prst="rect">
+            <a:avLst/>
+          </a:prstGeom>
+          <a:noFill/>
+          <a:effectLst>
+            <a:outerShdw blurRad="50800" dist="38100" dir="2700000" algn="tl" rotWithShape="0">
+              <a:prstClr val="black">
+                <a:alpha val="40000"/>
+              </a:prstClr>
+            </a:outerShdw>
+          </a:effectLst>
+        </p:spPr>
+        <p:txBody>
+          <a:bodyPr wrap="none" rtlCol="0">
+            <a:spAutoFit/>
+          </a:bodyPr>
+          <a:lstStyle/>
+          <a:p>
+            <a:r>
+              <a:rPr lang="en" altLang="ja-JP" sz="1300" dirty="0">
+                <a:solidFill>
+                  <a:srgbClr val="F8B62B"/>
+                </a:solidFill>
+                <a:latin typeface="Arial" panose="020B0604020202020204" pitchFamily="34" charset="0"/>
+                <a:cs typeface="Arial" panose="020B0604020202020204" pitchFamily="34" charset="0"/>
+              </a:rPr>
+              <a:t>★</a:t>
+            </a:r>
+            <a:endParaRPr kumimoji="1" lang="ja-JP" altLang="en-US" sz="1300">
+              <a:solidFill>
+                <a:srgbClr val="F8B62B"/>
+              </a:solidFill>
+              <a:latin typeface="Arial" panose="020B0604020202020204" pitchFamily="34" charset="0"/>
+              <a:cs typeface="Arial" panose="020B0604020202020204" pitchFamily="34" charset="0"/>
+            </a:endParaRPr>
+          </a:p>
+        </p:txBody>
+      </p:sp>
+      <p:sp>
+        <p:nvSpPr>
+          <p:cNvPr id="6" name="テキスト ボックス 5">
+            <a:extLst>
+              <a:ext uri="{FF2B5EF4-FFF2-40B4-BE49-F238E27FC236}">
+                <a16:creationId xmlns:a16="http://schemas.microsoft.com/office/drawing/2014/main" id="{615E417E-BEB1-FD27-52D9-EEA9633DE07D}"/>
+              </a:ext>
+            </a:extLst>
+          </p:cNvPr>
+          <p:cNvSpPr txBox="1"/>
+          <p:nvPr/>
+        </p:nvSpPr>
+        <p:spPr>
+          <a:xfrm>
+            <a:off x="7288312" y="4726082"/>
+            <a:ext cx="518091" cy="292388"/>
+          </a:xfrm>
+          <a:prstGeom prst="rect">
+            <a:avLst/>
+          </a:prstGeom>
+          <a:noFill/>
+        </p:spPr>
+        <p:txBody>
+          <a:bodyPr wrap="none" rtlCol="0">
+            <a:spAutoFit/>
+          </a:bodyPr>
+          <a:lstStyle/>
+          <a:p>
+            <a:r>
+              <a:rPr lang="ja-JP" altLang="en-US" sz="1300">
+                <a:solidFill>
+                  <a:schemeClr val="bg1"/>
+                </a:solidFill>
+                <a:latin typeface="Arial" panose="020B0604020202020204" pitchFamily="34" charset="0"/>
+                <a:cs typeface="Arial" panose="020B0604020202020204" pitchFamily="34" charset="0"/>
+              </a:rPr>
+              <a:t>横浜</a:t>
+            </a:r>
+          </a:p>
+        </p:txBody>
+      </p:sp>
+      <p:cxnSp>
+        <p:nvCxnSpPr>
+          <p:cNvPr id="7" name="直線コネクタ 6">
+            <a:extLst>
+              <a:ext uri="{FF2B5EF4-FFF2-40B4-BE49-F238E27FC236}">
+                <a16:creationId xmlns:a16="http://schemas.microsoft.com/office/drawing/2014/main" id="{41290BB8-BAE1-0BCA-F7DF-03F24D736529}"/>
+              </a:ext>
+            </a:extLst>
+          </p:cNvPr>
+          <p:cNvCxnSpPr>
+            <a:cxnSpLocks/>
+          </p:cNvCxnSpPr>
+          <p:nvPr/>
+        </p:nvCxnSpPr>
+        <p:spPr>
+          <a:xfrm>
+            <a:off x="7242149" y="4251744"/>
+            <a:ext cx="127145" cy="519829"/>
+          </a:xfrm>
+          <a:prstGeom prst="line">
+            <a:avLst/>
+          </a:prstGeom>
+          <a:ln w="12700">
+            <a:solidFill>
+              <a:schemeClr val="bg1"/>
+            </a:solidFill>
+          </a:ln>
+        </p:spPr>
+        <p:style>
+          <a:lnRef idx="1">
+            <a:schemeClr val="accent1"/>
+          </a:lnRef>
+          <a:fillRef idx="0">
+            <a:schemeClr val="accent1"/>
+          </a:fillRef>
+          <a:effectRef idx="0">
+            <a:schemeClr val="accent1"/>
+          </a:effectRef>
+          <a:fontRef idx="minor">
+            <a:schemeClr val="tx1"/>
+          </a:fontRef>
+        </p:style>
+      </p:cxnSp>
+      <p:sp>
+        <p:nvSpPr>
+          <p:cNvPr id="17" name="テキスト ボックス 16">
+            <a:extLst>
+              <a:ext uri="{FF2B5EF4-FFF2-40B4-BE49-F238E27FC236}">
+                <a16:creationId xmlns:a16="http://schemas.microsoft.com/office/drawing/2014/main" id="{6E3BFF6F-3D4F-DB61-67EC-711AD4814128}"/>
+              </a:ext>
+            </a:extLst>
+          </p:cNvPr>
+          <p:cNvSpPr txBox="1"/>
+          <p:nvPr/>
+        </p:nvSpPr>
+        <p:spPr>
+          <a:xfrm>
+            <a:off x="7205102" y="5151989"/>
+            <a:ext cx="518091" cy="292388"/>
+          </a:xfrm>
+          <a:prstGeom prst="rect">
+            <a:avLst/>
+          </a:prstGeom>
+          <a:noFill/>
+        </p:spPr>
+        <p:txBody>
+          <a:bodyPr wrap="none" rtlCol="0">
+            <a:spAutoFit/>
+          </a:bodyPr>
+          <a:lstStyle/>
+          <a:p>
+            <a:r>
+              <a:rPr lang="ja-JP" altLang="en-US" sz="1300" dirty="0">
+                <a:solidFill>
+                  <a:schemeClr val="bg1"/>
+                </a:solidFill>
+                <a:latin typeface="Meiryo UI" panose="020B0604030504040204" pitchFamily="34" charset="-128"/>
+                <a:ea typeface="Meiryo UI" panose="020B0604030504040204" pitchFamily="34" charset="-128"/>
+                <a:cs typeface="Arial" panose="020B0604020202020204" pitchFamily="34" charset="0"/>
+              </a:rPr>
+              <a:t>岩田</a:t>
+            </a:r>
+            <a:endParaRPr lang="ja-JP" altLang="en-US" sz="1300">
+              <a:solidFill>
+                <a:schemeClr val="bg1"/>
+              </a:solidFill>
+              <a:latin typeface="Meiryo UI" panose="020B0604030504040204" pitchFamily="34" charset="-128"/>
+              <a:ea typeface="Meiryo UI" panose="020B0604030504040204" pitchFamily="34" charset="-128"/>
+              <a:cs typeface="Arial" panose="020B0604020202020204" pitchFamily="34" charset="0"/>
+            </a:endParaRPr>
+          </a:p>
+        </p:txBody>
+      </p:sp>
+      <p:sp>
+        <p:nvSpPr>
+          <p:cNvPr id="18" name="テキスト ボックス 17">
+            <a:extLst>
+              <a:ext uri="{FF2B5EF4-FFF2-40B4-BE49-F238E27FC236}">
+                <a16:creationId xmlns:a16="http://schemas.microsoft.com/office/drawing/2014/main" id="{17AA3F7F-CC81-565F-783D-1F2C540603CD}"/>
+              </a:ext>
+            </a:extLst>
+          </p:cNvPr>
+          <p:cNvSpPr txBox="1"/>
+          <p:nvPr/>
+        </p:nvSpPr>
+        <p:spPr>
+          <a:xfrm>
+            <a:off x="7060674" y="5372652"/>
+            <a:ext cx="518091" cy="292388"/>
+          </a:xfrm>
+          <a:prstGeom prst="rect">
+            <a:avLst/>
+          </a:prstGeom>
+          <a:noFill/>
+        </p:spPr>
+        <p:txBody>
+          <a:bodyPr wrap="none" rtlCol="0">
+            <a:spAutoFit/>
+          </a:bodyPr>
+          <a:lstStyle/>
+          <a:p>
+            <a:r>
+              <a:rPr lang="ja-JP" altLang="en-US" sz="1300" dirty="0">
+                <a:solidFill>
+                  <a:schemeClr val="bg1"/>
+                </a:solidFill>
+                <a:latin typeface="Meiryo UI" panose="020B0604030504040204" pitchFamily="34" charset="-128"/>
+                <a:ea typeface="Meiryo UI" panose="020B0604030504040204" pitchFamily="34" charset="-128"/>
+                <a:cs typeface="Arial" panose="020B0604020202020204" pitchFamily="34" charset="0"/>
+              </a:rPr>
+              <a:t>浜松</a:t>
+            </a:r>
+            <a:endParaRPr lang="ja-JP" altLang="en-US" sz="1300">
+              <a:solidFill>
+                <a:schemeClr val="bg1"/>
+              </a:solidFill>
+              <a:latin typeface="Meiryo UI" panose="020B0604030504040204" pitchFamily="34" charset="-128"/>
+              <a:ea typeface="Meiryo UI" panose="020B0604030504040204" pitchFamily="34" charset="-128"/>
+              <a:cs typeface="Arial" panose="020B0604020202020204" pitchFamily="34" charset="0"/>
+            </a:endParaRPr>
+          </a:p>
+        </p:txBody>
+      </p:sp>
+      <p:cxnSp>
+        <p:nvCxnSpPr>
+          <p:cNvPr id="19" name="直線コネクタ 18">
+            <a:extLst>
+              <a:ext uri="{FF2B5EF4-FFF2-40B4-BE49-F238E27FC236}">
+                <a16:creationId xmlns:a16="http://schemas.microsoft.com/office/drawing/2014/main" id="{91706492-5BE3-89D5-4049-927D92080C0A}"/>
+              </a:ext>
+            </a:extLst>
+          </p:cNvPr>
+          <p:cNvCxnSpPr>
+            <a:cxnSpLocks/>
+          </p:cNvCxnSpPr>
+          <p:nvPr/>
+        </p:nvCxnSpPr>
+        <p:spPr>
+          <a:xfrm>
+            <a:off x="6733235" y="4467117"/>
+            <a:ext cx="524801" cy="818609"/>
+          </a:xfrm>
+          <a:prstGeom prst="line">
+            <a:avLst/>
+          </a:prstGeom>
+          <a:ln w="12700">
+            <a:solidFill>
+              <a:schemeClr val="bg1"/>
+            </a:solidFill>
+          </a:ln>
+        </p:spPr>
+        <p:style>
+          <a:lnRef idx="1">
+            <a:schemeClr val="accent1"/>
+          </a:lnRef>
+          <a:fillRef idx="0">
+            <a:schemeClr val="accent1"/>
+          </a:fillRef>
+          <a:effectRef idx="0">
+            <a:schemeClr val="accent1"/>
+          </a:effectRef>
+          <a:fontRef idx="minor">
+            <a:schemeClr val="tx1"/>
+          </a:fontRef>
+        </p:style>
+      </p:cxnSp>
+      <p:cxnSp>
+        <p:nvCxnSpPr>
+          <p:cNvPr id="20" name="直線コネクタ 19">
+            <a:extLst>
+              <a:ext uri="{FF2B5EF4-FFF2-40B4-BE49-F238E27FC236}">
+                <a16:creationId xmlns:a16="http://schemas.microsoft.com/office/drawing/2014/main" id="{B64EA66E-5904-916C-FEAB-BDF40E283306}"/>
+              </a:ext>
+            </a:extLst>
+          </p:cNvPr>
+          <p:cNvCxnSpPr>
+            <a:cxnSpLocks/>
+          </p:cNvCxnSpPr>
+          <p:nvPr/>
+        </p:nvCxnSpPr>
+        <p:spPr>
+          <a:xfrm>
+            <a:off x="6599043" y="4532009"/>
+            <a:ext cx="557712" cy="898197"/>
+          </a:xfrm>
+          <a:prstGeom prst="line">
+            <a:avLst/>
+          </a:prstGeom>
+          <a:ln w="12700">
+            <a:solidFill>
+              <a:schemeClr val="bg1"/>
+            </a:solidFill>
+          </a:ln>
+        </p:spPr>
+        <p:style>
+          <a:lnRef idx="1">
+            <a:schemeClr val="accent1"/>
+          </a:lnRef>
+          <a:fillRef idx="0">
+            <a:schemeClr val="accent1"/>
+          </a:fillRef>
+          <a:effectRef idx="0">
+            <a:schemeClr val="accent1"/>
+          </a:effectRef>
+          <a:fontRef idx="minor">
+            <a:schemeClr val="tx1"/>
+          </a:fontRef>
+        </p:style>
+      </p:cxnSp>
+      <p:sp>
+        <p:nvSpPr>
+          <p:cNvPr id="21" name="テキスト ボックス 20">
+            <a:extLst>
+              <a:ext uri="{FF2B5EF4-FFF2-40B4-BE49-F238E27FC236}">
+                <a16:creationId xmlns:a16="http://schemas.microsoft.com/office/drawing/2014/main" id="{F76469A4-BC1C-1FF3-495D-0260E8EEF085}"/>
+              </a:ext>
+            </a:extLst>
+          </p:cNvPr>
+          <p:cNvSpPr txBox="1"/>
+          <p:nvPr/>
+        </p:nvSpPr>
+        <p:spPr>
+          <a:xfrm>
+            <a:off x="7219287" y="4947666"/>
+            <a:ext cx="518091" cy="292388"/>
+          </a:xfrm>
+          <a:prstGeom prst="rect">
+            <a:avLst/>
+          </a:prstGeom>
+          <a:noFill/>
+        </p:spPr>
+        <p:txBody>
+          <a:bodyPr wrap="none" rtlCol="0">
+            <a:spAutoFit/>
+          </a:bodyPr>
+          <a:lstStyle/>
+          <a:p>
+            <a:r>
+              <a:rPr lang="ja-JP" altLang="en-US" sz="1300" dirty="0">
+                <a:solidFill>
+                  <a:schemeClr val="bg1"/>
+                </a:solidFill>
+                <a:latin typeface="Meiryo UI" panose="020B0604030504040204" pitchFamily="34" charset="-128"/>
+                <a:ea typeface="Meiryo UI" panose="020B0604030504040204" pitchFamily="34" charset="-128"/>
+                <a:cs typeface="Arial" panose="020B0604020202020204" pitchFamily="34" charset="0"/>
+              </a:rPr>
+              <a:t>静岡</a:t>
+            </a:r>
+            <a:endParaRPr lang="ja-JP" altLang="en-US" sz="1300">
+              <a:solidFill>
+                <a:schemeClr val="bg1"/>
+              </a:solidFill>
+              <a:latin typeface="Meiryo UI" panose="020B0604030504040204" pitchFamily="34" charset="-128"/>
+              <a:ea typeface="Meiryo UI" panose="020B0604030504040204" pitchFamily="34" charset="-128"/>
+              <a:cs typeface="Arial" panose="020B0604020202020204" pitchFamily="34" charset="0"/>
+            </a:endParaRPr>
+          </a:p>
+        </p:txBody>
+      </p:sp>
+      <p:cxnSp>
+        <p:nvCxnSpPr>
+          <p:cNvPr id="22" name="直線コネクタ 21">
+            <a:extLst>
+              <a:ext uri="{FF2B5EF4-FFF2-40B4-BE49-F238E27FC236}">
+                <a16:creationId xmlns:a16="http://schemas.microsoft.com/office/drawing/2014/main" id="{DE724D77-76C3-3AB8-7CCC-6C5A6A4296C8}"/>
+              </a:ext>
+            </a:extLst>
+          </p:cNvPr>
+          <p:cNvCxnSpPr>
+            <a:cxnSpLocks/>
+          </p:cNvCxnSpPr>
+          <p:nvPr/>
+        </p:nvCxnSpPr>
+        <p:spPr>
+          <a:xfrm>
+            <a:off x="6997804" y="4341348"/>
+            <a:ext cx="287416" cy="627891"/>
+          </a:xfrm>
+          <a:prstGeom prst="line">
+            <a:avLst/>
+          </a:prstGeom>
+          <a:ln w="12700">
+            <a:solidFill>
+              <a:schemeClr val="bg1"/>
+            </a:solidFill>
+          </a:ln>
+        </p:spPr>
+        <p:style>
+          <a:lnRef idx="1">
+            <a:schemeClr val="accent1"/>
+          </a:lnRef>
+          <a:fillRef idx="0">
+            <a:schemeClr val="accent1"/>
+          </a:fillRef>
+          <a:effectRef idx="0">
+            <a:schemeClr val="accent1"/>
+          </a:effectRef>
+          <a:fontRef idx="minor">
+            <a:schemeClr val="tx1"/>
+          </a:fontRef>
+        </p:style>
+      </p:cxnSp>
     </p:spTree>
     <p:extLst>
       <p:ext uri="{BB962C8B-B14F-4D97-AF65-F5344CB8AC3E}">
@@ -21486,58 +21736,6 @@
         </p:sp>
         <p:sp>
           <p:nvSpPr>
-            <p:cNvPr id="17" name="テキスト ボックス 16">
-              <a:extLst>
-                <a:ext uri="{FF2B5EF4-FFF2-40B4-BE49-F238E27FC236}">
-                  <a16:creationId xmlns:a16="http://schemas.microsoft.com/office/drawing/2014/main" id="{4B0CF17D-B75F-67E5-B50B-58F9F9A9FDFD}"/>
-                </a:ext>
-              </a:extLst>
-            </p:cNvPr>
-            <p:cNvSpPr txBox="1"/>
-            <p:nvPr/>
-          </p:nvSpPr>
-          <p:spPr>
-            <a:xfrm>
-              <a:off x="7157477" y="4726082"/>
-              <a:ext cx="967637" cy="292388"/>
-            </a:xfrm>
-            <a:prstGeom prst="rect">
-              <a:avLst/>
-            </a:prstGeom>
-            <a:noFill/>
-          </p:spPr>
-          <p:txBody>
-            <a:bodyPr wrap="none" rtlCol="0">
-              <a:spAutoFit/>
-            </a:bodyPr>
-            <a:lstStyle/>
-            <a:p>
-              <a:r>
-                <a:rPr lang="en" altLang="ja-JP" sz="1300" dirty="0">
-                  <a:solidFill>
-                    <a:schemeClr val="bg2">
-                      <a:lumMod val="10000"/>
-                    </a:schemeClr>
-                  </a:solidFill>
-                  <a:latin typeface="Arial" panose="020B0604020202020204" pitchFamily="34" charset="0"/>
-                  <a:cs typeface="Arial" panose="020B0604020202020204" pitchFamily="34" charset="0"/>
-                </a:rPr>
-                <a:t>Yokohama</a:t>
-              </a:r>
-              <a:endParaRPr kumimoji="1" lang="ja-JP" altLang="en-US" sz="1300">
-                <a:solidFill>
-                  <a:schemeClr val="bg2">
-                    <a:lumMod val="10000"/>
-                  </a:schemeClr>
-                </a:solidFill>
-                <a:latin typeface="Arial" panose="020B0604020202020204" pitchFamily="34" charset="0"/>
-                <a:cs typeface="Arial" panose="020B0604020202020204" pitchFamily="34" charset="0"/>
-              </a:endParaRPr>
-            </a:p>
-          </p:txBody>
-        </p:sp>
-        <p:sp>
-          <p:nvSpPr>
             <p:cNvPr id="18" name="テキスト ボックス 17">
               <a:extLst>
                 <a:ext uri="{FF2B5EF4-FFF2-40B4-BE49-F238E27FC236}">
@@ -21550,7 +21748,7 @@
           </p:nvSpPr>
           <p:spPr>
             <a:xfrm>
-              <a:off x="7151556" y="5018470"/>
+              <a:off x="7207972" y="5151033"/>
               <a:ext cx="583814" cy="292388"/>
             </a:xfrm>
             <a:prstGeom prst="rect">
@@ -21602,7 +21800,7 @@
           </p:nvSpPr>
           <p:spPr>
             <a:xfrm>
-              <a:off x="7004484" y="5277557"/>
+              <a:off x="7063544" y="5371696"/>
               <a:ext cx="1085554" cy="292388"/>
             </a:xfrm>
             <a:prstGeom prst="rect">
@@ -23545,51 +23743,6 @@
             </a:p>
           </p:txBody>
         </p:sp>
-        <p:cxnSp>
-          <p:nvCxnSpPr>
-            <p:cNvPr id="75" name="直線コネクタ 74">
-              <a:extLst>
-                <a:ext uri="{FF2B5EF4-FFF2-40B4-BE49-F238E27FC236}">
-                  <a16:creationId xmlns:a16="http://schemas.microsoft.com/office/drawing/2014/main" id="{E5A1BD30-7BE5-495A-75CC-C793C9DDEBD4}"/>
-                </a:ext>
-              </a:extLst>
-            </p:cNvPr>
-            <p:cNvCxnSpPr>
-              <a:cxnSpLocks/>
-            </p:cNvCxnSpPr>
-            <p:nvPr/>
-          </p:nvCxnSpPr>
-          <p:spPr>
-            <a:xfrm>
-              <a:off x="7242149" y="4251744"/>
-              <a:ext cx="22167" cy="525094"/>
-            </a:xfrm>
-            <a:prstGeom prst="line">
-              <a:avLst/>
-            </a:prstGeom>
-            <a:ln w="12700">
-              <a:solidFill>
-                <a:schemeClr val="bg2">
-                  <a:lumMod val="10000"/>
-                </a:schemeClr>
-              </a:solidFill>
-            </a:ln>
-          </p:spPr>
-          <p:style>
-            <a:lnRef idx="1">
-              <a:schemeClr val="accent1"/>
-            </a:lnRef>
-            <a:fillRef idx="0">
-              <a:schemeClr val="accent1"/>
-            </a:fillRef>
-            <a:effectRef idx="0">
-              <a:schemeClr val="accent1"/>
-            </a:effectRef>
-            <a:fontRef idx="minor">
-              <a:schemeClr val="tx1"/>
-            </a:fontRef>
-          </p:style>
-        </p:cxnSp>
         <p:cxnSp>
           <p:nvCxnSpPr>
             <p:cNvPr id="77" name="直線コネクタ 76">
@@ -23852,7 +24005,7 @@
           <p:spPr>
             <a:xfrm>
               <a:off x="6736105" y="4466161"/>
-              <a:ext cx="452403" cy="698503"/>
+              <a:ext cx="524801" cy="818609"/>
             </a:xfrm>
             <a:prstGeom prst="line">
               <a:avLst/>
@@ -23897,7 +24050,7 @@
           <p:spPr>
             <a:xfrm>
               <a:off x="6601913" y="4531053"/>
-              <a:ext cx="481803" cy="795096"/>
+              <a:ext cx="557712" cy="898197"/>
             </a:xfrm>
             <a:prstGeom prst="line">
               <a:avLst/>
@@ -26719,7 +26872,7 @@
                 <a:latin typeface="Arial" panose="020B0604020202020204" pitchFamily="34" charset="0"/>
                 <a:cs typeface="Arial" panose="020B0604020202020204" pitchFamily="34" charset="0"/>
               </a:rPr>
-              <a:t>Jul 2023</a:t>
+              <a:t>Aug 2023</a:t>
             </a:r>
             <a:endParaRPr lang="ja-JP" altLang="en-US" sz="2400" b="1">
               <a:solidFill>
@@ -27307,6 +27460,255 @@
           </a:p>
         </p:txBody>
       </p:sp>
+      <p:sp>
+        <p:nvSpPr>
+          <p:cNvPr id="25" name="テキスト ボックス 24">
+            <a:extLst>
+              <a:ext uri="{FF2B5EF4-FFF2-40B4-BE49-F238E27FC236}">
+                <a16:creationId xmlns:a16="http://schemas.microsoft.com/office/drawing/2014/main" id="{3AD91EC2-2C14-0427-B542-025A7ADC4D3A}"/>
+              </a:ext>
+            </a:extLst>
+          </p:cNvPr>
+          <p:cNvSpPr txBox="1"/>
+          <p:nvPr/>
+        </p:nvSpPr>
+        <p:spPr>
+          <a:xfrm>
+            <a:off x="7288312" y="4726082"/>
+            <a:ext cx="967637" cy="292388"/>
+          </a:xfrm>
+          <a:prstGeom prst="rect">
+            <a:avLst/>
+          </a:prstGeom>
+          <a:noFill/>
+        </p:spPr>
+        <p:txBody>
+          <a:bodyPr wrap="none" rtlCol="0">
+            <a:spAutoFit/>
+          </a:bodyPr>
+          <a:lstStyle/>
+          <a:p>
+            <a:r>
+              <a:rPr lang="en" altLang="ja-JP" sz="1300" dirty="0">
+                <a:solidFill>
+                  <a:schemeClr val="bg2">
+                    <a:lumMod val="10000"/>
+                  </a:schemeClr>
+                </a:solidFill>
+                <a:latin typeface="Arial" panose="020B0604020202020204" pitchFamily="34" charset="0"/>
+                <a:cs typeface="Arial" panose="020B0604020202020204" pitchFamily="34" charset="0"/>
+              </a:rPr>
+              <a:t>Yokohama</a:t>
+            </a:r>
+            <a:endParaRPr kumimoji="1" lang="ja-JP" altLang="en-US" sz="1300">
+              <a:solidFill>
+                <a:schemeClr val="bg2">
+                  <a:lumMod val="10000"/>
+                </a:schemeClr>
+              </a:solidFill>
+              <a:latin typeface="Arial" panose="020B0604020202020204" pitchFamily="34" charset="0"/>
+              <a:cs typeface="Arial" panose="020B0604020202020204" pitchFamily="34" charset="0"/>
+            </a:endParaRPr>
+          </a:p>
+        </p:txBody>
+      </p:sp>
+      <p:cxnSp>
+        <p:nvCxnSpPr>
+          <p:cNvPr id="27" name="直線コネクタ 26">
+            <a:extLst>
+              <a:ext uri="{FF2B5EF4-FFF2-40B4-BE49-F238E27FC236}">
+                <a16:creationId xmlns:a16="http://schemas.microsoft.com/office/drawing/2014/main" id="{C514FC5E-D4A3-BD63-8B8F-353145323B2C}"/>
+              </a:ext>
+            </a:extLst>
+          </p:cNvPr>
+          <p:cNvCxnSpPr>
+            <a:cxnSpLocks/>
+          </p:cNvCxnSpPr>
+          <p:nvPr/>
+        </p:nvCxnSpPr>
+        <p:spPr>
+          <a:xfrm>
+            <a:off x="7242149" y="4251744"/>
+            <a:ext cx="127145" cy="519829"/>
+          </a:xfrm>
+          <a:prstGeom prst="line">
+            <a:avLst/>
+          </a:prstGeom>
+          <a:ln w="12700">
+            <a:solidFill>
+              <a:schemeClr val="bg2">
+                <a:lumMod val="10000"/>
+              </a:schemeClr>
+            </a:solidFill>
+          </a:ln>
+        </p:spPr>
+        <p:style>
+          <a:lnRef idx="1">
+            <a:schemeClr val="accent1"/>
+          </a:lnRef>
+          <a:fillRef idx="0">
+            <a:schemeClr val="accent1"/>
+          </a:fillRef>
+          <a:effectRef idx="0">
+            <a:schemeClr val="accent1"/>
+          </a:effectRef>
+          <a:fontRef idx="minor">
+            <a:schemeClr val="tx1"/>
+          </a:fontRef>
+        </p:style>
+      </p:cxnSp>
+      <p:sp>
+        <p:nvSpPr>
+          <p:cNvPr id="35" name="テキスト ボックス 34">
+            <a:extLst>
+              <a:ext uri="{FF2B5EF4-FFF2-40B4-BE49-F238E27FC236}">
+                <a16:creationId xmlns:a16="http://schemas.microsoft.com/office/drawing/2014/main" id="{B99F6C75-D5C9-BBAA-8792-B8EC9B308A83}"/>
+              </a:ext>
+            </a:extLst>
+          </p:cNvPr>
+          <p:cNvSpPr txBox="1"/>
+          <p:nvPr/>
+        </p:nvSpPr>
+        <p:spPr>
+          <a:xfrm>
+            <a:off x="7219287" y="4947666"/>
+            <a:ext cx="870751" cy="292388"/>
+          </a:xfrm>
+          <a:prstGeom prst="rect">
+            <a:avLst/>
+          </a:prstGeom>
+          <a:noFill/>
+        </p:spPr>
+        <p:txBody>
+          <a:bodyPr wrap="none" rtlCol="0">
+            <a:spAutoFit/>
+          </a:bodyPr>
+          <a:lstStyle/>
+          <a:p>
+            <a:r>
+              <a:rPr lang="en" altLang="ja-JP" sz="1300" dirty="0">
+                <a:solidFill>
+                  <a:schemeClr val="bg2">
+                    <a:lumMod val="10000"/>
+                  </a:schemeClr>
+                </a:solidFill>
+                <a:latin typeface="Arial" panose="020B0604020202020204" pitchFamily="34" charset="0"/>
+                <a:cs typeface="Arial" panose="020B0604020202020204" pitchFamily="34" charset="0"/>
+              </a:rPr>
+              <a:t>Shizuoka</a:t>
+            </a:r>
+            <a:endParaRPr kumimoji="1" lang="ja-JP" altLang="en-US" sz="1300">
+              <a:solidFill>
+                <a:schemeClr val="bg2">
+                  <a:lumMod val="10000"/>
+                </a:schemeClr>
+              </a:solidFill>
+              <a:latin typeface="Arial" panose="020B0604020202020204" pitchFamily="34" charset="0"/>
+              <a:cs typeface="Arial" panose="020B0604020202020204" pitchFamily="34" charset="0"/>
+            </a:endParaRPr>
+          </a:p>
+        </p:txBody>
+      </p:sp>
+      <p:sp>
+        <p:nvSpPr>
+          <p:cNvPr id="54" name="テキスト ボックス 53">
+            <a:extLst>
+              <a:ext uri="{FF2B5EF4-FFF2-40B4-BE49-F238E27FC236}">
+                <a16:creationId xmlns:a16="http://schemas.microsoft.com/office/drawing/2014/main" id="{A54A00A6-C362-8651-EEC9-52914C66B65D}"/>
+              </a:ext>
+            </a:extLst>
+          </p:cNvPr>
+          <p:cNvSpPr txBox="1"/>
+          <p:nvPr/>
+        </p:nvSpPr>
+        <p:spPr>
+          <a:xfrm>
+            <a:off x="6822115" y="4136032"/>
+            <a:ext cx="351378" cy="292388"/>
+          </a:xfrm>
+          <a:prstGeom prst="rect">
+            <a:avLst/>
+          </a:prstGeom>
+          <a:noFill/>
+          <a:effectLst>
+            <a:outerShdw blurRad="50800" dist="38100" dir="2700000" algn="tl" rotWithShape="0">
+              <a:prstClr val="black">
+                <a:alpha val="40000"/>
+              </a:prstClr>
+            </a:outerShdw>
+          </a:effectLst>
+        </p:spPr>
+        <p:txBody>
+          <a:bodyPr wrap="none" rtlCol="0">
+            <a:spAutoFit/>
+          </a:bodyPr>
+          <a:lstStyle/>
+          <a:p>
+            <a:r>
+              <a:rPr lang="en" altLang="ja-JP" sz="1300" dirty="0">
+                <a:solidFill>
+                  <a:srgbClr val="F8B62B"/>
+                </a:solidFill>
+                <a:latin typeface="Arial" panose="020B0604020202020204" pitchFamily="34" charset="0"/>
+                <a:cs typeface="Arial" panose="020B0604020202020204" pitchFamily="34" charset="0"/>
+              </a:rPr>
+              <a:t>★</a:t>
+            </a:r>
+            <a:endParaRPr kumimoji="1" lang="ja-JP" altLang="en-US" sz="1300">
+              <a:solidFill>
+                <a:srgbClr val="F8B62B"/>
+              </a:solidFill>
+              <a:latin typeface="Arial" panose="020B0604020202020204" pitchFamily="34" charset="0"/>
+              <a:cs typeface="Arial" panose="020B0604020202020204" pitchFamily="34" charset="0"/>
+            </a:endParaRPr>
+          </a:p>
+        </p:txBody>
+      </p:sp>
+      <p:cxnSp>
+        <p:nvCxnSpPr>
+          <p:cNvPr id="66" name="直線コネクタ 65">
+            <a:extLst>
+              <a:ext uri="{FF2B5EF4-FFF2-40B4-BE49-F238E27FC236}">
+                <a16:creationId xmlns:a16="http://schemas.microsoft.com/office/drawing/2014/main" id="{7F1E8B34-BF8F-05D1-6D33-381AE2C90AFD}"/>
+              </a:ext>
+            </a:extLst>
+          </p:cNvPr>
+          <p:cNvCxnSpPr>
+            <a:cxnSpLocks/>
+          </p:cNvCxnSpPr>
+          <p:nvPr/>
+        </p:nvCxnSpPr>
+        <p:spPr>
+          <a:xfrm>
+            <a:off x="6997804" y="4341348"/>
+            <a:ext cx="287416" cy="627891"/>
+          </a:xfrm>
+          <a:prstGeom prst="line">
+            <a:avLst/>
+          </a:prstGeom>
+          <a:ln w="12700">
+            <a:solidFill>
+              <a:schemeClr val="bg2">
+                <a:lumMod val="10000"/>
+              </a:schemeClr>
+            </a:solidFill>
+          </a:ln>
+        </p:spPr>
+        <p:style>
+          <a:lnRef idx="1">
+            <a:schemeClr val="accent1"/>
+          </a:lnRef>
+          <a:fillRef idx="0">
+            <a:schemeClr val="accent1"/>
+          </a:fillRef>
+          <a:effectRef idx="0">
+            <a:schemeClr val="accent1"/>
+          </a:effectRef>
+          <a:fontRef idx="minor">
+            <a:schemeClr val="tx1"/>
+          </a:fontRef>
+        </p:style>
+      </p:cxnSp>
     </p:spTree>
     <p:extLst>
       <p:ext uri="{BB962C8B-B14F-4D97-AF65-F5344CB8AC3E}">
@@ -28137,7 +28539,7 @@
           </p:nvSpPr>
           <p:spPr>
             <a:xfrm>
-              <a:off x="7157477" y="4726082"/>
+              <a:off x="7238996" y="4726082"/>
               <a:ext cx="967637" cy="292388"/>
             </a:xfrm>
             <a:prstGeom prst="rect">
@@ -28160,102 +28562,6 @@
                   <a:cs typeface="Arial" panose="020B0604020202020204" pitchFamily="34" charset="0"/>
                 </a:rPr>
                 <a:t>Yokohama</a:t>
-              </a:r>
-              <a:endParaRPr kumimoji="1" lang="ja-JP" altLang="en-US" sz="1300">
-                <a:solidFill>
-                  <a:schemeClr val="bg1"/>
-                </a:solidFill>
-                <a:latin typeface="Arial" panose="020B0604020202020204" pitchFamily="34" charset="0"/>
-                <a:cs typeface="Arial" panose="020B0604020202020204" pitchFamily="34" charset="0"/>
-              </a:endParaRPr>
-            </a:p>
-          </p:txBody>
-        </p:sp>
-        <p:sp>
-          <p:nvSpPr>
-            <p:cNvPr id="18" name="テキスト ボックス 17">
-              <a:extLst>
-                <a:ext uri="{FF2B5EF4-FFF2-40B4-BE49-F238E27FC236}">
-                  <a16:creationId xmlns:a16="http://schemas.microsoft.com/office/drawing/2014/main" id="{BE5DEAB5-F181-C231-7D32-B86F468AA964}"/>
-                </a:ext>
-              </a:extLst>
-            </p:cNvPr>
-            <p:cNvSpPr txBox="1"/>
-            <p:nvPr/>
-          </p:nvSpPr>
-          <p:spPr>
-            <a:xfrm>
-              <a:off x="7151556" y="5018470"/>
-              <a:ext cx="583814" cy="292388"/>
-            </a:xfrm>
-            <a:prstGeom prst="rect">
-              <a:avLst/>
-            </a:prstGeom>
-            <a:noFill/>
-          </p:spPr>
-          <p:txBody>
-            <a:bodyPr wrap="none" rtlCol="0">
-              <a:spAutoFit/>
-            </a:bodyPr>
-            <a:lstStyle/>
-            <a:p>
-              <a:r>
-                <a:rPr lang="en" altLang="ja-JP" sz="1300" dirty="0">
-                  <a:solidFill>
-                    <a:schemeClr val="bg1"/>
-                  </a:solidFill>
-                  <a:latin typeface="Arial" panose="020B0604020202020204" pitchFamily="34" charset="0"/>
-                  <a:cs typeface="Arial" panose="020B0604020202020204" pitchFamily="34" charset="0"/>
-                </a:rPr>
-                <a:t>Iwata</a:t>
-              </a:r>
-              <a:endParaRPr kumimoji="1" lang="ja-JP" altLang="en-US" sz="1300">
-                <a:solidFill>
-                  <a:schemeClr val="bg1"/>
-                </a:solidFill>
-                <a:latin typeface="Arial" panose="020B0604020202020204" pitchFamily="34" charset="0"/>
-                <a:cs typeface="Arial" panose="020B0604020202020204" pitchFamily="34" charset="0"/>
-              </a:endParaRPr>
-            </a:p>
-          </p:txBody>
-        </p:sp>
-        <p:sp>
-          <p:nvSpPr>
-            <p:cNvPr id="19" name="テキスト ボックス 18">
-              <a:extLst>
-                <a:ext uri="{FF2B5EF4-FFF2-40B4-BE49-F238E27FC236}">
-                  <a16:creationId xmlns:a16="http://schemas.microsoft.com/office/drawing/2014/main" id="{698CDEBE-7A6E-8DB0-A887-51C78E39E283}"/>
-                </a:ext>
-              </a:extLst>
-            </p:cNvPr>
-            <p:cNvSpPr txBox="1"/>
-            <p:nvPr/>
-          </p:nvSpPr>
-          <p:spPr>
-            <a:xfrm>
-              <a:off x="7004484" y="5277557"/>
-              <a:ext cx="1085554" cy="292388"/>
-            </a:xfrm>
-            <a:prstGeom prst="rect">
-              <a:avLst/>
-            </a:prstGeom>
-            <a:noFill/>
-          </p:spPr>
-          <p:txBody>
-            <a:bodyPr wrap="none" rtlCol="0">
-              <a:spAutoFit/>
-            </a:bodyPr>
-            <a:lstStyle/>
-            <a:p>
-              <a:r>
-                <a:rPr lang="en" altLang="ja-JP" sz="1300" dirty="0">
-                  <a:solidFill>
-                    <a:schemeClr val="bg1"/>
-                  </a:solidFill>
-                  <a:latin typeface="Arial" panose="020B0604020202020204" pitchFamily="34" charset="0"/>
-                  <a:cs typeface="Arial" panose="020B0604020202020204" pitchFamily="34" charset="0"/>
-                </a:rPr>
-                <a:t>Hamamatsu</a:t>
               </a:r>
               <a:endParaRPr kumimoji="1" lang="ja-JP" altLang="en-US" sz="1300">
                 <a:solidFill>
@@ -30087,7 +30393,7 @@
           <p:spPr>
             <a:xfrm>
               <a:off x="7242149" y="4251744"/>
-              <a:ext cx="22167" cy="525094"/>
+              <a:ext cx="114171" cy="502542"/>
             </a:xfrm>
             <a:prstGeom prst="line">
               <a:avLst/>
@@ -30352,92 +30658,6 @@
             </a:p>
           </p:txBody>
         </p:sp>
-        <p:cxnSp>
-          <p:nvCxnSpPr>
-            <p:cNvPr id="89" name="直線コネクタ 88">
-              <a:extLst>
-                <a:ext uri="{FF2B5EF4-FFF2-40B4-BE49-F238E27FC236}">
-                  <a16:creationId xmlns:a16="http://schemas.microsoft.com/office/drawing/2014/main" id="{D8BA2699-CF2B-F060-9A25-7E1366DF358F}"/>
-                </a:ext>
-              </a:extLst>
-            </p:cNvPr>
-            <p:cNvCxnSpPr>
-              <a:cxnSpLocks/>
-            </p:cNvCxnSpPr>
-            <p:nvPr/>
-          </p:nvCxnSpPr>
-          <p:spPr>
-            <a:xfrm>
-              <a:off x="6736105" y="4466161"/>
-              <a:ext cx="452403" cy="698503"/>
-            </a:xfrm>
-            <a:prstGeom prst="line">
-              <a:avLst/>
-            </a:prstGeom>
-            <a:ln w="12700">
-              <a:solidFill>
-                <a:schemeClr val="bg1"/>
-              </a:solidFill>
-            </a:ln>
-          </p:spPr>
-          <p:style>
-            <a:lnRef idx="1">
-              <a:schemeClr val="accent1"/>
-            </a:lnRef>
-            <a:fillRef idx="0">
-              <a:schemeClr val="accent1"/>
-            </a:fillRef>
-            <a:effectRef idx="0">
-              <a:schemeClr val="accent1"/>
-            </a:effectRef>
-            <a:fontRef idx="minor">
-              <a:schemeClr val="tx1"/>
-            </a:fontRef>
-          </p:style>
-        </p:cxnSp>
-        <p:cxnSp>
-          <p:nvCxnSpPr>
-            <p:cNvPr id="91" name="直線コネクタ 90">
-              <a:extLst>
-                <a:ext uri="{FF2B5EF4-FFF2-40B4-BE49-F238E27FC236}">
-                  <a16:creationId xmlns:a16="http://schemas.microsoft.com/office/drawing/2014/main" id="{A94BE3FB-3F77-78AC-A75B-24FCC5D2014D}"/>
-                </a:ext>
-              </a:extLst>
-            </p:cNvPr>
-            <p:cNvCxnSpPr>
-              <a:cxnSpLocks/>
-            </p:cNvCxnSpPr>
-            <p:nvPr/>
-          </p:nvCxnSpPr>
-          <p:spPr>
-            <a:xfrm>
-              <a:off x="6601913" y="4531053"/>
-              <a:ext cx="481803" cy="795096"/>
-            </a:xfrm>
-            <a:prstGeom prst="line">
-              <a:avLst/>
-            </a:prstGeom>
-            <a:ln w="12700">
-              <a:solidFill>
-                <a:schemeClr val="bg1"/>
-              </a:solidFill>
-            </a:ln>
-          </p:spPr>
-          <p:style>
-            <a:lnRef idx="1">
-              <a:schemeClr val="accent1"/>
-            </a:lnRef>
-            <a:fillRef idx="0">
-              <a:schemeClr val="accent1"/>
-            </a:fillRef>
-            <a:effectRef idx="0">
-              <a:schemeClr val="accent1"/>
-            </a:effectRef>
-            <a:fontRef idx="minor">
-              <a:schemeClr val="tx1"/>
-            </a:fontRef>
-          </p:style>
-        </p:cxnSp>
         <p:cxnSp>
           <p:nvCxnSpPr>
             <p:cNvPr id="97" name="直線コネクタ 96">
@@ -33020,7 +33240,7 @@
                 <a:latin typeface="Arial" panose="020B0604020202020204" pitchFamily="34" charset="0"/>
                 <a:cs typeface="Arial" panose="020B0604020202020204" pitchFamily="34" charset="0"/>
               </a:rPr>
-              <a:t>Jul 2023</a:t>
+              <a:t>Aug 2023</a:t>
             </a:r>
             <a:endParaRPr lang="ja-JP" altLang="en-US" sz="2400" b="1">
               <a:solidFill>
@@ -33543,6 +33763,334 @@
             <a:endParaRPr kumimoji="1" lang="ja-JP" altLang="en-US" sz="1300">
               <a:solidFill>
                 <a:schemeClr val="bg1"/>
+              </a:solidFill>
+              <a:latin typeface="Arial" panose="020B0604020202020204" pitchFamily="34" charset="0"/>
+              <a:cs typeface="Arial" panose="020B0604020202020204" pitchFamily="34" charset="0"/>
+            </a:endParaRPr>
+          </a:p>
+        </p:txBody>
+      </p:sp>
+      <p:sp>
+        <p:nvSpPr>
+          <p:cNvPr id="78" name="テキスト ボックス 77">
+            <a:extLst>
+              <a:ext uri="{FF2B5EF4-FFF2-40B4-BE49-F238E27FC236}">
+                <a16:creationId xmlns:a16="http://schemas.microsoft.com/office/drawing/2014/main" id="{9634E2C8-AE1B-DA4C-216F-C8D715EC9155}"/>
+              </a:ext>
+            </a:extLst>
+          </p:cNvPr>
+          <p:cNvSpPr txBox="1"/>
+          <p:nvPr/>
+        </p:nvSpPr>
+        <p:spPr>
+          <a:xfrm>
+            <a:off x="7207972" y="5151033"/>
+            <a:ext cx="583814" cy="292388"/>
+          </a:xfrm>
+          <a:prstGeom prst="rect">
+            <a:avLst/>
+          </a:prstGeom>
+          <a:noFill/>
+        </p:spPr>
+        <p:txBody>
+          <a:bodyPr wrap="none" rtlCol="0">
+            <a:spAutoFit/>
+          </a:bodyPr>
+          <a:lstStyle/>
+          <a:p>
+            <a:r>
+              <a:rPr lang="en" altLang="ja-JP" sz="1300" dirty="0">
+                <a:solidFill>
+                  <a:schemeClr val="bg1"/>
+                </a:solidFill>
+                <a:latin typeface="Arial" panose="020B0604020202020204" pitchFamily="34" charset="0"/>
+                <a:cs typeface="Arial" panose="020B0604020202020204" pitchFamily="34" charset="0"/>
+              </a:rPr>
+              <a:t>Iwata</a:t>
+            </a:r>
+            <a:endParaRPr kumimoji="1" lang="ja-JP" altLang="en-US" sz="1300">
+              <a:solidFill>
+                <a:schemeClr val="bg1"/>
+              </a:solidFill>
+              <a:latin typeface="Arial" panose="020B0604020202020204" pitchFamily="34" charset="0"/>
+              <a:cs typeface="Arial" panose="020B0604020202020204" pitchFamily="34" charset="0"/>
+            </a:endParaRPr>
+          </a:p>
+        </p:txBody>
+      </p:sp>
+      <p:sp>
+        <p:nvSpPr>
+          <p:cNvPr id="79" name="テキスト ボックス 78">
+            <a:extLst>
+              <a:ext uri="{FF2B5EF4-FFF2-40B4-BE49-F238E27FC236}">
+                <a16:creationId xmlns:a16="http://schemas.microsoft.com/office/drawing/2014/main" id="{67A3B852-20E8-9C12-22DF-76576E4AA7E7}"/>
+              </a:ext>
+            </a:extLst>
+          </p:cNvPr>
+          <p:cNvSpPr txBox="1"/>
+          <p:nvPr/>
+        </p:nvSpPr>
+        <p:spPr>
+          <a:xfrm>
+            <a:off x="7063544" y="5371696"/>
+            <a:ext cx="1085554" cy="292388"/>
+          </a:xfrm>
+          <a:prstGeom prst="rect">
+            <a:avLst/>
+          </a:prstGeom>
+          <a:noFill/>
+        </p:spPr>
+        <p:txBody>
+          <a:bodyPr wrap="none" rtlCol="0">
+            <a:spAutoFit/>
+          </a:bodyPr>
+          <a:lstStyle/>
+          <a:p>
+            <a:r>
+              <a:rPr lang="en" altLang="ja-JP" sz="1300" dirty="0">
+                <a:solidFill>
+                  <a:schemeClr val="bg1"/>
+                </a:solidFill>
+                <a:latin typeface="Arial" panose="020B0604020202020204" pitchFamily="34" charset="0"/>
+                <a:cs typeface="Arial" panose="020B0604020202020204" pitchFamily="34" charset="0"/>
+              </a:rPr>
+              <a:t>Hamamatsu</a:t>
+            </a:r>
+            <a:endParaRPr kumimoji="1" lang="ja-JP" altLang="en-US" sz="1300">
+              <a:solidFill>
+                <a:schemeClr val="bg1"/>
+              </a:solidFill>
+              <a:latin typeface="Arial" panose="020B0604020202020204" pitchFamily="34" charset="0"/>
+              <a:cs typeface="Arial" panose="020B0604020202020204" pitchFamily="34" charset="0"/>
+            </a:endParaRPr>
+          </a:p>
+        </p:txBody>
+      </p:sp>
+      <p:cxnSp>
+        <p:nvCxnSpPr>
+          <p:cNvPr id="85" name="直線コネクタ 84">
+            <a:extLst>
+              <a:ext uri="{FF2B5EF4-FFF2-40B4-BE49-F238E27FC236}">
+                <a16:creationId xmlns:a16="http://schemas.microsoft.com/office/drawing/2014/main" id="{93E2A745-5E15-D18B-348A-189175F57063}"/>
+              </a:ext>
+            </a:extLst>
+          </p:cNvPr>
+          <p:cNvCxnSpPr>
+            <a:cxnSpLocks/>
+          </p:cNvCxnSpPr>
+          <p:nvPr/>
+        </p:nvCxnSpPr>
+        <p:spPr>
+          <a:xfrm>
+            <a:off x="6736105" y="4466161"/>
+            <a:ext cx="524801" cy="818609"/>
+          </a:xfrm>
+          <a:prstGeom prst="line">
+            <a:avLst/>
+          </a:prstGeom>
+          <a:ln w="12700">
+            <a:solidFill>
+              <a:schemeClr val="bg1"/>
+            </a:solidFill>
+          </a:ln>
+        </p:spPr>
+        <p:style>
+          <a:lnRef idx="1">
+            <a:schemeClr val="accent1"/>
+          </a:lnRef>
+          <a:fillRef idx="0">
+            <a:schemeClr val="accent1"/>
+          </a:fillRef>
+          <a:effectRef idx="0">
+            <a:schemeClr val="accent1"/>
+          </a:effectRef>
+          <a:fontRef idx="minor">
+            <a:schemeClr val="tx1"/>
+          </a:fontRef>
+        </p:style>
+      </p:cxnSp>
+      <p:cxnSp>
+        <p:nvCxnSpPr>
+          <p:cNvPr id="87" name="直線コネクタ 86">
+            <a:extLst>
+              <a:ext uri="{FF2B5EF4-FFF2-40B4-BE49-F238E27FC236}">
+                <a16:creationId xmlns:a16="http://schemas.microsoft.com/office/drawing/2014/main" id="{6DDC7B66-29A1-3099-4E52-74FAB84160C3}"/>
+              </a:ext>
+            </a:extLst>
+          </p:cNvPr>
+          <p:cNvCxnSpPr>
+            <a:cxnSpLocks/>
+          </p:cNvCxnSpPr>
+          <p:nvPr/>
+        </p:nvCxnSpPr>
+        <p:spPr>
+          <a:xfrm>
+            <a:off x="6601913" y="4531053"/>
+            <a:ext cx="557712" cy="898197"/>
+          </a:xfrm>
+          <a:prstGeom prst="line">
+            <a:avLst/>
+          </a:prstGeom>
+          <a:ln w="12700">
+            <a:solidFill>
+              <a:schemeClr val="bg1"/>
+            </a:solidFill>
+          </a:ln>
+        </p:spPr>
+        <p:style>
+          <a:lnRef idx="1">
+            <a:schemeClr val="accent1"/>
+          </a:lnRef>
+          <a:fillRef idx="0">
+            <a:schemeClr val="accent1"/>
+          </a:fillRef>
+          <a:effectRef idx="0">
+            <a:schemeClr val="accent1"/>
+          </a:effectRef>
+          <a:fontRef idx="minor">
+            <a:schemeClr val="tx1"/>
+          </a:fontRef>
+        </p:style>
+      </p:cxnSp>
+      <p:sp>
+        <p:nvSpPr>
+          <p:cNvPr id="88" name="テキスト ボックス 87">
+            <a:extLst>
+              <a:ext uri="{FF2B5EF4-FFF2-40B4-BE49-F238E27FC236}">
+                <a16:creationId xmlns:a16="http://schemas.microsoft.com/office/drawing/2014/main" id="{75AC9F65-E68F-7957-08F9-75969C0273BC}"/>
+              </a:ext>
+            </a:extLst>
+          </p:cNvPr>
+          <p:cNvSpPr txBox="1"/>
+          <p:nvPr/>
+        </p:nvSpPr>
+        <p:spPr>
+          <a:xfrm>
+            <a:off x="7219287" y="4947666"/>
+            <a:ext cx="870751" cy="292388"/>
+          </a:xfrm>
+          <a:prstGeom prst="rect">
+            <a:avLst/>
+          </a:prstGeom>
+          <a:noFill/>
+        </p:spPr>
+        <p:txBody>
+          <a:bodyPr wrap="none" rtlCol="0">
+            <a:spAutoFit/>
+          </a:bodyPr>
+          <a:lstStyle/>
+          <a:p>
+            <a:r>
+              <a:rPr lang="en" altLang="ja-JP" sz="1300" dirty="0">
+                <a:solidFill>
+                  <a:schemeClr val="bg1"/>
+                </a:solidFill>
+                <a:latin typeface="Arial" panose="020B0604020202020204" pitchFamily="34" charset="0"/>
+                <a:cs typeface="Arial" panose="020B0604020202020204" pitchFamily="34" charset="0"/>
+              </a:rPr>
+              <a:t>Shizuoka</a:t>
+            </a:r>
+            <a:endParaRPr kumimoji="1" lang="ja-JP" altLang="en-US" sz="1300">
+              <a:solidFill>
+                <a:schemeClr val="bg1"/>
+              </a:solidFill>
+              <a:latin typeface="Arial" panose="020B0604020202020204" pitchFamily="34" charset="0"/>
+              <a:cs typeface="Arial" panose="020B0604020202020204" pitchFamily="34" charset="0"/>
+            </a:endParaRPr>
+          </a:p>
+        </p:txBody>
+      </p:sp>
+      <p:cxnSp>
+        <p:nvCxnSpPr>
+          <p:cNvPr id="90" name="直線コネクタ 89">
+            <a:extLst>
+              <a:ext uri="{FF2B5EF4-FFF2-40B4-BE49-F238E27FC236}">
+                <a16:creationId xmlns:a16="http://schemas.microsoft.com/office/drawing/2014/main" id="{5CFC3F71-08DD-9CE7-A651-21B20D69670B}"/>
+              </a:ext>
+            </a:extLst>
+          </p:cNvPr>
+          <p:cNvCxnSpPr>
+            <a:cxnSpLocks/>
+          </p:cNvCxnSpPr>
+          <p:nvPr/>
+        </p:nvCxnSpPr>
+        <p:spPr>
+          <a:xfrm>
+            <a:off x="6997804" y="4341348"/>
+            <a:ext cx="287416" cy="627891"/>
+          </a:xfrm>
+          <a:prstGeom prst="line">
+            <a:avLst/>
+          </a:prstGeom>
+          <a:ln w="12700">
+            <a:solidFill>
+              <a:schemeClr val="bg1"/>
+            </a:solidFill>
+          </a:ln>
+        </p:spPr>
+        <p:style>
+          <a:lnRef idx="1">
+            <a:schemeClr val="accent1"/>
+          </a:lnRef>
+          <a:fillRef idx="0">
+            <a:schemeClr val="accent1"/>
+          </a:fillRef>
+          <a:effectRef idx="0">
+            <a:schemeClr val="accent1"/>
+          </a:effectRef>
+          <a:fontRef idx="minor">
+            <a:schemeClr val="tx1"/>
+          </a:fontRef>
+        </p:style>
+      </p:cxnSp>
+      <p:sp>
+        <p:nvSpPr>
+          <p:cNvPr id="92" name="テキスト ボックス 91">
+            <a:extLst>
+              <a:ext uri="{FF2B5EF4-FFF2-40B4-BE49-F238E27FC236}">
+                <a16:creationId xmlns:a16="http://schemas.microsoft.com/office/drawing/2014/main" id="{4E30DFDD-E128-64AF-EBF2-8DF7908A3B11}"/>
+              </a:ext>
+            </a:extLst>
+          </p:cNvPr>
+          <p:cNvSpPr txBox="1"/>
+          <p:nvPr/>
+        </p:nvSpPr>
+        <p:spPr>
+          <a:xfrm>
+            <a:off x="6822115" y="4136032"/>
+            <a:ext cx="351378" cy="292388"/>
+          </a:xfrm>
+          <a:prstGeom prst="rect">
+            <a:avLst/>
+          </a:prstGeom>
+          <a:noFill/>
+          <a:effectLst>
+            <a:outerShdw blurRad="50800" dist="38100" dir="2700000" algn="tl" rotWithShape="0">
+              <a:prstClr val="black">
+                <a:alpha val="40000"/>
+              </a:prstClr>
+            </a:outerShdw>
+          </a:effectLst>
+        </p:spPr>
+        <p:txBody>
+          <a:bodyPr wrap="none" rtlCol="0">
+            <a:spAutoFit/>
+          </a:bodyPr>
+          <a:lstStyle/>
+          <a:p>
+            <a:r>
+              <a:rPr lang="en" altLang="ja-JP" sz="1300" dirty="0">
+                <a:solidFill>
+                  <a:srgbClr val="F8B62B"/>
+                </a:solidFill>
+                <a:latin typeface="Arial" panose="020B0604020202020204" pitchFamily="34" charset="0"/>
+                <a:cs typeface="Arial" panose="020B0604020202020204" pitchFamily="34" charset="0"/>
+              </a:rPr>
+              <a:t>★</a:t>
+            </a:r>
+            <a:endParaRPr kumimoji="1" lang="ja-JP" altLang="en-US" sz="1300">
+              <a:solidFill>
+                <a:srgbClr val="F8B62B"/>
               </a:solidFill>
               <a:latin typeface="Arial" panose="020B0604020202020204" pitchFamily="34" charset="0"/>
               <a:cs typeface="Arial" panose="020B0604020202020204" pitchFamily="34" charset="0"/>

--- a/jaws-ug-map.pptx
+++ b/jaws-ug-map.pptx
@@ -263,7 +263,7 @@
           <a:p>
             <a:fld id="{5BB77CFB-1EF2-0545-960B-65D7746E405D}" type="datetimeFigureOut">
               <a:rPr kumimoji="1" lang="ja-JP" altLang="en-US" smtClean="0"/>
-              <a:t>2023/8/24</a:t>
+              <a:t>2023/11/21</a:t>
             </a:fld>
             <a:endParaRPr kumimoji="1" lang="ja-JP" altLang="en-US"/>
           </a:p>
@@ -493,7 +493,7 @@
           <a:p>
             <a:fld id="{5BB77CFB-1EF2-0545-960B-65D7746E405D}" type="datetimeFigureOut">
               <a:rPr kumimoji="1" lang="ja-JP" altLang="en-US" smtClean="0"/>
-              <a:t>2023/8/24</a:t>
+              <a:t>2023/11/21</a:t>
             </a:fld>
             <a:endParaRPr kumimoji="1" lang="ja-JP" altLang="en-US"/>
           </a:p>
@@ -733,7 +733,7 @@
           <a:p>
             <a:fld id="{5BB77CFB-1EF2-0545-960B-65D7746E405D}" type="datetimeFigureOut">
               <a:rPr kumimoji="1" lang="ja-JP" altLang="en-US" smtClean="0"/>
-              <a:t>2023/8/24</a:t>
+              <a:t>2023/11/21</a:t>
             </a:fld>
             <a:endParaRPr kumimoji="1" lang="ja-JP" altLang="en-US"/>
           </a:p>
@@ -953,7 +953,7 @@
           <a:p>
             <a:fld id="{5BB77CFB-1EF2-0545-960B-65D7746E405D}" type="datetimeFigureOut">
               <a:rPr kumimoji="1" lang="ja-JP" altLang="en-US" smtClean="0"/>
-              <a:t>2023/8/24</a:t>
+              <a:t>2023/11/21</a:t>
             </a:fld>
             <a:endParaRPr kumimoji="1" lang="ja-JP" altLang="en-US"/>
           </a:p>
@@ -1183,7 +1183,7 @@
           <a:p>
             <a:fld id="{5BB77CFB-1EF2-0545-960B-65D7746E405D}" type="datetimeFigureOut">
               <a:rPr kumimoji="1" lang="ja-JP" altLang="en-US" smtClean="0"/>
-              <a:t>2023/8/24</a:t>
+              <a:t>2023/11/21</a:t>
             </a:fld>
             <a:endParaRPr kumimoji="1" lang="ja-JP" altLang="en-US"/>
           </a:p>
@@ -1458,7 +1458,7 @@
           <a:p>
             <a:fld id="{5BB77CFB-1EF2-0545-960B-65D7746E405D}" type="datetimeFigureOut">
               <a:rPr kumimoji="1" lang="ja-JP" altLang="en-US" smtClean="0"/>
-              <a:t>2023/8/24</a:t>
+              <a:t>2023/11/21</a:t>
             </a:fld>
             <a:endParaRPr kumimoji="1" lang="ja-JP" altLang="en-US"/>
           </a:p>
@@ -1787,7 +1787,7 @@
           <a:p>
             <a:fld id="{5BB77CFB-1EF2-0545-960B-65D7746E405D}" type="datetimeFigureOut">
               <a:rPr kumimoji="1" lang="ja-JP" altLang="en-US" smtClean="0"/>
-              <a:t>2023/8/24</a:t>
+              <a:t>2023/11/21</a:t>
             </a:fld>
             <a:endParaRPr kumimoji="1" lang="ja-JP" altLang="en-US"/>
           </a:p>
@@ -2263,7 +2263,7 @@
           <a:p>
             <a:fld id="{5BB77CFB-1EF2-0545-960B-65D7746E405D}" type="datetimeFigureOut">
               <a:rPr kumimoji="1" lang="ja-JP" altLang="en-US" smtClean="0"/>
-              <a:t>2023/8/24</a:t>
+              <a:t>2023/11/21</a:t>
             </a:fld>
             <a:endParaRPr kumimoji="1" lang="ja-JP" altLang="en-US"/>
           </a:p>
@@ -2404,7 +2404,7 @@
           <a:p>
             <a:fld id="{5BB77CFB-1EF2-0545-960B-65D7746E405D}" type="datetimeFigureOut">
               <a:rPr kumimoji="1" lang="ja-JP" altLang="en-US" smtClean="0"/>
-              <a:t>2023/8/24</a:t>
+              <a:t>2023/11/21</a:t>
             </a:fld>
             <a:endParaRPr kumimoji="1" lang="ja-JP" altLang="en-US"/>
           </a:p>
@@ -2517,7 +2517,7 @@
           <a:p>
             <a:fld id="{5BB77CFB-1EF2-0545-960B-65D7746E405D}" type="datetimeFigureOut">
               <a:rPr kumimoji="1" lang="ja-JP" altLang="en-US" smtClean="0"/>
-              <a:t>2023/8/24</a:t>
+              <a:t>2023/11/21</a:t>
             </a:fld>
             <a:endParaRPr kumimoji="1" lang="ja-JP" altLang="en-US"/>
           </a:p>
@@ -2860,7 +2860,7 @@
           <a:p>
             <a:fld id="{5BB77CFB-1EF2-0545-960B-65D7746E405D}" type="datetimeFigureOut">
               <a:rPr kumimoji="1" lang="ja-JP" altLang="en-US" smtClean="0"/>
-              <a:t>2023/8/24</a:t>
+              <a:t>2023/11/21</a:t>
             </a:fld>
             <a:endParaRPr kumimoji="1" lang="ja-JP" altLang="en-US"/>
           </a:p>
@@ -3090,7 +3090,7 @@
           <a:p>
             <a:fld id="{5BB77CFB-1EF2-0545-960B-65D7746E405D}" type="datetimeFigureOut">
               <a:rPr kumimoji="1" lang="ja-JP" altLang="en-US" smtClean="0"/>
-              <a:t>2023/8/24</a:t>
+              <a:t>2023/11/21</a:t>
             </a:fld>
             <a:endParaRPr kumimoji="1" lang="ja-JP" altLang="en-US"/>
           </a:p>
@@ -3378,7 +3378,7 @@
           <a:p>
             <a:fld id="{5BB77CFB-1EF2-0545-960B-65D7746E405D}" type="datetimeFigureOut">
               <a:rPr kumimoji="1" lang="ja-JP" altLang="en-US" smtClean="0"/>
-              <a:t>2023/8/24</a:t>
+              <a:t>2023/11/21</a:t>
             </a:fld>
             <a:endParaRPr kumimoji="1" lang="ja-JP" altLang="en-US"/>
           </a:p>
@@ -3608,7 +3608,7 @@
           <a:p>
             <a:fld id="{5BB77CFB-1EF2-0545-960B-65D7746E405D}" type="datetimeFigureOut">
               <a:rPr kumimoji="1" lang="ja-JP" altLang="en-US" smtClean="0"/>
-              <a:t>2023/8/24</a:t>
+              <a:t>2023/11/21</a:t>
             </a:fld>
             <a:endParaRPr kumimoji="1" lang="ja-JP" altLang="en-US"/>
           </a:p>
@@ -3848,7 +3848,7 @@
           <a:p>
             <a:fld id="{5BB77CFB-1EF2-0545-960B-65D7746E405D}" type="datetimeFigureOut">
               <a:rPr kumimoji="1" lang="ja-JP" altLang="en-US" smtClean="0"/>
-              <a:t>2023/8/24</a:t>
+              <a:t>2023/11/21</a:t>
             </a:fld>
             <a:endParaRPr kumimoji="1" lang="ja-JP" altLang="en-US"/>
           </a:p>
@@ -4123,7 +4123,7 @@
           <a:p>
             <a:fld id="{5BB77CFB-1EF2-0545-960B-65D7746E405D}" type="datetimeFigureOut">
               <a:rPr kumimoji="1" lang="ja-JP" altLang="en-US" smtClean="0"/>
-              <a:t>2023/8/24</a:t>
+              <a:t>2023/11/21</a:t>
             </a:fld>
             <a:endParaRPr kumimoji="1" lang="ja-JP" altLang="en-US"/>
           </a:p>
@@ -4452,7 +4452,7 @@
           <a:p>
             <a:fld id="{5BB77CFB-1EF2-0545-960B-65D7746E405D}" type="datetimeFigureOut">
               <a:rPr kumimoji="1" lang="ja-JP" altLang="en-US" smtClean="0"/>
-              <a:t>2023/8/24</a:t>
+              <a:t>2023/11/21</a:t>
             </a:fld>
             <a:endParaRPr kumimoji="1" lang="ja-JP" altLang="en-US"/>
           </a:p>
@@ -4928,7 +4928,7 @@
           <a:p>
             <a:fld id="{5BB77CFB-1EF2-0545-960B-65D7746E405D}" type="datetimeFigureOut">
               <a:rPr kumimoji="1" lang="ja-JP" altLang="en-US" smtClean="0"/>
-              <a:t>2023/8/24</a:t>
+              <a:t>2023/11/21</a:t>
             </a:fld>
             <a:endParaRPr kumimoji="1" lang="ja-JP" altLang="en-US"/>
           </a:p>
@@ -5069,7 +5069,7 @@
           <a:p>
             <a:fld id="{5BB77CFB-1EF2-0545-960B-65D7746E405D}" type="datetimeFigureOut">
               <a:rPr kumimoji="1" lang="ja-JP" altLang="en-US" smtClean="0"/>
-              <a:t>2023/8/24</a:t>
+              <a:t>2023/11/21</a:t>
             </a:fld>
             <a:endParaRPr kumimoji="1" lang="ja-JP" altLang="en-US"/>
           </a:p>
@@ -5182,7 +5182,7 @@
           <a:p>
             <a:fld id="{5BB77CFB-1EF2-0545-960B-65D7746E405D}" type="datetimeFigureOut">
               <a:rPr kumimoji="1" lang="ja-JP" altLang="en-US" smtClean="0"/>
-              <a:t>2023/8/24</a:t>
+              <a:t>2023/11/21</a:t>
             </a:fld>
             <a:endParaRPr kumimoji="1" lang="ja-JP" altLang="en-US"/>
           </a:p>
@@ -5525,7 +5525,7 @@
           <a:p>
             <a:fld id="{5BB77CFB-1EF2-0545-960B-65D7746E405D}" type="datetimeFigureOut">
               <a:rPr kumimoji="1" lang="ja-JP" altLang="en-US" smtClean="0"/>
-              <a:t>2023/8/24</a:t>
+              <a:t>2023/11/21</a:t>
             </a:fld>
             <a:endParaRPr kumimoji="1" lang="ja-JP" altLang="en-US"/>
           </a:p>
@@ -5813,7 +5813,7 @@
           <a:p>
             <a:fld id="{5BB77CFB-1EF2-0545-960B-65D7746E405D}" type="datetimeFigureOut">
               <a:rPr kumimoji="1" lang="ja-JP" altLang="en-US" smtClean="0"/>
-              <a:t>2023/8/24</a:t>
+              <a:t>2023/11/21</a:t>
             </a:fld>
             <a:endParaRPr kumimoji="1" lang="ja-JP" altLang="en-US"/>
           </a:p>
@@ -6086,7 +6086,7 @@
           <a:p>
             <a:fld id="{5BB77CFB-1EF2-0545-960B-65D7746E405D}" type="datetimeFigureOut">
               <a:rPr kumimoji="1" lang="ja-JP" altLang="en-US" smtClean="0"/>
-              <a:t>2023/8/24</a:t>
+              <a:t>2023/11/21</a:t>
             </a:fld>
             <a:endParaRPr kumimoji="1" lang="ja-JP" altLang="en-US"/>
           </a:p>
@@ -6686,7 +6686,7 @@
           <a:p>
             <a:fld id="{5BB77CFB-1EF2-0545-960B-65D7746E405D}" type="datetimeFigureOut">
               <a:rPr kumimoji="1" lang="ja-JP" altLang="en-US" smtClean="0"/>
-              <a:t>2023/8/24</a:t>
+              <a:t>2023/11/21</a:t>
             </a:fld>
             <a:endParaRPr kumimoji="1" lang="ja-JP" altLang="en-US"/>
           </a:p>
@@ -12708,6 +12708,105 @@
               </a:p>
             </p:txBody>
           </p:sp>
+          <p:sp>
+            <p:nvSpPr>
+              <p:cNvPr id="11" name="テキスト ボックス 10">
+                <a:extLst>
+                  <a:ext uri="{FF2B5EF4-FFF2-40B4-BE49-F238E27FC236}">
+                    <a16:creationId xmlns:a16="http://schemas.microsoft.com/office/drawing/2014/main" id="{D46A9A64-C220-F71B-2D68-56972B470176}"/>
+                  </a:ext>
+                </a:extLst>
+              </p:cNvPr>
+              <p:cNvSpPr txBox="1"/>
+              <p:nvPr/>
+            </p:nvSpPr>
+            <p:spPr>
+              <a:xfrm>
+                <a:off x="7732200" y="2516292"/>
+                <a:ext cx="351378" cy="292388"/>
+              </a:xfrm>
+              <a:prstGeom prst="rect">
+                <a:avLst/>
+              </a:prstGeom>
+              <a:noFill/>
+              <a:effectLst>
+                <a:outerShdw blurRad="50800" dist="38100" dir="2700000" algn="tl" rotWithShape="0">
+                  <a:prstClr val="black">
+                    <a:alpha val="40000"/>
+                  </a:prstClr>
+                </a:outerShdw>
+              </a:effectLst>
+            </p:spPr>
+            <p:txBody>
+              <a:bodyPr wrap="none" rtlCol="0">
+                <a:spAutoFit/>
+              </a:bodyPr>
+              <a:lstStyle/>
+              <a:p>
+                <a:r>
+                  <a:rPr lang="en" altLang="ja-JP" sz="1300" dirty="0">
+                    <a:solidFill>
+                      <a:srgbClr val="F8B62B"/>
+                    </a:solidFill>
+                    <a:latin typeface="Arial" panose="020B0604020202020204" pitchFamily="34" charset="0"/>
+                    <a:cs typeface="Arial" panose="020B0604020202020204" pitchFamily="34" charset="0"/>
+                  </a:rPr>
+                  <a:t>★</a:t>
+                </a:r>
+                <a:endParaRPr kumimoji="1" lang="ja-JP" altLang="en-US" sz="1300">
+                  <a:solidFill>
+                    <a:srgbClr val="F8B62B"/>
+                  </a:solidFill>
+                  <a:latin typeface="Arial" panose="020B0604020202020204" pitchFamily="34" charset="0"/>
+                  <a:cs typeface="Arial" panose="020B0604020202020204" pitchFamily="34" charset="0"/>
+                </a:endParaRPr>
+              </a:p>
+            </p:txBody>
+          </p:sp>
+          <p:sp>
+            <p:nvSpPr>
+              <p:cNvPr id="14" name="テキスト ボックス 13">
+                <a:extLst>
+                  <a:ext uri="{FF2B5EF4-FFF2-40B4-BE49-F238E27FC236}">
+                    <a16:creationId xmlns:a16="http://schemas.microsoft.com/office/drawing/2014/main" id="{3547E02C-27E5-DBEF-EA3C-97C23A3DEEF2}"/>
+                  </a:ext>
+                </a:extLst>
+              </p:cNvPr>
+              <p:cNvSpPr txBox="1"/>
+              <p:nvPr/>
+            </p:nvSpPr>
+            <p:spPr>
+              <a:xfrm>
+                <a:off x="8006256" y="2434365"/>
+                <a:ext cx="524503" cy="292388"/>
+              </a:xfrm>
+              <a:prstGeom prst="rect">
+                <a:avLst/>
+              </a:prstGeom>
+              <a:noFill/>
+            </p:spPr>
+            <p:txBody>
+              <a:bodyPr wrap="none" rtlCol="0">
+                <a:spAutoFit/>
+              </a:bodyPr>
+              <a:lstStyle/>
+              <a:p>
+                <a:r>
+                  <a:rPr kumimoji="1" lang="ja-JP" altLang="en-US" sz="1300">
+                    <a:solidFill>
+                      <a:schemeClr val="bg2">
+                        <a:lumMod val="10000"/>
+                      </a:schemeClr>
+                    </a:solidFill>
+                    <a:latin typeface="Meiryo UI" panose="020B0604030504040204" pitchFamily="34" charset="-128"/>
+                    <a:ea typeface="Meiryo UI" panose="020B0604030504040204" pitchFamily="34" charset="-128"/>
+                    <a:cs typeface="Arial" panose="020B0604020202020204" pitchFamily="34" charset="0"/>
+                  </a:rPr>
+                  <a:t>岩手</a:t>
+                </a:r>
+              </a:p>
+            </p:txBody>
+          </p:sp>
         </p:grpSp>
       </p:grpSp>
       <p:pic>
@@ -13069,7 +13168,7 @@
                 <a:latin typeface="Arial" panose="020B0604020202020204" pitchFamily="34" charset="0"/>
                 <a:cs typeface="Arial" panose="020B0604020202020204" pitchFamily="34" charset="0"/>
               </a:rPr>
-              <a:t>Aug 2023</a:t>
+              <a:t>Nov 2023</a:t>
             </a:r>
             <a:endParaRPr lang="ja-JP" altLang="en-US" sz="2400" b="1">
               <a:solidFill>
@@ -13926,7 +14025,7 @@
                 <a:ea typeface="Meiryo UI" panose="020B0604030504040204" pitchFamily="34" charset="-128"/>
                 <a:cs typeface="Arial" panose="020B0604020202020204" pitchFamily="34" charset="0"/>
               </a:rPr>
-              <a:t>8</a:t>
+              <a:t>11</a:t>
             </a:r>
             <a:r>
               <a:rPr lang="ja-JP" altLang="en-US" sz="1400">
@@ -20525,7 +20624,7 @@
                 <a:ea typeface="Meiryo UI" panose="020B0604030504040204" pitchFamily="34" charset="-128"/>
                 <a:cs typeface="Arial" panose="020B0604020202020204" pitchFamily="34" charset="0"/>
               </a:rPr>
-              <a:t>8</a:t>
+              <a:t>11</a:t>
             </a:r>
             <a:r>
               <a:rPr lang="ja-JP" altLang="en-US" sz="1400">
@@ -20577,7 +20676,7 @@
                 <a:latin typeface="Arial" panose="020B0604020202020204" pitchFamily="34" charset="0"/>
                 <a:cs typeface="Arial" panose="020B0604020202020204" pitchFamily="34" charset="0"/>
               </a:rPr>
-              <a:t>Aug 2023</a:t>
+              <a:t>Nov 2023</a:t>
             </a:r>
             <a:endParaRPr lang="ja-JP" altLang="en-US" sz="2400" b="1">
               <a:solidFill>
@@ -21007,6 +21106,103 @@
           </a:fontRef>
         </p:style>
       </p:cxnSp>
+      <p:sp>
+        <p:nvSpPr>
+          <p:cNvPr id="2" name="テキスト ボックス 1">
+            <a:extLst>
+              <a:ext uri="{FF2B5EF4-FFF2-40B4-BE49-F238E27FC236}">
+                <a16:creationId xmlns:a16="http://schemas.microsoft.com/office/drawing/2014/main" id="{8F45ACD1-FB4A-2674-4BDD-5EBB7E5E12BC}"/>
+              </a:ext>
+            </a:extLst>
+          </p:cNvPr>
+          <p:cNvSpPr txBox="1"/>
+          <p:nvPr/>
+        </p:nvSpPr>
+        <p:spPr>
+          <a:xfrm>
+            <a:off x="7732200" y="2516292"/>
+            <a:ext cx="351378" cy="292388"/>
+          </a:xfrm>
+          <a:prstGeom prst="rect">
+            <a:avLst/>
+          </a:prstGeom>
+          <a:noFill/>
+          <a:effectLst>
+            <a:outerShdw blurRad="50800" dist="38100" dir="2700000" algn="tl" rotWithShape="0">
+              <a:prstClr val="black">
+                <a:alpha val="40000"/>
+              </a:prstClr>
+            </a:outerShdw>
+          </a:effectLst>
+        </p:spPr>
+        <p:txBody>
+          <a:bodyPr wrap="none" rtlCol="0">
+            <a:spAutoFit/>
+          </a:bodyPr>
+          <a:lstStyle/>
+          <a:p>
+            <a:r>
+              <a:rPr lang="en" altLang="ja-JP" sz="1300" dirty="0">
+                <a:solidFill>
+                  <a:srgbClr val="F8B62B"/>
+                </a:solidFill>
+                <a:latin typeface="Arial" panose="020B0604020202020204" pitchFamily="34" charset="0"/>
+                <a:cs typeface="Arial" panose="020B0604020202020204" pitchFamily="34" charset="0"/>
+              </a:rPr>
+              <a:t>★</a:t>
+            </a:r>
+            <a:endParaRPr kumimoji="1" lang="ja-JP" altLang="en-US" sz="1300">
+              <a:solidFill>
+                <a:srgbClr val="F8B62B"/>
+              </a:solidFill>
+              <a:latin typeface="Arial" panose="020B0604020202020204" pitchFamily="34" charset="0"/>
+              <a:cs typeface="Arial" panose="020B0604020202020204" pitchFamily="34" charset="0"/>
+            </a:endParaRPr>
+          </a:p>
+        </p:txBody>
+      </p:sp>
+      <p:sp>
+        <p:nvSpPr>
+          <p:cNvPr id="4" name="テキスト ボックス 3">
+            <a:extLst>
+              <a:ext uri="{FF2B5EF4-FFF2-40B4-BE49-F238E27FC236}">
+                <a16:creationId xmlns:a16="http://schemas.microsoft.com/office/drawing/2014/main" id="{55736710-AAD5-5493-442D-D4BE21562F08}"/>
+              </a:ext>
+            </a:extLst>
+          </p:cNvPr>
+          <p:cNvSpPr txBox="1"/>
+          <p:nvPr/>
+        </p:nvSpPr>
+        <p:spPr>
+          <a:xfrm>
+            <a:off x="8006256" y="2434365"/>
+            <a:ext cx="524503" cy="292388"/>
+          </a:xfrm>
+          <a:prstGeom prst="rect">
+            <a:avLst/>
+          </a:prstGeom>
+          <a:noFill/>
+        </p:spPr>
+        <p:txBody>
+          <a:bodyPr wrap="none" rtlCol="0">
+            <a:spAutoFit/>
+          </a:bodyPr>
+          <a:lstStyle/>
+          <a:p>
+            <a:r>
+              <a:rPr kumimoji="1" lang="ja-JP" altLang="en-US" sz="1300">
+                <a:solidFill>
+                  <a:schemeClr val="bg1"/>
+                </a:solidFill>
+                <a:latin typeface="Meiryo UI" panose="020B0604030504040204" pitchFamily="34" charset="-128"/>
+                <a:ea typeface="Meiryo UI" panose="020B0604030504040204" pitchFamily="34" charset="-128"/>
+                <a:cs typeface="Arial" panose="020B0604020202020204" pitchFamily="34" charset="0"/>
+              </a:rPr>
+              <a:t>岩手</a:t>
+            </a:r>
+          </a:p>
+        </p:txBody>
+      </p:sp>
     </p:spTree>
     <p:extLst>
       <p:ext uri="{BB962C8B-B14F-4D97-AF65-F5344CB8AC3E}">
@@ -26872,7 +27068,7 @@
                 <a:latin typeface="Arial" panose="020B0604020202020204" pitchFamily="34" charset="0"/>
                 <a:cs typeface="Arial" panose="020B0604020202020204" pitchFamily="34" charset="0"/>
               </a:rPr>
-              <a:t>Aug 2023</a:t>
+              <a:t>Nov 2023</a:t>
             </a:r>
             <a:endParaRPr lang="ja-JP" altLang="en-US" sz="2400" b="1">
               <a:solidFill>
@@ -27709,6 +27905,115 @@
           </a:fontRef>
         </p:style>
       </p:cxnSp>
+      <p:sp>
+        <p:nvSpPr>
+          <p:cNvPr id="17" name="テキスト ボックス 16">
+            <a:extLst>
+              <a:ext uri="{FF2B5EF4-FFF2-40B4-BE49-F238E27FC236}">
+                <a16:creationId xmlns:a16="http://schemas.microsoft.com/office/drawing/2014/main" id="{BE3313CF-2044-49C9-C38E-E64186E9994E}"/>
+              </a:ext>
+            </a:extLst>
+          </p:cNvPr>
+          <p:cNvSpPr txBox="1"/>
+          <p:nvPr/>
+        </p:nvSpPr>
+        <p:spPr>
+          <a:xfrm>
+            <a:off x="7732200" y="2516292"/>
+            <a:ext cx="351378" cy="292388"/>
+          </a:xfrm>
+          <a:prstGeom prst="rect">
+            <a:avLst/>
+          </a:prstGeom>
+          <a:noFill/>
+          <a:effectLst>
+            <a:outerShdw blurRad="50800" dist="38100" dir="2700000" algn="tl" rotWithShape="0">
+              <a:prstClr val="black">
+                <a:alpha val="40000"/>
+              </a:prstClr>
+            </a:outerShdw>
+          </a:effectLst>
+        </p:spPr>
+        <p:txBody>
+          <a:bodyPr wrap="none" rtlCol="0">
+            <a:spAutoFit/>
+          </a:bodyPr>
+          <a:lstStyle/>
+          <a:p>
+            <a:r>
+              <a:rPr lang="en" altLang="ja-JP" sz="1300" dirty="0">
+                <a:solidFill>
+                  <a:srgbClr val="F8B62B"/>
+                </a:solidFill>
+                <a:latin typeface="Arial" panose="020B0604020202020204" pitchFamily="34" charset="0"/>
+                <a:cs typeface="Arial" panose="020B0604020202020204" pitchFamily="34" charset="0"/>
+              </a:rPr>
+              <a:t>★</a:t>
+            </a:r>
+            <a:endParaRPr kumimoji="1" lang="ja-JP" altLang="en-US" sz="1300">
+              <a:solidFill>
+                <a:srgbClr val="F8B62B"/>
+              </a:solidFill>
+              <a:latin typeface="Arial" panose="020B0604020202020204" pitchFamily="34" charset="0"/>
+              <a:cs typeface="Arial" panose="020B0604020202020204" pitchFamily="34" charset="0"/>
+            </a:endParaRPr>
+          </a:p>
+        </p:txBody>
+      </p:sp>
+      <p:sp>
+        <p:nvSpPr>
+          <p:cNvPr id="67" name="テキスト ボックス 66">
+            <a:extLst>
+              <a:ext uri="{FF2B5EF4-FFF2-40B4-BE49-F238E27FC236}">
+                <a16:creationId xmlns:a16="http://schemas.microsoft.com/office/drawing/2014/main" id="{584FDEAF-D55D-D142-41BF-D005A80705B7}"/>
+              </a:ext>
+            </a:extLst>
+          </p:cNvPr>
+          <p:cNvSpPr txBox="1"/>
+          <p:nvPr/>
+        </p:nvSpPr>
+        <p:spPr>
+          <a:xfrm>
+            <a:off x="8006256" y="2434365"/>
+            <a:ext cx="583814" cy="292388"/>
+          </a:xfrm>
+          <a:prstGeom prst="rect">
+            <a:avLst/>
+          </a:prstGeom>
+          <a:noFill/>
+        </p:spPr>
+        <p:txBody>
+          <a:bodyPr wrap="none" rtlCol="0">
+            <a:spAutoFit/>
+          </a:bodyPr>
+          <a:lstStyle/>
+          <a:p>
+            <a:r>
+              <a:rPr kumimoji="1" lang="en-US" altLang="ja-JP" sz="1300">
+                <a:solidFill>
+                  <a:schemeClr val="bg2">
+                    <a:lumMod val="10000"/>
+                  </a:schemeClr>
+                </a:solidFill>
+                <a:latin typeface="Arial" panose="020B0604020202020204" pitchFamily="34" charset="0"/>
+                <a:ea typeface="Meiryo UI" panose="020B0604030504040204" pitchFamily="34" charset="-128"/>
+                <a:cs typeface="Arial" panose="020B0604020202020204" pitchFamily="34" charset="0"/>
+              </a:rPr>
+              <a:t>Iwate</a:t>
+            </a:r>
+            <a:endParaRPr kumimoji="1" lang="ja-JP" altLang="en-US" sz="1300">
+              <a:solidFill>
+                <a:schemeClr val="bg2">
+                  <a:lumMod val="10000"/>
+                </a:schemeClr>
+              </a:solidFill>
+              <a:latin typeface="Arial" panose="020B0604020202020204" pitchFamily="34" charset="0"/>
+              <a:ea typeface="Meiryo UI" panose="020B0604030504040204" pitchFamily="34" charset="-128"/>
+              <a:cs typeface="Arial" panose="020B0604020202020204" pitchFamily="34" charset="0"/>
+            </a:endParaRPr>
+          </a:p>
+        </p:txBody>
+      </p:sp>
     </p:spTree>
     <p:extLst>
       <p:ext uri="{BB962C8B-B14F-4D97-AF65-F5344CB8AC3E}">
@@ -33240,7 +33545,7 @@
                 <a:latin typeface="Arial" panose="020B0604020202020204" pitchFamily="34" charset="0"/>
                 <a:cs typeface="Arial" panose="020B0604020202020204" pitchFamily="34" charset="0"/>
               </a:rPr>
-              <a:t>Aug 2023</a:t>
+              <a:t>Nov 2023</a:t>
             </a:r>
             <a:endParaRPr lang="ja-JP" altLang="en-US" sz="2400" b="1">
               <a:solidFill>
@@ -34093,6 +34398,111 @@
                 <a:srgbClr val="F8B62B"/>
               </a:solidFill>
               <a:latin typeface="Arial" panose="020B0604020202020204" pitchFamily="34" charset="0"/>
+              <a:cs typeface="Arial" panose="020B0604020202020204" pitchFamily="34" charset="0"/>
+            </a:endParaRPr>
+          </a:p>
+        </p:txBody>
+      </p:sp>
+      <p:sp>
+        <p:nvSpPr>
+          <p:cNvPr id="18" name="テキスト ボックス 17">
+            <a:extLst>
+              <a:ext uri="{FF2B5EF4-FFF2-40B4-BE49-F238E27FC236}">
+                <a16:creationId xmlns:a16="http://schemas.microsoft.com/office/drawing/2014/main" id="{22374696-596B-C9BB-0962-C5E9F7886C65}"/>
+              </a:ext>
+            </a:extLst>
+          </p:cNvPr>
+          <p:cNvSpPr txBox="1"/>
+          <p:nvPr/>
+        </p:nvSpPr>
+        <p:spPr>
+          <a:xfrm>
+            <a:off x="7732200" y="2516292"/>
+            <a:ext cx="351378" cy="292388"/>
+          </a:xfrm>
+          <a:prstGeom prst="rect">
+            <a:avLst/>
+          </a:prstGeom>
+          <a:noFill/>
+          <a:effectLst>
+            <a:outerShdw blurRad="50800" dist="38100" dir="2700000" algn="tl" rotWithShape="0">
+              <a:prstClr val="black">
+                <a:alpha val="40000"/>
+              </a:prstClr>
+            </a:outerShdw>
+          </a:effectLst>
+        </p:spPr>
+        <p:txBody>
+          <a:bodyPr wrap="none" rtlCol="0">
+            <a:spAutoFit/>
+          </a:bodyPr>
+          <a:lstStyle/>
+          <a:p>
+            <a:r>
+              <a:rPr lang="en" altLang="ja-JP" sz="1300" dirty="0">
+                <a:solidFill>
+                  <a:srgbClr val="F8B62B"/>
+                </a:solidFill>
+                <a:latin typeface="Arial" panose="020B0604020202020204" pitchFamily="34" charset="0"/>
+                <a:cs typeface="Arial" panose="020B0604020202020204" pitchFamily="34" charset="0"/>
+              </a:rPr>
+              <a:t>★</a:t>
+            </a:r>
+            <a:endParaRPr kumimoji="1" lang="ja-JP" altLang="en-US" sz="1300">
+              <a:solidFill>
+                <a:srgbClr val="F8B62B"/>
+              </a:solidFill>
+              <a:latin typeface="Arial" panose="020B0604020202020204" pitchFamily="34" charset="0"/>
+              <a:cs typeface="Arial" panose="020B0604020202020204" pitchFamily="34" charset="0"/>
+            </a:endParaRPr>
+          </a:p>
+        </p:txBody>
+      </p:sp>
+      <p:sp>
+        <p:nvSpPr>
+          <p:cNvPr id="19" name="テキスト ボックス 18">
+            <a:extLst>
+              <a:ext uri="{FF2B5EF4-FFF2-40B4-BE49-F238E27FC236}">
+                <a16:creationId xmlns:a16="http://schemas.microsoft.com/office/drawing/2014/main" id="{15F55A7A-0E26-B2B2-C77B-5C23F0EEAA03}"/>
+              </a:ext>
+            </a:extLst>
+          </p:cNvPr>
+          <p:cNvSpPr txBox="1"/>
+          <p:nvPr/>
+        </p:nvSpPr>
+        <p:spPr>
+          <a:xfrm>
+            <a:off x="8006256" y="2434365"/>
+            <a:ext cx="583814" cy="292388"/>
+          </a:xfrm>
+          <a:prstGeom prst="rect">
+            <a:avLst/>
+          </a:prstGeom>
+          <a:noFill/>
+        </p:spPr>
+        <p:txBody>
+          <a:bodyPr wrap="none" rtlCol="0">
+            <a:spAutoFit/>
+          </a:bodyPr>
+          <a:lstStyle/>
+          <a:p>
+            <a:r>
+              <a:rPr kumimoji="1" lang="en-US" altLang="ja-JP" sz="1300">
+                <a:solidFill>
+                  <a:schemeClr val="bg1"/>
+                </a:solidFill>
+                <a:latin typeface="Arial" panose="020B0604020202020204" pitchFamily="34" charset="0"/>
+                <a:ea typeface="Meiryo UI" panose="020B0604030504040204" pitchFamily="34" charset="-128"/>
+                <a:cs typeface="Arial" panose="020B0604020202020204" pitchFamily="34" charset="0"/>
+              </a:rPr>
+              <a:t>Iwate</a:t>
+            </a:r>
+            <a:endParaRPr kumimoji="1" lang="ja-JP" altLang="en-US" sz="1300">
+              <a:solidFill>
+                <a:schemeClr val="bg1"/>
+              </a:solidFill>
+              <a:latin typeface="Arial" panose="020B0604020202020204" pitchFamily="34" charset="0"/>
+              <a:ea typeface="Meiryo UI" panose="020B0604030504040204" pitchFamily="34" charset="-128"/>
               <a:cs typeface="Arial" panose="020B0604020202020204" pitchFamily="34" charset="0"/>
             </a:endParaRPr>
           </a:p>

--- a/jaws-ug-map.pptx
+++ b/jaws-ug-map.pptx
@@ -12778,7 +12778,7 @@
             <p:spPr>
               <a:xfrm>
                 <a:off x="8006256" y="2434365"/>
-                <a:ext cx="524503" cy="292388"/>
+                <a:ext cx="593432" cy="292388"/>
               </a:xfrm>
               <a:prstGeom prst="rect">
                 <a:avLst/>
@@ -12802,7 +12802,7 @@
                     <a:ea typeface="Meiryo UI" panose="020B0604030504040204" pitchFamily="34" charset="-128"/>
                     <a:cs typeface="Arial" panose="020B0604020202020204" pitchFamily="34" charset="0"/>
                   </a:rPr>
-                  <a:t>岩手</a:t>
+                  <a:t>いわて</a:t>
                 </a:r>
               </a:p>
             </p:txBody>
@@ -21176,7 +21176,7 @@
         <p:spPr>
           <a:xfrm>
             <a:off x="8006256" y="2434365"/>
-            <a:ext cx="524503" cy="292388"/>
+            <a:ext cx="593432" cy="292388"/>
           </a:xfrm>
           <a:prstGeom prst="rect">
             <a:avLst/>
@@ -21198,7 +21198,7 @@
                 <a:ea typeface="Meiryo UI" panose="020B0604030504040204" pitchFamily="34" charset="-128"/>
                 <a:cs typeface="Arial" panose="020B0604020202020204" pitchFamily="34" charset="0"/>
               </a:rPr>
-              <a:t>岩手</a:t>
+              <a:t>いわて</a:t>
             </a:r>
           </a:p>
         </p:txBody>

--- a/jaws-ug-map.pptx
+++ b/jaws-ug-map.pptx
@@ -263,7 +263,7 @@
           <a:p>
             <a:fld id="{5BB77CFB-1EF2-0545-960B-65D7746E405D}" type="datetimeFigureOut">
               <a:rPr kumimoji="1" lang="ja-JP" altLang="en-US" smtClean="0"/>
-              <a:t>2022/8/31</a:t>
+              <a:t>2024/6/3</a:t>
             </a:fld>
             <a:endParaRPr kumimoji="1" lang="ja-JP" altLang="en-US"/>
           </a:p>
@@ -493,7 +493,7 @@
           <a:p>
             <a:fld id="{5BB77CFB-1EF2-0545-960B-65D7746E405D}" type="datetimeFigureOut">
               <a:rPr kumimoji="1" lang="ja-JP" altLang="en-US" smtClean="0"/>
-              <a:t>2022/8/31</a:t>
+              <a:t>2024/6/3</a:t>
             </a:fld>
             <a:endParaRPr kumimoji="1" lang="ja-JP" altLang="en-US"/>
           </a:p>
@@ -733,7 +733,7 @@
           <a:p>
             <a:fld id="{5BB77CFB-1EF2-0545-960B-65D7746E405D}" type="datetimeFigureOut">
               <a:rPr kumimoji="1" lang="ja-JP" altLang="en-US" smtClean="0"/>
-              <a:t>2022/8/31</a:t>
+              <a:t>2024/6/3</a:t>
             </a:fld>
             <a:endParaRPr kumimoji="1" lang="ja-JP" altLang="en-US"/>
           </a:p>
@@ -953,7 +953,7 @@
           <a:p>
             <a:fld id="{5BB77CFB-1EF2-0545-960B-65D7746E405D}" type="datetimeFigureOut">
               <a:rPr kumimoji="1" lang="ja-JP" altLang="en-US" smtClean="0"/>
-              <a:t>2022/8/31</a:t>
+              <a:t>2024/6/3</a:t>
             </a:fld>
             <a:endParaRPr kumimoji="1" lang="ja-JP" altLang="en-US"/>
           </a:p>
@@ -1183,7 +1183,7 @@
           <a:p>
             <a:fld id="{5BB77CFB-1EF2-0545-960B-65D7746E405D}" type="datetimeFigureOut">
               <a:rPr kumimoji="1" lang="ja-JP" altLang="en-US" smtClean="0"/>
-              <a:t>2022/8/31</a:t>
+              <a:t>2024/6/3</a:t>
             </a:fld>
             <a:endParaRPr kumimoji="1" lang="ja-JP" altLang="en-US"/>
           </a:p>
@@ -1458,7 +1458,7 @@
           <a:p>
             <a:fld id="{5BB77CFB-1EF2-0545-960B-65D7746E405D}" type="datetimeFigureOut">
               <a:rPr kumimoji="1" lang="ja-JP" altLang="en-US" smtClean="0"/>
-              <a:t>2022/8/31</a:t>
+              <a:t>2024/6/3</a:t>
             </a:fld>
             <a:endParaRPr kumimoji="1" lang="ja-JP" altLang="en-US"/>
           </a:p>
@@ -1787,7 +1787,7 @@
           <a:p>
             <a:fld id="{5BB77CFB-1EF2-0545-960B-65D7746E405D}" type="datetimeFigureOut">
               <a:rPr kumimoji="1" lang="ja-JP" altLang="en-US" smtClean="0"/>
-              <a:t>2022/8/31</a:t>
+              <a:t>2024/6/3</a:t>
             </a:fld>
             <a:endParaRPr kumimoji="1" lang="ja-JP" altLang="en-US"/>
           </a:p>
@@ -2263,7 +2263,7 @@
           <a:p>
             <a:fld id="{5BB77CFB-1EF2-0545-960B-65D7746E405D}" type="datetimeFigureOut">
               <a:rPr kumimoji="1" lang="ja-JP" altLang="en-US" smtClean="0"/>
-              <a:t>2022/8/31</a:t>
+              <a:t>2024/6/3</a:t>
             </a:fld>
             <a:endParaRPr kumimoji="1" lang="ja-JP" altLang="en-US"/>
           </a:p>
@@ -2404,7 +2404,7 @@
           <a:p>
             <a:fld id="{5BB77CFB-1EF2-0545-960B-65D7746E405D}" type="datetimeFigureOut">
               <a:rPr kumimoji="1" lang="ja-JP" altLang="en-US" smtClean="0"/>
-              <a:t>2022/8/31</a:t>
+              <a:t>2024/6/3</a:t>
             </a:fld>
             <a:endParaRPr kumimoji="1" lang="ja-JP" altLang="en-US"/>
           </a:p>
@@ -2517,7 +2517,7 @@
           <a:p>
             <a:fld id="{5BB77CFB-1EF2-0545-960B-65D7746E405D}" type="datetimeFigureOut">
               <a:rPr kumimoji="1" lang="ja-JP" altLang="en-US" smtClean="0"/>
-              <a:t>2022/8/31</a:t>
+              <a:t>2024/6/3</a:t>
             </a:fld>
             <a:endParaRPr kumimoji="1" lang="ja-JP" altLang="en-US"/>
           </a:p>
@@ -2860,7 +2860,7 @@
           <a:p>
             <a:fld id="{5BB77CFB-1EF2-0545-960B-65D7746E405D}" type="datetimeFigureOut">
               <a:rPr kumimoji="1" lang="ja-JP" altLang="en-US" smtClean="0"/>
-              <a:t>2022/8/31</a:t>
+              <a:t>2024/6/3</a:t>
             </a:fld>
             <a:endParaRPr kumimoji="1" lang="ja-JP" altLang="en-US"/>
           </a:p>
@@ -3090,7 +3090,7 @@
           <a:p>
             <a:fld id="{5BB77CFB-1EF2-0545-960B-65D7746E405D}" type="datetimeFigureOut">
               <a:rPr kumimoji="1" lang="ja-JP" altLang="en-US" smtClean="0"/>
-              <a:t>2022/8/31</a:t>
+              <a:t>2024/6/3</a:t>
             </a:fld>
             <a:endParaRPr kumimoji="1" lang="ja-JP" altLang="en-US"/>
           </a:p>
@@ -3378,7 +3378,7 @@
           <a:p>
             <a:fld id="{5BB77CFB-1EF2-0545-960B-65D7746E405D}" type="datetimeFigureOut">
               <a:rPr kumimoji="1" lang="ja-JP" altLang="en-US" smtClean="0"/>
-              <a:t>2022/8/31</a:t>
+              <a:t>2024/6/3</a:t>
             </a:fld>
             <a:endParaRPr kumimoji="1" lang="ja-JP" altLang="en-US"/>
           </a:p>
@@ -3608,7 +3608,7 @@
           <a:p>
             <a:fld id="{5BB77CFB-1EF2-0545-960B-65D7746E405D}" type="datetimeFigureOut">
               <a:rPr kumimoji="1" lang="ja-JP" altLang="en-US" smtClean="0"/>
-              <a:t>2022/8/31</a:t>
+              <a:t>2024/6/3</a:t>
             </a:fld>
             <a:endParaRPr kumimoji="1" lang="ja-JP" altLang="en-US"/>
           </a:p>
@@ -3848,7 +3848,7 @@
           <a:p>
             <a:fld id="{5BB77CFB-1EF2-0545-960B-65D7746E405D}" type="datetimeFigureOut">
               <a:rPr kumimoji="1" lang="ja-JP" altLang="en-US" smtClean="0"/>
-              <a:t>2022/8/31</a:t>
+              <a:t>2024/6/3</a:t>
             </a:fld>
             <a:endParaRPr kumimoji="1" lang="ja-JP" altLang="en-US"/>
           </a:p>
@@ -4123,7 +4123,7 @@
           <a:p>
             <a:fld id="{5BB77CFB-1EF2-0545-960B-65D7746E405D}" type="datetimeFigureOut">
               <a:rPr kumimoji="1" lang="ja-JP" altLang="en-US" smtClean="0"/>
-              <a:t>2022/8/31</a:t>
+              <a:t>2024/6/3</a:t>
             </a:fld>
             <a:endParaRPr kumimoji="1" lang="ja-JP" altLang="en-US"/>
           </a:p>
@@ -4452,7 +4452,7 @@
           <a:p>
             <a:fld id="{5BB77CFB-1EF2-0545-960B-65D7746E405D}" type="datetimeFigureOut">
               <a:rPr kumimoji="1" lang="ja-JP" altLang="en-US" smtClean="0"/>
-              <a:t>2022/8/31</a:t>
+              <a:t>2024/6/3</a:t>
             </a:fld>
             <a:endParaRPr kumimoji="1" lang="ja-JP" altLang="en-US"/>
           </a:p>
@@ -4928,7 +4928,7 @@
           <a:p>
             <a:fld id="{5BB77CFB-1EF2-0545-960B-65D7746E405D}" type="datetimeFigureOut">
               <a:rPr kumimoji="1" lang="ja-JP" altLang="en-US" smtClean="0"/>
-              <a:t>2022/8/31</a:t>
+              <a:t>2024/6/3</a:t>
             </a:fld>
             <a:endParaRPr kumimoji="1" lang="ja-JP" altLang="en-US"/>
           </a:p>
@@ -5069,7 +5069,7 @@
           <a:p>
             <a:fld id="{5BB77CFB-1EF2-0545-960B-65D7746E405D}" type="datetimeFigureOut">
               <a:rPr kumimoji="1" lang="ja-JP" altLang="en-US" smtClean="0"/>
-              <a:t>2022/8/31</a:t>
+              <a:t>2024/6/3</a:t>
             </a:fld>
             <a:endParaRPr kumimoji="1" lang="ja-JP" altLang="en-US"/>
           </a:p>
@@ -5182,7 +5182,7 @@
           <a:p>
             <a:fld id="{5BB77CFB-1EF2-0545-960B-65D7746E405D}" type="datetimeFigureOut">
               <a:rPr kumimoji="1" lang="ja-JP" altLang="en-US" smtClean="0"/>
-              <a:t>2022/8/31</a:t>
+              <a:t>2024/6/3</a:t>
             </a:fld>
             <a:endParaRPr kumimoji="1" lang="ja-JP" altLang="en-US"/>
           </a:p>
@@ -5525,7 +5525,7 @@
           <a:p>
             <a:fld id="{5BB77CFB-1EF2-0545-960B-65D7746E405D}" type="datetimeFigureOut">
               <a:rPr kumimoji="1" lang="ja-JP" altLang="en-US" smtClean="0"/>
-              <a:t>2022/8/31</a:t>
+              <a:t>2024/6/3</a:t>
             </a:fld>
             <a:endParaRPr kumimoji="1" lang="ja-JP" altLang="en-US"/>
           </a:p>
@@ -5813,7 +5813,7 @@
           <a:p>
             <a:fld id="{5BB77CFB-1EF2-0545-960B-65D7746E405D}" type="datetimeFigureOut">
               <a:rPr kumimoji="1" lang="ja-JP" altLang="en-US" smtClean="0"/>
-              <a:t>2022/8/31</a:t>
+              <a:t>2024/6/3</a:t>
             </a:fld>
             <a:endParaRPr kumimoji="1" lang="ja-JP" altLang="en-US"/>
           </a:p>
@@ -6086,7 +6086,7 @@
           <a:p>
             <a:fld id="{5BB77CFB-1EF2-0545-960B-65D7746E405D}" type="datetimeFigureOut">
               <a:rPr kumimoji="1" lang="ja-JP" altLang="en-US" smtClean="0"/>
-              <a:t>2022/8/31</a:t>
+              <a:t>2024/6/3</a:t>
             </a:fld>
             <a:endParaRPr kumimoji="1" lang="ja-JP" altLang="en-US"/>
           </a:p>
@@ -6686,7 +6686,7 @@
           <a:p>
             <a:fld id="{5BB77CFB-1EF2-0545-960B-65D7746E405D}" type="datetimeFigureOut">
               <a:rPr kumimoji="1" lang="ja-JP" altLang="en-US" smtClean="0"/>
-              <a:t>2022/8/31</a:t>
+              <a:t>2024/6/3</a:t>
             </a:fld>
             <a:endParaRPr kumimoji="1" lang="ja-JP" altLang="en-US"/>
           </a:p>
@@ -7890,7 +7890,7 @@
             </p:nvSpPr>
             <p:spPr>
               <a:xfrm>
-                <a:off x="7157477" y="4726082"/>
+                <a:off x="7288312" y="4726082"/>
                 <a:ext cx="518091" cy="292388"/>
               </a:xfrm>
               <a:prstGeom prst="rect">
@@ -7916,104 +7916,6 @@
                     <a:cs typeface="Arial" panose="020B0604020202020204" pitchFamily="34" charset="0"/>
                   </a:rPr>
                   <a:t>横浜</a:t>
-                </a:r>
-                <a:endParaRPr kumimoji="1" lang="ja-JP" altLang="en-US" sz="1300">
-                  <a:solidFill>
-                    <a:schemeClr val="bg2">
-                      <a:lumMod val="10000"/>
-                    </a:schemeClr>
-                  </a:solidFill>
-                  <a:latin typeface="Meiryo UI" panose="020B0604030504040204" pitchFamily="34" charset="-128"/>
-                  <a:ea typeface="Meiryo UI" panose="020B0604030504040204" pitchFamily="34" charset="-128"/>
-                  <a:cs typeface="Arial" panose="020B0604020202020204" pitchFamily="34" charset="0"/>
-                </a:endParaRPr>
-              </a:p>
-            </p:txBody>
-          </p:sp>
-          <p:sp>
-            <p:nvSpPr>
-              <p:cNvPr id="18" name="テキスト ボックス 17">
-                <a:extLst>
-                  <a:ext uri="{FF2B5EF4-FFF2-40B4-BE49-F238E27FC236}">
-                    <a16:creationId xmlns:a16="http://schemas.microsoft.com/office/drawing/2014/main" id="{BE5DEAB5-F181-C231-7D32-B86F468AA964}"/>
-                  </a:ext>
-                </a:extLst>
-              </p:cNvPr>
-              <p:cNvSpPr txBox="1"/>
-              <p:nvPr/>
-            </p:nvSpPr>
-            <p:spPr>
-              <a:xfrm>
-                <a:off x="7151556" y="5018470"/>
-                <a:ext cx="518091" cy="292388"/>
-              </a:xfrm>
-              <a:prstGeom prst="rect">
-                <a:avLst/>
-              </a:prstGeom>
-              <a:noFill/>
-            </p:spPr>
-            <p:txBody>
-              <a:bodyPr wrap="none" rtlCol="0">
-                <a:spAutoFit/>
-              </a:bodyPr>
-              <a:lstStyle/>
-              <a:p>
-                <a:r>
-                  <a:rPr kumimoji="1" lang="ja-JP" altLang="en-US" sz="1300">
-                    <a:solidFill>
-                      <a:schemeClr val="bg2">
-                        <a:lumMod val="10000"/>
-                      </a:schemeClr>
-                    </a:solidFill>
-                    <a:latin typeface="Meiryo UI" panose="020B0604030504040204" pitchFamily="34" charset="-128"/>
-                    <a:ea typeface="Meiryo UI" panose="020B0604030504040204" pitchFamily="34" charset="-128"/>
-                    <a:cs typeface="Arial" panose="020B0604020202020204" pitchFamily="34" charset="0"/>
-                  </a:rPr>
-                  <a:t>磐田</a:t>
-                </a:r>
-              </a:p>
-            </p:txBody>
-          </p:sp>
-          <p:sp>
-            <p:nvSpPr>
-              <p:cNvPr id="19" name="テキスト ボックス 18">
-                <a:extLst>
-                  <a:ext uri="{FF2B5EF4-FFF2-40B4-BE49-F238E27FC236}">
-                    <a16:creationId xmlns:a16="http://schemas.microsoft.com/office/drawing/2014/main" id="{698CDEBE-7A6E-8DB0-A887-51C78E39E283}"/>
-                  </a:ext>
-                </a:extLst>
-              </p:cNvPr>
-              <p:cNvSpPr txBox="1"/>
-              <p:nvPr/>
-            </p:nvSpPr>
-            <p:spPr>
-              <a:xfrm>
-                <a:off x="7004484" y="5277557"/>
-                <a:ext cx="518091" cy="292388"/>
-              </a:xfrm>
-              <a:prstGeom prst="rect">
-                <a:avLst/>
-              </a:prstGeom>
-              <a:noFill/>
-            </p:spPr>
-            <p:txBody>
-              <a:bodyPr wrap="none" rtlCol="0">
-                <a:spAutoFit/>
-              </a:bodyPr>
-              <a:lstStyle/>
-              <a:p>
-                <a:r>
-                  <a:rPr lang="ja-JP" altLang="en-US" sz="1300">
-                    <a:solidFill>
-                      <a:schemeClr val="bg2">
-                        <a:lumMod val="10000"/>
-                      </a:schemeClr>
-                    </a:solidFill>
-                    <a:latin typeface="Meiryo UI" panose="020B0604030504040204" pitchFamily="34" charset="-128"/>
-                    <a:ea typeface="Meiryo UI" panose="020B0604030504040204" pitchFamily="34" charset="-128"/>
-                    <a:cs typeface="Arial" panose="020B0604020202020204" pitchFamily="34" charset="0"/>
-                  </a:rPr>
-                  <a:t>浜松</a:t>
                 </a:r>
                 <a:endParaRPr kumimoji="1" lang="ja-JP" altLang="en-US" sz="1300">
                   <a:solidFill>
@@ -8431,60 +8333,6 @@
                     <a:cs typeface="Arial" panose="020B0604020202020204" pitchFamily="34" charset="0"/>
                   </a:rPr>
                   <a:t>熊本</a:t>
-                </a:r>
-                <a:endParaRPr kumimoji="1" lang="ja-JP" altLang="en-US" sz="1300">
-                  <a:solidFill>
-                    <a:schemeClr val="bg2">
-                      <a:lumMod val="10000"/>
-                    </a:schemeClr>
-                  </a:solidFill>
-                  <a:latin typeface="Meiryo UI" panose="020B0604030504040204" pitchFamily="34" charset="-128"/>
-                  <a:ea typeface="Meiryo UI" panose="020B0604030504040204" pitchFamily="34" charset="-128"/>
-                  <a:cs typeface="Arial" panose="020B0604020202020204" pitchFamily="34" charset="0"/>
-                </a:endParaRPr>
-              </a:p>
-            </p:txBody>
-          </p:sp>
-          <p:sp>
-            <p:nvSpPr>
-              <p:cNvPr id="35" name="テキスト ボックス 34">
-                <a:extLst>
-                  <a:ext uri="{FF2B5EF4-FFF2-40B4-BE49-F238E27FC236}">
-                    <a16:creationId xmlns:a16="http://schemas.microsoft.com/office/drawing/2014/main" id="{F7DBD9A4-386D-405B-6EBE-D7329DF05B5D}"/>
-                  </a:ext>
-                </a:extLst>
-              </p:cNvPr>
-              <p:cNvSpPr txBox="1"/>
-              <p:nvPr/>
-            </p:nvSpPr>
-            <p:spPr>
-              <a:xfrm>
-                <a:off x="3489674" y="5671372"/>
-                <a:ext cx="684803" cy="292388"/>
-              </a:xfrm>
-              <a:prstGeom prst="rect">
-                <a:avLst/>
-              </a:prstGeom>
-              <a:noFill/>
-            </p:spPr>
-            <p:txBody>
-              <a:bodyPr wrap="none" rtlCol="0">
-                <a:spAutoFit/>
-              </a:bodyPr>
-              <a:lstStyle/>
-              <a:p>
-                <a:r>
-                  <a:rPr lang="ja-JP" altLang="en-US" sz="1300">
-                    <a:solidFill>
-                      <a:schemeClr val="bg2">
-                        <a:lumMod val="10000"/>
-                      </a:schemeClr>
-                    </a:solidFill>
-                    <a:latin typeface="Meiryo UI" panose="020B0604030504040204" pitchFamily="34" charset="-128"/>
-                    <a:ea typeface="Meiryo UI" panose="020B0604030504040204" pitchFamily="34" charset="-128"/>
-                    <a:cs typeface="Arial" panose="020B0604020202020204" pitchFamily="34" charset="0"/>
-                  </a:rPr>
-                  <a:t>鹿児島</a:t>
                 </a:r>
                 <a:endParaRPr kumimoji="1" lang="ja-JP" altLang="en-US" sz="1300">
                   <a:solidFill>
@@ -10063,7 +9911,7 @@
             <p:spPr>
               <a:xfrm>
                 <a:off x="7242149" y="4251744"/>
-                <a:ext cx="22167" cy="525094"/>
+                <a:ext cx="127145" cy="519829"/>
               </a:xfrm>
               <a:prstGeom prst="line">
                 <a:avLst/>
@@ -10336,96 +10184,6 @@
               </a:p>
             </p:txBody>
           </p:sp>
-          <p:cxnSp>
-            <p:nvCxnSpPr>
-              <p:cNvPr id="89" name="直線コネクタ 88">
-                <a:extLst>
-                  <a:ext uri="{FF2B5EF4-FFF2-40B4-BE49-F238E27FC236}">
-                    <a16:creationId xmlns:a16="http://schemas.microsoft.com/office/drawing/2014/main" id="{D8BA2699-CF2B-F060-9A25-7E1366DF358F}"/>
-                  </a:ext>
-                </a:extLst>
-              </p:cNvPr>
-              <p:cNvCxnSpPr>
-                <a:cxnSpLocks/>
-              </p:cNvCxnSpPr>
-              <p:nvPr/>
-            </p:nvCxnSpPr>
-            <p:spPr>
-              <a:xfrm>
-                <a:off x="6736105" y="4466161"/>
-                <a:ext cx="452403" cy="698503"/>
-              </a:xfrm>
-              <a:prstGeom prst="line">
-                <a:avLst/>
-              </a:prstGeom>
-              <a:ln w="12700">
-                <a:solidFill>
-                  <a:schemeClr val="bg2">
-                    <a:lumMod val="10000"/>
-                  </a:schemeClr>
-                </a:solidFill>
-              </a:ln>
-            </p:spPr>
-            <p:style>
-              <a:lnRef idx="1">
-                <a:schemeClr val="accent1"/>
-              </a:lnRef>
-              <a:fillRef idx="0">
-                <a:schemeClr val="accent1"/>
-              </a:fillRef>
-              <a:effectRef idx="0">
-                <a:schemeClr val="accent1"/>
-              </a:effectRef>
-              <a:fontRef idx="minor">
-                <a:schemeClr val="tx1"/>
-              </a:fontRef>
-            </p:style>
-          </p:cxnSp>
-          <p:cxnSp>
-            <p:nvCxnSpPr>
-              <p:cNvPr id="91" name="直線コネクタ 90">
-                <a:extLst>
-                  <a:ext uri="{FF2B5EF4-FFF2-40B4-BE49-F238E27FC236}">
-                    <a16:creationId xmlns:a16="http://schemas.microsoft.com/office/drawing/2014/main" id="{A94BE3FB-3F77-78AC-A75B-24FCC5D2014D}"/>
-                  </a:ext>
-                </a:extLst>
-              </p:cNvPr>
-              <p:cNvCxnSpPr>
-                <a:cxnSpLocks/>
-              </p:cNvCxnSpPr>
-              <p:nvPr/>
-            </p:nvCxnSpPr>
-            <p:spPr>
-              <a:xfrm>
-                <a:off x="6601913" y="4531053"/>
-                <a:ext cx="481803" cy="795096"/>
-              </a:xfrm>
-              <a:prstGeom prst="line">
-                <a:avLst/>
-              </a:prstGeom>
-              <a:ln w="12700">
-                <a:solidFill>
-                  <a:schemeClr val="bg2">
-                    <a:lumMod val="10000"/>
-                  </a:schemeClr>
-                </a:solidFill>
-              </a:ln>
-            </p:spPr>
-            <p:style>
-              <a:lnRef idx="1">
-                <a:schemeClr val="accent1"/>
-              </a:lnRef>
-              <a:fillRef idx="0">
-                <a:schemeClr val="accent1"/>
-              </a:fillRef>
-              <a:effectRef idx="0">
-                <a:schemeClr val="accent1"/>
-              </a:effectRef>
-              <a:fontRef idx="minor">
-                <a:schemeClr val="tx1"/>
-              </a:fontRef>
-            </p:style>
-          </p:cxnSp>
           <p:cxnSp>
             <p:nvCxnSpPr>
               <p:cNvPr id="97" name="直線コネクタ 96">
@@ -11730,106 +11488,6 @@
           </p:sp>
           <p:cxnSp>
             <p:nvCxnSpPr>
-              <p:cNvPr id="137" name="直線コネクタ 136">
-                <a:extLst>
-                  <a:ext uri="{FF2B5EF4-FFF2-40B4-BE49-F238E27FC236}">
-                    <a16:creationId xmlns:a16="http://schemas.microsoft.com/office/drawing/2014/main" id="{6C832C1B-2E78-E8DF-DC61-C8976EE4FD54}"/>
-                  </a:ext>
-                </a:extLst>
-              </p:cNvPr>
-              <p:cNvCxnSpPr>
-                <a:cxnSpLocks/>
-              </p:cNvCxnSpPr>
-              <p:nvPr/>
-            </p:nvCxnSpPr>
-            <p:spPr>
-              <a:xfrm flipV="1">
-                <a:off x="4171842" y="5501994"/>
-                <a:ext cx="326973" cy="220089"/>
-              </a:xfrm>
-              <a:prstGeom prst="line">
-                <a:avLst/>
-              </a:prstGeom>
-              <a:ln w="12700">
-                <a:solidFill>
-                  <a:schemeClr val="bg2">
-                    <a:lumMod val="10000"/>
-                  </a:schemeClr>
-                </a:solidFill>
-              </a:ln>
-            </p:spPr>
-            <p:style>
-              <a:lnRef idx="1">
-                <a:schemeClr val="accent1"/>
-              </a:lnRef>
-              <a:fillRef idx="0">
-                <a:schemeClr val="accent1"/>
-              </a:fillRef>
-              <a:effectRef idx="0">
-                <a:schemeClr val="accent1"/>
-              </a:effectRef>
-              <a:fontRef idx="minor">
-                <a:schemeClr val="tx1"/>
-              </a:fontRef>
-            </p:style>
-          </p:cxnSp>
-          <p:sp>
-            <p:nvSpPr>
-              <p:cNvPr id="118" name="テキスト ボックス 117">
-                <a:extLst>
-                  <a:ext uri="{FF2B5EF4-FFF2-40B4-BE49-F238E27FC236}">
-                    <a16:creationId xmlns:a16="http://schemas.microsoft.com/office/drawing/2014/main" id="{A27AF81A-AE51-31FB-AFA9-FE813B507371}"/>
-                  </a:ext>
-                </a:extLst>
-              </p:cNvPr>
-              <p:cNvSpPr txBox="1"/>
-              <p:nvPr/>
-            </p:nvSpPr>
-            <p:spPr>
-              <a:xfrm>
-                <a:off x="4329806" y="5341106"/>
-                <a:ext cx="351378" cy="292388"/>
-              </a:xfrm>
-              <a:prstGeom prst="rect">
-                <a:avLst/>
-              </a:prstGeom>
-              <a:noFill/>
-              <a:effectLst>
-                <a:outerShdw blurRad="50800" dist="38100" dir="2700000" algn="tl" rotWithShape="0">
-                  <a:prstClr val="black">
-                    <a:alpha val="40000"/>
-                  </a:prstClr>
-                </a:outerShdw>
-              </a:effectLst>
-            </p:spPr>
-            <p:txBody>
-              <a:bodyPr wrap="none" rtlCol="0">
-                <a:spAutoFit/>
-              </a:bodyPr>
-              <a:lstStyle/>
-              <a:p>
-                <a:r>
-                  <a:rPr lang="en" altLang="ja-JP" sz="1300" dirty="0">
-                    <a:solidFill>
-                      <a:srgbClr val="F8B62B"/>
-                    </a:solidFill>
-                    <a:latin typeface="Arial" panose="020B0604020202020204" pitchFamily="34" charset="0"/>
-                    <a:cs typeface="Arial" panose="020B0604020202020204" pitchFamily="34" charset="0"/>
-                  </a:rPr>
-                  <a:t>★</a:t>
-                </a:r>
-                <a:endParaRPr kumimoji="1" lang="ja-JP" altLang="en-US" sz="1300">
-                  <a:solidFill>
-                    <a:srgbClr val="F8B62B"/>
-                  </a:solidFill>
-                  <a:latin typeface="Arial" panose="020B0604020202020204" pitchFamily="34" charset="0"/>
-                  <a:cs typeface="Arial" panose="020B0604020202020204" pitchFamily="34" charset="0"/>
-                </a:endParaRPr>
-              </a:p>
-            </p:txBody>
-          </p:sp>
-          <p:cxnSp>
-            <p:nvCxnSpPr>
               <p:cNvPr id="139" name="直線コネクタ 138">
                 <a:extLst>
                   <a:ext uri="{FF2B5EF4-FFF2-40B4-BE49-F238E27FC236}">
@@ -12685,6 +12343,261 @@
               </a:p>
             </p:txBody>
           </p:sp>
+          <p:cxnSp>
+            <p:nvCxnSpPr>
+              <p:cNvPr id="165" name="直線コネクタ 164">
+                <a:extLst>
+                  <a:ext uri="{FF2B5EF4-FFF2-40B4-BE49-F238E27FC236}">
+                    <a16:creationId xmlns:a16="http://schemas.microsoft.com/office/drawing/2014/main" id="{D6BAD8D3-EFE4-E82E-1632-CA882D0A2525}"/>
+                  </a:ext>
+                </a:extLst>
+              </p:cNvPr>
+              <p:cNvCxnSpPr>
+                <a:cxnSpLocks/>
+              </p:cNvCxnSpPr>
+              <p:nvPr/>
+            </p:nvCxnSpPr>
+            <p:spPr>
+              <a:xfrm>
+                <a:off x="5057173" y="3801903"/>
+                <a:ext cx="417925" cy="630856"/>
+              </a:xfrm>
+              <a:prstGeom prst="line">
+                <a:avLst/>
+              </a:prstGeom>
+              <a:ln w="12700">
+                <a:solidFill>
+                  <a:schemeClr val="bg2">
+                    <a:lumMod val="10000"/>
+                  </a:schemeClr>
+                </a:solidFill>
+              </a:ln>
+            </p:spPr>
+            <p:style>
+              <a:lnRef idx="1">
+                <a:schemeClr val="accent1"/>
+              </a:lnRef>
+              <a:fillRef idx="0">
+                <a:schemeClr val="accent1"/>
+              </a:fillRef>
+              <a:effectRef idx="0">
+                <a:schemeClr val="accent1"/>
+              </a:effectRef>
+              <a:fontRef idx="minor">
+                <a:schemeClr val="tx1"/>
+              </a:fontRef>
+            </p:style>
+          </p:cxnSp>
+          <p:sp>
+            <p:nvSpPr>
+              <p:cNvPr id="167" name="テキスト ボックス 166">
+                <a:extLst>
+                  <a:ext uri="{FF2B5EF4-FFF2-40B4-BE49-F238E27FC236}">
+                    <a16:creationId xmlns:a16="http://schemas.microsoft.com/office/drawing/2014/main" id="{FFBF3B3D-B5EE-782B-0377-1C9F0353C590}"/>
+                  </a:ext>
+                </a:extLst>
+              </p:cNvPr>
+              <p:cNvSpPr txBox="1"/>
+              <p:nvPr/>
+            </p:nvSpPr>
+            <p:spPr>
+              <a:xfrm>
+                <a:off x="5345426" y="4298889"/>
+                <a:ext cx="351378" cy="292388"/>
+              </a:xfrm>
+              <a:prstGeom prst="rect">
+                <a:avLst/>
+              </a:prstGeom>
+              <a:noFill/>
+              <a:effectLst>
+                <a:outerShdw blurRad="50800" dist="38100" dir="2700000" algn="tl" rotWithShape="0">
+                  <a:prstClr val="black">
+                    <a:alpha val="40000"/>
+                  </a:prstClr>
+                </a:outerShdw>
+              </a:effectLst>
+            </p:spPr>
+            <p:txBody>
+              <a:bodyPr wrap="none" rtlCol="0">
+                <a:spAutoFit/>
+              </a:bodyPr>
+              <a:lstStyle/>
+              <a:p>
+                <a:r>
+                  <a:rPr lang="en" altLang="ja-JP" sz="1300" dirty="0">
+                    <a:solidFill>
+                      <a:srgbClr val="F8B62B"/>
+                    </a:solidFill>
+                    <a:latin typeface="Arial" panose="020B0604020202020204" pitchFamily="34" charset="0"/>
+                    <a:cs typeface="Arial" panose="020B0604020202020204" pitchFamily="34" charset="0"/>
+                  </a:rPr>
+                  <a:t>★</a:t>
+                </a:r>
+                <a:endParaRPr kumimoji="1" lang="ja-JP" altLang="en-US" sz="1300">
+                  <a:solidFill>
+                    <a:srgbClr val="F8B62B"/>
+                  </a:solidFill>
+                  <a:latin typeface="Arial" panose="020B0604020202020204" pitchFamily="34" charset="0"/>
+                  <a:cs typeface="Arial" panose="020B0604020202020204" pitchFamily="34" charset="0"/>
+                </a:endParaRPr>
+              </a:p>
+            </p:txBody>
+          </p:sp>
+          <p:cxnSp>
+            <p:nvCxnSpPr>
+              <p:cNvPr id="172" name="直線コネクタ 171">
+                <a:extLst>
+                  <a:ext uri="{FF2B5EF4-FFF2-40B4-BE49-F238E27FC236}">
+                    <a16:creationId xmlns:a16="http://schemas.microsoft.com/office/drawing/2014/main" id="{C30D61A1-F81C-0A5F-0F57-23F7FFC2AE55}"/>
+                  </a:ext>
+                </a:extLst>
+              </p:cNvPr>
+              <p:cNvCxnSpPr>
+                <a:cxnSpLocks/>
+              </p:cNvCxnSpPr>
+              <p:nvPr/>
+            </p:nvCxnSpPr>
+            <p:spPr>
+              <a:xfrm>
+                <a:off x="4783721" y="5036139"/>
+                <a:ext cx="93360" cy="420913"/>
+              </a:xfrm>
+              <a:prstGeom prst="line">
+                <a:avLst/>
+              </a:prstGeom>
+              <a:ln w="12700">
+                <a:solidFill>
+                  <a:schemeClr val="bg2">
+                    <a:lumMod val="10000"/>
+                  </a:schemeClr>
+                </a:solidFill>
+              </a:ln>
+            </p:spPr>
+            <p:style>
+              <a:lnRef idx="1">
+                <a:schemeClr val="accent1"/>
+              </a:lnRef>
+              <a:fillRef idx="0">
+                <a:schemeClr val="accent1"/>
+              </a:fillRef>
+              <a:effectRef idx="0">
+                <a:schemeClr val="accent1"/>
+              </a:effectRef>
+              <a:fontRef idx="minor">
+                <a:schemeClr val="tx1"/>
+              </a:fontRef>
+            </p:style>
+          </p:cxnSp>
+          <p:sp>
+            <p:nvSpPr>
+              <p:cNvPr id="113" name="テキスト ボックス 112">
+                <a:extLst>
+                  <a:ext uri="{FF2B5EF4-FFF2-40B4-BE49-F238E27FC236}">
+                    <a16:creationId xmlns:a16="http://schemas.microsoft.com/office/drawing/2014/main" id="{F6DD36DA-769A-5CB1-B8EC-A0057CE94095}"/>
+                  </a:ext>
+                </a:extLst>
+              </p:cNvPr>
+              <p:cNvSpPr txBox="1"/>
+              <p:nvPr/>
+            </p:nvSpPr>
+            <p:spPr>
+              <a:xfrm>
+                <a:off x="4605576" y="4885113"/>
+                <a:ext cx="351378" cy="292388"/>
+              </a:xfrm>
+              <a:prstGeom prst="rect">
+                <a:avLst/>
+              </a:prstGeom>
+              <a:noFill/>
+              <a:effectLst>
+                <a:outerShdw blurRad="50800" dist="38100" dir="2700000" algn="tl" rotWithShape="0">
+                  <a:prstClr val="black">
+                    <a:alpha val="40000"/>
+                  </a:prstClr>
+                </a:outerShdw>
+              </a:effectLst>
+            </p:spPr>
+            <p:txBody>
+              <a:bodyPr wrap="none" rtlCol="0">
+                <a:spAutoFit/>
+              </a:bodyPr>
+              <a:lstStyle/>
+              <a:p>
+                <a:r>
+                  <a:rPr lang="en" altLang="ja-JP" sz="1300" dirty="0">
+                    <a:solidFill>
+                      <a:srgbClr val="F8B62B"/>
+                    </a:solidFill>
+                    <a:latin typeface="Arial" panose="020B0604020202020204" pitchFamily="34" charset="0"/>
+                    <a:cs typeface="Arial" panose="020B0604020202020204" pitchFamily="34" charset="0"/>
+                  </a:rPr>
+                  <a:t>★</a:t>
+                </a:r>
+                <a:endParaRPr kumimoji="1" lang="ja-JP" altLang="en-US" sz="1300">
+                  <a:solidFill>
+                    <a:srgbClr val="F8B62B"/>
+                  </a:solidFill>
+                  <a:latin typeface="Arial" panose="020B0604020202020204" pitchFamily="34" charset="0"/>
+                  <a:cs typeface="Arial" panose="020B0604020202020204" pitchFamily="34" charset="0"/>
+                </a:endParaRPr>
+              </a:p>
+            </p:txBody>
+          </p:sp>
+          <p:sp>
+            <p:nvSpPr>
+              <p:cNvPr id="25" name="テキスト ボックス 24">
+                <a:extLst>
+                  <a:ext uri="{FF2B5EF4-FFF2-40B4-BE49-F238E27FC236}">
+                    <a16:creationId xmlns:a16="http://schemas.microsoft.com/office/drawing/2014/main" id="{15D51C16-F92B-19E1-FD5F-F90D1699A8EF}"/>
+                  </a:ext>
+                </a:extLst>
+              </p:cNvPr>
+              <p:cNvSpPr txBox="1"/>
+              <p:nvPr/>
+            </p:nvSpPr>
+            <p:spPr>
+              <a:xfrm>
+                <a:off x="6822115" y="4136032"/>
+                <a:ext cx="351378" cy="292388"/>
+              </a:xfrm>
+              <a:prstGeom prst="rect">
+                <a:avLst/>
+              </a:prstGeom>
+              <a:noFill/>
+              <a:effectLst>
+                <a:outerShdw blurRad="50800" dist="38100" dir="2700000" algn="tl" rotWithShape="0">
+                  <a:prstClr val="black">
+                    <a:alpha val="40000"/>
+                  </a:prstClr>
+                </a:outerShdw>
+              </a:effectLst>
+            </p:spPr>
+            <p:txBody>
+              <a:bodyPr wrap="none" rtlCol="0">
+                <a:spAutoFit/>
+              </a:bodyPr>
+              <a:lstStyle/>
+              <a:p>
+                <a:r>
+                  <a:rPr lang="en" altLang="ja-JP" sz="1300" dirty="0">
+                    <a:solidFill>
+                      <a:srgbClr val="F8B62B"/>
+                    </a:solidFill>
+                    <a:latin typeface="Arial" panose="020B0604020202020204" pitchFamily="34" charset="0"/>
+                    <a:cs typeface="Arial" panose="020B0604020202020204" pitchFamily="34" charset="0"/>
+                  </a:rPr>
+                  <a:t>★</a:t>
+                </a:r>
+                <a:endParaRPr kumimoji="1" lang="ja-JP" altLang="en-US" sz="1300">
+                  <a:solidFill>
+                    <a:srgbClr val="F8B62B"/>
+                  </a:solidFill>
+                  <a:latin typeface="Arial" panose="020B0604020202020204" pitchFamily="34" charset="0"/>
+                  <a:cs typeface="Arial" panose="020B0604020202020204" pitchFamily="34" charset="0"/>
+                </a:endParaRPr>
+              </a:p>
+            </p:txBody>
+          </p:sp>
           <p:sp>
             <p:nvSpPr>
               <p:cNvPr id="81" name="テキスト ボックス 80">
@@ -12795,57 +12708,12 @@
               </a:p>
             </p:txBody>
           </p:sp>
-          <p:cxnSp>
-            <p:nvCxnSpPr>
-              <p:cNvPr id="165" name="直線コネクタ 164">
+          <p:sp>
+            <p:nvSpPr>
+              <p:cNvPr id="11" name="テキスト ボックス 10">
                 <a:extLst>
                   <a:ext uri="{FF2B5EF4-FFF2-40B4-BE49-F238E27FC236}">
-                    <a16:creationId xmlns:a16="http://schemas.microsoft.com/office/drawing/2014/main" id="{D6BAD8D3-EFE4-E82E-1632-CA882D0A2525}"/>
-                  </a:ext>
-                </a:extLst>
-              </p:cNvPr>
-              <p:cNvCxnSpPr>
-                <a:cxnSpLocks/>
-              </p:cNvCxnSpPr>
-              <p:nvPr/>
-            </p:nvCxnSpPr>
-            <p:spPr>
-              <a:xfrm>
-                <a:off x="5057173" y="3801903"/>
-                <a:ext cx="417925" cy="630856"/>
-              </a:xfrm>
-              <a:prstGeom prst="line">
-                <a:avLst/>
-              </a:prstGeom>
-              <a:ln w="12700">
-                <a:solidFill>
-                  <a:schemeClr val="bg2">
-                    <a:lumMod val="10000"/>
-                  </a:schemeClr>
-                </a:solidFill>
-              </a:ln>
-            </p:spPr>
-            <p:style>
-              <a:lnRef idx="1">
-                <a:schemeClr val="accent1"/>
-              </a:lnRef>
-              <a:fillRef idx="0">
-                <a:schemeClr val="accent1"/>
-              </a:fillRef>
-              <a:effectRef idx="0">
-                <a:schemeClr val="accent1"/>
-              </a:effectRef>
-              <a:fontRef idx="minor">
-                <a:schemeClr val="tx1"/>
-              </a:fontRef>
-            </p:style>
-          </p:cxnSp>
-          <p:sp>
-            <p:nvSpPr>
-              <p:cNvPr id="167" name="テキスト ボックス 166">
-                <a:extLst>
-                  <a:ext uri="{FF2B5EF4-FFF2-40B4-BE49-F238E27FC236}">
-                    <a16:creationId xmlns:a16="http://schemas.microsoft.com/office/drawing/2014/main" id="{FFBF3B3D-B5EE-782B-0377-1C9F0353C590}"/>
+                    <a16:creationId xmlns:a16="http://schemas.microsoft.com/office/drawing/2014/main" id="{D46A9A64-C220-F71B-2D68-56972B470176}"/>
                   </a:ext>
                 </a:extLst>
               </p:cNvPr>
@@ -12854,7 +12722,7 @@
             </p:nvSpPr>
             <p:spPr>
               <a:xfrm>
-                <a:off x="5345426" y="4298889"/>
+                <a:off x="7732200" y="2516292"/>
                 <a:ext cx="351378" cy="292388"/>
               </a:xfrm>
               <a:prstGeom prst="rect">
@@ -12895,57 +12763,12 @@
               </a:p>
             </p:txBody>
           </p:sp>
-          <p:cxnSp>
-            <p:nvCxnSpPr>
-              <p:cNvPr id="172" name="直線コネクタ 171">
+          <p:sp>
+            <p:nvSpPr>
+              <p:cNvPr id="14" name="テキスト ボックス 13">
                 <a:extLst>
                   <a:ext uri="{FF2B5EF4-FFF2-40B4-BE49-F238E27FC236}">
-                    <a16:creationId xmlns:a16="http://schemas.microsoft.com/office/drawing/2014/main" id="{C30D61A1-F81C-0A5F-0F57-23F7FFC2AE55}"/>
-                  </a:ext>
-                </a:extLst>
-              </p:cNvPr>
-              <p:cNvCxnSpPr>
-                <a:cxnSpLocks/>
-              </p:cNvCxnSpPr>
-              <p:nvPr/>
-            </p:nvCxnSpPr>
-            <p:spPr>
-              <a:xfrm>
-                <a:off x="4783721" y="5036139"/>
-                <a:ext cx="93360" cy="420913"/>
-              </a:xfrm>
-              <a:prstGeom prst="line">
-                <a:avLst/>
-              </a:prstGeom>
-              <a:ln w="12700">
-                <a:solidFill>
-                  <a:schemeClr val="bg2">
-                    <a:lumMod val="10000"/>
-                  </a:schemeClr>
-                </a:solidFill>
-              </a:ln>
-            </p:spPr>
-            <p:style>
-              <a:lnRef idx="1">
-                <a:schemeClr val="accent1"/>
-              </a:lnRef>
-              <a:fillRef idx="0">
-                <a:schemeClr val="accent1"/>
-              </a:fillRef>
-              <a:effectRef idx="0">
-                <a:schemeClr val="accent1"/>
-              </a:effectRef>
-              <a:fontRef idx="minor">
-                <a:schemeClr val="tx1"/>
-              </a:fontRef>
-            </p:style>
-          </p:cxnSp>
-          <p:sp>
-            <p:nvSpPr>
-              <p:cNvPr id="113" name="テキスト ボックス 112">
-                <a:extLst>
-                  <a:ext uri="{FF2B5EF4-FFF2-40B4-BE49-F238E27FC236}">
-                    <a16:creationId xmlns:a16="http://schemas.microsoft.com/office/drawing/2014/main" id="{F6DD36DA-769A-5CB1-B8EC-A0057CE94095}"/>
+                    <a16:creationId xmlns:a16="http://schemas.microsoft.com/office/drawing/2014/main" id="{3547E02C-27E5-DBEF-EA3C-97C23A3DEEF2}"/>
                   </a:ext>
                 </a:extLst>
               </p:cNvPr>
@@ -12954,20 +12777,13 @@
             </p:nvSpPr>
             <p:spPr>
               <a:xfrm>
-                <a:off x="4605576" y="4885113"/>
-                <a:ext cx="351378" cy="292388"/>
+                <a:off x="8006256" y="2434365"/>
+                <a:ext cx="593432" cy="292388"/>
               </a:xfrm>
               <a:prstGeom prst="rect">
                 <a:avLst/>
               </a:prstGeom>
               <a:noFill/>
-              <a:effectLst>
-                <a:outerShdw blurRad="50800" dist="38100" dir="2700000" algn="tl" rotWithShape="0">
-                  <a:prstClr val="black">
-                    <a:alpha val="40000"/>
-                  </a:prstClr>
-                </a:outerShdw>
-              </a:effectLst>
             </p:spPr>
             <p:txBody>
               <a:bodyPr wrap="none" rtlCol="0">
@@ -12976,22 +12792,18 @@
               <a:lstStyle/>
               <a:p>
                 <a:r>
-                  <a:rPr lang="en" altLang="ja-JP" sz="1300" dirty="0">
+                  <a:rPr kumimoji="1" lang="ja-JP" altLang="en-US" sz="1300">
                     <a:solidFill>
-                      <a:srgbClr val="F8B62B"/>
+                      <a:schemeClr val="bg2">
+                        <a:lumMod val="10000"/>
+                      </a:schemeClr>
                     </a:solidFill>
-                    <a:latin typeface="Arial" panose="020B0604020202020204" pitchFamily="34" charset="0"/>
+                    <a:latin typeface="Meiryo UI" panose="020B0604030504040204" pitchFamily="34" charset="-128"/>
+                    <a:ea typeface="Meiryo UI" panose="020B0604030504040204" pitchFamily="34" charset="-128"/>
                     <a:cs typeface="Arial" panose="020B0604020202020204" pitchFamily="34" charset="0"/>
                   </a:rPr>
-                  <a:t>★</a:t>
+                  <a:t>いわて</a:t>
                 </a:r>
-                <a:endParaRPr kumimoji="1" lang="ja-JP" altLang="en-US" sz="1300">
-                  <a:solidFill>
-                    <a:srgbClr val="F8B62B"/>
-                  </a:solidFill>
-                  <a:latin typeface="Arial" panose="020B0604020202020204" pitchFamily="34" charset="0"/>
-                  <a:cs typeface="Arial" panose="020B0604020202020204" pitchFamily="34" charset="0"/>
-                </a:endParaRPr>
               </a:p>
             </p:txBody>
           </p:sp>
@@ -13263,7 +13075,7 @@
         <p:spPr>
           <a:xfrm>
             <a:off x="864584" y="2378321"/>
-            <a:ext cx="4125196" cy="707886"/>
+            <a:ext cx="2894616" cy="707886"/>
           </a:xfrm>
           <a:prstGeom prst="rect">
             <a:avLst/>
@@ -13356,7 +13168,7 @@
                 <a:latin typeface="Arial" panose="020B0604020202020204" pitchFamily="34" charset="0"/>
                 <a:cs typeface="Arial" panose="020B0604020202020204" pitchFamily="34" charset="0"/>
               </a:rPr>
-              <a:t>Aug 2022</a:t>
+              <a:t>Jun 2024</a:t>
             </a:r>
             <a:endParaRPr lang="ja-JP" altLang="en-US" sz="2400" b="1">
               <a:solidFill>
@@ -13385,7 +13197,7 @@
         <p:spPr>
           <a:xfrm>
             <a:off x="8896237" y="1586753"/>
-            <a:ext cx="2802306" cy="5093702"/>
+            <a:ext cx="2802306" cy="5293757"/>
           </a:xfrm>
           <a:prstGeom prst="rect">
             <a:avLst/>
@@ -13502,7 +13314,7 @@
               <a:buChar char="★"/>
             </a:pPr>
             <a:r>
-              <a:rPr lang="ja-JP" altLang="en-US" sz="1300">
+              <a:rPr lang="en" altLang="ja-JP" sz="1300">
                 <a:solidFill>
                   <a:schemeClr val="bg2">
                     <a:lumMod val="10000"/>
@@ -13512,8 +13324,18 @@
                 <a:ea typeface="Meiryo UI" panose="020B0604030504040204" pitchFamily="34" charset="-128"/>
                 <a:cs typeface="Arial" panose="020B0604020202020204" pitchFamily="34" charset="0"/>
               </a:rPr>
-              <a:t>関西女子会</a:t>
-            </a:r>
+              <a:t>JAWS-UG DE&amp;I</a:t>
+            </a:r>
+            <a:endParaRPr lang="ja-JP" altLang="en-US" sz="1300">
+              <a:solidFill>
+                <a:schemeClr val="bg2">
+                  <a:lumMod val="10000"/>
+                </a:schemeClr>
+              </a:solidFill>
+              <a:latin typeface="Meiryo UI" panose="020B0604030504040204" pitchFamily="34" charset="-128"/>
+              <a:ea typeface="Meiryo UI" panose="020B0604030504040204" pitchFamily="34" charset="-128"/>
+              <a:cs typeface="Arial" panose="020B0604020202020204" pitchFamily="34" charset="0"/>
+            </a:endParaRPr>
           </a:p>
           <a:p>
             <a:pPr marL="285750" indent="-285750">
@@ -14093,8 +13915,38 @@
               </a:rPr>
               <a:t>専門支部</a:t>
             </a:r>
+            <a:endParaRPr lang="en-US" altLang="ja-JP" sz="1300">
+              <a:solidFill>
+                <a:schemeClr val="bg2">
+                  <a:lumMod val="10000"/>
+                </a:schemeClr>
+              </a:solidFill>
+              <a:latin typeface="Meiryo UI" panose="020B0604030504040204" pitchFamily="34" charset="-128"/>
+              <a:ea typeface="Meiryo UI" panose="020B0604030504040204" pitchFamily="34" charset="-128"/>
+              <a:cs typeface="Arial" panose="020B0604020202020204" pitchFamily="34" charset="0"/>
+            </a:endParaRPr>
           </a:p>
           <a:p>
+            <a:pPr marL="285750" indent="-285750">
+              <a:buClr>
+                <a:srgbClr val="F8B62B"/>
+              </a:buClr>
+              <a:buFont typeface="ヒラギノ明朝 ProN W3" panose="02020300000000000000" pitchFamily="18" charset="-128"/>
+              <a:buChar char="★"/>
+            </a:pPr>
+            <a:r>
+              <a:rPr lang="en-US" altLang="ja-JP" sz="1300">
+                <a:solidFill>
+                  <a:schemeClr val="bg2">
+                    <a:lumMod val="10000"/>
+                  </a:schemeClr>
+                </a:solidFill>
+                <a:latin typeface="Meiryo UI" panose="020B0604030504040204" pitchFamily="34" charset="-128"/>
+                <a:ea typeface="Meiryo UI" panose="020B0604030504040204" pitchFamily="34" charset="-128"/>
+                <a:cs typeface="Arial" panose="020B0604020202020204" pitchFamily="34" charset="0"/>
+              </a:rPr>
+              <a:t>Storage</a:t>
+            </a:r>
             <a:endParaRPr kumimoji="1" lang="ja-JP" altLang="en-US" sz="1300">
               <a:solidFill>
                 <a:schemeClr val="bg2">
@@ -14147,7 +13999,7 @@
                 <a:ea typeface="Meiryo UI" panose="020B0604030504040204" pitchFamily="34" charset="-128"/>
                 <a:cs typeface="Arial" panose="020B0604020202020204" pitchFamily="34" charset="0"/>
               </a:rPr>
-              <a:t>2022</a:t>
+              <a:t>2024</a:t>
             </a:r>
             <a:r>
               <a:rPr lang="ja-JP" altLang="en-US" sz="1400">
@@ -14173,7 +14025,7 @@
                 <a:ea typeface="Meiryo UI" panose="020B0604030504040204" pitchFamily="34" charset="-128"/>
                 <a:cs typeface="Arial" panose="020B0604020202020204" pitchFamily="34" charset="0"/>
               </a:rPr>
-              <a:t>8</a:t>
+              <a:t>6</a:t>
             </a:r>
             <a:r>
               <a:rPr lang="ja-JP" altLang="en-US" sz="1400">
@@ -14191,6 +14043,468 @@
           </a:p>
         </p:txBody>
       </p:sp>
+      <p:sp>
+        <p:nvSpPr>
+          <p:cNvPr id="85" name="テキスト ボックス 84">
+            <a:extLst>
+              <a:ext uri="{FF2B5EF4-FFF2-40B4-BE49-F238E27FC236}">
+                <a16:creationId xmlns:a16="http://schemas.microsoft.com/office/drawing/2014/main" id="{7D8949B1-D527-6D5F-7011-E691AD286115}"/>
+              </a:ext>
+            </a:extLst>
+          </p:cNvPr>
+          <p:cNvSpPr txBox="1"/>
+          <p:nvPr/>
+        </p:nvSpPr>
+        <p:spPr>
+          <a:xfrm>
+            <a:off x="7205102" y="5151989"/>
+            <a:ext cx="518091" cy="292388"/>
+          </a:xfrm>
+          <a:prstGeom prst="rect">
+            <a:avLst/>
+          </a:prstGeom>
+          <a:noFill/>
+        </p:spPr>
+        <p:txBody>
+          <a:bodyPr wrap="none" rtlCol="0">
+            <a:spAutoFit/>
+          </a:bodyPr>
+          <a:lstStyle/>
+          <a:p>
+            <a:r>
+              <a:rPr lang="ja-JP" altLang="en-US" sz="1300" dirty="0">
+                <a:solidFill>
+                  <a:schemeClr val="bg2">
+                    <a:lumMod val="10000"/>
+                  </a:schemeClr>
+                </a:solidFill>
+                <a:latin typeface="Meiryo UI" panose="020B0604030504040204" pitchFamily="34" charset="-128"/>
+                <a:ea typeface="Meiryo UI" panose="020B0604030504040204" pitchFamily="34" charset="-128"/>
+                <a:cs typeface="Arial" panose="020B0604020202020204" pitchFamily="34" charset="0"/>
+              </a:rPr>
+              <a:t>岩田</a:t>
+            </a:r>
+            <a:endParaRPr lang="ja-JP" altLang="en-US" sz="1300">
+              <a:solidFill>
+                <a:schemeClr val="bg2">
+                  <a:lumMod val="10000"/>
+                </a:schemeClr>
+              </a:solidFill>
+              <a:latin typeface="Meiryo UI" panose="020B0604030504040204" pitchFamily="34" charset="-128"/>
+              <a:ea typeface="Meiryo UI" panose="020B0604030504040204" pitchFamily="34" charset="-128"/>
+              <a:cs typeface="Arial" panose="020B0604020202020204" pitchFamily="34" charset="0"/>
+            </a:endParaRPr>
+          </a:p>
+        </p:txBody>
+      </p:sp>
+      <p:sp>
+        <p:nvSpPr>
+          <p:cNvPr id="87" name="テキスト ボックス 86">
+            <a:extLst>
+              <a:ext uri="{FF2B5EF4-FFF2-40B4-BE49-F238E27FC236}">
+                <a16:creationId xmlns:a16="http://schemas.microsoft.com/office/drawing/2014/main" id="{4D66E083-62C1-B1FE-EDC0-749C61F72359}"/>
+              </a:ext>
+            </a:extLst>
+          </p:cNvPr>
+          <p:cNvSpPr txBox="1"/>
+          <p:nvPr/>
+        </p:nvSpPr>
+        <p:spPr>
+          <a:xfrm>
+            <a:off x="7060674" y="5372652"/>
+            <a:ext cx="518091" cy="292388"/>
+          </a:xfrm>
+          <a:prstGeom prst="rect">
+            <a:avLst/>
+          </a:prstGeom>
+          <a:noFill/>
+        </p:spPr>
+        <p:txBody>
+          <a:bodyPr wrap="none" rtlCol="0">
+            <a:spAutoFit/>
+          </a:bodyPr>
+          <a:lstStyle/>
+          <a:p>
+            <a:r>
+              <a:rPr lang="ja-JP" altLang="en-US" sz="1300" dirty="0">
+                <a:solidFill>
+                  <a:schemeClr val="bg2">
+                    <a:lumMod val="10000"/>
+                  </a:schemeClr>
+                </a:solidFill>
+                <a:latin typeface="Meiryo UI" panose="020B0604030504040204" pitchFamily="34" charset="-128"/>
+                <a:ea typeface="Meiryo UI" panose="020B0604030504040204" pitchFamily="34" charset="-128"/>
+                <a:cs typeface="Arial" panose="020B0604020202020204" pitchFamily="34" charset="0"/>
+              </a:rPr>
+              <a:t>浜松</a:t>
+            </a:r>
+            <a:endParaRPr lang="ja-JP" altLang="en-US" sz="1300">
+              <a:solidFill>
+                <a:schemeClr val="bg2">
+                  <a:lumMod val="10000"/>
+                </a:schemeClr>
+              </a:solidFill>
+              <a:latin typeface="Meiryo UI" panose="020B0604030504040204" pitchFamily="34" charset="-128"/>
+              <a:ea typeface="Meiryo UI" panose="020B0604030504040204" pitchFamily="34" charset="-128"/>
+              <a:cs typeface="Arial" panose="020B0604020202020204" pitchFamily="34" charset="0"/>
+            </a:endParaRPr>
+          </a:p>
+        </p:txBody>
+      </p:sp>
+      <p:cxnSp>
+        <p:nvCxnSpPr>
+          <p:cNvPr id="88" name="直線コネクタ 87">
+            <a:extLst>
+              <a:ext uri="{FF2B5EF4-FFF2-40B4-BE49-F238E27FC236}">
+                <a16:creationId xmlns:a16="http://schemas.microsoft.com/office/drawing/2014/main" id="{6569B83D-73B3-3B1A-57C8-44073896395A}"/>
+              </a:ext>
+            </a:extLst>
+          </p:cNvPr>
+          <p:cNvCxnSpPr>
+            <a:cxnSpLocks/>
+          </p:cNvCxnSpPr>
+          <p:nvPr/>
+        </p:nvCxnSpPr>
+        <p:spPr>
+          <a:xfrm>
+            <a:off x="6733235" y="4467117"/>
+            <a:ext cx="524801" cy="818609"/>
+          </a:xfrm>
+          <a:prstGeom prst="line">
+            <a:avLst/>
+          </a:prstGeom>
+          <a:ln w="12700">
+            <a:solidFill>
+              <a:schemeClr val="bg2">
+                <a:lumMod val="10000"/>
+              </a:schemeClr>
+            </a:solidFill>
+          </a:ln>
+        </p:spPr>
+        <p:style>
+          <a:lnRef idx="1">
+            <a:schemeClr val="accent1"/>
+          </a:lnRef>
+          <a:fillRef idx="0">
+            <a:schemeClr val="accent1"/>
+          </a:fillRef>
+          <a:effectRef idx="0">
+            <a:schemeClr val="accent1"/>
+          </a:effectRef>
+          <a:fontRef idx="minor">
+            <a:schemeClr val="tx1"/>
+          </a:fontRef>
+        </p:style>
+      </p:cxnSp>
+      <p:cxnSp>
+        <p:nvCxnSpPr>
+          <p:cNvPr id="90" name="直線コネクタ 89">
+            <a:extLst>
+              <a:ext uri="{FF2B5EF4-FFF2-40B4-BE49-F238E27FC236}">
+                <a16:creationId xmlns:a16="http://schemas.microsoft.com/office/drawing/2014/main" id="{883C20F2-8A0F-CB45-FEE5-358B9BD636B0}"/>
+              </a:ext>
+            </a:extLst>
+          </p:cNvPr>
+          <p:cNvCxnSpPr>
+            <a:cxnSpLocks/>
+          </p:cNvCxnSpPr>
+          <p:nvPr/>
+        </p:nvCxnSpPr>
+        <p:spPr>
+          <a:xfrm>
+            <a:off x="6599043" y="4532009"/>
+            <a:ext cx="557712" cy="898197"/>
+          </a:xfrm>
+          <a:prstGeom prst="line">
+            <a:avLst/>
+          </a:prstGeom>
+          <a:ln w="12700">
+            <a:solidFill>
+              <a:schemeClr val="bg2">
+                <a:lumMod val="10000"/>
+              </a:schemeClr>
+            </a:solidFill>
+          </a:ln>
+        </p:spPr>
+        <p:style>
+          <a:lnRef idx="1">
+            <a:schemeClr val="accent1"/>
+          </a:lnRef>
+          <a:fillRef idx="0">
+            <a:schemeClr val="accent1"/>
+          </a:fillRef>
+          <a:effectRef idx="0">
+            <a:schemeClr val="accent1"/>
+          </a:effectRef>
+          <a:fontRef idx="minor">
+            <a:schemeClr val="tx1"/>
+          </a:fontRef>
+        </p:style>
+      </p:cxnSp>
+      <p:sp>
+        <p:nvSpPr>
+          <p:cNvPr id="94" name="テキスト ボックス 93">
+            <a:extLst>
+              <a:ext uri="{FF2B5EF4-FFF2-40B4-BE49-F238E27FC236}">
+                <a16:creationId xmlns:a16="http://schemas.microsoft.com/office/drawing/2014/main" id="{27D8396B-12BB-A4F1-3086-878B6D77254F}"/>
+              </a:ext>
+            </a:extLst>
+          </p:cNvPr>
+          <p:cNvSpPr txBox="1"/>
+          <p:nvPr/>
+        </p:nvSpPr>
+        <p:spPr>
+          <a:xfrm>
+            <a:off x="7219287" y="4947666"/>
+            <a:ext cx="518091" cy="292388"/>
+          </a:xfrm>
+          <a:prstGeom prst="rect">
+            <a:avLst/>
+          </a:prstGeom>
+          <a:noFill/>
+        </p:spPr>
+        <p:txBody>
+          <a:bodyPr wrap="none" rtlCol="0">
+            <a:spAutoFit/>
+          </a:bodyPr>
+          <a:lstStyle/>
+          <a:p>
+            <a:r>
+              <a:rPr lang="ja-JP" altLang="en-US" sz="1300" dirty="0">
+                <a:solidFill>
+                  <a:schemeClr val="bg2">
+                    <a:lumMod val="10000"/>
+                  </a:schemeClr>
+                </a:solidFill>
+                <a:latin typeface="Meiryo UI" panose="020B0604030504040204" pitchFamily="34" charset="-128"/>
+                <a:ea typeface="Meiryo UI" panose="020B0604030504040204" pitchFamily="34" charset="-128"/>
+                <a:cs typeface="Arial" panose="020B0604020202020204" pitchFamily="34" charset="0"/>
+              </a:rPr>
+              <a:t>静岡</a:t>
+            </a:r>
+            <a:endParaRPr lang="ja-JP" altLang="en-US" sz="1300">
+              <a:solidFill>
+                <a:schemeClr val="bg2">
+                  <a:lumMod val="10000"/>
+                </a:schemeClr>
+              </a:solidFill>
+              <a:latin typeface="Meiryo UI" panose="020B0604030504040204" pitchFamily="34" charset="-128"/>
+              <a:ea typeface="Meiryo UI" panose="020B0604030504040204" pitchFamily="34" charset="-128"/>
+              <a:cs typeface="Arial" panose="020B0604020202020204" pitchFamily="34" charset="0"/>
+            </a:endParaRPr>
+          </a:p>
+        </p:txBody>
+      </p:sp>
+      <p:cxnSp>
+        <p:nvCxnSpPr>
+          <p:cNvPr id="98" name="直線コネクタ 97">
+            <a:extLst>
+              <a:ext uri="{FF2B5EF4-FFF2-40B4-BE49-F238E27FC236}">
+                <a16:creationId xmlns:a16="http://schemas.microsoft.com/office/drawing/2014/main" id="{D2649F71-9BB9-EEE2-D71D-07E68034A17A}"/>
+              </a:ext>
+            </a:extLst>
+          </p:cNvPr>
+          <p:cNvCxnSpPr>
+            <a:cxnSpLocks/>
+          </p:cNvCxnSpPr>
+          <p:nvPr/>
+        </p:nvCxnSpPr>
+        <p:spPr>
+          <a:xfrm>
+            <a:off x="6997804" y="4341348"/>
+            <a:ext cx="287416" cy="627891"/>
+          </a:xfrm>
+          <a:prstGeom prst="line">
+            <a:avLst/>
+          </a:prstGeom>
+          <a:ln w="12700">
+            <a:solidFill>
+              <a:schemeClr val="bg2">
+                <a:lumMod val="10000"/>
+              </a:schemeClr>
+            </a:solidFill>
+          </a:ln>
+        </p:spPr>
+        <p:style>
+          <a:lnRef idx="1">
+            <a:schemeClr val="accent1"/>
+          </a:lnRef>
+          <a:fillRef idx="0">
+            <a:schemeClr val="accent1"/>
+          </a:fillRef>
+          <a:effectRef idx="0">
+            <a:schemeClr val="accent1"/>
+          </a:effectRef>
+          <a:fontRef idx="minor">
+            <a:schemeClr val="tx1"/>
+          </a:fontRef>
+        </p:style>
+      </p:cxnSp>
+      <p:grpSp>
+        <p:nvGrpSpPr>
+          <p:cNvPr id="76" name="グループ化 75">
+            <a:extLst>
+              <a:ext uri="{FF2B5EF4-FFF2-40B4-BE49-F238E27FC236}">
+                <a16:creationId xmlns:a16="http://schemas.microsoft.com/office/drawing/2014/main" id="{1906079A-D1C2-3891-FD45-FF6A4FF87B6E}"/>
+              </a:ext>
+            </a:extLst>
+          </p:cNvPr>
+          <p:cNvGrpSpPr/>
+          <p:nvPr/>
+        </p:nvGrpSpPr>
+        <p:grpSpPr>
+          <a:xfrm>
+            <a:off x="6413498" y="3869110"/>
+            <a:ext cx="749412" cy="377826"/>
+            <a:chOff x="3877066" y="2780335"/>
+            <a:chExt cx="749412" cy="377826"/>
+          </a:xfrm>
+        </p:grpSpPr>
+        <p:sp>
+          <p:nvSpPr>
+            <p:cNvPr id="18" name="テキスト ボックス 17">
+              <a:extLst>
+                <a:ext uri="{FF2B5EF4-FFF2-40B4-BE49-F238E27FC236}">
+                  <a16:creationId xmlns:a16="http://schemas.microsoft.com/office/drawing/2014/main" id="{7A51E20F-46CF-40F8-87E3-772BC86AFC72}"/>
+                </a:ext>
+              </a:extLst>
+            </p:cNvPr>
+            <p:cNvSpPr txBox="1"/>
+            <p:nvPr/>
+          </p:nvSpPr>
+          <p:spPr>
+            <a:xfrm>
+              <a:off x="3877066" y="2780335"/>
+              <a:ext cx="518091" cy="292388"/>
+            </a:xfrm>
+            <a:prstGeom prst="rect">
+              <a:avLst/>
+            </a:prstGeom>
+            <a:noFill/>
+          </p:spPr>
+          <p:txBody>
+            <a:bodyPr wrap="none" rtlCol="0">
+              <a:spAutoFit/>
+            </a:bodyPr>
+            <a:lstStyle/>
+            <a:p>
+              <a:r>
+                <a:rPr kumimoji="1" lang="ja-JP" altLang="en-US" sz="1300">
+                  <a:solidFill>
+                    <a:schemeClr val="bg2">
+                      <a:lumMod val="10000"/>
+                    </a:schemeClr>
+                  </a:solidFill>
+                  <a:latin typeface="Meiryo UI" panose="020B0604030504040204" pitchFamily="34" charset="-128"/>
+                  <a:ea typeface="Meiryo UI" panose="020B0604030504040204" pitchFamily="34" charset="-128"/>
+                  <a:cs typeface="Arial" panose="020B0604020202020204" pitchFamily="34" charset="0"/>
+                </a:rPr>
+                <a:t>山梨</a:t>
+              </a:r>
+            </a:p>
+          </p:txBody>
+        </p:sp>
+        <p:cxnSp>
+          <p:nvCxnSpPr>
+            <p:cNvPr id="19" name="直線コネクタ 18">
+              <a:extLst>
+                <a:ext uri="{FF2B5EF4-FFF2-40B4-BE49-F238E27FC236}">
+                  <a16:creationId xmlns:a16="http://schemas.microsoft.com/office/drawing/2014/main" id="{B7F8716D-F4FC-58CC-008C-941462E7946E}"/>
+                </a:ext>
+              </a:extLst>
+            </p:cNvPr>
+            <p:cNvCxnSpPr>
+              <a:cxnSpLocks/>
+            </p:cNvCxnSpPr>
+            <p:nvPr/>
+          </p:nvCxnSpPr>
+          <p:spPr>
+            <a:xfrm flipH="1" flipV="1">
+              <a:off x="4327178" y="2943517"/>
+              <a:ext cx="108814" cy="42440"/>
+            </a:xfrm>
+            <a:prstGeom prst="line">
+              <a:avLst/>
+            </a:prstGeom>
+            <a:ln w="12700">
+              <a:solidFill>
+                <a:schemeClr val="bg2">
+                  <a:lumMod val="10000"/>
+                </a:schemeClr>
+              </a:solidFill>
+            </a:ln>
+          </p:spPr>
+          <p:style>
+            <a:lnRef idx="1">
+              <a:schemeClr val="accent1"/>
+            </a:lnRef>
+            <a:fillRef idx="0">
+              <a:schemeClr val="accent1"/>
+            </a:fillRef>
+            <a:effectRef idx="0">
+              <a:schemeClr val="accent1"/>
+            </a:effectRef>
+            <a:fontRef idx="minor">
+              <a:schemeClr val="tx1"/>
+            </a:fontRef>
+          </p:style>
+        </p:cxnSp>
+        <p:sp>
+          <p:nvSpPr>
+            <p:cNvPr id="27" name="テキスト ボックス 26">
+              <a:extLst>
+                <a:ext uri="{FF2B5EF4-FFF2-40B4-BE49-F238E27FC236}">
+                  <a16:creationId xmlns:a16="http://schemas.microsoft.com/office/drawing/2014/main" id="{9EB754E3-355C-74BF-F6CD-5819EA4C77BA}"/>
+                </a:ext>
+              </a:extLst>
+            </p:cNvPr>
+            <p:cNvSpPr txBox="1"/>
+            <p:nvPr/>
+          </p:nvSpPr>
+          <p:spPr>
+            <a:xfrm>
+              <a:off x="4275100" y="2865773"/>
+              <a:ext cx="351378" cy="292388"/>
+            </a:xfrm>
+            <a:prstGeom prst="rect">
+              <a:avLst/>
+            </a:prstGeom>
+            <a:noFill/>
+            <a:effectLst>
+              <a:outerShdw blurRad="50800" dist="38100" dir="2700000" algn="tl" rotWithShape="0">
+                <a:prstClr val="black">
+                  <a:alpha val="40000"/>
+                </a:prstClr>
+              </a:outerShdw>
+            </a:effectLst>
+          </p:spPr>
+          <p:txBody>
+            <a:bodyPr wrap="none" rtlCol="0">
+              <a:spAutoFit/>
+            </a:bodyPr>
+            <a:lstStyle/>
+            <a:p>
+              <a:r>
+                <a:rPr lang="en" altLang="ja-JP" sz="1300" dirty="0">
+                  <a:solidFill>
+                    <a:srgbClr val="F8B62B"/>
+                  </a:solidFill>
+                  <a:latin typeface="Arial" panose="020B0604020202020204" pitchFamily="34" charset="0"/>
+                  <a:cs typeface="Arial" panose="020B0604020202020204" pitchFamily="34" charset="0"/>
+                </a:rPr>
+                <a:t>★</a:t>
+              </a:r>
+              <a:endParaRPr kumimoji="1" lang="ja-JP" altLang="en-US" sz="1300">
+                <a:solidFill>
+                  <a:srgbClr val="F8B62B"/>
+                </a:solidFill>
+                <a:latin typeface="Arial" panose="020B0604020202020204" pitchFamily="34" charset="0"/>
+                <a:cs typeface="Arial" panose="020B0604020202020204" pitchFamily="34" charset="0"/>
+              </a:endParaRPr>
+            </a:p>
+          </p:txBody>
+        </p:sp>
+      </p:grpSp>
     </p:spTree>
     <p:extLst>
       <p:ext uri="{BB962C8B-B14F-4D97-AF65-F5344CB8AC3E}">
@@ -14268,6 +14582,9 @@
             <a:prstGeom prst="rect">
               <a:avLst/>
             </a:prstGeom>
+            <a:ln>
+              <a:noFill/>
+            </a:ln>
           </p:spPr>
         </p:pic>
         <p:grpSp>
@@ -14896,148 +15213,6 @@
           </p:sp>
           <p:sp>
             <p:nvSpPr>
-              <p:cNvPr id="106" name="テキスト ボックス 105">
-                <a:extLst>
-                  <a:ext uri="{FF2B5EF4-FFF2-40B4-BE49-F238E27FC236}">
-                    <a16:creationId xmlns:a16="http://schemas.microsoft.com/office/drawing/2014/main" id="{5DC3FB97-FAAA-3722-0E91-67D6B4C0B161}"/>
-                  </a:ext>
-                </a:extLst>
-              </p:cNvPr>
-              <p:cNvSpPr txBox="1"/>
-              <p:nvPr/>
-            </p:nvSpPr>
-            <p:spPr>
-              <a:xfrm>
-                <a:off x="7157477" y="4726082"/>
-                <a:ext cx="518091" cy="292388"/>
-              </a:xfrm>
-              <a:prstGeom prst="rect">
-                <a:avLst/>
-              </a:prstGeom>
-              <a:noFill/>
-            </p:spPr>
-            <p:txBody>
-              <a:bodyPr wrap="none" rtlCol="0">
-                <a:spAutoFit/>
-              </a:bodyPr>
-              <a:lstStyle/>
-              <a:p>
-                <a:r>
-                  <a:rPr lang="ja-JP" altLang="en-US" sz="1300">
-                    <a:solidFill>
-                      <a:schemeClr val="bg1"/>
-                    </a:solidFill>
-                    <a:latin typeface="Meiryo UI" panose="020B0604030504040204" pitchFamily="34" charset="-128"/>
-                    <a:ea typeface="Meiryo UI" panose="020B0604030504040204" pitchFamily="34" charset="-128"/>
-                    <a:cs typeface="Arial" panose="020B0604020202020204" pitchFamily="34" charset="0"/>
-                  </a:rPr>
-                  <a:t>横浜</a:t>
-                </a:r>
-                <a:endParaRPr kumimoji="1" lang="ja-JP" altLang="en-US" sz="1300">
-                  <a:solidFill>
-                    <a:schemeClr val="bg1"/>
-                  </a:solidFill>
-                  <a:latin typeface="Meiryo UI" panose="020B0604030504040204" pitchFamily="34" charset="-128"/>
-                  <a:ea typeface="Meiryo UI" panose="020B0604030504040204" pitchFamily="34" charset="-128"/>
-                  <a:cs typeface="Arial" panose="020B0604020202020204" pitchFamily="34" charset="0"/>
-                </a:endParaRPr>
-              </a:p>
-            </p:txBody>
-          </p:sp>
-          <p:sp>
-            <p:nvSpPr>
-              <p:cNvPr id="108" name="テキスト ボックス 107">
-                <a:extLst>
-                  <a:ext uri="{FF2B5EF4-FFF2-40B4-BE49-F238E27FC236}">
-                    <a16:creationId xmlns:a16="http://schemas.microsoft.com/office/drawing/2014/main" id="{F15705B1-B4F5-E2E2-489E-855B6EFB8254}"/>
-                  </a:ext>
-                </a:extLst>
-              </p:cNvPr>
-              <p:cNvSpPr txBox="1"/>
-              <p:nvPr/>
-            </p:nvSpPr>
-            <p:spPr>
-              <a:xfrm>
-                <a:off x="7151556" y="5018470"/>
-                <a:ext cx="518091" cy="292388"/>
-              </a:xfrm>
-              <a:prstGeom prst="rect">
-                <a:avLst/>
-              </a:prstGeom>
-              <a:noFill/>
-            </p:spPr>
-            <p:txBody>
-              <a:bodyPr wrap="none" rtlCol="0">
-                <a:spAutoFit/>
-              </a:bodyPr>
-              <a:lstStyle/>
-              <a:p>
-                <a:r>
-                  <a:rPr kumimoji="1" lang="ja-JP" altLang="en-US" sz="1300">
-                    <a:solidFill>
-                      <a:schemeClr val="bg1"/>
-                    </a:solidFill>
-                    <a:latin typeface="Meiryo UI" panose="020B0604030504040204" pitchFamily="34" charset="-128"/>
-                    <a:ea typeface="Meiryo UI" panose="020B0604030504040204" pitchFamily="34" charset="-128"/>
-                    <a:cs typeface="Arial" panose="020B0604020202020204" pitchFamily="34" charset="0"/>
-                  </a:rPr>
-                  <a:t>磐田</a:t>
-                </a:r>
-              </a:p>
-            </p:txBody>
-          </p:sp>
-          <p:sp>
-            <p:nvSpPr>
-              <p:cNvPr id="110" name="テキスト ボックス 109">
-                <a:extLst>
-                  <a:ext uri="{FF2B5EF4-FFF2-40B4-BE49-F238E27FC236}">
-                    <a16:creationId xmlns:a16="http://schemas.microsoft.com/office/drawing/2014/main" id="{7FCF91A8-713E-4AB1-7A16-00057D1AC749}"/>
-                  </a:ext>
-                </a:extLst>
-              </p:cNvPr>
-              <p:cNvSpPr txBox="1"/>
-              <p:nvPr/>
-            </p:nvSpPr>
-            <p:spPr>
-              <a:xfrm>
-                <a:off x="7004484" y="5277557"/>
-                <a:ext cx="518091" cy="292388"/>
-              </a:xfrm>
-              <a:prstGeom prst="rect">
-                <a:avLst/>
-              </a:prstGeom>
-              <a:noFill/>
-            </p:spPr>
-            <p:txBody>
-              <a:bodyPr wrap="none" rtlCol="0">
-                <a:spAutoFit/>
-              </a:bodyPr>
-              <a:lstStyle/>
-              <a:p>
-                <a:r>
-                  <a:rPr lang="ja-JP" altLang="en-US" sz="1300">
-                    <a:solidFill>
-                      <a:schemeClr val="bg1"/>
-                    </a:solidFill>
-                    <a:latin typeface="Meiryo UI" panose="020B0604030504040204" pitchFamily="34" charset="-128"/>
-                    <a:ea typeface="Meiryo UI" panose="020B0604030504040204" pitchFamily="34" charset="-128"/>
-                    <a:cs typeface="Arial" panose="020B0604020202020204" pitchFamily="34" charset="0"/>
-                  </a:rPr>
-                  <a:t>浜松</a:t>
-                </a:r>
-                <a:endParaRPr kumimoji="1" lang="ja-JP" altLang="en-US" sz="1300">
-                  <a:solidFill>
-                    <a:schemeClr val="bg1"/>
-                  </a:solidFill>
-                  <a:latin typeface="Meiryo UI" panose="020B0604030504040204" pitchFamily="34" charset="-128"/>
-                  <a:ea typeface="Meiryo UI" panose="020B0604030504040204" pitchFamily="34" charset="-128"/>
-                  <a:cs typeface="Arial" panose="020B0604020202020204" pitchFamily="34" charset="0"/>
-                </a:endParaRPr>
-              </a:p>
-            </p:txBody>
-          </p:sp>
-          <p:sp>
-            <p:nvSpPr>
               <p:cNvPr id="112" name="テキスト ボックス 111">
                 <a:extLst>
                   <a:ext uri="{FF2B5EF4-FFF2-40B4-BE49-F238E27FC236}">
@@ -15407,56 +15582,6 @@
                     <a:cs typeface="Arial" panose="020B0604020202020204" pitchFamily="34" charset="0"/>
                   </a:rPr>
                   <a:t>熊本</a:t>
-                </a:r>
-                <a:endParaRPr kumimoji="1" lang="ja-JP" altLang="en-US" sz="1300">
-                  <a:solidFill>
-                    <a:schemeClr val="bg1"/>
-                  </a:solidFill>
-                  <a:latin typeface="Meiryo UI" panose="020B0604030504040204" pitchFamily="34" charset="-128"/>
-                  <a:ea typeface="Meiryo UI" panose="020B0604030504040204" pitchFamily="34" charset="-128"/>
-                  <a:cs typeface="Arial" panose="020B0604020202020204" pitchFamily="34" charset="0"/>
-                </a:endParaRPr>
-              </a:p>
-            </p:txBody>
-          </p:sp>
-          <p:sp>
-            <p:nvSpPr>
-              <p:cNvPr id="135" name="テキスト ボックス 134">
-                <a:extLst>
-                  <a:ext uri="{FF2B5EF4-FFF2-40B4-BE49-F238E27FC236}">
-                    <a16:creationId xmlns:a16="http://schemas.microsoft.com/office/drawing/2014/main" id="{FA13D5EE-E1EF-4F34-F67B-BF591E264D9D}"/>
-                  </a:ext>
-                </a:extLst>
-              </p:cNvPr>
-              <p:cNvSpPr txBox="1"/>
-              <p:nvPr/>
-            </p:nvSpPr>
-            <p:spPr>
-              <a:xfrm>
-                <a:off x="3489674" y="5671372"/>
-                <a:ext cx="684803" cy="292388"/>
-              </a:xfrm>
-              <a:prstGeom prst="rect">
-                <a:avLst/>
-              </a:prstGeom>
-              <a:noFill/>
-            </p:spPr>
-            <p:txBody>
-              <a:bodyPr wrap="none" rtlCol="0">
-                <a:spAutoFit/>
-              </a:bodyPr>
-              <a:lstStyle/>
-              <a:p>
-                <a:r>
-                  <a:rPr lang="ja-JP" altLang="en-US" sz="1300">
-                    <a:solidFill>
-                      <a:schemeClr val="bg1"/>
-                    </a:solidFill>
-                    <a:latin typeface="Meiryo UI" panose="020B0604030504040204" pitchFamily="34" charset="-128"/>
-                    <a:ea typeface="Meiryo UI" panose="020B0604030504040204" pitchFamily="34" charset="-128"/>
-                    <a:cs typeface="Arial" panose="020B0604020202020204" pitchFamily="34" charset="0"/>
-                  </a:rPr>
-                  <a:t>鹿児島</a:t>
                 </a:r>
                 <a:endParaRPr kumimoji="1" lang="ja-JP" altLang="en-US" sz="1300">
                   <a:solidFill>
@@ -16221,56 +16346,6 @@
           </p:sp>
           <p:sp>
             <p:nvSpPr>
-              <p:cNvPr id="166" name="テキスト ボックス 165">
-                <a:extLst>
-                  <a:ext uri="{FF2B5EF4-FFF2-40B4-BE49-F238E27FC236}">
-                    <a16:creationId xmlns:a16="http://schemas.microsoft.com/office/drawing/2014/main" id="{69F9176B-48C0-C6F6-365A-18B502CB8169}"/>
-                  </a:ext>
-                </a:extLst>
-              </p:cNvPr>
-              <p:cNvSpPr txBox="1"/>
-              <p:nvPr/>
-            </p:nvSpPr>
-            <p:spPr>
-              <a:xfrm>
-                <a:off x="6802886" y="2694176"/>
-                <a:ext cx="518091" cy="292388"/>
-              </a:xfrm>
-              <a:prstGeom prst="rect">
-                <a:avLst/>
-              </a:prstGeom>
-              <a:noFill/>
-            </p:spPr>
-            <p:txBody>
-              <a:bodyPr wrap="none" rtlCol="0">
-                <a:spAutoFit/>
-              </a:bodyPr>
-              <a:lstStyle/>
-              <a:p>
-                <a:r>
-                  <a:rPr lang="ja-JP" altLang="en-US" sz="1300">
-                    <a:solidFill>
-                      <a:schemeClr val="bg1"/>
-                    </a:solidFill>
-                    <a:latin typeface="Meiryo UI" panose="020B0604030504040204" pitchFamily="34" charset="-128"/>
-                    <a:ea typeface="Meiryo UI" panose="020B0604030504040204" pitchFamily="34" charset="-128"/>
-                    <a:cs typeface="Arial" panose="020B0604020202020204" pitchFamily="34" charset="0"/>
-                  </a:rPr>
-                  <a:t>山形</a:t>
-                </a:r>
-                <a:endParaRPr kumimoji="1" lang="ja-JP" altLang="en-US" sz="1300">
-                  <a:solidFill>
-                    <a:schemeClr val="bg1"/>
-                  </a:solidFill>
-                  <a:latin typeface="Meiryo UI" panose="020B0604030504040204" pitchFamily="34" charset="-128"/>
-                  <a:ea typeface="Meiryo UI" panose="020B0604030504040204" pitchFamily="34" charset="-128"/>
-                  <a:cs typeface="Arial" panose="020B0604020202020204" pitchFamily="34" charset="0"/>
-                </a:endParaRPr>
-              </a:p>
-            </p:txBody>
-          </p:sp>
-          <p:sp>
-            <p:nvSpPr>
               <p:cNvPr id="167" name="テキスト ボックス 166">
                 <a:extLst>
                   <a:ext uri="{FF2B5EF4-FFF2-40B4-BE49-F238E27FC236}">
@@ -16401,9 +16476,7 @@
               </a:prstGeom>
               <a:ln w="12700">
                 <a:solidFill>
-                  <a:schemeClr val="bg2">
-                    <a:lumMod val="10000"/>
-                  </a:schemeClr>
+                  <a:schemeClr val="bg1"/>
                 </a:solidFill>
               </a:ln>
             </p:spPr>
@@ -16667,9 +16740,7 @@
               </a:prstGeom>
               <a:ln w="12700">
                 <a:solidFill>
-                  <a:schemeClr val="bg2">
-                    <a:lumMod val="10000"/>
-                  </a:schemeClr>
+                  <a:schemeClr val="bg1"/>
                 </a:solidFill>
               </a:ln>
             </p:spPr>
@@ -16713,9 +16784,7 @@
               </a:prstGeom>
               <a:ln w="12700">
                 <a:solidFill>
-                  <a:schemeClr val="bg2">
-                    <a:lumMod val="10000"/>
-                  </a:schemeClr>
+                  <a:schemeClr val="bg1"/>
                 </a:solidFill>
               </a:ln>
             </p:spPr>
@@ -16956,51 +17025,6 @@
           </p:sp>
           <p:cxnSp>
             <p:nvCxnSpPr>
-              <p:cNvPr id="180" name="直線コネクタ 179">
-                <a:extLst>
-                  <a:ext uri="{FF2B5EF4-FFF2-40B4-BE49-F238E27FC236}">
-                    <a16:creationId xmlns:a16="http://schemas.microsoft.com/office/drawing/2014/main" id="{EE4AEB2D-5253-F5DC-C716-C209ED7FF0A9}"/>
-                  </a:ext>
-                </a:extLst>
-              </p:cNvPr>
-              <p:cNvCxnSpPr>
-                <a:cxnSpLocks/>
-              </p:cNvCxnSpPr>
-              <p:nvPr/>
-            </p:nvCxnSpPr>
-            <p:spPr>
-              <a:xfrm>
-                <a:off x="7242149" y="4251744"/>
-                <a:ext cx="22167" cy="525094"/>
-              </a:xfrm>
-              <a:prstGeom prst="line">
-                <a:avLst/>
-              </a:prstGeom>
-              <a:ln w="12700">
-                <a:solidFill>
-                  <a:schemeClr val="bg2">
-                    <a:lumMod val="10000"/>
-                  </a:schemeClr>
-                </a:solidFill>
-              </a:ln>
-            </p:spPr>
-            <p:style>
-              <a:lnRef idx="1">
-                <a:schemeClr val="accent1"/>
-              </a:lnRef>
-              <a:fillRef idx="0">
-                <a:schemeClr val="accent1"/>
-              </a:fillRef>
-              <a:effectRef idx="0">
-                <a:schemeClr val="accent1"/>
-              </a:effectRef>
-              <a:fontRef idx="minor">
-                <a:schemeClr val="tx1"/>
-              </a:fontRef>
-            </p:style>
-          </p:cxnSp>
-          <p:cxnSp>
-            <p:nvCxnSpPr>
               <p:cNvPr id="181" name="直線コネクタ 180">
                 <a:extLst>
                   <a:ext uri="{FF2B5EF4-FFF2-40B4-BE49-F238E27FC236}">
@@ -17023,9 +17047,7 @@
               </a:prstGeom>
               <a:ln w="12700">
                 <a:solidFill>
-                  <a:schemeClr val="bg2">
-                    <a:lumMod val="10000"/>
-                  </a:schemeClr>
+                  <a:schemeClr val="bg1"/>
                 </a:solidFill>
               </a:ln>
             </p:spPr>
@@ -17068,9 +17090,7 @@
               </a:prstGeom>
               <a:ln w="12700">
                 <a:solidFill>
-                  <a:schemeClr val="bg2">
-                    <a:lumMod val="10000"/>
-                  </a:schemeClr>
+                  <a:schemeClr val="bg1"/>
                 </a:solidFill>
               </a:ln>
             </p:spPr>
@@ -17113,9 +17133,7 @@
               </a:prstGeom>
               <a:ln w="12700">
                 <a:solidFill>
-                  <a:schemeClr val="bg2">
-                    <a:lumMod val="10000"/>
-                  </a:schemeClr>
+                  <a:schemeClr val="bg1"/>
                 </a:solidFill>
               </a:ln>
             </p:spPr>
@@ -17246,96 +17264,6 @@
           </p:sp>
           <p:cxnSp>
             <p:nvCxnSpPr>
-              <p:cNvPr id="186" name="直線コネクタ 185">
-                <a:extLst>
-                  <a:ext uri="{FF2B5EF4-FFF2-40B4-BE49-F238E27FC236}">
-                    <a16:creationId xmlns:a16="http://schemas.microsoft.com/office/drawing/2014/main" id="{E102DB06-486B-8639-DED7-9F4C49902C0A}"/>
-                  </a:ext>
-                </a:extLst>
-              </p:cNvPr>
-              <p:cNvCxnSpPr>
-                <a:cxnSpLocks/>
-              </p:cNvCxnSpPr>
-              <p:nvPr/>
-            </p:nvCxnSpPr>
-            <p:spPr>
-              <a:xfrm>
-                <a:off x="6736105" y="4466161"/>
-                <a:ext cx="452403" cy="698503"/>
-              </a:xfrm>
-              <a:prstGeom prst="line">
-                <a:avLst/>
-              </a:prstGeom>
-              <a:ln w="12700">
-                <a:solidFill>
-                  <a:schemeClr val="bg2">
-                    <a:lumMod val="10000"/>
-                  </a:schemeClr>
-                </a:solidFill>
-              </a:ln>
-            </p:spPr>
-            <p:style>
-              <a:lnRef idx="1">
-                <a:schemeClr val="accent1"/>
-              </a:lnRef>
-              <a:fillRef idx="0">
-                <a:schemeClr val="accent1"/>
-              </a:fillRef>
-              <a:effectRef idx="0">
-                <a:schemeClr val="accent1"/>
-              </a:effectRef>
-              <a:fontRef idx="minor">
-                <a:schemeClr val="tx1"/>
-              </a:fontRef>
-            </p:style>
-          </p:cxnSp>
-          <p:cxnSp>
-            <p:nvCxnSpPr>
-              <p:cNvPr id="187" name="直線コネクタ 186">
-                <a:extLst>
-                  <a:ext uri="{FF2B5EF4-FFF2-40B4-BE49-F238E27FC236}">
-                    <a16:creationId xmlns:a16="http://schemas.microsoft.com/office/drawing/2014/main" id="{7DA8B3C5-584D-9F41-404F-29E7523E6FE9}"/>
-                  </a:ext>
-                </a:extLst>
-              </p:cNvPr>
-              <p:cNvCxnSpPr>
-                <a:cxnSpLocks/>
-              </p:cNvCxnSpPr>
-              <p:nvPr/>
-            </p:nvCxnSpPr>
-            <p:spPr>
-              <a:xfrm>
-                <a:off x="6601913" y="4531053"/>
-                <a:ext cx="481803" cy="795096"/>
-              </a:xfrm>
-              <a:prstGeom prst="line">
-                <a:avLst/>
-              </a:prstGeom>
-              <a:ln w="12700">
-                <a:solidFill>
-                  <a:schemeClr val="bg2">
-                    <a:lumMod val="10000"/>
-                  </a:schemeClr>
-                </a:solidFill>
-              </a:ln>
-            </p:spPr>
-            <p:style>
-              <a:lnRef idx="1">
-                <a:schemeClr val="accent1"/>
-              </a:lnRef>
-              <a:fillRef idx="0">
-                <a:schemeClr val="accent1"/>
-              </a:fillRef>
-              <a:effectRef idx="0">
-                <a:schemeClr val="accent1"/>
-              </a:effectRef>
-              <a:fontRef idx="minor">
-                <a:schemeClr val="tx1"/>
-              </a:fontRef>
-            </p:style>
-          </p:cxnSp>
-          <p:cxnSp>
-            <p:nvCxnSpPr>
               <p:cNvPr id="188" name="直線コネクタ 187">
                 <a:extLst>
                   <a:ext uri="{FF2B5EF4-FFF2-40B4-BE49-F238E27FC236}">
@@ -17358,9 +17286,7 @@
               </a:prstGeom>
               <a:ln w="12700">
                 <a:solidFill>
-                  <a:schemeClr val="bg2">
-                    <a:lumMod val="10000"/>
-                  </a:schemeClr>
+                  <a:schemeClr val="bg1"/>
                 </a:solidFill>
               </a:ln>
             </p:spPr>
@@ -17403,9 +17329,7 @@
               </a:prstGeom>
               <a:ln w="12700">
                 <a:solidFill>
-                  <a:schemeClr val="bg2">
-                    <a:lumMod val="10000"/>
-                  </a:schemeClr>
+                  <a:schemeClr val="bg1"/>
                 </a:solidFill>
               </a:ln>
             </p:spPr>
@@ -17558,9 +17482,7 @@
               </a:prstGeom>
               <a:ln w="12700">
                 <a:solidFill>
-                  <a:schemeClr val="bg2">
-                    <a:lumMod val="10000"/>
-                  </a:schemeClr>
+                  <a:schemeClr val="bg1"/>
                 </a:solidFill>
               </a:ln>
             </p:spPr>
@@ -17603,9 +17525,7 @@
               </a:prstGeom>
               <a:ln w="12700">
                 <a:solidFill>
-                  <a:schemeClr val="bg2">
-                    <a:lumMod val="10000"/>
-                  </a:schemeClr>
+                  <a:schemeClr val="bg1"/>
                 </a:solidFill>
               </a:ln>
             </p:spPr>
@@ -17648,9 +17568,7 @@
               </a:prstGeom>
               <a:ln w="12700">
                 <a:solidFill>
-                  <a:schemeClr val="bg2">
-                    <a:lumMod val="10000"/>
-                  </a:schemeClr>
+                  <a:schemeClr val="bg1"/>
                 </a:solidFill>
               </a:ln>
             </p:spPr>
@@ -17694,9 +17612,7 @@
               </a:prstGeom>
               <a:ln w="12700">
                 <a:solidFill>
-                  <a:schemeClr val="bg2">
-                    <a:lumMod val="10000"/>
-                  </a:schemeClr>
+                  <a:schemeClr val="bg1"/>
                 </a:solidFill>
               </a:ln>
             </p:spPr>
@@ -17959,9 +17875,7 @@
               </a:prstGeom>
               <a:ln w="12700">
                 <a:solidFill>
-                  <a:schemeClr val="bg2">
-                    <a:lumMod val="10000"/>
-                  </a:schemeClr>
+                  <a:schemeClr val="bg1"/>
                 </a:solidFill>
               </a:ln>
             </p:spPr>
@@ -18059,9 +17973,7 @@
               </a:prstGeom>
               <a:ln w="12700">
                 <a:solidFill>
-                  <a:schemeClr val="bg2">
-                    <a:lumMod val="10000"/>
-                  </a:schemeClr>
+                  <a:schemeClr val="bg1"/>
                 </a:solidFill>
               </a:ln>
             </p:spPr>
@@ -18159,9 +18071,7 @@
               </a:prstGeom>
               <a:ln w="12700">
                 <a:solidFill>
-                  <a:schemeClr val="bg2">
-                    <a:lumMod val="10000"/>
-                  </a:schemeClr>
+                  <a:schemeClr val="bg1"/>
                 </a:solidFill>
               </a:ln>
             </p:spPr>
@@ -18259,9 +18169,7 @@
               </a:prstGeom>
               <a:ln w="12700">
                 <a:solidFill>
-                  <a:schemeClr val="bg2">
-                    <a:lumMod val="10000"/>
-                  </a:schemeClr>
+                  <a:schemeClr val="bg1"/>
                 </a:solidFill>
               </a:ln>
             </p:spPr>
@@ -18304,9 +18212,7 @@
               </a:prstGeom>
               <a:ln w="12700">
                 <a:solidFill>
-                  <a:schemeClr val="bg2">
-                    <a:lumMod val="10000"/>
-                  </a:schemeClr>
+                  <a:schemeClr val="bg1"/>
                 </a:solidFill>
               </a:ln>
             </p:spPr>
@@ -18460,9 +18366,7 @@
               </a:prstGeom>
               <a:ln w="12700">
                 <a:solidFill>
-                  <a:schemeClr val="bg2">
-                    <a:lumMod val="10000"/>
-                  </a:schemeClr>
+                  <a:schemeClr val="bg1"/>
                 </a:solidFill>
               </a:ln>
             </p:spPr>
@@ -18560,9 +18464,7 @@
               </a:prstGeom>
               <a:ln w="12700">
                 <a:solidFill>
-                  <a:schemeClr val="bg2">
-                    <a:lumMod val="10000"/>
-                  </a:schemeClr>
+                  <a:schemeClr val="bg1"/>
                 </a:solidFill>
               </a:ln>
             </p:spPr>
@@ -18638,106 +18540,6 @@
           </p:sp>
           <p:cxnSp>
             <p:nvCxnSpPr>
-              <p:cNvPr id="214" name="直線コネクタ 213">
-                <a:extLst>
-                  <a:ext uri="{FF2B5EF4-FFF2-40B4-BE49-F238E27FC236}">
-                    <a16:creationId xmlns:a16="http://schemas.microsoft.com/office/drawing/2014/main" id="{CBB55EED-FCA8-92E2-14F1-D1768039B33C}"/>
-                  </a:ext>
-                </a:extLst>
-              </p:cNvPr>
-              <p:cNvCxnSpPr>
-                <a:cxnSpLocks/>
-              </p:cNvCxnSpPr>
-              <p:nvPr/>
-            </p:nvCxnSpPr>
-            <p:spPr>
-              <a:xfrm flipV="1">
-                <a:off x="4171842" y="5501994"/>
-                <a:ext cx="326973" cy="220089"/>
-              </a:xfrm>
-              <a:prstGeom prst="line">
-                <a:avLst/>
-              </a:prstGeom>
-              <a:ln w="12700">
-                <a:solidFill>
-                  <a:schemeClr val="bg2">
-                    <a:lumMod val="10000"/>
-                  </a:schemeClr>
-                </a:solidFill>
-              </a:ln>
-            </p:spPr>
-            <p:style>
-              <a:lnRef idx="1">
-                <a:schemeClr val="accent1"/>
-              </a:lnRef>
-              <a:fillRef idx="0">
-                <a:schemeClr val="accent1"/>
-              </a:fillRef>
-              <a:effectRef idx="0">
-                <a:schemeClr val="accent1"/>
-              </a:effectRef>
-              <a:fontRef idx="minor">
-                <a:schemeClr val="tx1"/>
-              </a:fontRef>
-            </p:style>
-          </p:cxnSp>
-          <p:sp>
-            <p:nvSpPr>
-              <p:cNvPr id="215" name="テキスト ボックス 214">
-                <a:extLst>
-                  <a:ext uri="{FF2B5EF4-FFF2-40B4-BE49-F238E27FC236}">
-                    <a16:creationId xmlns:a16="http://schemas.microsoft.com/office/drawing/2014/main" id="{8B12DBC4-615D-7AB9-98B6-826BBFB05FAD}"/>
-                  </a:ext>
-                </a:extLst>
-              </p:cNvPr>
-              <p:cNvSpPr txBox="1"/>
-              <p:nvPr/>
-            </p:nvSpPr>
-            <p:spPr>
-              <a:xfrm>
-                <a:off x="4329806" y="5341106"/>
-                <a:ext cx="351378" cy="292388"/>
-              </a:xfrm>
-              <a:prstGeom prst="rect">
-                <a:avLst/>
-              </a:prstGeom>
-              <a:noFill/>
-              <a:effectLst>
-                <a:outerShdw blurRad="50800" dist="38100" dir="2700000" algn="tl" rotWithShape="0">
-                  <a:prstClr val="black">
-                    <a:alpha val="40000"/>
-                  </a:prstClr>
-                </a:outerShdw>
-              </a:effectLst>
-            </p:spPr>
-            <p:txBody>
-              <a:bodyPr wrap="none" rtlCol="0">
-                <a:spAutoFit/>
-              </a:bodyPr>
-              <a:lstStyle/>
-              <a:p>
-                <a:r>
-                  <a:rPr lang="en" altLang="ja-JP" sz="1300" dirty="0">
-                    <a:solidFill>
-                      <a:srgbClr val="F8B62B"/>
-                    </a:solidFill>
-                    <a:latin typeface="Arial" panose="020B0604020202020204" pitchFamily="34" charset="0"/>
-                    <a:cs typeface="Arial" panose="020B0604020202020204" pitchFamily="34" charset="0"/>
-                  </a:rPr>
-                  <a:t>★</a:t>
-                </a:r>
-                <a:endParaRPr kumimoji="1" lang="ja-JP" altLang="en-US" sz="1300">
-                  <a:solidFill>
-                    <a:srgbClr val="F8B62B"/>
-                  </a:solidFill>
-                  <a:latin typeface="Arial" panose="020B0604020202020204" pitchFamily="34" charset="0"/>
-                  <a:cs typeface="Arial" panose="020B0604020202020204" pitchFamily="34" charset="0"/>
-                </a:endParaRPr>
-              </a:p>
-            </p:txBody>
-          </p:sp>
-          <p:cxnSp>
-            <p:nvCxnSpPr>
               <p:cNvPr id="216" name="直線コネクタ 215">
                 <a:extLst>
                   <a:ext uri="{FF2B5EF4-FFF2-40B4-BE49-F238E27FC236}">
@@ -18760,9 +18562,7 @@
               </a:prstGeom>
               <a:ln w="12700">
                 <a:solidFill>
-                  <a:schemeClr val="bg2">
-                    <a:lumMod val="10000"/>
-                  </a:schemeClr>
+                  <a:schemeClr val="bg1"/>
                 </a:solidFill>
               </a:ln>
             </p:spPr>
@@ -18860,9 +18660,7 @@
               </a:prstGeom>
               <a:ln w="12700">
                 <a:solidFill>
-                  <a:schemeClr val="bg2">
-                    <a:lumMod val="10000"/>
-                  </a:schemeClr>
+                  <a:schemeClr val="bg1"/>
                 </a:solidFill>
               </a:ln>
             </p:spPr>
@@ -18905,9 +18703,7 @@
               </a:prstGeom>
               <a:ln w="12700">
                 <a:solidFill>
-                  <a:schemeClr val="bg2">
-                    <a:lumMod val="10000"/>
-                  </a:schemeClr>
+                  <a:schemeClr val="bg1"/>
                 </a:solidFill>
               </a:ln>
             </p:spPr>
@@ -19005,9 +18801,7 @@
               </a:prstGeom>
               <a:ln w="12700">
                 <a:solidFill>
-                  <a:schemeClr val="bg2">
-                    <a:lumMod val="10000"/>
-                  </a:schemeClr>
+                  <a:schemeClr val="bg1"/>
                 </a:solidFill>
               </a:ln>
             </p:spPr>
@@ -19026,61 +18820,6 @@
               </a:fontRef>
             </p:style>
           </p:cxnSp>
-          <p:sp>
-            <p:nvSpPr>
-              <p:cNvPr id="222" name="テキスト ボックス 221">
-                <a:extLst>
-                  <a:ext uri="{FF2B5EF4-FFF2-40B4-BE49-F238E27FC236}">
-                    <a16:creationId xmlns:a16="http://schemas.microsoft.com/office/drawing/2014/main" id="{A10F9556-A9A3-7942-544D-A7526EAC7E7F}"/>
-                  </a:ext>
-                </a:extLst>
-              </p:cNvPr>
-              <p:cNvSpPr txBox="1"/>
-              <p:nvPr/>
-            </p:nvSpPr>
-            <p:spPr>
-              <a:xfrm>
-                <a:off x="7260906" y="2950383"/>
-                <a:ext cx="351378" cy="292388"/>
-              </a:xfrm>
-              <a:prstGeom prst="rect">
-                <a:avLst/>
-              </a:prstGeom>
-              <a:noFill/>
-              <a:effectLst>
-                <a:outerShdw blurRad="50800" dist="38100" dir="2700000" algn="tl" rotWithShape="0">
-                  <a:prstClr val="black">
-                    <a:alpha val="40000"/>
-                  </a:prstClr>
-                </a:outerShdw>
-              </a:effectLst>
-            </p:spPr>
-            <p:txBody>
-              <a:bodyPr wrap="none" rtlCol="0">
-                <a:spAutoFit/>
-              </a:bodyPr>
-              <a:lstStyle/>
-              <a:p>
-                <a:r>
-                  <a:rPr lang="en" altLang="ja-JP" sz="1300" dirty="0">
-                    <a:solidFill>
-                      <a:srgbClr val="F8B62B"/>
-                    </a:solidFill>
-                    <a:latin typeface="Arial" panose="020B0604020202020204" pitchFamily="34" charset="0"/>
-                    <a:cs typeface="Arial" panose="020B0604020202020204" pitchFamily="34" charset="0"/>
-                  </a:rPr>
-                  <a:t>★</a:t>
-                </a:r>
-                <a:endParaRPr kumimoji="1" lang="ja-JP" altLang="en-US" sz="1300">
-                  <a:solidFill>
-                    <a:srgbClr val="F8B62B"/>
-                  </a:solidFill>
-                  <a:latin typeface="Arial" panose="020B0604020202020204" pitchFamily="34" charset="0"/>
-                  <a:cs typeface="Arial" panose="020B0604020202020204" pitchFamily="34" charset="0"/>
-                </a:endParaRPr>
-              </a:p>
-            </p:txBody>
-          </p:sp>
           <p:sp>
             <p:nvSpPr>
               <p:cNvPr id="223" name="テキスト ボックス 222">
@@ -19160,9 +18899,7 @@
               </a:prstGeom>
               <a:ln w="12700">
                 <a:solidFill>
-                  <a:schemeClr val="bg2">
-                    <a:lumMod val="10000"/>
-                  </a:schemeClr>
+                  <a:schemeClr val="bg1"/>
                 </a:solidFill>
               </a:ln>
             </p:spPr>
@@ -19315,9 +19052,7 @@
               </a:prstGeom>
               <a:ln w="12700">
                 <a:solidFill>
-                  <a:schemeClr val="bg2">
-                    <a:lumMod val="10000"/>
-                  </a:schemeClr>
+                  <a:schemeClr val="bg1"/>
                 </a:solidFill>
               </a:ln>
             </p:spPr>
@@ -19415,9 +19150,7 @@
               </a:prstGeom>
               <a:ln w="12700">
                 <a:solidFill>
-                  <a:schemeClr val="bg2">
-                    <a:lumMod val="10000"/>
-                  </a:schemeClr>
+                  <a:schemeClr val="bg1"/>
                 </a:solidFill>
               </a:ln>
             </p:spPr>
@@ -19515,9 +19248,7 @@
               </a:prstGeom>
               <a:ln w="12700">
                 <a:solidFill>
-                  <a:schemeClr val="bg2">
-                    <a:lumMod val="10000"/>
-                  </a:schemeClr>
+                  <a:schemeClr val="bg1"/>
                 </a:solidFill>
               </a:ln>
             </p:spPr>
@@ -19725,9 +19456,7 @@
               </a:prstGeom>
               <a:ln w="12700">
                 <a:solidFill>
-                  <a:schemeClr val="bg2">
-                    <a:lumMod val="10000"/>
-                  </a:schemeClr>
+                  <a:schemeClr val="bg1"/>
                 </a:solidFill>
               </a:ln>
             </p:spPr>
@@ -19825,9 +19554,7 @@
               </a:prstGeom>
               <a:ln w="12700">
                 <a:solidFill>
-                  <a:schemeClr val="bg2">
-                    <a:lumMod val="10000"/>
-                  </a:schemeClr>
+                  <a:schemeClr val="bg1"/>
                 </a:solidFill>
               </a:ln>
             </p:spPr>
@@ -19901,6 +19628,111 @@
               </a:p>
             </p:txBody>
           </p:sp>
+          <p:sp>
+            <p:nvSpPr>
+              <p:cNvPr id="166" name="テキスト ボックス 165">
+                <a:extLst>
+                  <a:ext uri="{FF2B5EF4-FFF2-40B4-BE49-F238E27FC236}">
+                    <a16:creationId xmlns:a16="http://schemas.microsoft.com/office/drawing/2014/main" id="{69F9176B-48C0-C6F6-365A-18B502CB8169}"/>
+                  </a:ext>
+                </a:extLst>
+              </p:cNvPr>
+              <p:cNvSpPr txBox="1"/>
+              <p:nvPr/>
+            </p:nvSpPr>
+            <p:spPr>
+              <a:xfrm>
+                <a:off x="6802886" y="2691001"/>
+                <a:ext cx="518091" cy="292388"/>
+              </a:xfrm>
+              <a:prstGeom prst="rect">
+                <a:avLst/>
+              </a:prstGeom>
+              <a:noFill/>
+            </p:spPr>
+            <p:txBody>
+              <a:bodyPr wrap="none" rtlCol="0">
+                <a:spAutoFit/>
+              </a:bodyPr>
+              <a:lstStyle/>
+              <a:p>
+                <a:r>
+                  <a:rPr lang="ja-JP" altLang="en-US" sz="1300">
+                    <a:solidFill>
+                      <a:schemeClr val="bg1"/>
+                    </a:solidFill>
+                    <a:latin typeface="Meiryo UI" panose="020B0604030504040204" pitchFamily="34" charset="-128"/>
+                    <a:ea typeface="Meiryo UI" panose="020B0604030504040204" pitchFamily="34" charset="-128"/>
+                    <a:cs typeface="Arial" panose="020B0604020202020204" pitchFamily="34" charset="0"/>
+                  </a:rPr>
+                  <a:t>山形</a:t>
+                </a:r>
+                <a:endParaRPr kumimoji="1" lang="ja-JP" altLang="en-US" sz="1300">
+                  <a:solidFill>
+                    <a:schemeClr val="bg1"/>
+                  </a:solidFill>
+                  <a:latin typeface="Meiryo UI" panose="020B0604030504040204" pitchFamily="34" charset="-128"/>
+                  <a:ea typeface="Meiryo UI" panose="020B0604030504040204" pitchFamily="34" charset="-128"/>
+                  <a:cs typeface="Arial" panose="020B0604020202020204" pitchFamily="34" charset="0"/>
+                </a:endParaRPr>
+              </a:p>
+            </p:txBody>
+          </p:sp>
+          <p:sp>
+            <p:nvSpPr>
+              <p:cNvPr id="222" name="テキスト ボックス 221">
+                <a:extLst>
+                  <a:ext uri="{FF2B5EF4-FFF2-40B4-BE49-F238E27FC236}">
+                    <a16:creationId xmlns:a16="http://schemas.microsoft.com/office/drawing/2014/main" id="{A10F9556-A9A3-7942-544D-A7526EAC7E7F}"/>
+                  </a:ext>
+                </a:extLst>
+              </p:cNvPr>
+              <p:cNvSpPr txBox="1"/>
+              <p:nvPr/>
+            </p:nvSpPr>
+            <p:spPr>
+              <a:xfrm>
+                <a:off x="7260906" y="2947208"/>
+                <a:ext cx="351378" cy="292388"/>
+              </a:xfrm>
+              <a:prstGeom prst="rect">
+                <a:avLst/>
+              </a:prstGeom>
+              <a:noFill/>
+              <a:effectLst>
+                <a:outerShdw blurRad="50800" dist="38100" dir="2700000" algn="tl" rotWithShape="0">
+                  <a:prstClr val="black">
+                    <a:alpha val="40000"/>
+                  </a:prstClr>
+                </a:outerShdw>
+              </a:effectLst>
+            </p:spPr>
+            <p:txBody>
+              <a:bodyPr wrap="none" rtlCol="0">
+                <a:spAutoFit/>
+              </a:bodyPr>
+              <a:lstStyle/>
+              <a:p>
+                <a:r>
+                  <a:rPr lang="en" altLang="ja-JP" sz="1300" dirty="0">
+                    <a:solidFill>
+                      <a:srgbClr val="F8B62B"/>
+                    </a:solidFill>
+                    <a:latin typeface="Arial" panose="020B0604020202020204" pitchFamily="34" charset="0"/>
+                    <a:cs typeface="Arial" panose="020B0604020202020204" pitchFamily="34" charset="0"/>
+                  </a:rPr>
+                  <a:t>★</a:t>
+                </a:r>
+                <a:endParaRPr kumimoji="1" lang="ja-JP" altLang="en-US" sz="1300">
+                  <a:solidFill>
+                    <a:srgbClr val="F8B62B"/>
+                  </a:solidFill>
+                  <a:latin typeface="Arial" panose="020B0604020202020204" pitchFamily="34" charset="0"/>
+                  <a:cs typeface="Arial" panose="020B0604020202020204" pitchFamily="34" charset="0"/>
+                </a:endParaRPr>
+              </a:p>
+            </p:txBody>
+          </p:sp>
         </p:grpSp>
       </p:grpSp>
       <p:sp>
@@ -19918,7 +19750,7 @@
         <p:spPr>
           <a:xfrm>
             <a:off x="8896237" y="1586753"/>
-            <a:ext cx="2802306" cy="5093702"/>
+            <a:ext cx="2802306" cy="5293757"/>
           </a:xfrm>
           <a:prstGeom prst="rect">
             <a:avLst/>
@@ -20023,7 +19855,7 @@
               <a:buChar char="★"/>
             </a:pPr>
             <a:r>
-              <a:rPr lang="ja-JP" altLang="en-US" sz="1300">
+              <a:rPr lang="en" altLang="ja-JP" sz="1300">
                 <a:solidFill>
                   <a:schemeClr val="bg1"/>
                 </a:solidFill>
@@ -20031,7 +19863,7 @@
                 <a:ea typeface="Meiryo UI" panose="020B0604030504040204" pitchFamily="34" charset="-128"/>
                 <a:cs typeface="Arial" panose="020B0604020202020204" pitchFamily="34" charset="0"/>
               </a:rPr>
-              <a:t>関西女子会</a:t>
+              <a:t>JAWS-UG DE&amp;I</a:t>
             </a:r>
           </a:p>
           <a:p>
@@ -20552,6 +20384,42 @@
               </a:rPr>
               <a:t>専門支部</a:t>
             </a:r>
+            <a:endParaRPr lang="en-US" altLang="ja-JP" sz="1300">
+              <a:solidFill>
+                <a:schemeClr val="bg1"/>
+              </a:solidFill>
+              <a:latin typeface="Meiryo UI" panose="020B0604030504040204" pitchFamily="34" charset="-128"/>
+              <a:ea typeface="Meiryo UI" panose="020B0604030504040204" pitchFamily="34" charset="-128"/>
+              <a:cs typeface="Arial" panose="020B0604020202020204" pitchFamily="34" charset="0"/>
+            </a:endParaRPr>
+          </a:p>
+          <a:p>
+            <a:pPr marL="285750" indent="-285750">
+              <a:buClr>
+                <a:srgbClr val="F8B62B"/>
+              </a:buClr>
+              <a:buFont typeface="ヒラギノ明朝 ProN W3" panose="02020300000000000000" pitchFamily="18" charset="-128"/>
+              <a:buChar char="★"/>
+            </a:pPr>
+            <a:r>
+              <a:rPr lang="en" altLang="ja-JP" sz="1300">
+                <a:solidFill>
+                  <a:schemeClr val="bg1"/>
+                </a:solidFill>
+                <a:latin typeface="Meiryo UI" panose="020B0604030504040204" pitchFamily="34" charset="-128"/>
+                <a:ea typeface="Meiryo UI" panose="020B0604030504040204" pitchFamily="34" charset="-128"/>
+                <a:cs typeface="Arial" panose="020B0604020202020204" pitchFamily="34" charset="0"/>
+              </a:rPr>
+              <a:t>Storage</a:t>
+            </a:r>
+            <a:endParaRPr lang="ja-JP" altLang="en-US" sz="1300">
+              <a:solidFill>
+                <a:schemeClr val="bg1"/>
+              </a:solidFill>
+              <a:latin typeface="Meiryo UI" panose="020B0604030504040204" pitchFamily="34" charset="-128"/>
+              <a:ea typeface="Meiryo UI" panose="020B0604030504040204" pitchFamily="34" charset="-128"/>
+              <a:cs typeface="Arial" panose="020B0604020202020204" pitchFamily="34" charset="0"/>
+            </a:endParaRPr>
           </a:p>
           <a:p>
             <a:endParaRPr kumimoji="1" lang="ja-JP" altLang="en-US" sz="1300">
@@ -20899,7 +20767,7 @@
                 <a:ea typeface="Meiryo UI" panose="020B0604030504040204" pitchFamily="34" charset="-128"/>
                 <a:cs typeface="Arial" panose="020B0604020202020204" pitchFamily="34" charset="0"/>
               </a:rPr>
-              <a:t>2022</a:t>
+              <a:t>2024</a:t>
             </a:r>
             <a:r>
               <a:rPr lang="ja-JP" altLang="en-US" sz="1400">
@@ -20921,7 +20789,7 @@
                 <a:ea typeface="Meiryo UI" panose="020B0604030504040204" pitchFamily="34" charset="-128"/>
                 <a:cs typeface="Arial" panose="020B0604020202020204" pitchFamily="34" charset="0"/>
               </a:rPr>
-              <a:t>8</a:t>
+              <a:t>6</a:t>
             </a:r>
             <a:r>
               <a:rPr lang="ja-JP" altLang="en-US" sz="1400">
@@ -20937,6 +20805,732 @@
           </a:p>
         </p:txBody>
       </p:sp>
+      <p:sp>
+        <p:nvSpPr>
+          <p:cNvPr id="5" name="テキスト ボックス 4">
+            <a:extLst>
+              <a:ext uri="{FF2B5EF4-FFF2-40B4-BE49-F238E27FC236}">
+                <a16:creationId xmlns:a16="http://schemas.microsoft.com/office/drawing/2014/main" id="{C3E484AC-E5FD-826C-C4CC-412401479159}"/>
+              </a:ext>
+            </a:extLst>
+          </p:cNvPr>
+          <p:cNvSpPr txBox="1"/>
+          <p:nvPr/>
+        </p:nvSpPr>
+        <p:spPr>
+          <a:xfrm>
+            <a:off x="864584" y="6182265"/>
+            <a:ext cx="4125196" cy="461665"/>
+          </a:xfrm>
+          <a:prstGeom prst="rect">
+            <a:avLst/>
+          </a:prstGeom>
+          <a:noFill/>
+        </p:spPr>
+        <p:txBody>
+          <a:bodyPr wrap="square">
+            <a:spAutoFit/>
+          </a:bodyPr>
+          <a:lstStyle/>
+          <a:p>
+            <a:r>
+              <a:rPr lang="en-US" altLang="ja-JP" sz="2400" b="1" dirty="0">
+                <a:solidFill>
+                  <a:schemeClr val="bg1"/>
+                </a:solidFill>
+                <a:latin typeface="Arial" panose="020B0604020202020204" pitchFamily="34" charset="0"/>
+                <a:cs typeface="Arial" panose="020B0604020202020204" pitchFamily="34" charset="0"/>
+              </a:rPr>
+              <a:t>Jun 2024</a:t>
+            </a:r>
+            <a:endParaRPr lang="ja-JP" altLang="en-US" sz="2400" b="1">
+              <a:solidFill>
+                <a:schemeClr val="bg1"/>
+              </a:solidFill>
+              <a:latin typeface="Arial" panose="020B0604020202020204" pitchFamily="34" charset="0"/>
+              <a:cs typeface="Arial" panose="020B0604020202020204" pitchFamily="34" charset="0"/>
+            </a:endParaRPr>
+          </a:p>
+        </p:txBody>
+      </p:sp>
+      <p:sp>
+        <p:nvSpPr>
+          <p:cNvPr id="3" name="テキスト ボックス 2">
+            <a:extLst>
+              <a:ext uri="{FF2B5EF4-FFF2-40B4-BE49-F238E27FC236}">
+                <a16:creationId xmlns:a16="http://schemas.microsoft.com/office/drawing/2014/main" id="{B9E243A2-BD2E-4423-B7E2-D77BBF1CBCE5}"/>
+              </a:ext>
+            </a:extLst>
+          </p:cNvPr>
+          <p:cNvSpPr txBox="1"/>
+          <p:nvPr/>
+        </p:nvSpPr>
+        <p:spPr>
+          <a:xfrm>
+            <a:off x="6822115" y="4136032"/>
+            <a:ext cx="351378" cy="292388"/>
+          </a:xfrm>
+          <a:prstGeom prst="rect">
+            <a:avLst/>
+          </a:prstGeom>
+          <a:noFill/>
+          <a:effectLst>
+            <a:outerShdw blurRad="50800" dist="38100" dir="2700000" algn="tl" rotWithShape="0">
+              <a:prstClr val="black">
+                <a:alpha val="40000"/>
+              </a:prstClr>
+            </a:outerShdw>
+          </a:effectLst>
+        </p:spPr>
+        <p:txBody>
+          <a:bodyPr wrap="none" rtlCol="0">
+            <a:spAutoFit/>
+          </a:bodyPr>
+          <a:lstStyle/>
+          <a:p>
+            <a:r>
+              <a:rPr lang="en" altLang="ja-JP" sz="1300" dirty="0">
+                <a:solidFill>
+                  <a:srgbClr val="F8B62B"/>
+                </a:solidFill>
+                <a:latin typeface="Arial" panose="020B0604020202020204" pitchFamily="34" charset="0"/>
+                <a:cs typeface="Arial" panose="020B0604020202020204" pitchFamily="34" charset="0"/>
+              </a:rPr>
+              <a:t>★</a:t>
+            </a:r>
+            <a:endParaRPr kumimoji="1" lang="ja-JP" altLang="en-US" sz="1300">
+              <a:solidFill>
+                <a:srgbClr val="F8B62B"/>
+              </a:solidFill>
+              <a:latin typeface="Arial" panose="020B0604020202020204" pitchFamily="34" charset="0"/>
+              <a:cs typeface="Arial" panose="020B0604020202020204" pitchFamily="34" charset="0"/>
+            </a:endParaRPr>
+          </a:p>
+        </p:txBody>
+      </p:sp>
+      <p:sp>
+        <p:nvSpPr>
+          <p:cNvPr id="6" name="テキスト ボックス 5">
+            <a:extLst>
+              <a:ext uri="{FF2B5EF4-FFF2-40B4-BE49-F238E27FC236}">
+                <a16:creationId xmlns:a16="http://schemas.microsoft.com/office/drawing/2014/main" id="{615E417E-BEB1-FD27-52D9-EEA9633DE07D}"/>
+              </a:ext>
+            </a:extLst>
+          </p:cNvPr>
+          <p:cNvSpPr txBox="1"/>
+          <p:nvPr/>
+        </p:nvSpPr>
+        <p:spPr>
+          <a:xfrm>
+            <a:off x="7288312" y="4726082"/>
+            <a:ext cx="518091" cy="292388"/>
+          </a:xfrm>
+          <a:prstGeom prst="rect">
+            <a:avLst/>
+          </a:prstGeom>
+          <a:noFill/>
+        </p:spPr>
+        <p:txBody>
+          <a:bodyPr wrap="none" rtlCol="0">
+            <a:spAutoFit/>
+          </a:bodyPr>
+          <a:lstStyle/>
+          <a:p>
+            <a:r>
+              <a:rPr lang="ja-JP" altLang="en-US" sz="1300">
+                <a:solidFill>
+                  <a:schemeClr val="bg1"/>
+                </a:solidFill>
+                <a:latin typeface="Arial" panose="020B0604020202020204" pitchFamily="34" charset="0"/>
+                <a:cs typeface="Arial" panose="020B0604020202020204" pitchFamily="34" charset="0"/>
+              </a:rPr>
+              <a:t>横浜</a:t>
+            </a:r>
+          </a:p>
+        </p:txBody>
+      </p:sp>
+      <p:cxnSp>
+        <p:nvCxnSpPr>
+          <p:cNvPr id="7" name="直線コネクタ 6">
+            <a:extLst>
+              <a:ext uri="{FF2B5EF4-FFF2-40B4-BE49-F238E27FC236}">
+                <a16:creationId xmlns:a16="http://schemas.microsoft.com/office/drawing/2014/main" id="{41290BB8-BAE1-0BCA-F7DF-03F24D736529}"/>
+              </a:ext>
+            </a:extLst>
+          </p:cNvPr>
+          <p:cNvCxnSpPr>
+            <a:cxnSpLocks/>
+          </p:cNvCxnSpPr>
+          <p:nvPr/>
+        </p:nvCxnSpPr>
+        <p:spPr>
+          <a:xfrm>
+            <a:off x="7242149" y="4251744"/>
+            <a:ext cx="127145" cy="519829"/>
+          </a:xfrm>
+          <a:prstGeom prst="line">
+            <a:avLst/>
+          </a:prstGeom>
+          <a:ln w="12700">
+            <a:solidFill>
+              <a:schemeClr val="bg1"/>
+            </a:solidFill>
+          </a:ln>
+        </p:spPr>
+        <p:style>
+          <a:lnRef idx="1">
+            <a:schemeClr val="accent1"/>
+          </a:lnRef>
+          <a:fillRef idx="0">
+            <a:schemeClr val="accent1"/>
+          </a:fillRef>
+          <a:effectRef idx="0">
+            <a:schemeClr val="accent1"/>
+          </a:effectRef>
+          <a:fontRef idx="minor">
+            <a:schemeClr val="tx1"/>
+          </a:fontRef>
+        </p:style>
+      </p:cxnSp>
+      <p:sp>
+        <p:nvSpPr>
+          <p:cNvPr id="17" name="テキスト ボックス 16">
+            <a:extLst>
+              <a:ext uri="{FF2B5EF4-FFF2-40B4-BE49-F238E27FC236}">
+                <a16:creationId xmlns:a16="http://schemas.microsoft.com/office/drawing/2014/main" id="{6E3BFF6F-3D4F-DB61-67EC-711AD4814128}"/>
+              </a:ext>
+            </a:extLst>
+          </p:cNvPr>
+          <p:cNvSpPr txBox="1"/>
+          <p:nvPr/>
+        </p:nvSpPr>
+        <p:spPr>
+          <a:xfrm>
+            <a:off x="7205102" y="5151989"/>
+            <a:ext cx="518091" cy="292388"/>
+          </a:xfrm>
+          <a:prstGeom prst="rect">
+            <a:avLst/>
+          </a:prstGeom>
+          <a:noFill/>
+        </p:spPr>
+        <p:txBody>
+          <a:bodyPr wrap="none" rtlCol="0">
+            <a:spAutoFit/>
+          </a:bodyPr>
+          <a:lstStyle/>
+          <a:p>
+            <a:r>
+              <a:rPr lang="ja-JP" altLang="en-US" sz="1300" dirty="0">
+                <a:solidFill>
+                  <a:schemeClr val="bg1"/>
+                </a:solidFill>
+                <a:latin typeface="Meiryo UI" panose="020B0604030504040204" pitchFamily="34" charset="-128"/>
+                <a:ea typeface="Meiryo UI" panose="020B0604030504040204" pitchFamily="34" charset="-128"/>
+                <a:cs typeface="Arial" panose="020B0604020202020204" pitchFamily="34" charset="0"/>
+              </a:rPr>
+              <a:t>岩田</a:t>
+            </a:r>
+            <a:endParaRPr lang="ja-JP" altLang="en-US" sz="1300">
+              <a:solidFill>
+                <a:schemeClr val="bg1"/>
+              </a:solidFill>
+              <a:latin typeface="Meiryo UI" panose="020B0604030504040204" pitchFamily="34" charset="-128"/>
+              <a:ea typeface="Meiryo UI" panose="020B0604030504040204" pitchFamily="34" charset="-128"/>
+              <a:cs typeface="Arial" panose="020B0604020202020204" pitchFamily="34" charset="0"/>
+            </a:endParaRPr>
+          </a:p>
+        </p:txBody>
+      </p:sp>
+      <p:sp>
+        <p:nvSpPr>
+          <p:cNvPr id="18" name="テキスト ボックス 17">
+            <a:extLst>
+              <a:ext uri="{FF2B5EF4-FFF2-40B4-BE49-F238E27FC236}">
+                <a16:creationId xmlns:a16="http://schemas.microsoft.com/office/drawing/2014/main" id="{17AA3F7F-CC81-565F-783D-1F2C540603CD}"/>
+              </a:ext>
+            </a:extLst>
+          </p:cNvPr>
+          <p:cNvSpPr txBox="1"/>
+          <p:nvPr/>
+        </p:nvSpPr>
+        <p:spPr>
+          <a:xfrm>
+            <a:off x="7060674" y="5372652"/>
+            <a:ext cx="518091" cy="292388"/>
+          </a:xfrm>
+          <a:prstGeom prst="rect">
+            <a:avLst/>
+          </a:prstGeom>
+          <a:noFill/>
+        </p:spPr>
+        <p:txBody>
+          <a:bodyPr wrap="none" rtlCol="0">
+            <a:spAutoFit/>
+          </a:bodyPr>
+          <a:lstStyle/>
+          <a:p>
+            <a:r>
+              <a:rPr lang="ja-JP" altLang="en-US" sz="1300" dirty="0">
+                <a:solidFill>
+                  <a:schemeClr val="bg1"/>
+                </a:solidFill>
+                <a:latin typeface="Meiryo UI" panose="020B0604030504040204" pitchFamily="34" charset="-128"/>
+                <a:ea typeface="Meiryo UI" panose="020B0604030504040204" pitchFamily="34" charset="-128"/>
+                <a:cs typeface="Arial" panose="020B0604020202020204" pitchFamily="34" charset="0"/>
+              </a:rPr>
+              <a:t>浜松</a:t>
+            </a:r>
+            <a:endParaRPr lang="ja-JP" altLang="en-US" sz="1300">
+              <a:solidFill>
+                <a:schemeClr val="bg1"/>
+              </a:solidFill>
+              <a:latin typeface="Meiryo UI" panose="020B0604030504040204" pitchFamily="34" charset="-128"/>
+              <a:ea typeface="Meiryo UI" panose="020B0604030504040204" pitchFamily="34" charset="-128"/>
+              <a:cs typeface="Arial" panose="020B0604020202020204" pitchFamily="34" charset="0"/>
+            </a:endParaRPr>
+          </a:p>
+        </p:txBody>
+      </p:sp>
+      <p:cxnSp>
+        <p:nvCxnSpPr>
+          <p:cNvPr id="19" name="直線コネクタ 18">
+            <a:extLst>
+              <a:ext uri="{FF2B5EF4-FFF2-40B4-BE49-F238E27FC236}">
+                <a16:creationId xmlns:a16="http://schemas.microsoft.com/office/drawing/2014/main" id="{91706492-5BE3-89D5-4049-927D92080C0A}"/>
+              </a:ext>
+            </a:extLst>
+          </p:cNvPr>
+          <p:cNvCxnSpPr>
+            <a:cxnSpLocks/>
+          </p:cNvCxnSpPr>
+          <p:nvPr/>
+        </p:nvCxnSpPr>
+        <p:spPr>
+          <a:xfrm>
+            <a:off x="6733235" y="4467117"/>
+            <a:ext cx="524801" cy="818609"/>
+          </a:xfrm>
+          <a:prstGeom prst="line">
+            <a:avLst/>
+          </a:prstGeom>
+          <a:ln w="12700">
+            <a:solidFill>
+              <a:schemeClr val="bg1"/>
+            </a:solidFill>
+          </a:ln>
+        </p:spPr>
+        <p:style>
+          <a:lnRef idx="1">
+            <a:schemeClr val="accent1"/>
+          </a:lnRef>
+          <a:fillRef idx="0">
+            <a:schemeClr val="accent1"/>
+          </a:fillRef>
+          <a:effectRef idx="0">
+            <a:schemeClr val="accent1"/>
+          </a:effectRef>
+          <a:fontRef idx="minor">
+            <a:schemeClr val="tx1"/>
+          </a:fontRef>
+        </p:style>
+      </p:cxnSp>
+      <p:cxnSp>
+        <p:nvCxnSpPr>
+          <p:cNvPr id="20" name="直線コネクタ 19">
+            <a:extLst>
+              <a:ext uri="{FF2B5EF4-FFF2-40B4-BE49-F238E27FC236}">
+                <a16:creationId xmlns:a16="http://schemas.microsoft.com/office/drawing/2014/main" id="{B64EA66E-5904-916C-FEAB-BDF40E283306}"/>
+              </a:ext>
+            </a:extLst>
+          </p:cNvPr>
+          <p:cNvCxnSpPr>
+            <a:cxnSpLocks/>
+          </p:cNvCxnSpPr>
+          <p:nvPr/>
+        </p:nvCxnSpPr>
+        <p:spPr>
+          <a:xfrm>
+            <a:off x="6599043" y="4532009"/>
+            <a:ext cx="557712" cy="898197"/>
+          </a:xfrm>
+          <a:prstGeom prst="line">
+            <a:avLst/>
+          </a:prstGeom>
+          <a:ln w="12700">
+            <a:solidFill>
+              <a:schemeClr val="bg1"/>
+            </a:solidFill>
+          </a:ln>
+        </p:spPr>
+        <p:style>
+          <a:lnRef idx="1">
+            <a:schemeClr val="accent1"/>
+          </a:lnRef>
+          <a:fillRef idx="0">
+            <a:schemeClr val="accent1"/>
+          </a:fillRef>
+          <a:effectRef idx="0">
+            <a:schemeClr val="accent1"/>
+          </a:effectRef>
+          <a:fontRef idx="minor">
+            <a:schemeClr val="tx1"/>
+          </a:fontRef>
+        </p:style>
+      </p:cxnSp>
+      <p:sp>
+        <p:nvSpPr>
+          <p:cNvPr id="21" name="テキスト ボックス 20">
+            <a:extLst>
+              <a:ext uri="{FF2B5EF4-FFF2-40B4-BE49-F238E27FC236}">
+                <a16:creationId xmlns:a16="http://schemas.microsoft.com/office/drawing/2014/main" id="{F76469A4-BC1C-1FF3-495D-0260E8EEF085}"/>
+              </a:ext>
+            </a:extLst>
+          </p:cNvPr>
+          <p:cNvSpPr txBox="1"/>
+          <p:nvPr/>
+        </p:nvSpPr>
+        <p:spPr>
+          <a:xfrm>
+            <a:off x="7219287" y="4947666"/>
+            <a:ext cx="518091" cy="292388"/>
+          </a:xfrm>
+          <a:prstGeom prst="rect">
+            <a:avLst/>
+          </a:prstGeom>
+          <a:noFill/>
+        </p:spPr>
+        <p:txBody>
+          <a:bodyPr wrap="none" rtlCol="0">
+            <a:spAutoFit/>
+          </a:bodyPr>
+          <a:lstStyle/>
+          <a:p>
+            <a:r>
+              <a:rPr lang="ja-JP" altLang="en-US" sz="1300" dirty="0">
+                <a:solidFill>
+                  <a:schemeClr val="bg1"/>
+                </a:solidFill>
+                <a:latin typeface="Meiryo UI" panose="020B0604030504040204" pitchFamily="34" charset="-128"/>
+                <a:ea typeface="Meiryo UI" panose="020B0604030504040204" pitchFamily="34" charset="-128"/>
+                <a:cs typeface="Arial" panose="020B0604020202020204" pitchFamily="34" charset="0"/>
+              </a:rPr>
+              <a:t>静岡</a:t>
+            </a:r>
+            <a:endParaRPr lang="ja-JP" altLang="en-US" sz="1300">
+              <a:solidFill>
+                <a:schemeClr val="bg1"/>
+              </a:solidFill>
+              <a:latin typeface="Meiryo UI" panose="020B0604030504040204" pitchFamily="34" charset="-128"/>
+              <a:ea typeface="Meiryo UI" panose="020B0604030504040204" pitchFamily="34" charset="-128"/>
+              <a:cs typeface="Arial" panose="020B0604020202020204" pitchFamily="34" charset="0"/>
+            </a:endParaRPr>
+          </a:p>
+        </p:txBody>
+      </p:sp>
+      <p:cxnSp>
+        <p:nvCxnSpPr>
+          <p:cNvPr id="22" name="直線コネクタ 21">
+            <a:extLst>
+              <a:ext uri="{FF2B5EF4-FFF2-40B4-BE49-F238E27FC236}">
+                <a16:creationId xmlns:a16="http://schemas.microsoft.com/office/drawing/2014/main" id="{DE724D77-76C3-3AB8-7CCC-6C5A6A4296C8}"/>
+              </a:ext>
+            </a:extLst>
+          </p:cNvPr>
+          <p:cNvCxnSpPr>
+            <a:cxnSpLocks/>
+          </p:cNvCxnSpPr>
+          <p:nvPr/>
+        </p:nvCxnSpPr>
+        <p:spPr>
+          <a:xfrm>
+            <a:off x="6997804" y="4341348"/>
+            <a:ext cx="287416" cy="627891"/>
+          </a:xfrm>
+          <a:prstGeom prst="line">
+            <a:avLst/>
+          </a:prstGeom>
+          <a:ln w="12700">
+            <a:solidFill>
+              <a:schemeClr val="bg1"/>
+            </a:solidFill>
+          </a:ln>
+        </p:spPr>
+        <p:style>
+          <a:lnRef idx="1">
+            <a:schemeClr val="accent1"/>
+          </a:lnRef>
+          <a:fillRef idx="0">
+            <a:schemeClr val="accent1"/>
+          </a:fillRef>
+          <a:effectRef idx="0">
+            <a:schemeClr val="accent1"/>
+          </a:effectRef>
+          <a:fontRef idx="minor">
+            <a:schemeClr val="tx1"/>
+          </a:fontRef>
+        </p:style>
+      </p:cxnSp>
+      <p:sp>
+        <p:nvSpPr>
+          <p:cNvPr id="2" name="テキスト ボックス 1">
+            <a:extLst>
+              <a:ext uri="{FF2B5EF4-FFF2-40B4-BE49-F238E27FC236}">
+                <a16:creationId xmlns:a16="http://schemas.microsoft.com/office/drawing/2014/main" id="{8F45ACD1-FB4A-2674-4BDD-5EBB7E5E12BC}"/>
+              </a:ext>
+            </a:extLst>
+          </p:cNvPr>
+          <p:cNvSpPr txBox="1"/>
+          <p:nvPr/>
+        </p:nvSpPr>
+        <p:spPr>
+          <a:xfrm>
+            <a:off x="7732200" y="2516292"/>
+            <a:ext cx="351378" cy="292388"/>
+          </a:xfrm>
+          <a:prstGeom prst="rect">
+            <a:avLst/>
+          </a:prstGeom>
+          <a:noFill/>
+          <a:effectLst>
+            <a:outerShdw blurRad="50800" dist="38100" dir="2700000" algn="tl" rotWithShape="0">
+              <a:prstClr val="black">
+                <a:alpha val="40000"/>
+              </a:prstClr>
+            </a:outerShdw>
+          </a:effectLst>
+        </p:spPr>
+        <p:txBody>
+          <a:bodyPr wrap="none" rtlCol="0">
+            <a:spAutoFit/>
+          </a:bodyPr>
+          <a:lstStyle/>
+          <a:p>
+            <a:r>
+              <a:rPr lang="en" altLang="ja-JP" sz="1300" dirty="0">
+                <a:solidFill>
+                  <a:srgbClr val="F8B62B"/>
+                </a:solidFill>
+                <a:latin typeface="Arial" panose="020B0604020202020204" pitchFamily="34" charset="0"/>
+                <a:cs typeface="Arial" panose="020B0604020202020204" pitchFamily="34" charset="0"/>
+              </a:rPr>
+              <a:t>★</a:t>
+            </a:r>
+            <a:endParaRPr kumimoji="1" lang="ja-JP" altLang="en-US" sz="1300">
+              <a:solidFill>
+                <a:srgbClr val="F8B62B"/>
+              </a:solidFill>
+              <a:latin typeface="Arial" panose="020B0604020202020204" pitchFamily="34" charset="0"/>
+              <a:cs typeface="Arial" panose="020B0604020202020204" pitchFamily="34" charset="0"/>
+            </a:endParaRPr>
+          </a:p>
+        </p:txBody>
+      </p:sp>
+      <p:sp>
+        <p:nvSpPr>
+          <p:cNvPr id="4" name="テキスト ボックス 3">
+            <a:extLst>
+              <a:ext uri="{FF2B5EF4-FFF2-40B4-BE49-F238E27FC236}">
+                <a16:creationId xmlns:a16="http://schemas.microsoft.com/office/drawing/2014/main" id="{55736710-AAD5-5493-442D-D4BE21562F08}"/>
+              </a:ext>
+            </a:extLst>
+          </p:cNvPr>
+          <p:cNvSpPr txBox="1"/>
+          <p:nvPr/>
+        </p:nvSpPr>
+        <p:spPr>
+          <a:xfrm>
+            <a:off x="8006256" y="2434365"/>
+            <a:ext cx="593432" cy="292388"/>
+          </a:xfrm>
+          <a:prstGeom prst="rect">
+            <a:avLst/>
+          </a:prstGeom>
+          <a:noFill/>
+        </p:spPr>
+        <p:txBody>
+          <a:bodyPr wrap="none" rtlCol="0">
+            <a:spAutoFit/>
+          </a:bodyPr>
+          <a:lstStyle/>
+          <a:p>
+            <a:r>
+              <a:rPr kumimoji="1" lang="ja-JP" altLang="en-US" sz="1300">
+                <a:solidFill>
+                  <a:schemeClr val="bg1"/>
+                </a:solidFill>
+                <a:latin typeface="Meiryo UI" panose="020B0604030504040204" pitchFamily="34" charset="-128"/>
+                <a:ea typeface="Meiryo UI" panose="020B0604030504040204" pitchFamily="34" charset="-128"/>
+                <a:cs typeface="Arial" panose="020B0604020202020204" pitchFamily="34" charset="0"/>
+              </a:rPr>
+              <a:t>いわて</a:t>
+            </a:r>
+          </a:p>
+        </p:txBody>
+      </p:sp>
+      <p:grpSp>
+        <p:nvGrpSpPr>
+          <p:cNvPr id="8" name="グループ化 7">
+            <a:extLst>
+              <a:ext uri="{FF2B5EF4-FFF2-40B4-BE49-F238E27FC236}">
+                <a16:creationId xmlns:a16="http://schemas.microsoft.com/office/drawing/2014/main" id="{B95F4CFA-3800-73A3-C334-99DEFA4879A9}"/>
+              </a:ext>
+            </a:extLst>
+          </p:cNvPr>
+          <p:cNvGrpSpPr/>
+          <p:nvPr/>
+        </p:nvGrpSpPr>
+        <p:grpSpPr>
+          <a:xfrm>
+            <a:off x="6413498" y="3869110"/>
+            <a:ext cx="749412" cy="377826"/>
+            <a:chOff x="3877066" y="2780335"/>
+            <a:chExt cx="749412" cy="377826"/>
+          </a:xfrm>
+        </p:grpSpPr>
+        <p:sp>
+          <p:nvSpPr>
+            <p:cNvPr id="9" name="テキスト ボックス 8">
+              <a:extLst>
+                <a:ext uri="{FF2B5EF4-FFF2-40B4-BE49-F238E27FC236}">
+                  <a16:creationId xmlns:a16="http://schemas.microsoft.com/office/drawing/2014/main" id="{134C2BD4-2A34-94CA-2963-B6AABCA9E19F}"/>
+                </a:ext>
+              </a:extLst>
+            </p:cNvPr>
+            <p:cNvSpPr txBox="1"/>
+            <p:nvPr/>
+          </p:nvSpPr>
+          <p:spPr>
+            <a:xfrm>
+              <a:off x="3877066" y="2780335"/>
+              <a:ext cx="518091" cy="292388"/>
+            </a:xfrm>
+            <a:prstGeom prst="rect">
+              <a:avLst/>
+            </a:prstGeom>
+            <a:noFill/>
+          </p:spPr>
+          <p:txBody>
+            <a:bodyPr wrap="none" rtlCol="0">
+              <a:spAutoFit/>
+            </a:bodyPr>
+            <a:lstStyle/>
+            <a:p>
+              <a:r>
+                <a:rPr kumimoji="1" lang="ja-JP" altLang="en-US" sz="1300">
+                  <a:solidFill>
+                    <a:schemeClr val="bg1"/>
+                  </a:solidFill>
+                  <a:latin typeface="Meiryo UI" panose="020B0604030504040204" pitchFamily="34" charset="-128"/>
+                  <a:ea typeface="Meiryo UI" panose="020B0604030504040204" pitchFamily="34" charset="-128"/>
+                  <a:cs typeface="Arial" panose="020B0604020202020204" pitchFamily="34" charset="0"/>
+                </a:rPr>
+                <a:t>山梨</a:t>
+              </a:r>
+            </a:p>
+          </p:txBody>
+        </p:sp>
+        <p:cxnSp>
+          <p:nvCxnSpPr>
+            <p:cNvPr id="10" name="直線コネクタ 9">
+              <a:extLst>
+                <a:ext uri="{FF2B5EF4-FFF2-40B4-BE49-F238E27FC236}">
+                  <a16:creationId xmlns:a16="http://schemas.microsoft.com/office/drawing/2014/main" id="{11119E5B-8A7F-9BE0-6067-DDAA6D10B3A8}"/>
+                </a:ext>
+              </a:extLst>
+            </p:cNvPr>
+            <p:cNvCxnSpPr>
+              <a:cxnSpLocks/>
+            </p:cNvCxnSpPr>
+            <p:nvPr/>
+          </p:nvCxnSpPr>
+          <p:spPr>
+            <a:xfrm flipH="1" flipV="1">
+              <a:off x="4327178" y="2943517"/>
+              <a:ext cx="108814" cy="42440"/>
+            </a:xfrm>
+            <a:prstGeom prst="line">
+              <a:avLst/>
+            </a:prstGeom>
+            <a:ln w="12700">
+              <a:solidFill>
+                <a:schemeClr val="bg2">
+                  <a:lumMod val="10000"/>
+                </a:schemeClr>
+              </a:solidFill>
+            </a:ln>
+          </p:spPr>
+          <p:style>
+            <a:lnRef idx="1">
+              <a:schemeClr val="accent1"/>
+            </a:lnRef>
+            <a:fillRef idx="0">
+              <a:schemeClr val="accent1"/>
+            </a:fillRef>
+            <a:effectRef idx="0">
+              <a:schemeClr val="accent1"/>
+            </a:effectRef>
+            <a:fontRef idx="minor">
+              <a:schemeClr val="tx1"/>
+            </a:fontRef>
+          </p:style>
+        </p:cxnSp>
+        <p:sp>
+          <p:nvSpPr>
+            <p:cNvPr id="11" name="テキスト ボックス 10">
+              <a:extLst>
+                <a:ext uri="{FF2B5EF4-FFF2-40B4-BE49-F238E27FC236}">
+                  <a16:creationId xmlns:a16="http://schemas.microsoft.com/office/drawing/2014/main" id="{D8D7DABC-9896-3464-1069-3F68411B2606}"/>
+                </a:ext>
+              </a:extLst>
+            </p:cNvPr>
+            <p:cNvSpPr txBox="1"/>
+            <p:nvPr/>
+          </p:nvSpPr>
+          <p:spPr>
+            <a:xfrm>
+              <a:off x="4275100" y="2865773"/>
+              <a:ext cx="351378" cy="292388"/>
+            </a:xfrm>
+            <a:prstGeom prst="rect">
+              <a:avLst/>
+            </a:prstGeom>
+            <a:noFill/>
+            <a:effectLst>
+              <a:outerShdw blurRad="50800" dist="38100" dir="2700000" algn="tl" rotWithShape="0">
+                <a:prstClr val="black">
+                  <a:alpha val="40000"/>
+                </a:prstClr>
+              </a:outerShdw>
+            </a:effectLst>
+          </p:spPr>
+          <p:txBody>
+            <a:bodyPr wrap="none" rtlCol="0">
+              <a:spAutoFit/>
+            </a:bodyPr>
+            <a:lstStyle/>
+            <a:p>
+              <a:r>
+                <a:rPr lang="en" altLang="ja-JP" sz="1300" dirty="0">
+                  <a:solidFill>
+                    <a:srgbClr val="F8B62B"/>
+                  </a:solidFill>
+                  <a:latin typeface="Arial" panose="020B0604020202020204" pitchFamily="34" charset="0"/>
+                  <a:cs typeface="Arial" panose="020B0604020202020204" pitchFamily="34" charset="0"/>
+                </a:rPr>
+                <a:t>★</a:t>
+              </a:r>
+              <a:endParaRPr kumimoji="1" lang="ja-JP" altLang="en-US" sz="1300">
+                <a:solidFill>
+                  <a:srgbClr val="F8B62B"/>
+                </a:solidFill>
+                <a:latin typeface="Arial" panose="020B0604020202020204" pitchFamily="34" charset="0"/>
+                <a:cs typeface="Arial" panose="020B0604020202020204" pitchFamily="34" charset="0"/>
+              </a:endParaRPr>
+            </a:p>
+          </p:txBody>
+        </p:sp>
+      </p:grpSp>
     </p:spTree>
     <p:extLst>
       <p:ext uri="{BB962C8B-B14F-4D97-AF65-F5344CB8AC3E}">
@@ -21666,58 +22260,6 @@
         </p:sp>
         <p:sp>
           <p:nvSpPr>
-            <p:cNvPr id="17" name="テキスト ボックス 16">
-              <a:extLst>
-                <a:ext uri="{FF2B5EF4-FFF2-40B4-BE49-F238E27FC236}">
-                  <a16:creationId xmlns:a16="http://schemas.microsoft.com/office/drawing/2014/main" id="{4B0CF17D-B75F-67E5-B50B-58F9F9A9FDFD}"/>
-                </a:ext>
-              </a:extLst>
-            </p:cNvPr>
-            <p:cNvSpPr txBox="1"/>
-            <p:nvPr/>
-          </p:nvSpPr>
-          <p:spPr>
-            <a:xfrm>
-              <a:off x="7157477" y="4726082"/>
-              <a:ext cx="967637" cy="292388"/>
-            </a:xfrm>
-            <a:prstGeom prst="rect">
-              <a:avLst/>
-            </a:prstGeom>
-            <a:noFill/>
-          </p:spPr>
-          <p:txBody>
-            <a:bodyPr wrap="none" rtlCol="0">
-              <a:spAutoFit/>
-            </a:bodyPr>
-            <a:lstStyle/>
-            <a:p>
-              <a:r>
-                <a:rPr lang="en" altLang="ja-JP" sz="1300" dirty="0">
-                  <a:solidFill>
-                    <a:schemeClr val="bg2">
-                      <a:lumMod val="10000"/>
-                    </a:schemeClr>
-                  </a:solidFill>
-                  <a:latin typeface="Arial" panose="020B0604020202020204" pitchFamily="34" charset="0"/>
-                  <a:cs typeface="Arial" panose="020B0604020202020204" pitchFamily="34" charset="0"/>
-                </a:rPr>
-                <a:t>Yokohama</a:t>
-              </a:r>
-              <a:endParaRPr kumimoji="1" lang="ja-JP" altLang="en-US" sz="1300">
-                <a:solidFill>
-                  <a:schemeClr val="bg2">
-                    <a:lumMod val="10000"/>
-                  </a:schemeClr>
-                </a:solidFill>
-                <a:latin typeface="Arial" panose="020B0604020202020204" pitchFamily="34" charset="0"/>
-                <a:cs typeface="Arial" panose="020B0604020202020204" pitchFamily="34" charset="0"/>
-              </a:endParaRPr>
-            </a:p>
-          </p:txBody>
-        </p:sp>
-        <p:sp>
-          <p:nvSpPr>
             <p:cNvPr id="18" name="テキスト ボックス 17">
               <a:extLst>
                 <a:ext uri="{FF2B5EF4-FFF2-40B4-BE49-F238E27FC236}">
@@ -21730,7 +22272,7 @@
           </p:nvSpPr>
           <p:spPr>
             <a:xfrm>
-              <a:off x="7151556" y="5018470"/>
+              <a:off x="7207972" y="5151033"/>
               <a:ext cx="583814" cy="292388"/>
             </a:xfrm>
             <a:prstGeom prst="rect">
@@ -21782,7 +22324,7 @@
           </p:nvSpPr>
           <p:spPr>
             <a:xfrm>
-              <a:off x="7004484" y="5277557"/>
+              <a:off x="7063544" y="5371696"/>
               <a:ext cx="1085554" cy="292388"/>
             </a:xfrm>
             <a:prstGeom prst="rect">
@@ -22171,58 +22713,6 @@
                   <a:cs typeface="Arial" panose="020B0604020202020204" pitchFamily="34" charset="0"/>
                 </a:rPr>
                 <a:t>Kumamoto</a:t>
-              </a:r>
-              <a:endParaRPr kumimoji="1" lang="ja-JP" altLang="en-US" sz="1300">
-                <a:solidFill>
-                  <a:schemeClr val="bg2">
-                    <a:lumMod val="10000"/>
-                  </a:schemeClr>
-                </a:solidFill>
-                <a:latin typeface="Arial" panose="020B0604020202020204" pitchFamily="34" charset="0"/>
-                <a:cs typeface="Arial" panose="020B0604020202020204" pitchFamily="34" charset="0"/>
-              </a:endParaRPr>
-            </a:p>
-          </p:txBody>
-        </p:sp>
-        <p:sp>
-          <p:nvSpPr>
-            <p:cNvPr id="35" name="テキスト ボックス 34">
-              <a:extLst>
-                <a:ext uri="{FF2B5EF4-FFF2-40B4-BE49-F238E27FC236}">
-                  <a16:creationId xmlns:a16="http://schemas.microsoft.com/office/drawing/2014/main" id="{F7DBD9A4-386D-405B-6EBE-D7329DF05B5D}"/>
-                </a:ext>
-              </a:extLst>
-            </p:cNvPr>
-            <p:cNvSpPr txBox="1"/>
-            <p:nvPr/>
-          </p:nvSpPr>
-          <p:spPr>
-            <a:xfrm>
-              <a:off x="3489674" y="5671372"/>
-              <a:ext cx="1019831" cy="292388"/>
-            </a:xfrm>
-            <a:prstGeom prst="rect">
-              <a:avLst/>
-            </a:prstGeom>
-            <a:noFill/>
-          </p:spPr>
-          <p:txBody>
-            <a:bodyPr wrap="none" rtlCol="0">
-              <a:spAutoFit/>
-            </a:bodyPr>
-            <a:lstStyle/>
-            <a:p>
-              <a:r>
-                <a:rPr lang="en" altLang="ja-JP" sz="1300" dirty="0">
-                  <a:solidFill>
-                    <a:schemeClr val="bg2">
-                      <a:lumMod val="10000"/>
-                    </a:schemeClr>
-                  </a:solidFill>
-                  <a:latin typeface="Arial" panose="020B0604020202020204" pitchFamily="34" charset="0"/>
-                  <a:cs typeface="Arial" panose="020B0604020202020204" pitchFamily="34" charset="0"/>
-                </a:rPr>
-                <a:t>Kagoshima</a:t>
               </a:r>
               <a:endParaRPr kumimoji="1" lang="ja-JP" altLang="en-US" sz="1300">
                 <a:solidFill>
@@ -23777,51 +24267,6 @@
             </a:p>
           </p:txBody>
         </p:sp>
-        <p:cxnSp>
-          <p:nvCxnSpPr>
-            <p:cNvPr id="75" name="直線コネクタ 74">
-              <a:extLst>
-                <a:ext uri="{FF2B5EF4-FFF2-40B4-BE49-F238E27FC236}">
-                  <a16:creationId xmlns:a16="http://schemas.microsoft.com/office/drawing/2014/main" id="{E5A1BD30-7BE5-495A-75CC-C793C9DDEBD4}"/>
-                </a:ext>
-              </a:extLst>
-            </p:cNvPr>
-            <p:cNvCxnSpPr>
-              <a:cxnSpLocks/>
-            </p:cNvCxnSpPr>
-            <p:nvPr/>
-          </p:nvCxnSpPr>
-          <p:spPr>
-            <a:xfrm>
-              <a:off x="7242149" y="4251744"/>
-              <a:ext cx="22167" cy="525094"/>
-            </a:xfrm>
-            <a:prstGeom prst="line">
-              <a:avLst/>
-            </a:prstGeom>
-            <a:ln w="12700">
-              <a:solidFill>
-                <a:schemeClr val="bg2">
-                  <a:lumMod val="10000"/>
-                </a:schemeClr>
-              </a:solidFill>
-            </a:ln>
-          </p:spPr>
-          <p:style>
-            <a:lnRef idx="1">
-              <a:schemeClr val="accent1"/>
-            </a:lnRef>
-            <a:fillRef idx="0">
-              <a:schemeClr val="accent1"/>
-            </a:fillRef>
-            <a:effectRef idx="0">
-              <a:schemeClr val="accent1"/>
-            </a:effectRef>
-            <a:fontRef idx="minor">
-              <a:schemeClr val="tx1"/>
-            </a:fontRef>
-          </p:style>
-        </p:cxnSp>
         <p:cxnSp>
           <p:nvCxnSpPr>
             <p:cNvPr id="77" name="直線コネクタ 76">
@@ -24084,7 +24529,7 @@
           <p:spPr>
             <a:xfrm>
               <a:off x="6736105" y="4466161"/>
-              <a:ext cx="452403" cy="698503"/>
+              <a:ext cx="524801" cy="818609"/>
             </a:xfrm>
             <a:prstGeom prst="line">
               <a:avLst/>
@@ -24129,7 +24574,7 @@
           <p:spPr>
             <a:xfrm>
               <a:off x="6601913" y="4531053"/>
-              <a:ext cx="481803" cy="795096"/>
+              <a:ext cx="557712" cy="898197"/>
             </a:xfrm>
             <a:prstGeom prst="line">
               <a:avLst/>
@@ -25461,106 +25906,6 @@
         </p:sp>
         <p:cxnSp>
           <p:nvCxnSpPr>
-            <p:cNvPr id="137" name="直線コネクタ 136">
-              <a:extLst>
-                <a:ext uri="{FF2B5EF4-FFF2-40B4-BE49-F238E27FC236}">
-                  <a16:creationId xmlns:a16="http://schemas.microsoft.com/office/drawing/2014/main" id="{6C832C1B-2E78-E8DF-DC61-C8976EE4FD54}"/>
-                </a:ext>
-              </a:extLst>
-            </p:cNvPr>
-            <p:cNvCxnSpPr>
-              <a:cxnSpLocks/>
-            </p:cNvCxnSpPr>
-            <p:nvPr/>
-          </p:nvCxnSpPr>
-          <p:spPr>
-            <a:xfrm flipV="1">
-              <a:off x="4171842" y="5501994"/>
-              <a:ext cx="326973" cy="220089"/>
-            </a:xfrm>
-            <a:prstGeom prst="line">
-              <a:avLst/>
-            </a:prstGeom>
-            <a:ln w="12700">
-              <a:solidFill>
-                <a:schemeClr val="bg2">
-                  <a:lumMod val="10000"/>
-                </a:schemeClr>
-              </a:solidFill>
-            </a:ln>
-          </p:spPr>
-          <p:style>
-            <a:lnRef idx="1">
-              <a:schemeClr val="accent1"/>
-            </a:lnRef>
-            <a:fillRef idx="0">
-              <a:schemeClr val="accent1"/>
-            </a:fillRef>
-            <a:effectRef idx="0">
-              <a:schemeClr val="accent1"/>
-            </a:effectRef>
-            <a:fontRef idx="minor">
-              <a:schemeClr val="tx1"/>
-            </a:fontRef>
-          </p:style>
-        </p:cxnSp>
-        <p:sp>
-          <p:nvSpPr>
-            <p:cNvPr id="118" name="テキスト ボックス 117">
-              <a:extLst>
-                <a:ext uri="{FF2B5EF4-FFF2-40B4-BE49-F238E27FC236}">
-                  <a16:creationId xmlns:a16="http://schemas.microsoft.com/office/drawing/2014/main" id="{A27AF81A-AE51-31FB-AFA9-FE813B507371}"/>
-                </a:ext>
-              </a:extLst>
-            </p:cNvPr>
-            <p:cNvSpPr txBox="1"/>
-            <p:nvPr/>
-          </p:nvSpPr>
-          <p:spPr>
-            <a:xfrm>
-              <a:off x="4329806" y="5341106"/>
-              <a:ext cx="351378" cy="292388"/>
-            </a:xfrm>
-            <a:prstGeom prst="rect">
-              <a:avLst/>
-            </a:prstGeom>
-            <a:noFill/>
-            <a:effectLst>
-              <a:outerShdw blurRad="50800" dist="38100" dir="2700000" algn="tl" rotWithShape="0">
-                <a:prstClr val="black">
-                  <a:alpha val="40000"/>
-                </a:prstClr>
-              </a:outerShdw>
-            </a:effectLst>
-          </p:spPr>
-          <p:txBody>
-            <a:bodyPr wrap="none" rtlCol="0">
-              <a:spAutoFit/>
-            </a:bodyPr>
-            <a:lstStyle/>
-            <a:p>
-              <a:r>
-                <a:rPr lang="en" altLang="ja-JP" sz="1300" dirty="0">
-                  <a:solidFill>
-                    <a:srgbClr val="F8B62B"/>
-                  </a:solidFill>
-                  <a:latin typeface="Arial" panose="020B0604020202020204" pitchFamily="34" charset="0"/>
-                  <a:cs typeface="Arial" panose="020B0604020202020204" pitchFamily="34" charset="0"/>
-                </a:rPr>
-                <a:t>★</a:t>
-              </a:r>
-              <a:endParaRPr kumimoji="1" lang="ja-JP" altLang="en-US" sz="1300">
-                <a:solidFill>
-                  <a:srgbClr val="F8B62B"/>
-                </a:solidFill>
-                <a:latin typeface="Arial" panose="020B0604020202020204" pitchFamily="34" charset="0"/>
-                <a:cs typeface="Arial" panose="020B0604020202020204" pitchFamily="34" charset="0"/>
-              </a:endParaRPr>
-            </a:p>
-          </p:txBody>
-        </p:sp>
-        <p:cxnSp>
-          <p:nvCxnSpPr>
             <p:cNvPr id="139" name="直線コネクタ 138">
               <a:extLst>
                 <a:ext uri="{FF2B5EF4-FFF2-40B4-BE49-F238E27FC236}">
@@ -27051,7 +27396,7 @@
                 <a:latin typeface="Arial" panose="020B0604020202020204" pitchFamily="34" charset="0"/>
                 <a:cs typeface="Arial" panose="020B0604020202020204" pitchFamily="34" charset="0"/>
               </a:rPr>
-              <a:t>Aug 2022</a:t>
+              <a:t>Jun 2024</a:t>
             </a:r>
             <a:endParaRPr lang="ja-JP" altLang="en-US" sz="2400" b="1">
               <a:solidFill>
@@ -27080,7 +27425,7 @@
         <p:spPr>
           <a:xfrm>
             <a:off x="8896237" y="1586753"/>
-            <a:ext cx="2431178" cy="5093702"/>
+            <a:ext cx="2431178" cy="5293757"/>
           </a:xfrm>
           <a:prstGeom prst="rect">
             <a:avLst/>
@@ -27152,7 +27497,7 @@
                 <a:latin typeface="Arial" panose="020B0604020202020204" pitchFamily="34" charset="0"/>
                 <a:cs typeface="Arial" panose="020B0604020202020204" pitchFamily="34" charset="0"/>
               </a:rPr>
-              <a:t>Kansai Girls</a:t>
+              <a:t>DE&amp;I</a:t>
             </a:r>
           </a:p>
           <a:p>
@@ -27604,15 +27949,27 @@
               </a:rPr>
               <a:t>GameTech</a:t>
             </a:r>
-            <a:endParaRPr lang="en" altLang="ja-JP" sz="1300" dirty="0">
-              <a:solidFill>
-                <a:schemeClr val="bg2">
-                  <a:lumMod val="10000"/>
-                </a:schemeClr>
-              </a:solidFill>
-              <a:latin typeface="Arial" panose="020B0604020202020204" pitchFamily="34" charset="0"/>
-              <a:cs typeface="Arial" panose="020B0604020202020204" pitchFamily="34" charset="0"/>
-            </a:endParaRPr>
+          </a:p>
+          <a:p>
+            <a:pPr marL="285750" indent="-285750">
+              <a:buClr>
+                <a:srgbClr val="F8B62B"/>
+              </a:buClr>
+              <a:buFont typeface="ヒラギノ明朝 ProN W3" panose="02020300000000000000" pitchFamily="18" charset="-128"/>
+              <a:buChar char="★"/>
+            </a:pPr>
+            <a:r>
+              <a:rPr lang="en" altLang="ja-JP" sz="1300" dirty="0">
+                <a:solidFill>
+                  <a:schemeClr val="bg2">
+                    <a:lumMod val="10000"/>
+                  </a:schemeClr>
+                </a:solidFill>
+                <a:latin typeface="Arial" panose="020B0604020202020204" pitchFamily="34" charset="0"/>
+                <a:cs typeface="Arial" panose="020B0604020202020204" pitchFamily="34" charset="0"/>
+              </a:rPr>
+              <a:t>Storage</a:t>
+            </a:r>
           </a:p>
           <a:p>
             <a:endParaRPr kumimoji="1" lang="ja-JP" altLang="en-US" sz="1300">
@@ -27627,6 +27984,539 @@
           </a:p>
         </p:txBody>
       </p:sp>
+      <p:sp>
+        <p:nvSpPr>
+          <p:cNvPr id="25" name="テキスト ボックス 24">
+            <a:extLst>
+              <a:ext uri="{FF2B5EF4-FFF2-40B4-BE49-F238E27FC236}">
+                <a16:creationId xmlns:a16="http://schemas.microsoft.com/office/drawing/2014/main" id="{3AD91EC2-2C14-0427-B542-025A7ADC4D3A}"/>
+              </a:ext>
+            </a:extLst>
+          </p:cNvPr>
+          <p:cNvSpPr txBox="1"/>
+          <p:nvPr/>
+        </p:nvSpPr>
+        <p:spPr>
+          <a:xfrm>
+            <a:off x="7288312" y="4726082"/>
+            <a:ext cx="967637" cy="292388"/>
+          </a:xfrm>
+          <a:prstGeom prst="rect">
+            <a:avLst/>
+          </a:prstGeom>
+          <a:noFill/>
+        </p:spPr>
+        <p:txBody>
+          <a:bodyPr wrap="none" rtlCol="0">
+            <a:spAutoFit/>
+          </a:bodyPr>
+          <a:lstStyle/>
+          <a:p>
+            <a:r>
+              <a:rPr lang="en" altLang="ja-JP" sz="1300" dirty="0">
+                <a:solidFill>
+                  <a:schemeClr val="bg2">
+                    <a:lumMod val="10000"/>
+                  </a:schemeClr>
+                </a:solidFill>
+                <a:latin typeface="Arial" panose="020B0604020202020204" pitchFamily="34" charset="0"/>
+                <a:cs typeface="Arial" panose="020B0604020202020204" pitchFamily="34" charset="0"/>
+              </a:rPr>
+              <a:t>Yokohama</a:t>
+            </a:r>
+            <a:endParaRPr kumimoji="1" lang="ja-JP" altLang="en-US" sz="1300">
+              <a:solidFill>
+                <a:schemeClr val="bg2">
+                  <a:lumMod val="10000"/>
+                </a:schemeClr>
+              </a:solidFill>
+              <a:latin typeface="Arial" panose="020B0604020202020204" pitchFamily="34" charset="0"/>
+              <a:cs typeface="Arial" panose="020B0604020202020204" pitchFamily="34" charset="0"/>
+            </a:endParaRPr>
+          </a:p>
+        </p:txBody>
+      </p:sp>
+      <p:cxnSp>
+        <p:nvCxnSpPr>
+          <p:cNvPr id="27" name="直線コネクタ 26">
+            <a:extLst>
+              <a:ext uri="{FF2B5EF4-FFF2-40B4-BE49-F238E27FC236}">
+                <a16:creationId xmlns:a16="http://schemas.microsoft.com/office/drawing/2014/main" id="{C514FC5E-D4A3-BD63-8B8F-353145323B2C}"/>
+              </a:ext>
+            </a:extLst>
+          </p:cNvPr>
+          <p:cNvCxnSpPr>
+            <a:cxnSpLocks/>
+          </p:cNvCxnSpPr>
+          <p:nvPr/>
+        </p:nvCxnSpPr>
+        <p:spPr>
+          <a:xfrm>
+            <a:off x="7242149" y="4251744"/>
+            <a:ext cx="127145" cy="519829"/>
+          </a:xfrm>
+          <a:prstGeom prst="line">
+            <a:avLst/>
+          </a:prstGeom>
+          <a:ln w="12700">
+            <a:solidFill>
+              <a:schemeClr val="bg2">
+                <a:lumMod val="10000"/>
+              </a:schemeClr>
+            </a:solidFill>
+          </a:ln>
+        </p:spPr>
+        <p:style>
+          <a:lnRef idx="1">
+            <a:schemeClr val="accent1"/>
+          </a:lnRef>
+          <a:fillRef idx="0">
+            <a:schemeClr val="accent1"/>
+          </a:fillRef>
+          <a:effectRef idx="0">
+            <a:schemeClr val="accent1"/>
+          </a:effectRef>
+          <a:fontRef idx="minor">
+            <a:schemeClr val="tx1"/>
+          </a:fontRef>
+        </p:style>
+      </p:cxnSp>
+      <p:sp>
+        <p:nvSpPr>
+          <p:cNvPr id="35" name="テキスト ボックス 34">
+            <a:extLst>
+              <a:ext uri="{FF2B5EF4-FFF2-40B4-BE49-F238E27FC236}">
+                <a16:creationId xmlns:a16="http://schemas.microsoft.com/office/drawing/2014/main" id="{B99F6C75-D5C9-BBAA-8792-B8EC9B308A83}"/>
+              </a:ext>
+            </a:extLst>
+          </p:cNvPr>
+          <p:cNvSpPr txBox="1"/>
+          <p:nvPr/>
+        </p:nvSpPr>
+        <p:spPr>
+          <a:xfrm>
+            <a:off x="7219287" y="4947666"/>
+            <a:ext cx="870751" cy="292388"/>
+          </a:xfrm>
+          <a:prstGeom prst="rect">
+            <a:avLst/>
+          </a:prstGeom>
+          <a:noFill/>
+        </p:spPr>
+        <p:txBody>
+          <a:bodyPr wrap="none" rtlCol="0">
+            <a:spAutoFit/>
+          </a:bodyPr>
+          <a:lstStyle/>
+          <a:p>
+            <a:r>
+              <a:rPr lang="en" altLang="ja-JP" sz="1300" dirty="0">
+                <a:solidFill>
+                  <a:schemeClr val="bg2">
+                    <a:lumMod val="10000"/>
+                  </a:schemeClr>
+                </a:solidFill>
+                <a:latin typeface="Arial" panose="020B0604020202020204" pitchFamily="34" charset="0"/>
+                <a:cs typeface="Arial" panose="020B0604020202020204" pitchFamily="34" charset="0"/>
+              </a:rPr>
+              <a:t>Shizuoka</a:t>
+            </a:r>
+            <a:endParaRPr kumimoji="1" lang="ja-JP" altLang="en-US" sz="1300">
+              <a:solidFill>
+                <a:schemeClr val="bg2">
+                  <a:lumMod val="10000"/>
+                </a:schemeClr>
+              </a:solidFill>
+              <a:latin typeface="Arial" panose="020B0604020202020204" pitchFamily="34" charset="0"/>
+              <a:cs typeface="Arial" panose="020B0604020202020204" pitchFamily="34" charset="0"/>
+            </a:endParaRPr>
+          </a:p>
+        </p:txBody>
+      </p:sp>
+      <p:sp>
+        <p:nvSpPr>
+          <p:cNvPr id="54" name="テキスト ボックス 53">
+            <a:extLst>
+              <a:ext uri="{FF2B5EF4-FFF2-40B4-BE49-F238E27FC236}">
+                <a16:creationId xmlns:a16="http://schemas.microsoft.com/office/drawing/2014/main" id="{A54A00A6-C362-8651-EEC9-52914C66B65D}"/>
+              </a:ext>
+            </a:extLst>
+          </p:cNvPr>
+          <p:cNvSpPr txBox="1"/>
+          <p:nvPr/>
+        </p:nvSpPr>
+        <p:spPr>
+          <a:xfrm>
+            <a:off x="6822115" y="4136032"/>
+            <a:ext cx="351378" cy="292388"/>
+          </a:xfrm>
+          <a:prstGeom prst="rect">
+            <a:avLst/>
+          </a:prstGeom>
+          <a:noFill/>
+          <a:effectLst>
+            <a:outerShdw blurRad="50800" dist="38100" dir="2700000" algn="tl" rotWithShape="0">
+              <a:prstClr val="black">
+                <a:alpha val="40000"/>
+              </a:prstClr>
+            </a:outerShdw>
+          </a:effectLst>
+        </p:spPr>
+        <p:txBody>
+          <a:bodyPr wrap="none" rtlCol="0">
+            <a:spAutoFit/>
+          </a:bodyPr>
+          <a:lstStyle/>
+          <a:p>
+            <a:r>
+              <a:rPr lang="en" altLang="ja-JP" sz="1300" dirty="0">
+                <a:solidFill>
+                  <a:srgbClr val="F8B62B"/>
+                </a:solidFill>
+                <a:latin typeface="Arial" panose="020B0604020202020204" pitchFamily="34" charset="0"/>
+                <a:cs typeface="Arial" panose="020B0604020202020204" pitchFamily="34" charset="0"/>
+              </a:rPr>
+              <a:t>★</a:t>
+            </a:r>
+            <a:endParaRPr kumimoji="1" lang="ja-JP" altLang="en-US" sz="1300">
+              <a:solidFill>
+                <a:srgbClr val="F8B62B"/>
+              </a:solidFill>
+              <a:latin typeface="Arial" panose="020B0604020202020204" pitchFamily="34" charset="0"/>
+              <a:cs typeface="Arial" panose="020B0604020202020204" pitchFamily="34" charset="0"/>
+            </a:endParaRPr>
+          </a:p>
+        </p:txBody>
+      </p:sp>
+      <p:cxnSp>
+        <p:nvCxnSpPr>
+          <p:cNvPr id="66" name="直線コネクタ 65">
+            <a:extLst>
+              <a:ext uri="{FF2B5EF4-FFF2-40B4-BE49-F238E27FC236}">
+                <a16:creationId xmlns:a16="http://schemas.microsoft.com/office/drawing/2014/main" id="{7F1E8B34-BF8F-05D1-6D33-381AE2C90AFD}"/>
+              </a:ext>
+            </a:extLst>
+          </p:cNvPr>
+          <p:cNvCxnSpPr>
+            <a:cxnSpLocks/>
+          </p:cNvCxnSpPr>
+          <p:nvPr/>
+        </p:nvCxnSpPr>
+        <p:spPr>
+          <a:xfrm>
+            <a:off x="6997804" y="4341348"/>
+            <a:ext cx="287416" cy="627891"/>
+          </a:xfrm>
+          <a:prstGeom prst="line">
+            <a:avLst/>
+          </a:prstGeom>
+          <a:ln w="12700">
+            <a:solidFill>
+              <a:schemeClr val="bg2">
+                <a:lumMod val="10000"/>
+              </a:schemeClr>
+            </a:solidFill>
+          </a:ln>
+        </p:spPr>
+        <p:style>
+          <a:lnRef idx="1">
+            <a:schemeClr val="accent1"/>
+          </a:lnRef>
+          <a:fillRef idx="0">
+            <a:schemeClr val="accent1"/>
+          </a:fillRef>
+          <a:effectRef idx="0">
+            <a:schemeClr val="accent1"/>
+          </a:effectRef>
+          <a:fontRef idx="minor">
+            <a:schemeClr val="tx1"/>
+          </a:fontRef>
+        </p:style>
+      </p:cxnSp>
+      <p:sp>
+        <p:nvSpPr>
+          <p:cNvPr id="17" name="テキスト ボックス 16">
+            <a:extLst>
+              <a:ext uri="{FF2B5EF4-FFF2-40B4-BE49-F238E27FC236}">
+                <a16:creationId xmlns:a16="http://schemas.microsoft.com/office/drawing/2014/main" id="{BE3313CF-2044-49C9-C38E-E64186E9994E}"/>
+              </a:ext>
+            </a:extLst>
+          </p:cNvPr>
+          <p:cNvSpPr txBox="1"/>
+          <p:nvPr/>
+        </p:nvSpPr>
+        <p:spPr>
+          <a:xfrm>
+            <a:off x="7732200" y="2516292"/>
+            <a:ext cx="351378" cy="292388"/>
+          </a:xfrm>
+          <a:prstGeom prst="rect">
+            <a:avLst/>
+          </a:prstGeom>
+          <a:noFill/>
+          <a:effectLst>
+            <a:outerShdw blurRad="50800" dist="38100" dir="2700000" algn="tl" rotWithShape="0">
+              <a:prstClr val="black">
+                <a:alpha val="40000"/>
+              </a:prstClr>
+            </a:outerShdw>
+          </a:effectLst>
+        </p:spPr>
+        <p:txBody>
+          <a:bodyPr wrap="none" rtlCol="0">
+            <a:spAutoFit/>
+          </a:bodyPr>
+          <a:lstStyle/>
+          <a:p>
+            <a:r>
+              <a:rPr lang="en" altLang="ja-JP" sz="1300" dirty="0">
+                <a:solidFill>
+                  <a:srgbClr val="F8B62B"/>
+                </a:solidFill>
+                <a:latin typeface="Arial" panose="020B0604020202020204" pitchFamily="34" charset="0"/>
+                <a:cs typeface="Arial" panose="020B0604020202020204" pitchFamily="34" charset="0"/>
+              </a:rPr>
+              <a:t>★</a:t>
+            </a:r>
+            <a:endParaRPr kumimoji="1" lang="ja-JP" altLang="en-US" sz="1300">
+              <a:solidFill>
+                <a:srgbClr val="F8B62B"/>
+              </a:solidFill>
+              <a:latin typeface="Arial" panose="020B0604020202020204" pitchFamily="34" charset="0"/>
+              <a:cs typeface="Arial" panose="020B0604020202020204" pitchFamily="34" charset="0"/>
+            </a:endParaRPr>
+          </a:p>
+        </p:txBody>
+      </p:sp>
+      <p:sp>
+        <p:nvSpPr>
+          <p:cNvPr id="67" name="テキスト ボックス 66">
+            <a:extLst>
+              <a:ext uri="{FF2B5EF4-FFF2-40B4-BE49-F238E27FC236}">
+                <a16:creationId xmlns:a16="http://schemas.microsoft.com/office/drawing/2014/main" id="{584FDEAF-D55D-D142-41BF-D005A80705B7}"/>
+              </a:ext>
+            </a:extLst>
+          </p:cNvPr>
+          <p:cNvSpPr txBox="1"/>
+          <p:nvPr/>
+        </p:nvSpPr>
+        <p:spPr>
+          <a:xfrm>
+            <a:off x="8006256" y="2434365"/>
+            <a:ext cx="583814" cy="292388"/>
+          </a:xfrm>
+          <a:prstGeom prst="rect">
+            <a:avLst/>
+          </a:prstGeom>
+          <a:noFill/>
+        </p:spPr>
+        <p:txBody>
+          <a:bodyPr wrap="none" rtlCol="0">
+            <a:spAutoFit/>
+          </a:bodyPr>
+          <a:lstStyle/>
+          <a:p>
+            <a:r>
+              <a:rPr kumimoji="1" lang="en-US" altLang="ja-JP" sz="1300">
+                <a:solidFill>
+                  <a:schemeClr val="bg2">
+                    <a:lumMod val="10000"/>
+                  </a:schemeClr>
+                </a:solidFill>
+                <a:latin typeface="Arial" panose="020B0604020202020204" pitchFamily="34" charset="0"/>
+                <a:ea typeface="Meiryo UI" panose="020B0604030504040204" pitchFamily="34" charset="-128"/>
+                <a:cs typeface="Arial" panose="020B0604020202020204" pitchFamily="34" charset="0"/>
+              </a:rPr>
+              <a:t>Iwate</a:t>
+            </a:r>
+            <a:endParaRPr kumimoji="1" lang="ja-JP" altLang="en-US" sz="1300">
+              <a:solidFill>
+                <a:schemeClr val="bg2">
+                  <a:lumMod val="10000"/>
+                </a:schemeClr>
+              </a:solidFill>
+              <a:latin typeface="Arial" panose="020B0604020202020204" pitchFamily="34" charset="0"/>
+              <a:ea typeface="Meiryo UI" panose="020B0604030504040204" pitchFamily="34" charset="-128"/>
+              <a:cs typeface="Arial" panose="020B0604020202020204" pitchFamily="34" charset="0"/>
+            </a:endParaRPr>
+          </a:p>
+        </p:txBody>
+      </p:sp>
+      <p:grpSp>
+        <p:nvGrpSpPr>
+          <p:cNvPr id="68" name="グループ化 67">
+            <a:extLst>
+              <a:ext uri="{FF2B5EF4-FFF2-40B4-BE49-F238E27FC236}">
+                <a16:creationId xmlns:a16="http://schemas.microsoft.com/office/drawing/2014/main" id="{3C123496-973D-FE3C-3CDA-292311A0532E}"/>
+              </a:ext>
+            </a:extLst>
+          </p:cNvPr>
+          <p:cNvGrpSpPr/>
+          <p:nvPr/>
+        </p:nvGrpSpPr>
+        <p:grpSpPr>
+          <a:xfrm>
+            <a:off x="6122485" y="3797099"/>
+            <a:ext cx="1058238" cy="449837"/>
+            <a:chOff x="3586053" y="2708324"/>
+            <a:chExt cx="1058238" cy="449837"/>
+          </a:xfrm>
+        </p:grpSpPr>
+        <p:sp>
+          <p:nvSpPr>
+            <p:cNvPr id="70" name="テキスト ボックス 69">
+              <a:extLst>
+                <a:ext uri="{FF2B5EF4-FFF2-40B4-BE49-F238E27FC236}">
+                  <a16:creationId xmlns:a16="http://schemas.microsoft.com/office/drawing/2014/main" id="{7E66CCEA-B07E-5BEE-B1BB-2917B3310BB7}"/>
+                </a:ext>
+              </a:extLst>
+            </p:cNvPr>
+            <p:cNvSpPr txBox="1"/>
+            <p:nvPr/>
+          </p:nvSpPr>
+          <p:spPr>
+            <a:xfrm>
+              <a:off x="3586053" y="2708324"/>
+              <a:ext cx="1058238" cy="292388"/>
+            </a:xfrm>
+            <a:prstGeom prst="rect">
+              <a:avLst/>
+            </a:prstGeom>
+            <a:noFill/>
+          </p:spPr>
+          <p:txBody>
+            <a:bodyPr wrap="none" rtlCol="0">
+              <a:spAutoFit/>
+            </a:bodyPr>
+            <a:lstStyle/>
+            <a:p>
+              <a:r>
+                <a:rPr kumimoji="1" lang="en-US" altLang="ja-JP" sz="1300">
+                  <a:solidFill>
+                    <a:schemeClr val="bg2">
+                      <a:lumMod val="10000"/>
+                    </a:schemeClr>
+                  </a:solidFill>
+                  <a:latin typeface="Meiryo UI" panose="020B0604030504040204" pitchFamily="34" charset="-128"/>
+                  <a:ea typeface="Meiryo UI" panose="020B0604030504040204" pitchFamily="34" charset="-128"/>
+                  <a:cs typeface="Arial" panose="020B0604020202020204" pitchFamily="34" charset="0"/>
+                </a:rPr>
+                <a:t>Yamanashi</a:t>
+              </a:r>
+              <a:endParaRPr kumimoji="1" lang="ja-JP" altLang="en-US" sz="1300">
+                <a:solidFill>
+                  <a:schemeClr val="bg2">
+                    <a:lumMod val="10000"/>
+                  </a:schemeClr>
+                </a:solidFill>
+                <a:latin typeface="Meiryo UI" panose="020B0604030504040204" pitchFamily="34" charset="-128"/>
+                <a:ea typeface="Meiryo UI" panose="020B0604030504040204" pitchFamily="34" charset="-128"/>
+                <a:cs typeface="Arial" panose="020B0604020202020204" pitchFamily="34" charset="0"/>
+              </a:endParaRPr>
+            </a:p>
+          </p:txBody>
+        </p:sp>
+        <p:cxnSp>
+          <p:nvCxnSpPr>
+            <p:cNvPr id="75" name="直線コネクタ 74">
+              <a:extLst>
+                <a:ext uri="{FF2B5EF4-FFF2-40B4-BE49-F238E27FC236}">
+                  <a16:creationId xmlns:a16="http://schemas.microsoft.com/office/drawing/2014/main" id="{49EDA4EF-55DD-8CC8-A68F-471211720284}"/>
+                </a:ext>
+              </a:extLst>
+            </p:cNvPr>
+            <p:cNvCxnSpPr>
+              <a:cxnSpLocks/>
+            </p:cNvCxnSpPr>
+            <p:nvPr/>
+          </p:nvCxnSpPr>
+          <p:spPr>
+            <a:xfrm flipH="1" flipV="1">
+              <a:off x="4327178" y="2943517"/>
+              <a:ext cx="108814" cy="42440"/>
+            </a:xfrm>
+            <a:prstGeom prst="line">
+              <a:avLst/>
+            </a:prstGeom>
+            <a:ln w="12700">
+              <a:solidFill>
+                <a:schemeClr val="bg2">
+                  <a:lumMod val="10000"/>
+                </a:schemeClr>
+              </a:solidFill>
+            </a:ln>
+          </p:spPr>
+          <p:style>
+            <a:lnRef idx="1">
+              <a:schemeClr val="accent1"/>
+            </a:lnRef>
+            <a:fillRef idx="0">
+              <a:schemeClr val="accent1"/>
+            </a:fillRef>
+            <a:effectRef idx="0">
+              <a:schemeClr val="accent1"/>
+            </a:effectRef>
+            <a:fontRef idx="minor">
+              <a:schemeClr val="tx1"/>
+            </a:fontRef>
+          </p:style>
+        </p:cxnSp>
+        <p:sp>
+          <p:nvSpPr>
+            <p:cNvPr id="76" name="テキスト ボックス 75">
+              <a:extLst>
+                <a:ext uri="{FF2B5EF4-FFF2-40B4-BE49-F238E27FC236}">
+                  <a16:creationId xmlns:a16="http://schemas.microsoft.com/office/drawing/2014/main" id="{31AF8406-AAFB-418B-AFC1-21D41FAE1D97}"/>
+                </a:ext>
+              </a:extLst>
+            </p:cNvPr>
+            <p:cNvSpPr txBox="1"/>
+            <p:nvPr/>
+          </p:nvSpPr>
+          <p:spPr>
+            <a:xfrm>
+              <a:off x="4275100" y="2865773"/>
+              <a:ext cx="351378" cy="292388"/>
+            </a:xfrm>
+            <a:prstGeom prst="rect">
+              <a:avLst/>
+            </a:prstGeom>
+            <a:noFill/>
+            <a:effectLst>
+              <a:outerShdw blurRad="50800" dist="38100" dir="2700000" algn="tl" rotWithShape="0">
+                <a:prstClr val="black">
+                  <a:alpha val="40000"/>
+                </a:prstClr>
+              </a:outerShdw>
+            </a:effectLst>
+          </p:spPr>
+          <p:txBody>
+            <a:bodyPr wrap="none" rtlCol="0">
+              <a:spAutoFit/>
+            </a:bodyPr>
+            <a:lstStyle/>
+            <a:p>
+              <a:r>
+                <a:rPr lang="en" altLang="ja-JP" sz="1300" dirty="0">
+                  <a:solidFill>
+                    <a:srgbClr val="F8B62B"/>
+                  </a:solidFill>
+                  <a:latin typeface="Arial" panose="020B0604020202020204" pitchFamily="34" charset="0"/>
+                  <a:cs typeface="Arial" panose="020B0604020202020204" pitchFamily="34" charset="0"/>
+                </a:rPr>
+                <a:t>★</a:t>
+              </a:r>
+              <a:endParaRPr kumimoji="1" lang="ja-JP" altLang="en-US" sz="1300">
+                <a:solidFill>
+                  <a:srgbClr val="F8B62B"/>
+                </a:solidFill>
+                <a:latin typeface="Arial" panose="020B0604020202020204" pitchFamily="34" charset="0"/>
+                <a:cs typeface="Arial" panose="020B0604020202020204" pitchFamily="34" charset="0"/>
+              </a:endParaRPr>
+            </a:p>
+          </p:txBody>
+        </p:sp>
+      </p:grpSp>
     </p:spTree>
     <p:extLst>
       <p:ext uri="{BB962C8B-B14F-4D97-AF65-F5344CB8AC3E}">
@@ -28457,7 +29347,7 @@
           </p:nvSpPr>
           <p:spPr>
             <a:xfrm>
-              <a:off x="7157477" y="4726082"/>
+              <a:off x="7238996" y="4726082"/>
               <a:ext cx="967637" cy="292388"/>
             </a:xfrm>
             <a:prstGeom prst="rect">
@@ -28480,102 +29370,6 @@
                   <a:cs typeface="Arial" panose="020B0604020202020204" pitchFamily="34" charset="0"/>
                 </a:rPr>
                 <a:t>Yokohama</a:t>
-              </a:r>
-              <a:endParaRPr kumimoji="1" lang="ja-JP" altLang="en-US" sz="1300">
-                <a:solidFill>
-                  <a:schemeClr val="bg1"/>
-                </a:solidFill>
-                <a:latin typeface="Arial" panose="020B0604020202020204" pitchFamily="34" charset="0"/>
-                <a:cs typeface="Arial" panose="020B0604020202020204" pitchFamily="34" charset="0"/>
-              </a:endParaRPr>
-            </a:p>
-          </p:txBody>
-        </p:sp>
-        <p:sp>
-          <p:nvSpPr>
-            <p:cNvPr id="18" name="テキスト ボックス 17">
-              <a:extLst>
-                <a:ext uri="{FF2B5EF4-FFF2-40B4-BE49-F238E27FC236}">
-                  <a16:creationId xmlns:a16="http://schemas.microsoft.com/office/drawing/2014/main" id="{BE5DEAB5-F181-C231-7D32-B86F468AA964}"/>
-                </a:ext>
-              </a:extLst>
-            </p:cNvPr>
-            <p:cNvSpPr txBox="1"/>
-            <p:nvPr/>
-          </p:nvSpPr>
-          <p:spPr>
-            <a:xfrm>
-              <a:off x="7151556" y="5018470"/>
-              <a:ext cx="583814" cy="292388"/>
-            </a:xfrm>
-            <a:prstGeom prst="rect">
-              <a:avLst/>
-            </a:prstGeom>
-            <a:noFill/>
-          </p:spPr>
-          <p:txBody>
-            <a:bodyPr wrap="none" rtlCol="0">
-              <a:spAutoFit/>
-            </a:bodyPr>
-            <a:lstStyle/>
-            <a:p>
-              <a:r>
-                <a:rPr lang="en" altLang="ja-JP" sz="1300" dirty="0">
-                  <a:solidFill>
-                    <a:schemeClr val="bg1"/>
-                  </a:solidFill>
-                  <a:latin typeface="Arial" panose="020B0604020202020204" pitchFamily="34" charset="0"/>
-                  <a:cs typeface="Arial" panose="020B0604020202020204" pitchFamily="34" charset="0"/>
-                </a:rPr>
-                <a:t>Iwata</a:t>
-              </a:r>
-              <a:endParaRPr kumimoji="1" lang="ja-JP" altLang="en-US" sz="1300">
-                <a:solidFill>
-                  <a:schemeClr val="bg1"/>
-                </a:solidFill>
-                <a:latin typeface="Arial" panose="020B0604020202020204" pitchFamily="34" charset="0"/>
-                <a:cs typeface="Arial" panose="020B0604020202020204" pitchFamily="34" charset="0"/>
-              </a:endParaRPr>
-            </a:p>
-          </p:txBody>
-        </p:sp>
-        <p:sp>
-          <p:nvSpPr>
-            <p:cNvPr id="19" name="テキスト ボックス 18">
-              <a:extLst>
-                <a:ext uri="{FF2B5EF4-FFF2-40B4-BE49-F238E27FC236}">
-                  <a16:creationId xmlns:a16="http://schemas.microsoft.com/office/drawing/2014/main" id="{698CDEBE-7A6E-8DB0-A887-51C78E39E283}"/>
-                </a:ext>
-              </a:extLst>
-            </p:cNvPr>
-            <p:cNvSpPr txBox="1"/>
-            <p:nvPr/>
-          </p:nvSpPr>
-          <p:spPr>
-            <a:xfrm>
-              <a:off x="7004484" y="5277557"/>
-              <a:ext cx="1085554" cy="292388"/>
-            </a:xfrm>
-            <a:prstGeom prst="rect">
-              <a:avLst/>
-            </a:prstGeom>
-            <a:noFill/>
-          </p:spPr>
-          <p:txBody>
-            <a:bodyPr wrap="none" rtlCol="0">
-              <a:spAutoFit/>
-            </a:bodyPr>
-            <a:lstStyle/>
-            <a:p>
-              <a:r>
-                <a:rPr lang="en" altLang="ja-JP" sz="1300" dirty="0">
-                  <a:solidFill>
-                    <a:schemeClr val="bg1"/>
-                  </a:solidFill>
-                  <a:latin typeface="Arial" panose="020B0604020202020204" pitchFamily="34" charset="0"/>
-                  <a:cs typeface="Arial" panose="020B0604020202020204" pitchFamily="34" charset="0"/>
-                </a:rPr>
-                <a:t>Hamamatsu</a:t>
               </a:r>
               <a:endParaRPr kumimoji="1" lang="ja-JP" altLang="en-US" sz="1300">
                 <a:solidFill>
@@ -28912,54 +29706,6 @@
                   <a:cs typeface="Arial" panose="020B0604020202020204" pitchFamily="34" charset="0"/>
                 </a:rPr>
                 <a:t>Kumamoto</a:t>
-              </a:r>
-              <a:endParaRPr kumimoji="1" lang="ja-JP" altLang="en-US" sz="1300">
-                <a:solidFill>
-                  <a:schemeClr val="bg1"/>
-                </a:solidFill>
-                <a:latin typeface="Arial" panose="020B0604020202020204" pitchFamily="34" charset="0"/>
-                <a:cs typeface="Arial" panose="020B0604020202020204" pitchFamily="34" charset="0"/>
-              </a:endParaRPr>
-            </a:p>
-          </p:txBody>
-        </p:sp>
-        <p:sp>
-          <p:nvSpPr>
-            <p:cNvPr id="35" name="テキスト ボックス 34">
-              <a:extLst>
-                <a:ext uri="{FF2B5EF4-FFF2-40B4-BE49-F238E27FC236}">
-                  <a16:creationId xmlns:a16="http://schemas.microsoft.com/office/drawing/2014/main" id="{F7DBD9A4-386D-405B-6EBE-D7329DF05B5D}"/>
-                </a:ext>
-              </a:extLst>
-            </p:cNvPr>
-            <p:cNvSpPr txBox="1"/>
-            <p:nvPr/>
-          </p:nvSpPr>
-          <p:spPr>
-            <a:xfrm>
-              <a:off x="3489674" y="5671372"/>
-              <a:ext cx="1019831" cy="292388"/>
-            </a:xfrm>
-            <a:prstGeom prst="rect">
-              <a:avLst/>
-            </a:prstGeom>
-            <a:noFill/>
-          </p:spPr>
-          <p:txBody>
-            <a:bodyPr wrap="none" rtlCol="0">
-              <a:spAutoFit/>
-            </a:bodyPr>
-            <a:lstStyle/>
-            <a:p>
-              <a:r>
-                <a:rPr lang="en" altLang="ja-JP" sz="1300" dirty="0">
-                  <a:solidFill>
-                    <a:schemeClr val="bg1"/>
-                  </a:solidFill>
-                  <a:latin typeface="Arial" panose="020B0604020202020204" pitchFamily="34" charset="0"/>
-                  <a:cs typeface="Arial" panose="020B0604020202020204" pitchFamily="34" charset="0"/>
-                </a:rPr>
-                <a:t>Kagoshima</a:t>
               </a:r>
               <a:endParaRPr kumimoji="1" lang="ja-JP" altLang="en-US" sz="1300">
                 <a:solidFill>
@@ -30455,7 +31201,7 @@
           <p:spPr>
             <a:xfrm>
               <a:off x="7242149" y="4251744"/>
-              <a:ext cx="22167" cy="525094"/>
+              <a:ext cx="114171" cy="502542"/>
             </a:xfrm>
             <a:prstGeom prst="line">
               <a:avLst/>
@@ -30720,92 +31466,6 @@
             </a:p>
           </p:txBody>
         </p:sp>
-        <p:cxnSp>
-          <p:nvCxnSpPr>
-            <p:cNvPr id="89" name="直線コネクタ 88">
-              <a:extLst>
-                <a:ext uri="{FF2B5EF4-FFF2-40B4-BE49-F238E27FC236}">
-                  <a16:creationId xmlns:a16="http://schemas.microsoft.com/office/drawing/2014/main" id="{D8BA2699-CF2B-F060-9A25-7E1366DF358F}"/>
-                </a:ext>
-              </a:extLst>
-            </p:cNvPr>
-            <p:cNvCxnSpPr>
-              <a:cxnSpLocks/>
-            </p:cNvCxnSpPr>
-            <p:nvPr/>
-          </p:nvCxnSpPr>
-          <p:spPr>
-            <a:xfrm>
-              <a:off x="6736105" y="4466161"/>
-              <a:ext cx="452403" cy="698503"/>
-            </a:xfrm>
-            <a:prstGeom prst="line">
-              <a:avLst/>
-            </a:prstGeom>
-            <a:ln w="12700">
-              <a:solidFill>
-                <a:schemeClr val="bg1"/>
-              </a:solidFill>
-            </a:ln>
-          </p:spPr>
-          <p:style>
-            <a:lnRef idx="1">
-              <a:schemeClr val="accent1"/>
-            </a:lnRef>
-            <a:fillRef idx="0">
-              <a:schemeClr val="accent1"/>
-            </a:fillRef>
-            <a:effectRef idx="0">
-              <a:schemeClr val="accent1"/>
-            </a:effectRef>
-            <a:fontRef idx="minor">
-              <a:schemeClr val="tx1"/>
-            </a:fontRef>
-          </p:style>
-        </p:cxnSp>
-        <p:cxnSp>
-          <p:nvCxnSpPr>
-            <p:cNvPr id="91" name="直線コネクタ 90">
-              <a:extLst>
-                <a:ext uri="{FF2B5EF4-FFF2-40B4-BE49-F238E27FC236}">
-                  <a16:creationId xmlns:a16="http://schemas.microsoft.com/office/drawing/2014/main" id="{A94BE3FB-3F77-78AC-A75B-24FCC5D2014D}"/>
-                </a:ext>
-              </a:extLst>
-            </p:cNvPr>
-            <p:cNvCxnSpPr>
-              <a:cxnSpLocks/>
-            </p:cNvCxnSpPr>
-            <p:nvPr/>
-          </p:nvCxnSpPr>
-          <p:spPr>
-            <a:xfrm>
-              <a:off x="6601913" y="4531053"/>
-              <a:ext cx="481803" cy="795096"/>
-            </a:xfrm>
-            <a:prstGeom prst="line">
-              <a:avLst/>
-            </a:prstGeom>
-            <a:ln w="12700">
-              <a:solidFill>
-                <a:schemeClr val="bg1"/>
-              </a:solidFill>
-            </a:ln>
-          </p:spPr>
-          <p:style>
-            <a:lnRef idx="1">
-              <a:schemeClr val="accent1"/>
-            </a:lnRef>
-            <a:fillRef idx="0">
-              <a:schemeClr val="accent1"/>
-            </a:fillRef>
-            <a:effectRef idx="0">
-              <a:schemeClr val="accent1"/>
-            </a:effectRef>
-            <a:fontRef idx="minor">
-              <a:schemeClr val="tx1"/>
-            </a:fontRef>
-          </p:style>
-        </p:cxnSp>
         <p:cxnSp>
           <p:nvCxnSpPr>
             <p:cNvPr id="97" name="直線コネクタ 96">
@@ -32084,104 +32744,6 @@
         </p:sp>
         <p:cxnSp>
           <p:nvCxnSpPr>
-            <p:cNvPr id="137" name="直線コネクタ 136">
-              <a:extLst>
-                <a:ext uri="{FF2B5EF4-FFF2-40B4-BE49-F238E27FC236}">
-                  <a16:creationId xmlns:a16="http://schemas.microsoft.com/office/drawing/2014/main" id="{6C832C1B-2E78-E8DF-DC61-C8976EE4FD54}"/>
-                </a:ext>
-              </a:extLst>
-            </p:cNvPr>
-            <p:cNvCxnSpPr>
-              <a:cxnSpLocks/>
-            </p:cNvCxnSpPr>
-            <p:nvPr/>
-          </p:nvCxnSpPr>
-          <p:spPr>
-            <a:xfrm flipV="1">
-              <a:off x="4171842" y="5501994"/>
-              <a:ext cx="326973" cy="220089"/>
-            </a:xfrm>
-            <a:prstGeom prst="line">
-              <a:avLst/>
-            </a:prstGeom>
-            <a:ln w="12700">
-              <a:solidFill>
-                <a:schemeClr val="bg1"/>
-              </a:solidFill>
-            </a:ln>
-          </p:spPr>
-          <p:style>
-            <a:lnRef idx="1">
-              <a:schemeClr val="accent1"/>
-            </a:lnRef>
-            <a:fillRef idx="0">
-              <a:schemeClr val="accent1"/>
-            </a:fillRef>
-            <a:effectRef idx="0">
-              <a:schemeClr val="accent1"/>
-            </a:effectRef>
-            <a:fontRef idx="minor">
-              <a:schemeClr val="tx1"/>
-            </a:fontRef>
-          </p:style>
-        </p:cxnSp>
-        <p:sp>
-          <p:nvSpPr>
-            <p:cNvPr id="118" name="テキスト ボックス 117">
-              <a:extLst>
-                <a:ext uri="{FF2B5EF4-FFF2-40B4-BE49-F238E27FC236}">
-                  <a16:creationId xmlns:a16="http://schemas.microsoft.com/office/drawing/2014/main" id="{A27AF81A-AE51-31FB-AFA9-FE813B507371}"/>
-                </a:ext>
-              </a:extLst>
-            </p:cNvPr>
-            <p:cNvSpPr txBox="1"/>
-            <p:nvPr/>
-          </p:nvSpPr>
-          <p:spPr>
-            <a:xfrm>
-              <a:off x="4329806" y="5341106"/>
-              <a:ext cx="351378" cy="292388"/>
-            </a:xfrm>
-            <a:prstGeom prst="rect">
-              <a:avLst/>
-            </a:prstGeom>
-            <a:noFill/>
-            <a:effectLst>
-              <a:outerShdw blurRad="50800" dist="38100" dir="2700000" algn="tl" rotWithShape="0">
-                <a:prstClr val="black">
-                  <a:alpha val="40000"/>
-                </a:prstClr>
-              </a:outerShdw>
-            </a:effectLst>
-          </p:spPr>
-          <p:txBody>
-            <a:bodyPr wrap="none" rtlCol="0">
-              <a:spAutoFit/>
-            </a:bodyPr>
-            <a:lstStyle/>
-            <a:p>
-              <a:r>
-                <a:rPr lang="en" altLang="ja-JP" sz="1300" dirty="0">
-                  <a:solidFill>
-                    <a:srgbClr val="F8B62B"/>
-                  </a:solidFill>
-                  <a:latin typeface="Arial" panose="020B0604020202020204" pitchFamily="34" charset="0"/>
-                  <a:cs typeface="Arial" panose="020B0604020202020204" pitchFamily="34" charset="0"/>
-                </a:rPr>
-                <a:t>★</a:t>
-              </a:r>
-              <a:endParaRPr kumimoji="1" lang="ja-JP" altLang="en-US" sz="1300">
-                <a:solidFill>
-                  <a:srgbClr val="F8B62B"/>
-                </a:solidFill>
-                <a:latin typeface="Arial" panose="020B0604020202020204" pitchFamily="34" charset="0"/>
-                <a:cs typeface="Arial" panose="020B0604020202020204" pitchFamily="34" charset="0"/>
-              </a:endParaRPr>
-            </a:p>
-          </p:txBody>
-        </p:sp>
-        <p:cxnSp>
-          <p:nvCxnSpPr>
             <p:cNvPr id="139" name="直線コネクタ 138">
               <a:extLst>
                 <a:ext uri="{FF2B5EF4-FFF2-40B4-BE49-F238E27FC236}">
@@ -33486,7 +34048,7 @@
                 <a:latin typeface="Arial" panose="020B0604020202020204" pitchFamily="34" charset="0"/>
                 <a:cs typeface="Arial" panose="020B0604020202020204" pitchFamily="34" charset="0"/>
               </a:rPr>
-              <a:t>Aug 2022</a:t>
+              <a:t>Jun 2024</a:t>
             </a:r>
             <a:endParaRPr lang="ja-JP" altLang="en-US" sz="2400" b="1">
               <a:solidFill>
@@ -33513,7 +34075,7 @@
         <p:spPr>
           <a:xfrm>
             <a:off x="8896237" y="1586753"/>
-            <a:ext cx="2431178" cy="5093702"/>
+            <a:ext cx="2431178" cy="5293757"/>
           </a:xfrm>
           <a:prstGeom prst="rect">
             <a:avLst/>
@@ -33579,7 +34141,7 @@
                 <a:latin typeface="Arial" panose="020B0604020202020204" pitchFamily="34" charset="0"/>
                 <a:cs typeface="Arial" panose="020B0604020202020204" pitchFamily="34" charset="0"/>
               </a:rPr>
-              <a:t>Kansai Girls</a:t>
+              <a:t>DE&amp;I</a:t>
             </a:r>
           </a:p>
           <a:p>
@@ -33987,15 +34549,25 @@
               </a:rPr>
               <a:t>GameTech</a:t>
             </a:r>
-            <a:endParaRPr lang="en" altLang="ja-JP" sz="1300" dirty="0">
-              <a:solidFill>
-                <a:schemeClr val="bg1"/>
-              </a:solidFill>
-              <a:latin typeface="Arial" panose="020B0604020202020204" pitchFamily="34" charset="0"/>
-              <a:cs typeface="Arial" panose="020B0604020202020204" pitchFamily="34" charset="0"/>
-            </a:endParaRPr>
           </a:p>
           <a:p>
+            <a:pPr marL="285750" indent="-285750">
+              <a:buClr>
+                <a:srgbClr val="F8B62B"/>
+              </a:buClr>
+              <a:buFont typeface="ヒラギノ明朝 ProN W3" panose="02020300000000000000" pitchFamily="18" charset="-128"/>
+              <a:buChar char="★"/>
+            </a:pPr>
+            <a:r>
+              <a:rPr lang="en" altLang="ja-JP" sz="1300" dirty="0">
+                <a:solidFill>
+                  <a:schemeClr val="bg1"/>
+                </a:solidFill>
+                <a:latin typeface="Arial" panose="020B0604020202020204" pitchFamily="34" charset="0"/>
+                <a:cs typeface="Arial" panose="020B0604020202020204" pitchFamily="34" charset="0"/>
+              </a:rPr>
+              <a:t>Storage</a:t>
+            </a:r>
             <a:endParaRPr kumimoji="1" lang="ja-JP" altLang="en-US" sz="1300">
               <a:solidFill>
                 <a:schemeClr val="bg1"/>
@@ -34006,6 +34578,608 @@
           </a:p>
         </p:txBody>
       </p:sp>
+      <p:sp>
+        <p:nvSpPr>
+          <p:cNvPr id="78" name="テキスト ボックス 77">
+            <a:extLst>
+              <a:ext uri="{FF2B5EF4-FFF2-40B4-BE49-F238E27FC236}">
+                <a16:creationId xmlns:a16="http://schemas.microsoft.com/office/drawing/2014/main" id="{9634E2C8-AE1B-DA4C-216F-C8D715EC9155}"/>
+              </a:ext>
+            </a:extLst>
+          </p:cNvPr>
+          <p:cNvSpPr txBox="1"/>
+          <p:nvPr/>
+        </p:nvSpPr>
+        <p:spPr>
+          <a:xfrm>
+            <a:off x="7207972" y="5151033"/>
+            <a:ext cx="583814" cy="292388"/>
+          </a:xfrm>
+          <a:prstGeom prst="rect">
+            <a:avLst/>
+          </a:prstGeom>
+          <a:noFill/>
+        </p:spPr>
+        <p:txBody>
+          <a:bodyPr wrap="none" rtlCol="0">
+            <a:spAutoFit/>
+          </a:bodyPr>
+          <a:lstStyle/>
+          <a:p>
+            <a:r>
+              <a:rPr lang="en" altLang="ja-JP" sz="1300" dirty="0">
+                <a:solidFill>
+                  <a:schemeClr val="bg1"/>
+                </a:solidFill>
+                <a:latin typeface="Arial" panose="020B0604020202020204" pitchFamily="34" charset="0"/>
+                <a:cs typeface="Arial" panose="020B0604020202020204" pitchFamily="34" charset="0"/>
+              </a:rPr>
+              <a:t>Iwata</a:t>
+            </a:r>
+            <a:endParaRPr kumimoji="1" lang="ja-JP" altLang="en-US" sz="1300">
+              <a:solidFill>
+                <a:schemeClr val="bg1"/>
+              </a:solidFill>
+              <a:latin typeface="Arial" panose="020B0604020202020204" pitchFamily="34" charset="0"/>
+              <a:cs typeface="Arial" panose="020B0604020202020204" pitchFamily="34" charset="0"/>
+            </a:endParaRPr>
+          </a:p>
+        </p:txBody>
+      </p:sp>
+      <p:sp>
+        <p:nvSpPr>
+          <p:cNvPr id="79" name="テキスト ボックス 78">
+            <a:extLst>
+              <a:ext uri="{FF2B5EF4-FFF2-40B4-BE49-F238E27FC236}">
+                <a16:creationId xmlns:a16="http://schemas.microsoft.com/office/drawing/2014/main" id="{67A3B852-20E8-9C12-22DF-76576E4AA7E7}"/>
+              </a:ext>
+            </a:extLst>
+          </p:cNvPr>
+          <p:cNvSpPr txBox="1"/>
+          <p:nvPr/>
+        </p:nvSpPr>
+        <p:spPr>
+          <a:xfrm>
+            <a:off x="7063544" y="5371696"/>
+            <a:ext cx="1085554" cy="292388"/>
+          </a:xfrm>
+          <a:prstGeom prst="rect">
+            <a:avLst/>
+          </a:prstGeom>
+          <a:noFill/>
+        </p:spPr>
+        <p:txBody>
+          <a:bodyPr wrap="none" rtlCol="0">
+            <a:spAutoFit/>
+          </a:bodyPr>
+          <a:lstStyle/>
+          <a:p>
+            <a:r>
+              <a:rPr lang="en" altLang="ja-JP" sz="1300" dirty="0">
+                <a:solidFill>
+                  <a:schemeClr val="bg1"/>
+                </a:solidFill>
+                <a:latin typeface="Arial" panose="020B0604020202020204" pitchFamily="34" charset="0"/>
+                <a:cs typeface="Arial" panose="020B0604020202020204" pitchFamily="34" charset="0"/>
+              </a:rPr>
+              <a:t>Hamamatsu</a:t>
+            </a:r>
+            <a:endParaRPr kumimoji="1" lang="ja-JP" altLang="en-US" sz="1300">
+              <a:solidFill>
+                <a:schemeClr val="bg1"/>
+              </a:solidFill>
+              <a:latin typeface="Arial" panose="020B0604020202020204" pitchFamily="34" charset="0"/>
+              <a:cs typeface="Arial" panose="020B0604020202020204" pitchFamily="34" charset="0"/>
+            </a:endParaRPr>
+          </a:p>
+        </p:txBody>
+      </p:sp>
+      <p:cxnSp>
+        <p:nvCxnSpPr>
+          <p:cNvPr id="85" name="直線コネクタ 84">
+            <a:extLst>
+              <a:ext uri="{FF2B5EF4-FFF2-40B4-BE49-F238E27FC236}">
+                <a16:creationId xmlns:a16="http://schemas.microsoft.com/office/drawing/2014/main" id="{93E2A745-5E15-D18B-348A-189175F57063}"/>
+              </a:ext>
+            </a:extLst>
+          </p:cNvPr>
+          <p:cNvCxnSpPr>
+            <a:cxnSpLocks/>
+          </p:cNvCxnSpPr>
+          <p:nvPr/>
+        </p:nvCxnSpPr>
+        <p:spPr>
+          <a:xfrm>
+            <a:off x="6736105" y="4466161"/>
+            <a:ext cx="524801" cy="818609"/>
+          </a:xfrm>
+          <a:prstGeom prst="line">
+            <a:avLst/>
+          </a:prstGeom>
+          <a:ln w="12700">
+            <a:solidFill>
+              <a:schemeClr val="bg1"/>
+            </a:solidFill>
+          </a:ln>
+        </p:spPr>
+        <p:style>
+          <a:lnRef idx="1">
+            <a:schemeClr val="accent1"/>
+          </a:lnRef>
+          <a:fillRef idx="0">
+            <a:schemeClr val="accent1"/>
+          </a:fillRef>
+          <a:effectRef idx="0">
+            <a:schemeClr val="accent1"/>
+          </a:effectRef>
+          <a:fontRef idx="minor">
+            <a:schemeClr val="tx1"/>
+          </a:fontRef>
+        </p:style>
+      </p:cxnSp>
+      <p:cxnSp>
+        <p:nvCxnSpPr>
+          <p:cNvPr id="87" name="直線コネクタ 86">
+            <a:extLst>
+              <a:ext uri="{FF2B5EF4-FFF2-40B4-BE49-F238E27FC236}">
+                <a16:creationId xmlns:a16="http://schemas.microsoft.com/office/drawing/2014/main" id="{6DDC7B66-29A1-3099-4E52-74FAB84160C3}"/>
+              </a:ext>
+            </a:extLst>
+          </p:cNvPr>
+          <p:cNvCxnSpPr>
+            <a:cxnSpLocks/>
+          </p:cNvCxnSpPr>
+          <p:nvPr/>
+        </p:nvCxnSpPr>
+        <p:spPr>
+          <a:xfrm>
+            <a:off x="6601913" y="4531053"/>
+            <a:ext cx="557712" cy="898197"/>
+          </a:xfrm>
+          <a:prstGeom prst="line">
+            <a:avLst/>
+          </a:prstGeom>
+          <a:ln w="12700">
+            <a:solidFill>
+              <a:schemeClr val="bg1"/>
+            </a:solidFill>
+          </a:ln>
+        </p:spPr>
+        <p:style>
+          <a:lnRef idx="1">
+            <a:schemeClr val="accent1"/>
+          </a:lnRef>
+          <a:fillRef idx="0">
+            <a:schemeClr val="accent1"/>
+          </a:fillRef>
+          <a:effectRef idx="0">
+            <a:schemeClr val="accent1"/>
+          </a:effectRef>
+          <a:fontRef idx="minor">
+            <a:schemeClr val="tx1"/>
+          </a:fontRef>
+        </p:style>
+      </p:cxnSp>
+      <p:sp>
+        <p:nvSpPr>
+          <p:cNvPr id="88" name="テキスト ボックス 87">
+            <a:extLst>
+              <a:ext uri="{FF2B5EF4-FFF2-40B4-BE49-F238E27FC236}">
+                <a16:creationId xmlns:a16="http://schemas.microsoft.com/office/drawing/2014/main" id="{75AC9F65-E68F-7957-08F9-75969C0273BC}"/>
+              </a:ext>
+            </a:extLst>
+          </p:cNvPr>
+          <p:cNvSpPr txBox="1"/>
+          <p:nvPr/>
+        </p:nvSpPr>
+        <p:spPr>
+          <a:xfrm>
+            <a:off x="7219287" y="4947666"/>
+            <a:ext cx="870751" cy="292388"/>
+          </a:xfrm>
+          <a:prstGeom prst="rect">
+            <a:avLst/>
+          </a:prstGeom>
+          <a:noFill/>
+        </p:spPr>
+        <p:txBody>
+          <a:bodyPr wrap="none" rtlCol="0">
+            <a:spAutoFit/>
+          </a:bodyPr>
+          <a:lstStyle/>
+          <a:p>
+            <a:r>
+              <a:rPr lang="en" altLang="ja-JP" sz="1300" dirty="0">
+                <a:solidFill>
+                  <a:schemeClr val="bg1"/>
+                </a:solidFill>
+                <a:latin typeface="Arial" panose="020B0604020202020204" pitchFamily="34" charset="0"/>
+                <a:cs typeface="Arial" panose="020B0604020202020204" pitchFamily="34" charset="0"/>
+              </a:rPr>
+              <a:t>Shizuoka</a:t>
+            </a:r>
+            <a:endParaRPr kumimoji="1" lang="ja-JP" altLang="en-US" sz="1300">
+              <a:solidFill>
+                <a:schemeClr val="bg1"/>
+              </a:solidFill>
+              <a:latin typeface="Arial" panose="020B0604020202020204" pitchFamily="34" charset="0"/>
+              <a:cs typeface="Arial" panose="020B0604020202020204" pitchFamily="34" charset="0"/>
+            </a:endParaRPr>
+          </a:p>
+        </p:txBody>
+      </p:sp>
+      <p:cxnSp>
+        <p:nvCxnSpPr>
+          <p:cNvPr id="90" name="直線コネクタ 89">
+            <a:extLst>
+              <a:ext uri="{FF2B5EF4-FFF2-40B4-BE49-F238E27FC236}">
+                <a16:creationId xmlns:a16="http://schemas.microsoft.com/office/drawing/2014/main" id="{5CFC3F71-08DD-9CE7-A651-21B20D69670B}"/>
+              </a:ext>
+            </a:extLst>
+          </p:cNvPr>
+          <p:cNvCxnSpPr>
+            <a:cxnSpLocks/>
+          </p:cNvCxnSpPr>
+          <p:nvPr/>
+        </p:nvCxnSpPr>
+        <p:spPr>
+          <a:xfrm>
+            <a:off x="6997804" y="4341348"/>
+            <a:ext cx="287416" cy="627891"/>
+          </a:xfrm>
+          <a:prstGeom prst="line">
+            <a:avLst/>
+          </a:prstGeom>
+          <a:ln w="12700">
+            <a:solidFill>
+              <a:schemeClr val="bg1"/>
+            </a:solidFill>
+          </a:ln>
+        </p:spPr>
+        <p:style>
+          <a:lnRef idx="1">
+            <a:schemeClr val="accent1"/>
+          </a:lnRef>
+          <a:fillRef idx="0">
+            <a:schemeClr val="accent1"/>
+          </a:fillRef>
+          <a:effectRef idx="0">
+            <a:schemeClr val="accent1"/>
+          </a:effectRef>
+          <a:fontRef idx="minor">
+            <a:schemeClr val="tx1"/>
+          </a:fontRef>
+        </p:style>
+      </p:cxnSp>
+      <p:sp>
+        <p:nvSpPr>
+          <p:cNvPr id="92" name="テキスト ボックス 91">
+            <a:extLst>
+              <a:ext uri="{FF2B5EF4-FFF2-40B4-BE49-F238E27FC236}">
+                <a16:creationId xmlns:a16="http://schemas.microsoft.com/office/drawing/2014/main" id="{4E30DFDD-E128-64AF-EBF2-8DF7908A3B11}"/>
+              </a:ext>
+            </a:extLst>
+          </p:cNvPr>
+          <p:cNvSpPr txBox="1"/>
+          <p:nvPr/>
+        </p:nvSpPr>
+        <p:spPr>
+          <a:xfrm>
+            <a:off x="6822115" y="4136032"/>
+            <a:ext cx="351378" cy="292388"/>
+          </a:xfrm>
+          <a:prstGeom prst="rect">
+            <a:avLst/>
+          </a:prstGeom>
+          <a:noFill/>
+          <a:effectLst>
+            <a:outerShdw blurRad="50800" dist="38100" dir="2700000" algn="tl" rotWithShape="0">
+              <a:prstClr val="black">
+                <a:alpha val="40000"/>
+              </a:prstClr>
+            </a:outerShdw>
+          </a:effectLst>
+        </p:spPr>
+        <p:txBody>
+          <a:bodyPr wrap="none" rtlCol="0">
+            <a:spAutoFit/>
+          </a:bodyPr>
+          <a:lstStyle/>
+          <a:p>
+            <a:r>
+              <a:rPr lang="en" altLang="ja-JP" sz="1300" dirty="0">
+                <a:solidFill>
+                  <a:srgbClr val="F8B62B"/>
+                </a:solidFill>
+                <a:latin typeface="Arial" panose="020B0604020202020204" pitchFamily="34" charset="0"/>
+                <a:cs typeface="Arial" panose="020B0604020202020204" pitchFamily="34" charset="0"/>
+              </a:rPr>
+              <a:t>★</a:t>
+            </a:r>
+            <a:endParaRPr kumimoji="1" lang="ja-JP" altLang="en-US" sz="1300">
+              <a:solidFill>
+                <a:srgbClr val="F8B62B"/>
+              </a:solidFill>
+              <a:latin typeface="Arial" panose="020B0604020202020204" pitchFamily="34" charset="0"/>
+              <a:cs typeface="Arial" panose="020B0604020202020204" pitchFamily="34" charset="0"/>
+            </a:endParaRPr>
+          </a:p>
+        </p:txBody>
+      </p:sp>
+      <p:sp>
+        <p:nvSpPr>
+          <p:cNvPr id="18" name="テキスト ボックス 17">
+            <a:extLst>
+              <a:ext uri="{FF2B5EF4-FFF2-40B4-BE49-F238E27FC236}">
+                <a16:creationId xmlns:a16="http://schemas.microsoft.com/office/drawing/2014/main" id="{22374696-596B-C9BB-0962-C5E9F7886C65}"/>
+              </a:ext>
+            </a:extLst>
+          </p:cNvPr>
+          <p:cNvSpPr txBox="1"/>
+          <p:nvPr/>
+        </p:nvSpPr>
+        <p:spPr>
+          <a:xfrm>
+            <a:off x="7732200" y="2516292"/>
+            <a:ext cx="351378" cy="292388"/>
+          </a:xfrm>
+          <a:prstGeom prst="rect">
+            <a:avLst/>
+          </a:prstGeom>
+          <a:noFill/>
+          <a:effectLst>
+            <a:outerShdw blurRad="50800" dist="38100" dir="2700000" algn="tl" rotWithShape="0">
+              <a:prstClr val="black">
+                <a:alpha val="40000"/>
+              </a:prstClr>
+            </a:outerShdw>
+          </a:effectLst>
+        </p:spPr>
+        <p:txBody>
+          <a:bodyPr wrap="none" rtlCol="0">
+            <a:spAutoFit/>
+          </a:bodyPr>
+          <a:lstStyle/>
+          <a:p>
+            <a:r>
+              <a:rPr lang="en" altLang="ja-JP" sz="1300" dirty="0">
+                <a:solidFill>
+                  <a:srgbClr val="F8B62B"/>
+                </a:solidFill>
+                <a:latin typeface="Arial" panose="020B0604020202020204" pitchFamily="34" charset="0"/>
+                <a:cs typeface="Arial" panose="020B0604020202020204" pitchFamily="34" charset="0"/>
+              </a:rPr>
+              <a:t>★</a:t>
+            </a:r>
+            <a:endParaRPr kumimoji="1" lang="ja-JP" altLang="en-US" sz="1300">
+              <a:solidFill>
+                <a:srgbClr val="F8B62B"/>
+              </a:solidFill>
+              <a:latin typeface="Arial" panose="020B0604020202020204" pitchFamily="34" charset="0"/>
+              <a:cs typeface="Arial" panose="020B0604020202020204" pitchFamily="34" charset="0"/>
+            </a:endParaRPr>
+          </a:p>
+        </p:txBody>
+      </p:sp>
+      <p:sp>
+        <p:nvSpPr>
+          <p:cNvPr id="19" name="テキスト ボックス 18">
+            <a:extLst>
+              <a:ext uri="{FF2B5EF4-FFF2-40B4-BE49-F238E27FC236}">
+                <a16:creationId xmlns:a16="http://schemas.microsoft.com/office/drawing/2014/main" id="{15F55A7A-0E26-B2B2-C77B-5C23F0EEAA03}"/>
+              </a:ext>
+            </a:extLst>
+          </p:cNvPr>
+          <p:cNvSpPr txBox="1"/>
+          <p:nvPr/>
+        </p:nvSpPr>
+        <p:spPr>
+          <a:xfrm>
+            <a:off x="8006256" y="2434365"/>
+            <a:ext cx="583814" cy="292388"/>
+          </a:xfrm>
+          <a:prstGeom prst="rect">
+            <a:avLst/>
+          </a:prstGeom>
+          <a:noFill/>
+        </p:spPr>
+        <p:txBody>
+          <a:bodyPr wrap="none" rtlCol="0">
+            <a:spAutoFit/>
+          </a:bodyPr>
+          <a:lstStyle/>
+          <a:p>
+            <a:r>
+              <a:rPr kumimoji="1" lang="en-US" altLang="ja-JP" sz="1300">
+                <a:solidFill>
+                  <a:schemeClr val="bg1"/>
+                </a:solidFill>
+                <a:latin typeface="Arial" panose="020B0604020202020204" pitchFamily="34" charset="0"/>
+                <a:ea typeface="Meiryo UI" panose="020B0604030504040204" pitchFamily="34" charset="-128"/>
+                <a:cs typeface="Arial" panose="020B0604020202020204" pitchFamily="34" charset="0"/>
+              </a:rPr>
+              <a:t>Iwate</a:t>
+            </a:r>
+            <a:endParaRPr kumimoji="1" lang="ja-JP" altLang="en-US" sz="1300">
+              <a:solidFill>
+                <a:schemeClr val="bg1"/>
+              </a:solidFill>
+              <a:latin typeface="Arial" panose="020B0604020202020204" pitchFamily="34" charset="0"/>
+              <a:ea typeface="Meiryo UI" panose="020B0604030504040204" pitchFamily="34" charset="-128"/>
+              <a:cs typeface="Arial" panose="020B0604020202020204" pitchFamily="34" charset="0"/>
+            </a:endParaRPr>
+          </a:p>
+        </p:txBody>
+      </p:sp>
+      <p:grpSp>
+        <p:nvGrpSpPr>
+          <p:cNvPr id="24" name="グループ化 23">
+            <a:extLst>
+              <a:ext uri="{FF2B5EF4-FFF2-40B4-BE49-F238E27FC236}">
+                <a16:creationId xmlns:a16="http://schemas.microsoft.com/office/drawing/2014/main" id="{F8B2CBAD-3C9B-B542-C22F-70B7142C2176}"/>
+              </a:ext>
+            </a:extLst>
+          </p:cNvPr>
+          <p:cNvGrpSpPr/>
+          <p:nvPr/>
+        </p:nvGrpSpPr>
+        <p:grpSpPr>
+          <a:xfrm>
+            <a:off x="6122485" y="3797099"/>
+            <a:ext cx="1058238" cy="445288"/>
+            <a:chOff x="3586053" y="2708324"/>
+            <a:chExt cx="1058238" cy="445288"/>
+          </a:xfrm>
+        </p:grpSpPr>
+        <p:sp>
+          <p:nvSpPr>
+            <p:cNvPr id="35" name="テキスト ボックス 34">
+              <a:extLst>
+                <a:ext uri="{FF2B5EF4-FFF2-40B4-BE49-F238E27FC236}">
+                  <a16:creationId xmlns:a16="http://schemas.microsoft.com/office/drawing/2014/main" id="{8FABB0F1-DFD1-CB22-78DA-ED6BBD1DB2FA}"/>
+                </a:ext>
+              </a:extLst>
+            </p:cNvPr>
+            <p:cNvSpPr txBox="1"/>
+            <p:nvPr/>
+          </p:nvSpPr>
+          <p:spPr>
+            <a:xfrm>
+              <a:off x="3586053" y="2708324"/>
+              <a:ext cx="1058238" cy="292388"/>
+            </a:xfrm>
+            <a:prstGeom prst="rect">
+              <a:avLst/>
+            </a:prstGeom>
+            <a:noFill/>
+          </p:spPr>
+          <p:txBody>
+            <a:bodyPr wrap="none" rtlCol="0">
+              <a:spAutoFit/>
+            </a:bodyPr>
+            <a:lstStyle/>
+            <a:p>
+              <a:r>
+                <a:rPr kumimoji="1" lang="en-US" altLang="ja-JP" sz="1300">
+                  <a:solidFill>
+                    <a:schemeClr val="bg1"/>
+                  </a:solidFill>
+                  <a:latin typeface="Meiryo UI" panose="020B0604030504040204" pitchFamily="34" charset="-128"/>
+                  <a:ea typeface="Meiryo UI" panose="020B0604030504040204" pitchFamily="34" charset="-128"/>
+                  <a:cs typeface="Arial" panose="020B0604020202020204" pitchFamily="34" charset="0"/>
+                </a:rPr>
+                <a:t>Yamanashi</a:t>
+              </a:r>
+              <a:endParaRPr kumimoji="1" lang="ja-JP" altLang="en-US" sz="1300">
+                <a:solidFill>
+                  <a:schemeClr val="bg1"/>
+                </a:solidFill>
+                <a:latin typeface="Meiryo UI" panose="020B0604030504040204" pitchFamily="34" charset="-128"/>
+                <a:ea typeface="Meiryo UI" panose="020B0604030504040204" pitchFamily="34" charset="-128"/>
+                <a:cs typeface="Arial" panose="020B0604020202020204" pitchFamily="34" charset="0"/>
+              </a:endParaRPr>
+            </a:p>
+          </p:txBody>
+        </p:sp>
+        <p:cxnSp>
+          <p:nvCxnSpPr>
+            <p:cNvPr id="67" name="直線コネクタ 66">
+              <a:extLst>
+                <a:ext uri="{FF2B5EF4-FFF2-40B4-BE49-F238E27FC236}">
+                  <a16:creationId xmlns:a16="http://schemas.microsoft.com/office/drawing/2014/main" id="{23B1814D-9D55-703C-5424-EA39D071F255}"/>
+                </a:ext>
+              </a:extLst>
+            </p:cNvPr>
+            <p:cNvCxnSpPr>
+              <a:cxnSpLocks/>
+            </p:cNvCxnSpPr>
+            <p:nvPr/>
+          </p:nvCxnSpPr>
+          <p:spPr>
+            <a:xfrm flipH="1" flipV="1">
+              <a:off x="4327178" y="2943517"/>
+              <a:ext cx="108814" cy="42440"/>
+            </a:xfrm>
+            <a:prstGeom prst="line">
+              <a:avLst/>
+            </a:prstGeom>
+            <a:ln w="12700">
+              <a:solidFill>
+                <a:schemeClr val="bg1"/>
+              </a:solidFill>
+            </a:ln>
+          </p:spPr>
+          <p:style>
+            <a:lnRef idx="1">
+              <a:schemeClr val="accent1"/>
+            </a:lnRef>
+            <a:fillRef idx="0">
+              <a:schemeClr val="accent1"/>
+            </a:fillRef>
+            <a:effectRef idx="0">
+              <a:schemeClr val="accent1"/>
+            </a:effectRef>
+            <a:fontRef idx="minor">
+              <a:schemeClr val="tx1"/>
+            </a:fontRef>
+          </p:style>
+        </p:cxnSp>
+        <p:sp>
+          <p:nvSpPr>
+            <p:cNvPr id="68" name="テキスト ボックス 67">
+              <a:extLst>
+                <a:ext uri="{FF2B5EF4-FFF2-40B4-BE49-F238E27FC236}">
+                  <a16:creationId xmlns:a16="http://schemas.microsoft.com/office/drawing/2014/main" id="{8AB683BB-FF86-D4B8-AF7A-43AFE9948C4C}"/>
+                </a:ext>
+              </a:extLst>
+            </p:cNvPr>
+            <p:cNvSpPr txBox="1"/>
+            <p:nvPr/>
+          </p:nvSpPr>
+          <p:spPr>
+            <a:xfrm>
+              <a:off x="4275100" y="2861224"/>
+              <a:ext cx="351378" cy="292388"/>
+            </a:xfrm>
+            <a:prstGeom prst="rect">
+              <a:avLst/>
+            </a:prstGeom>
+            <a:noFill/>
+            <a:effectLst>
+              <a:outerShdw blurRad="50800" dist="38100" dir="2700000" algn="tl" rotWithShape="0">
+                <a:prstClr val="black">
+                  <a:alpha val="40000"/>
+                </a:prstClr>
+              </a:outerShdw>
+            </a:effectLst>
+          </p:spPr>
+          <p:txBody>
+            <a:bodyPr wrap="none" rtlCol="0">
+              <a:spAutoFit/>
+            </a:bodyPr>
+            <a:lstStyle/>
+            <a:p>
+              <a:r>
+                <a:rPr lang="en" altLang="ja-JP" sz="1300" dirty="0">
+                  <a:solidFill>
+                    <a:srgbClr val="F8B62B"/>
+                  </a:solidFill>
+                  <a:latin typeface="Arial" panose="020B0604020202020204" pitchFamily="34" charset="0"/>
+                  <a:cs typeface="Arial" panose="020B0604020202020204" pitchFamily="34" charset="0"/>
+                </a:rPr>
+                <a:t>★</a:t>
+              </a:r>
+              <a:endParaRPr kumimoji="1" lang="ja-JP" altLang="en-US" sz="1300">
+                <a:solidFill>
+                  <a:srgbClr val="F8B62B"/>
+                </a:solidFill>
+                <a:latin typeface="Arial" panose="020B0604020202020204" pitchFamily="34" charset="0"/>
+                <a:cs typeface="Arial" panose="020B0604020202020204" pitchFamily="34" charset="0"/>
+              </a:endParaRPr>
+            </a:p>
+          </p:txBody>
+        </p:sp>
+      </p:grpSp>
     </p:spTree>
     <p:extLst>
       <p:ext uri="{BB962C8B-B14F-4D97-AF65-F5344CB8AC3E}">
